--- a/doc/pic/arch/dubbo-go-arch.pptx
+++ b/doc/pic/arch/dubbo-go-arch.pptx
@@ -2152,7 +2152,7 @@
           </a:ln>
           <a:extLst>
             <a:ext uri="{C572A759-6A51-4108-AA02-DFA0A04FC94B}">
-              <ma14:wrappingTextBoxFlag xmlns="" xmlns:m="http://schemas.openxmlformats.org/officeDocument/2006/math" xmlns:a14="http://schemas.microsoft.com/office/drawing/2010/main" xmlns:ma14="http://schemas.microsoft.com/office/mac/drawingml/2011/main" val="1"/>
+              <ma14:wrappingTextBoxFlag xmlns:ma14="http://schemas.microsoft.com/office/mac/drawingml/2011/main" xmlns:a14="http://schemas.microsoft.com/office/drawing/2010/main" xmlns:m="http://schemas.openxmlformats.org/officeDocument/2006/math" xmlns="" val="1"/>
             </a:ext>
           </a:extLst>
         </p:spPr>
@@ -2191,7 +2191,7 @@
           </a:ln>
           <a:extLst>
             <a:ext uri="{C572A759-6A51-4108-AA02-DFA0A04FC94B}">
-              <ma14:wrappingTextBoxFlag xmlns="" xmlns:m="http://schemas.openxmlformats.org/officeDocument/2006/math" xmlns:a14="http://schemas.microsoft.com/office/drawing/2010/main" xmlns:ma14="http://schemas.microsoft.com/office/mac/drawingml/2011/main" val="1"/>
+              <ma14:wrappingTextBoxFlag xmlns:ma14="http://schemas.microsoft.com/office/mac/drawingml/2011/main" xmlns:a14="http://schemas.microsoft.com/office/drawing/2010/main" xmlns:m="http://schemas.openxmlformats.org/officeDocument/2006/math" xmlns="" val="1"/>
             </a:ext>
           </a:extLst>
         </p:spPr>
@@ -3025,14 +3025,74 @@
       </p:grpSpPr>
       <p:sp>
         <p:nvSpPr>
+          <p:cNvPr id="85" name="Registries">
+            <a:extLst>
+              <a:ext uri="{FF2B5EF4-FFF2-40B4-BE49-F238E27FC236}">
+                <a16:creationId xmlns:a16="http://schemas.microsoft.com/office/drawing/2014/main" id="{08355548-0A2A-4011-A720-D30808C4CF3D}"/>
+              </a:ext>
+            </a:extLst>
+          </p:cNvPr>
+          <p:cNvSpPr/>
+          <p:nvPr/>
+        </p:nvSpPr>
+        <p:spPr>
+          <a:xfrm>
+            <a:off x="3770142" y="7691312"/>
+            <a:ext cx="10297550" cy="1880899"/>
+          </a:xfrm>
+          <a:prstGeom prst="roundRect">
+            <a:avLst>
+              <a:gd name="adj" fmla="val 7483"/>
+            </a:avLst>
+          </a:prstGeom>
+          <a:solidFill>
+            <a:srgbClr val="F2F2F2"/>
+          </a:solidFill>
+          <a:ln w="12700" cap="flat">
+            <a:noFill/>
+            <a:miter lim="400000"/>
+          </a:ln>
+          <a:effectLst>
+            <a:outerShdw blurRad="38100" dist="25400" dir="5400000" rotWithShape="0">
+              <a:srgbClr val="000000">
+                <a:alpha val="50000"/>
+              </a:srgbClr>
+            </a:outerShdw>
+          </a:effectLst>
+          <a:extLst>
+            <a:ext uri="{C572A759-6A51-4108-AA02-DFA0A04FC94B}">
+              <ma14:wrappingTextBoxFlag xmlns:ma14="http://schemas.microsoft.com/office/mac/drawingml/2011/main" xmlns:a14="http://schemas.microsoft.com/office/drawing/2010/main" xmlns:m="http://schemas.openxmlformats.org/officeDocument/2006/math" xmlns="" val="1"/>
+            </a:ext>
+          </a:extLst>
+        </p:spPr>
+        <p:txBody>
+          <a:bodyPr wrap="square" lIns="50800" tIns="50800" rIns="50800" bIns="50800" numCol="1" anchor="t">
+            <a:noAutofit/>
+          </a:bodyPr>
+          <a:lstStyle/>
+          <a:p>
+            <a:pPr algn="r"/>
+            <a:endParaRPr dirty="0">
+              <a:solidFill>
+                <a:schemeClr val="tx1"/>
+              </a:solidFill>
+              <a:latin typeface="微软雅黑" panose="020B0503020204020204" pitchFamily="34" charset="-122"/>
+              <a:ea typeface="微软雅黑" panose="020B0503020204020204" pitchFamily="34" charset="-122"/>
+              <a:cs typeface="Helvetica Light"/>
+            </a:endParaRPr>
+          </a:p>
+        </p:txBody>
+      </p:sp>
+      <p:sp>
+        <p:nvSpPr>
           <p:cNvPr id="119" name="Line"/>
           <p:cNvSpPr/>
           <p:nvPr/>
         </p:nvSpPr>
         <p:spPr>
           <a:xfrm>
-            <a:off x="5487757" y="5252446"/>
-            <a:ext cx="547245" cy="1"/>
+            <a:off x="5511379" y="4795232"/>
+            <a:ext cx="500002" cy="2"/>
           </a:xfrm>
           <a:prstGeom prst="line">
             <a:avLst/>
@@ -3077,8 +3137,8 @@
         </p:nvSpPr>
         <p:spPr>
           <a:xfrm>
-            <a:off x="349857" y="3058005"/>
-            <a:ext cx="8359143" cy="4040035"/>
+            <a:off x="710678" y="2961146"/>
+            <a:ext cx="7685853" cy="4083381"/>
           </a:xfrm>
           <a:prstGeom prst="roundRect">
             <a:avLst>
@@ -3101,7 +3161,7 @@
           </a:effectLst>
           <a:extLst>
             <a:ext uri="{C572A759-6A51-4108-AA02-DFA0A04FC94B}">
-              <ma14:wrappingTextBoxFlag xmlns="" xmlns:m="http://schemas.openxmlformats.org/officeDocument/2006/math" xmlns:a14="http://schemas.microsoft.com/office/drawing/2010/main" xmlns:ma14="http://schemas.microsoft.com/office/mac/drawingml/2011/main" val="1"/>
+              <ma14:wrappingTextBoxFlag xmlns:ma14="http://schemas.microsoft.com/office/mac/drawingml/2011/main" xmlns:a14="http://schemas.microsoft.com/office/drawing/2010/main" xmlns:m="http://schemas.openxmlformats.org/officeDocument/2006/math" xmlns="" val="1"/>
             </a:ext>
           </a:extLst>
         </p:spPr>
@@ -3144,8 +3204,8 @@
         </p:nvSpPr>
         <p:spPr>
           <a:xfrm>
-            <a:off x="6884752" y="3826677"/>
-            <a:ext cx="1463426" cy="2526435"/>
+            <a:off x="6947921" y="3594812"/>
+            <a:ext cx="1337088" cy="2075738"/>
           </a:xfrm>
           <a:prstGeom prst="roundRect">
             <a:avLst>
@@ -3171,7 +3231,7 @@
           </a:effectLst>
           <a:extLst>
             <a:ext uri="{C572A759-6A51-4108-AA02-DFA0A04FC94B}">
-              <ma14:wrappingTextBoxFlag xmlns="" xmlns:m="http://schemas.openxmlformats.org/officeDocument/2006/math" xmlns:a14="http://schemas.microsoft.com/office/drawing/2010/main" xmlns:ma14="http://schemas.microsoft.com/office/mac/drawingml/2011/main" val="1"/>
+              <ma14:wrappingTextBoxFlag xmlns:ma14="http://schemas.microsoft.com/office/mac/drawingml/2011/main" xmlns:a14="http://schemas.microsoft.com/office/drawing/2010/main" xmlns:m="http://schemas.openxmlformats.org/officeDocument/2006/math" xmlns="" val="1"/>
             </a:ext>
           </a:extLst>
         </p:spPr>
@@ -3200,8 +3260,8 @@
         </p:nvSpPr>
         <p:spPr>
           <a:xfrm>
-            <a:off x="6957555" y="5356531"/>
-            <a:ext cx="1335057" cy="751093"/>
+            <a:off x="7015183" y="4966312"/>
+            <a:ext cx="1219802" cy="617104"/>
           </a:xfrm>
           <a:prstGeom prst="roundRect">
             <a:avLst>
@@ -3224,7 +3284,7 @@
           </a:effectLst>
           <a:extLst>
             <a:ext uri="{C572A759-6A51-4108-AA02-DFA0A04FC94B}">
-              <ma14:wrappingTextBoxFlag xmlns="" xmlns:m="http://schemas.openxmlformats.org/officeDocument/2006/math" xmlns:a14="http://schemas.microsoft.com/office/drawing/2010/main" xmlns:ma14="http://schemas.microsoft.com/office/mac/drawingml/2011/main" val="1"/>
+              <ma14:wrappingTextBoxFlag xmlns:ma14="http://schemas.microsoft.com/office/mac/drawingml/2011/main" xmlns:a14="http://schemas.microsoft.com/office/drawing/2010/main" xmlns:m="http://schemas.openxmlformats.org/officeDocument/2006/math" xmlns="" val="1"/>
             </a:ext>
           </a:extLst>
         </p:spPr>
@@ -3256,8 +3316,8 @@
         </p:nvSpPr>
         <p:spPr>
           <a:xfrm>
-            <a:off x="6948871" y="4345691"/>
-            <a:ext cx="1335057" cy="751965"/>
+            <a:off x="7006499" y="3955549"/>
+            <a:ext cx="1219802" cy="617822"/>
           </a:xfrm>
           <a:prstGeom prst="roundRect">
             <a:avLst>
@@ -3280,7 +3340,7 @@
           </a:effectLst>
           <a:extLst>
             <a:ext uri="{C572A759-6A51-4108-AA02-DFA0A04FC94B}">
-              <ma14:wrappingTextBoxFlag xmlns="" xmlns:m="http://schemas.openxmlformats.org/officeDocument/2006/math" xmlns:a14="http://schemas.microsoft.com/office/drawing/2010/main" xmlns:ma14="http://schemas.microsoft.com/office/mac/drawingml/2011/main" val="1"/>
+              <ma14:wrappingTextBoxFlag xmlns:ma14="http://schemas.microsoft.com/office/mac/drawingml/2011/main" xmlns:a14="http://schemas.microsoft.com/office/drawing/2010/main" xmlns:m="http://schemas.openxmlformats.org/officeDocument/2006/math" xmlns="" val="1"/>
             </a:ext>
           </a:extLst>
         </p:spPr>
@@ -3323,8 +3383,8 @@
         </p:nvSpPr>
         <p:spPr>
           <a:xfrm>
-            <a:off x="5440290" y="3818156"/>
-            <a:ext cx="1186872" cy="2534956"/>
+            <a:off x="5491521" y="3587051"/>
+            <a:ext cx="1084410" cy="2082738"/>
           </a:xfrm>
           <a:prstGeom prst="roundRect">
             <a:avLst>
@@ -3350,7 +3410,7 @@
           </a:effectLst>
           <a:extLst>
             <a:ext uri="{C572A759-6A51-4108-AA02-DFA0A04FC94B}">
-              <ma14:wrappingTextBoxFlag xmlns="" xmlns:m="http://schemas.openxmlformats.org/officeDocument/2006/math" xmlns:a14="http://schemas.microsoft.com/office/drawing/2010/main" xmlns:ma14="http://schemas.microsoft.com/office/mac/drawingml/2011/main" val="1"/>
+              <ma14:wrappingTextBoxFlag xmlns:ma14="http://schemas.microsoft.com/office/mac/drawingml/2011/main" xmlns:a14="http://schemas.microsoft.com/office/drawing/2010/main" xmlns:m="http://schemas.openxmlformats.org/officeDocument/2006/math" xmlns="" val="1"/>
             </a:ext>
           </a:extLst>
         </p:spPr>
@@ -3379,8 +3439,8 @@
         </p:nvSpPr>
         <p:spPr>
           <a:xfrm>
-            <a:off x="5522797" y="4968297"/>
-            <a:ext cx="1035149" cy="496988"/>
+            <a:off x="5567479" y="4555412"/>
+            <a:ext cx="945786" cy="408330"/>
           </a:xfrm>
           <a:prstGeom prst="roundRect">
             <a:avLst>
@@ -3403,7 +3463,7 @@
           </a:effectLst>
           <a:extLst>
             <a:ext uri="{C572A759-6A51-4108-AA02-DFA0A04FC94B}">
-              <ma14:wrappingTextBoxFlag xmlns="" xmlns:m="http://schemas.openxmlformats.org/officeDocument/2006/math" xmlns:a14="http://schemas.microsoft.com/office/drawing/2010/main" xmlns:ma14="http://schemas.microsoft.com/office/mac/drawingml/2011/main" val="1"/>
+              <ma14:wrappingTextBoxFlag xmlns:ma14="http://schemas.microsoft.com/office/mac/drawingml/2011/main" xmlns:a14="http://schemas.microsoft.com/office/drawing/2010/main" xmlns:m="http://schemas.openxmlformats.org/officeDocument/2006/math" xmlns="" val="1"/>
             </a:ext>
           </a:extLst>
         </p:spPr>
@@ -3448,8 +3508,8 @@
         </p:nvSpPr>
         <p:spPr>
           <a:xfrm>
-            <a:off x="5515620" y="4343182"/>
-            <a:ext cx="1035149" cy="278268"/>
+            <a:off x="5560302" y="3910788"/>
+            <a:ext cx="945786" cy="228628"/>
           </a:xfrm>
           <a:prstGeom prst="roundRect">
             <a:avLst/>
@@ -3470,7 +3530,7 @@
           </a:effectLst>
           <a:extLst>
             <a:ext uri="{C572A759-6A51-4108-AA02-DFA0A04FC94B}">
-              <ma14:wrappingTextBoxFlag xmlns="" xmlns:m="http://schemas.openxmlformats.org/officeDocument/2006/math" xmlns:a14="http://schemas.microsoft.com/office/drawing/2010/main" xmlns:ma14="http://schemas.microsoft.com/office/mac/drawingml/2011/main" val="1"/>
+              <ma14:wrappingTextBoxFlag xmlns:ma14="http://schemas.microsoft.com/office/mac/drawingml/2011/main" xmlns:a14="http://schemas.microsoft.com/office/drawing/2010/main" xmlns:m="http://schemas.openxmlformats.org/officeDocument/2006/math" xmlns="" val="1"/>
             </a:ext>
           </a:extLst>
         </p:spPr>
@@ -3513,8 +3573,8 @@
         </p:nvSpPr>
         <p:spPr>
           <a:xfrm>
-            <a:off x="5515620" y="5812131"/>
-            <a:ext cx="1035149" cy="295494"/>
+            <a:off x="5560302" y="5381274"/>
+            <a:ext cx="945786" cy="242780"/>
           </a:xfrm>
           <a:prstGeom prst="roundRect">
             <a:avLst/>
@@ -3535,7 +3595,7 @@
           </a:effectLst>
           <a:extLst>
             <a:ext uri="{C572A759-6A51-4108-AA02-DFA0A04FC94B}">
-              <ma14:wrappingTextBoxFlag xmlns="" xmlns:m="http://schemas.openxmlformats.org/officeDocument/2006/math" xmlns:a14="http://schemas.microsoft.com/office/drawing/2010/main" xmlns:ma14="http://schemas.microsoft.com/office/mac/drawingml/2011/main" val="1"/>
+              <ma14:wrappingTextBoxFlag xmlns:ma14="http://schemas.microsoft.com/office/mac/drawingml/2011/main" xmlns:a14="http://schemas.microsoft.com/office/drawing/2010/main" xmlns:m="http://schemas.openxmlformats.org/officeDocument/2006/math" xmlns="" val="1"/>
             </a:ext>
           </a:extLst>
         </p:spPr>
@@ -3567,8 +3627,8 @@
         </p:nvSpPr>
         <p:spPr>
           <a:xfrm>
-            <a:off x="2335544" y="3826678"/>
-            <a:ext cx="2862435" cy="2526434"/>
+            <a:off x="2459101" y="3594812"/>
+            <a:ext cx="2615322" cy="2075738"/>
           </a:xfrm>
           <a:prstGeom prst="roundRect">
             <a:avLst>
@@ -3594,7 +3654,7 @@
           </a:effectLst>
           <a:extLst>
             <a:ext uri="{C572A759-6A51-4108-AA02-DFA0A04FC94B}">
-              <ma14:wrappingTextBoxFlag xmlns="" xmlns:m="http://schemas.openxmlformats.org/officeDocument/2006/math" xmlns:a14="http://schemas.microsoft.com/office/drawing/2010/main" xmlns:ma14="http://schemas.microsoft.com/office/mac/drawingml/2011/main" val="1"/>
+              <ma14:wrappingTextBoxFlag xmlns:ma14="http://schemas.microsoft.com/office/mac/drawingml/2011/main" xmlns:a14="http://schemas.microsoft.com/office/drawing/2010/main" xmlns:m="http://schemas.openxmlformats.org/officeDocument/2006/math" xmlns="" val="1"/>
             </a:ext>
           </a:extLst>
         </p:spPr>
@@ -3623,8 +3683,8 @@
         </p:nvSpPr>
         <p:spPr>
           <a:xfrm>
-            <a:off x="3860648" y="4345650"/>
-            <a:ext cx="1211306" cy="275800"/>
+            <a:off x="3912934" y="3913036"/>
+            <a:ext cx="1106734" cy="226600"/>
           </a:xfrm>
           <a:prstGeom prst="roundRect">
             <a:avLst/>
@@ -3645,7 +3705,7 @@
           </a:effectLst>
           <a:extLst>
             <a:ext uri="{C572A759-6A51-4108-AA02-DFA0A04FC94B}">
-              <ma14:wrappingTextBoxFlag xmlns="" xmlns:m="http://schemas.openxmlformats.org/officeDocument/2006/math" xmlns:a14="http://schemas.microsoft.com/office/drawing/2010/main" xmlns:ma14="http://schemas.microsoft.com/office/mac/drawingml/2011/main" val="1"/>
+              <ma14:wrappingTextBoxFlag xmlns:ma14="http://schemas.microsoft.com/office/mac/drawingml/2011/main" xmlns:a14="http://schemas.microsoft.com/office/drawing/2010/main" xmlns:m="http://schemas.openxmlformats.org/officeDocument/2006/math" xmlns="" val="1"/>
             </a:ext>
           </a:extLst>
         </p:spPr>
@@ -3677,8 +3737,8 @@
         </p:nvSpPr>
         <p:spPr>
           <a:xfrm>
-            <a:off x="3860648" y="4833613"/>
-            <a:ext cx="1211306" cy="496606"/>
+            <a:off x="3912934" y="4420694"/>
+            <a:ext cx="1106734" cy="408016"/>
           </a:xfrm>
           <a:prstGeom prst="roundRect">
             <a:avLst>
@@ -3701,7 +3761,7 @@
           </a:effectLst>
           <a:extLst>
             <a:ext uri="{C572A759-6A51-4108-AA02-DFA0A04FC94B}">
-              <ma14:wrappingTextBoxFlag xmlns="" xmlns:m="http://schemas.openxmlformats.org/officeDocument/2006/math" xmlns:a14="http://schemas.microsoft.com/office/drawing/2010/main" xmlns:ma14="http://schemas.microsoft.com/office/mac/drawingml/2011/main" val="1"/>
+              <ma14:wrappingTextBoxFlag xmlns:ma14="http://schemas.microsoft.com/office/mac/drawingml/2011/main" xmlns:a14="http://schemas.microsoft.com/office/drawing/2010/main" xmlns:m="http://schemas.openxmlformats.org/officeDocument/2006/math" xmlns="" val="1"/>
             </a:ext>
           </a:extLst>
         </p:spPr>
@@ -3746,8 +3806,8 @@
         </p:nvSpPr>
         <p:spPr>
           <a:xfrm>
-            <a:off x="3864023" y="5542381"/>
-            <a:ext cx="1211306" cy="568095"/>
+            <a:off x="3916309" y="5135839"/>
+            <a:ext cx="1106734" cy="466752"/>
           </a:xfrm>
           <a:prstGeom prst="roundRect">
             <a:avLst>
@@ -3770,7 +3830,7 @@
           </a:effectLst>
           <a:extLst>
             <a:ext uri="{C572A759-6A51-4108-AA02-DFA0A04FC94B}">
-              <ma14:wrappingTextBoxFlag xmlns="" xmlns:m="http://schemas.openxmlformats.org/officeDocument/2006/math" xmlns:a14="http://schemas.microsoft.com/office/drawing/2010/main" xmlns:ma14="http://schemas.microsoft.com/office/mac/drawingml/2011/main" val="1"/>
+              <ma14:wrappingTextBoxFlag xmlns:ma14="http://schemas.microsoft.com/office/mac/drawingml/2011/main" xmlns:a14="http://schemas.microsoft.com/office/drawing/2010/main" xmlns:m="http://schemas.openxmlformats.org/officeDocument/2006/math" xmlns="" val="1"/>
             </a:ext>
           </a:extLst>
         </p:spPr>
@@ -3815,8 +3875,8 @@
         </p:nvSpPr>
         <p:spPr>
           <a:xfrm>
-            <a:off x="2449022" y="4346174"/>
-            <a:ext cx="1211307" cy="286440"/>
+            <a:off x="2501308" y="3914509"/>
+            <a:ext cx="1106736" cy="235342"/>
           </a:xfrm>
           <a:prstGeom prst="roundRect">
             <a:avLst/>
@@ -3837,7 +3897,7 @@
           </a:effectLst>
           <a:extLst>
             <a:ext uri="{C572A759-6A51-4108-AA02-DFA0A04FC94B}">
-              <ma14:wrappingTextBoxFlag xmlns="" xmlns:m="http://schemas.openxmlformats.org/officeDocument/2006/math" xmlns:a14="http://schemas.microsoft.com/office/drawing/2010/main" xmlns:ma14="http://schemas.microsoft.com/office/mac/drawingml/2011/main" val="1"/>
+              <ma14:wrappingTextBoxFlag xmlns:ma14="http://schemas.microsoft.com/office/mac/drawingml/2011/main" xmlns:a14="http://schemas.microsoft.com/office/drawing/2010/main" xmlns:m="http://schemas.openxmlformats.org/officeDocument/2006/math" xmlns="" val="1"/>
             </a:ext>
           </a:extLst>
         </p:spPr>
@@ -3869,8 +3929,8 @@
         </p:nvSpPr>
         <p:spPr>
           <a:xfrm>
-            <a:off x="2442223" y="4834111"/>
-            <a:ext cx="1211307" cy="290173"/>
+            <a:off x="2494509" y="4402779"/>
+            <a:ext cx="1106736" cy="238410"/>
           </a:xfrm>
           <a:prstGeom prst="roundRect">
             <a:avLst/>
@@ -3891,7 +3951,7 @@
           </a:effectLst>
           <a:extLst>
             <a:ext uri="{C572A759-6A51-4108-AA02-DFA0A04FC94B}">
-              <ma14:wrappingTextBoxFlag xmlns="" xmlns:m="http://schemas.openxmlformats.org/officeDocument/2006/math" xmlns:a14="http://schemas.microsoft.com/office/drawing/2010/main" xmlns:ma14="http://schemas.microsoft.com/office/mac/drawingml/2011/main" val="1"/>
+              <ma14:wrappingTextBoxFlag xmlns:ma14="http://schemas.microsoft.com/office/mac/drawingml/2011/main" xmlns:a14="http://schemas.microsoft.com/office/drawing/2010/main" xmlns:m="http://schemas.openxmlformats.org/officeDocument/2006/math" xmlns="" val="1"/>
             </a:ext>
           </a:extLst>
         </p:spPr>
@@ -3931,8 +3991,8 @@
         </p:nvSpPr>
         <p:spPr>
           <a:xfrm>
-            <a:off x="2449022" y="5328478"/>
-            <a:ext cx="1211307" cy="287476"/>
+            <a:off x="2501308" y="4896906"/>
+            <a:ext cx="1106736" cy="236192"/>
           </a:xfrm>
           <a:prstGeom prst="roundRect">
             <a:avLst/>
@@ -3953,7 +4013,7 @@
           </a:effectLst>
           <a:extLst>
             <a:ext uri="{C572A759-6A51-4108-AA02-DFA0A04FC94B}">
-              <ma14:wrappingTextBoxFlag xmlns="" xmlns:m="http://schemas.openxmlformats.org/officeDocument/2006/math" xmlns:a14="http://schemas.microsoft.com/office/drawing/2010/main" xmlns:ma14="http://schemas.microsoft.com/office/mac/drawingml/2011/main" val="1"/>
+              <ma14:wrappingTextBoxFlag xmlns:ma14="http://schemas.microsoft.com/office/mac/drawingml/2011/main" xmlns:a14="http://schemas.microsoft.com/office/drawing/2010/main" xmlns:m="http://schemas.openxmlformats.org/officeDocument/2006/math" xmlns="" val="1"/>
             </a:ext>
           </a:extLst>
         </p:spPr>
@@ -3985,8 +4045,8 @@
         </p:nvSpPr>
         <p:spPr>
           <a:xfrm>
-            <a:off x="2449022" y="5817389"/>
-            <a:ext cx="1211307" cy="290235"/>
+            <a:off x="2501308" y="5386063"/>
+            <a:ext cx="1106736" cy="238460"/>
           </a:xfrm>
           <a:prstGeom prst="roundRect">
             <a:avLst/>
@@ -4007,7 +4067,7 @@
           </a:effectLst>
           <a:extLst>
             <a:ext uri="{C572A759-6A51-4108-AA02-DFA0A04FC94B}">
-              <ma14:wrappingTextBoxFlag xmlns="" xmlns:m="http://schemas.openxmlformats.org/officeDocument/2006/math" xmlns:a14="http://schemas.microsoft.com/office/drawing/2010/main" xmlns:ma14="http://schemas.microsoft.com/office/mac/drawingml/2011/main" val="1"/>
+              <ma14:wrappingTextBoxFlag xmlns:ma14="http://schemas.microsoft.com/office/mac/drawingml/2011/main" xmlns:a14="http://schemas.microsoft.com/office/drawing/2010/main" xmlns:m="http://schemas.openxmlformats.org/officeDocument/2006/math" xmlns="" val="1"/>
             </a:ext>
           </a:extLst>
         </p:spPr>
@@ -4039,8 +4099,8 @@
         </p:nvSpPr>
         <p:spPr>
           <a:xfrm>
-            <a:off x="3276650" y="3191563"/>
-            <a:ext cx="2505556" cy="508001"/>
+            <a:off x="3280727" y="3068650"/>
+            <a:ext cx="2289252" cy="417378"/>
           </a:xfrm>
           <a:prstGeom prst="roundRect">
             <a:avLst/>
@@ -4061,7 +4121,7 @@
           </a:effectLst>
           <a:extLst>
             <a:ext uri="{C572A759-6A51-4108-AA02-DFA0A04FC94B}">
-              <ma14:wrappingTextBoxFlag xmlns="" xmlns:m="http://schemas.openxmlformats.org/officeDocument/2006/math" xmlns:a14="http://schemas.microsoft.com/office/drawing/2010/main" xmlns:ma14="http://schemas.microsoft.com/office/mac/drawingml/2011/main" val="1"/>
+              <ma14:wrappingTextBoxFlag xmlns:ma14="http://schemas.microsoft.com/office/mac/drawingml/2011/main" xmlns:a14="http://schemas.microsoft.com/office/drawing/2010/main" xmlns:m="http://schemas.openxmlformats.org/officeDocument/2006/math" xmlns="" val="1"/>
             </a:ext>
           </a:extLst>
         </p:spPr>
@@ -4101,8 +4161,8 @@
         </p:nvSpPr>
         <p:spPr>
           <a:xfrm>
-            <a:off x="2249795" y="6470384"/>
-            <a:ext cx="4559266" cy="508001"/>
+            <a:off x="2446595" y="5974074"/>
+            <a:ext cx="4165666" cy="417378"/>
           </a:xfrm>
           <a:prstGeom prst="roundRect">
             <a:avLst/>
@@ -4125,7 +4185,7 @@
           </a:effectLst>
           <a:extLst>
             <a:ext uri="{C572A759-6A51-4108-AA02-DFA0A04FC94B}">
-              <ma14:wrappingTextBoxFlag xmlns="" xmlns:m="http://schemas.openxmlformats.org/officeDocument/2006/math" xmlns:a14="http://schemas.microsoft.com/office/drawing/2010/main" xmlns:ma14="http://schemas.microsoft.com/office/mac/drawingml/2011/main" val="1"/>
+              <ma14:wrappingTextBoxFlag xmlns:ma14="http://schemas.microsoft.com/office/mac/drawingml/2011/main" xmlns:a14="http://schemas.microsoft.com/office/drawing/2010/main" xmlns:m="http://schemas.openxmlformats.org/officeDocument/2006/math" xmlns="" val="1"/>
             </a:ext>
           </a:extLst>
         </p:spPr>
@@ -4165,8 +4225,8 @@
         </p:nvSpPr>
         <p:spPr>
           <a:xfrm>
-            <a:off x="5178634" y="5097656"/>
-            <a:ext cx="287005" cy="0"/>
+            <a:off x="5191023" y="4640442"/>
+            <a:ext cx="262228" cy="0"/>
           </a:xfrm>
           <a:prstGeom prst="line">
             <a:avLst/>
@@ -4219,8 +4279,8 @@
         </p:nvSpPr>
         <p:spPr>
           <a:xfrm>
-            <a:off x="2075578" y="5097656"/>
-            <a:ext cx="266816" cy="1"/>
+            <a:off x="2087095" y="4640442"/>
+            <a:ext cx="243782" cy="2"/>
           </a:xfrm>
           <a:prstGeom prst="line">
             <a:avLst/>
@@ -4277,8 +4337,8 @@
         </p:nvSpPr>
         <p:spPr>
           <a:xfrm>
-            <a:off x="9578333" y="3033577"/>
-            <a:ext cx="7469264" cy="4064001"/>
+            <a:off x="9900742" y="2938857"/>
+            <a:ext cx="6835183" cy="4105668"/>
           </a:xfrm>
           <a:prstGeom prst="roundRect">
             <a:avLst>
@@ -4301,7 +4361,7 @@
           </a:effectLst>
           <a:extLst>
             <a:ext uri="{C572A759-6A51-4108-AA02-DFA0A04FC94B}">
-              <ma14:wrappingTextBoxFlag xmlns="" xmlns:m="http://schemas.openxmlformats.org/officeDocument/2006/math" xmlns:a14="http://schemas.microsoft.com/office/drawing/2010/main" xmlns:ma14="http://schemas.microsoft.com/office/mac/drawingml/2011/main" val="1"/>
+              <ma14:wrappingTextBoxFlag xmlns:ma14="http://schemas.microsoft.com/office/mac/drawingml/2011/main" xmlns:a14="http://schemas.microsoft.com/office/drawing/2010/main" xmlns:m="http://schemas.openxmlformats.org/officeDocument/2006/math" xmlns="" val="1"/>
             </a:ext>
           </a:extLst>
         </p:spPr>
@@ -4368,7 +4428,7 @@
           </a:effectLst>
           <a:extLst>
             <a:ext uri="{C572A759-6A51-4108-AA02-DFA0A04FC94B}">
-              <ma14:wrappingTextBoxFlag xmlns="" xmlns:m="http://schemas.openxmlformats.org/officeDocument/2006/math" xmlns:a14="http://schemas.microsoft.com/office/drawing/2010/main" xmlns:ma14="http://schemas.microsoft.com/office/mac/drawingml/2011/main" val="1"/>
+              <ma14:wrappingTextBoxFlag xmlns:ma14="http://schemas.microsoft.com/office/mac/drawingml/2011/main" xmlns:a14="http://schemas.microsoft.com/office/drawing/2010/main" xmlns:m="http://schemas.openxmlformats.org/officeDocument/2006/math" xmlns="" val="1"/>
             </a:ext>
           </a:extLst>
         </p:spPr>
@@ -4422,7 +4482,7 @@
           </a:effectLst>
           <a:extLst>
             <a:ext uri="{C572A759-6A51-4108-AA02-DFA0A04FC94B}">
-              <ma14:wrappingTextBoxFlag xmlns="" xmlns:m="http://schemas.openxmlformats.org/officeDocument/2006/math" xmlns:a14="http://schemas.microsoft.com/office/drawing/2010/main" xmlns:ma14="http://schemas.microsoft.com/office/mac/drawingml/2011/main" val="1"/>
+              <ma14:wrappingTextBoxFlag xmlns:ma14="http://schemas.microsoft.com/office/mac/drawingml/2011/main" xmlns:a14="http://schemas.microsoft.com/office/drawing/2010/main" xmlns:m="http://schemas.openxmlformats.org/officeDocument/2006/math" xmlns="" val="1"/>
             </a:ext>
           </a:extLst>
         </p:spPr>
@@ -4489,7 +4549,7 @@
           </a:effectLst>
           <a:extLst>
             <a:ext uri="{C572A759-6A51-4108-AA02-DFA0A04FC94B}">
-              <ma14:wrappingTextBoxFlag xmlns="" xmlns:m="http://schemas.openxmlformats.org/officeDocument/2006/math" xmlns:a14="http://schemas.microsoft.com/office/drawing/2010/main" xmlns:ma14="http://schemas.microsoft.com/office/mac/drawingml/2011/main" val="1"/>
+              <ma14:wrappingTextBoxFlag xmlns:ma14="http://schemas.microsoft.com/office/mac/drawingml/2011/main" xmlns:a14="http://schemas.microsoft.com/office/drawing/2010/main" xmlns:m="http://schemas.openxmlformats.org/officeDocument/2006/math" xmlns="" val="1"/>
             </a:ext>
           </a:extLst>
         </p:spPr>
@@ -4553,7 +4613,7 @@
           </a:effectLst>
           <a:extLst>
             <a:ext uri="{C572A759-6A51-4108-AA02-DFA0A04FC94B}">
-              <ma14:wrappingTextBoxFlag xmlns="" xmlns:m="http://schemas.openxmlformats.org/officeDocument/2006/math" xmlns:a14="http://schemas.microsoft.com/office/drawing/2010/main" xmlns:ma14="http://schemas.microsoft.com/office/mac/drawingml/2011/main" val="1"/>
+              <ma14:wrappingTextBoxFlag xmlns:ma14="http://schemas.microsoft.com/office/mac/drawingml/2011/main" xmlns:a14="http://schemas.microsoft.com/office/drawing/2010/main" xmlns:m="http://schemas.openxmlformats.org/officeDocument/2006/math" xmlns="" val="1"/>
             </a:ext>
           </a:extLst>
         </p:spPr>
@@ -4620,7 +4680,7 @@
           </a:effectLst>
           <a:extLst>
             <a:ext uri="{C572A759-6A51-4108-AA02-DFA0A04FC94B}">
-              <ma14:wrappingTextBoxFlag xmlns="" xmlns:m="http://schemas.openxmlformats.org/officeDocument/2006/math" xmlns:a14="http://schemas.microsoft.com/office/drawing/2010/main" xmlns:ma14="http://schemas.microsoft.com/office/mac/drawingml/2011/main" val="1"/>
+              <ma14:wrappingTextBoxFlag xmlns:ma14="http://schemas.microsoft.com/office/mac/drawingml/2011/main" xmlns:a14="http://schemas.microsoft.com/office/drawing/2010/main" xmlns:m="http://schemas.openxmlformats.org/officeDocument/2006/math" xmlns="" val="1"/>
             </a:ext>
           </a:extLst>
         </p:spPr>
@@ -4688,7 +4748,7 @@
           </a:effectLst>
           <a:extLst>
             <a:ext uri="{C572A759-6A51-4108-AA02-DFA0A04FC94B}">
-              <ma14:wrappingTextBoxFlag xmlns="" xmlns:m="http://schemas.openxmlformats.org/officeDocument/2006/math" xmlns:a14="http://schemas.microsoft.com/office/drawing/2010/main" xmlns:ma14="http://schemas.microsoft.com/office/mac/drawingml/2011/main" val="1"/>
+              <ma14:wrappingTextBoxFlag xmlns:ma14="http://schemas.microsoft.com/office/mac/drawingml/2011/main" xmlns:a14="http://schemas.microsoft.com/office/drawing/2010/main" xmlns:m="http://schemas.openxmlformats.org/officeDocument/2006/math" xmlns="" val="1"/>
             </a:ext>
           </a:extLst>
         </p:spPr>
@@ -4755,7 +4815,7 @@
           </a:effectLst>
           <a:extLst>
             <a:ext uri="{C572A759-6A51-4108-AA02-DFA0A04FC94B}">
-              <ma14:wrappingTextBoxFlag xmlns="" xmlns:m="http://schemas.openxmlformats.org/officeDocument/2006/math" xmlns:a14="http://schemas.microsoft.com/office/drawing/2010/main" xmlns:ma14="http://schemas.microsoft.com/office/mac/drawingml/2011/main" val="1"/>
+              <ma14:wrappingTextBoxFlag xmlns:ma14="http://schemas.microsoft.com/office/mac/drawingml/2011/main" xmlns:a14="http://schemas.microsoft.com/office/drawing/2010/main" xmlns:m="http://schemas.openxmlformats.org/officeDocument/2006/math" xmlns="" val="1"/>
             </a:ext>
           </a:extLst>
         </p:spPr>
@@ -4823,7 +4883,7 @@
           </a:effectLst>
           <a:extLst>
             <a:ext uri="{C572A759-6A51-4108-AA02-DFA0A04FC94B}">
-              <ma14:wrappingTextBoxFlag xmlns="" xmlns:m="http://schemas.openxmlformats.org/officeDocument/2006/math" xmlns:a14="http://schemas.microsoft.com/office/drawing/2010/main" xmlns:ma14="http://schemas.microsoft.com/office/mac/drawingml/2011/main" val="1"/>
+              <ma14:wrappingTextBoxFlag xmlns:ma14="http://schemas.microsoft.com/office/mac/drawingml/2011/main" xmlns:a14="http://schemas.microsoft.com/office/drawing/2010/main" xmlns:m="http://schemas.openxmlformats.org/officeDocument/2006/math" xmlns="" val="1"/>
             </a:ext>
           </a:extLst>
         </p:spPr>
@@ -4890,7 +4950,7 @@
           </a:effectLst>
           <a:extLst>
             <a:ext uri="{C572A759-6A51-4108-AA02-DFA0A04FC94B}">
-              <ma14:wrappingTextBoxFlag xmlns="" xmlns:m="http://schemas.openxmlformats.org/officeDocument/2006/math" xmlns:a14="http://schemas.microsoft.com/office/drawing/2010/main" xmlns:ma14="http://schemas.microsoft.com/office/mac/drawingml/2011/main" val="1"/>
+              <ma14:wrappingTextBoxFlag xmlns:ma14="http://schemas.microsoft.com/office/mac/drawingml/2011/main" xmlns:a14="http://schemas.microsoft.com/office/drawing/2010/main" xmlns:m="http://schemas.openxmlformats.org/officeDocument/2006/math" xmlns="" val="1"/>
             </a:ext>
           </a:extLst>
         </p:spPr>
@@ -4930,8 +4990,8 @@
         </p:nvSpPr>
         <p:spPr>
           <a:xfrm>
-            <a:off x="6614271" y="7884223"/>
-            <a:ext cx="3592339" cy="1547722"/>
+            <a:off x="4546317" y="7884223"/>
+            <a:ext cx="4244286" cy="1547722"/>
           </a:xfrm>
           <a:prstGeom prst="roundRect">
             <a:avLst>
@@ -4954,7 +5014,7 @@
           </a:effectLst>
           <a:extLst>
             <a:ext uri="{C572A759-6A51-4108-AA02-DFA0A04FC94B}">
-              <ma14:wrappingTextBoxFlag xmlns="" xmlns:m="http://schemas.openxmlformats.org/officeDocument/2006/math" xmlns:a14="http://schemas.microsoft.com/office/drawing/2010/main" xmlns:ma14="http://schemas.microsoft.com/office/mac/drawingml/2011/main" val="1"/>
+              <ma14:wrappingTextBoxFlag xmlns:ma14="http://schemas.microsoft.com/office/mac/drawingml/2011/main" xmlns:a14="http://schemas.microsoft.com/office/drawing/2010/main" xmlns:m="http://schemas.openxmlformats.org/officeDocument/2006/math" xmlns="" val="1"/>
             </a:ext>
           </a:extLst>
         </p:spPr>
@@ -4984,7 +5044,7 @@
         </p:nvSpPr>
         <p:spPr>
           <a:xfrm>
-            <a:off x="7016419" y="8192147"/>
+            <a:off x="4948465" y="8192147"/>
             <a:ext cx="1270001" cy="574046"/>
           </a:xfrm>
           <a:prstGeom prst="roundRect">
@@ -5008,7 +5068,7 @@
           </a:effectLst>
           <a:extLst>
             <a:ext uri="{C572A759-6A51-4108-AA02-DFA0A04FC94B}">
-              <ma14:wrappingTextBoxFlag xmlns="" xmlns:m="http://schemas.openxmlformats.org/officeDocument/2006/math" xmlns:a14="http://schemas.microsoft.com/office/drawing/2010/main" xmlns:ma14="http://schemas.microsoft.com/office/mac/drawingml/2011/main" val="1"/>
+              <ma14:wrappingTextBoxFlag xmlns:ma14="http://schemas.microsoft.com/office/mac/drawingml/2011/main" xmlns:a14="http://schemas.microsoft.com/office/drawing/2010/main" xmlns:m="http://schemas.openxmlformats.org/officeDocument/2006/math" xmlns="" val="1"/>
             </a:ext>
           </a:extLst>
         </p:spPr>
@@ -5031,7 +5091,7 @@
           </a:lstStyle>
           <a:p>
             <a:r>
-              <a:rPr>
+              <a:rPr dirty="0">
                 <a:latin typeface="微软雅黑" panose="020B0503020204020204" pitchFamily="34" charset="-122"/>
                 <a:ea typeface="微软雅黑" panose="020B0503020204020204" pitchFamily="34" charset="-122"/>
               </a:rPr>
@@ -5048,8 +5108,8 @@
         </p:nvSpPr>
         <p:spPr>
           <a:xfrm>
-            <a:off x="8574602" y="8192147"/>
-            <a:ext cx="1270001" cy="574046"/>
+            <a:off x="6359551" y="8194288"/>
+            <a:ext cx="865374" cy="574046"/>
           </a:xfrm>
           <a:prstGeom prst="roundRect">
             <a:avLst/>
@@ -5072,7 +5132,7 @@
           </a:effectLst>
           <a:extLst>
             <a:ext uri="{C572A759-6A51-4108-AA02-DFA0A04FC94B}">
-              <ma14:wrappingTextBoxFlag xmlns="" xmlns:m="http://schemas.openxmlformats.org/officeDocument/2006/math" xmlns:a14="http://schemas.microsoft.com/office/drawing/2010/main" xmlns:ma14="http://schemas.microsoft.com/office/mac/drawingml/2011/main" val="1"/>
+              <ma14:wrappingTextBoxFlag xmlns:ma14="http://schemas.microsoft.com/office/mac/drawingml/2011/main" xmlns:a14="http://schemas.microsoft.com/office/drawing/2010/main" xmlns:m="http://schemas.openxmlformats.org/officeDocument/2006/math" xmlns="" val="1"/>
             </a:ext>
           </a:extLst>
         </p:spPr>
@@ -5116,8 +5176,8 @@
         </p:nvSpPr>
         <p:spPr>
           <a:xfrm>
-            <a:off x="7716616" y="4170427"/>
-            <a:ext cx="2882061" cy="508001"/>
+            <a:off x="7841020" y="3758525"/>
+            <a:ext cx="2633254" cy="417378"/>
           </a:xfrm>
           <a:prstGeom prst="rect">
             <a:avLst/>
@@ -5127,7 +5187,7 @@
           </a:ln>
           <a:extLst>
             <a:ext uri="{C572A759-6A51-4108-AA02-DFA0A04FC94B}">
-              <ma14:wrappingTextBoxFlag xmlns="" xmlns:m="http://schemas.openxmlformats.org/officeDocument/2006/math" xmlns:a14="http://schemas.microsoft.com/office/drawing/2010/main" xmlns:ma14="http://schemas.microsoft.com/office/mac/drawingml/2011/main" val="1"/>
+              <ma14:wrappingTextBoxFlag xmlns:ma14="http://schemas.microsoft.com/office/mac/drawingml/2011/main" xmlns:a14="http://schemas.microsoft.com/office/drawing/2010/main" xmlns:m="http://schemas.openxmlformats.org/officeDocument/2006/math" xmlns="" val="1"/>
             </a:ext>
           </a:extLst>
         </p:spPr>
@@ -5165,8 +5225,8 @@
         </p:nvSpPr>
         <p:spPr>
           <a:xfrm>
-            <a:off x="8758955" y="5520730"/>
-            <a:ext cx="787572" cy="513406"/>
+            <a:off x="8792951" y="4531792"/>
+            <a:ext cx="719580" cy="421818"/>
           </a:xfrm>
           <a:prstGeom prst="rect">
             <a:avLst/>
@@ -5176,7 +5236,7 @@
           </a:ln>
           <a:extLst>
             <a:ext uri="{C572A759-6A51-4108-AA02-DFA0A04FC94B}">
-              <ma14:wrappingTextBoxFlag xmlns="" xmlns:m="http://schemas.openxmlformats.org/officeDocument/2006/math" xmlns:a14="http://schemas.microsoft.com/office/drawing/2010/main" xmlns:ma14="http://schemas.microsoft.com/office/mac/drawingml/2011/main" val="1"/>
+              <ma14:wrappingTextBoxFlag xmlns:ma14="http://schemas.microsoft.com/office/mac/drawingml/2011/main" xmlns:a14="http://schemas.microsoft.com/office/drawing/2010/main" xmlns:m="http://schemas.openxmlformats.org/officeDocument/2006/math" xmlns="" val="1"/>
             </a:ext>
           </a:extLst>
         </p:spPr>
@@ -5221,8 +5281,8 @@
         </p:nvSpPr>
         <p:spPr>
           <a:xfrm flipH="1" flipV="1">
-            <a:off x="5087819" y="7247500"/>
-            <a:ext cx="1413642" cy="927727"/>
+            <a:off x="5074423" y="7038236"/>
+            <a:ext cx="786594" cy="653075"/>
           </a:xfrm>
           <a:prstGeom prst="line">
             <a:avLst/>
@@ -5289,7 +5349,7 @@
           <a:effectLst/>
           <a:extLst>
             <a:ext uri="{C572A759-6A51-4108-AA02-DFA0A04FC94B}">
-              <ma14:wrappingTextBoxFlag xmlns="" xmlns:m="http://schemas.openxmlformats.org/officeDocument/2006/math" xmlns:a14="http://schemas.microsoft.com/office/drawing/2010/main" xmlns:ma14="http://schemas.microsoft.com/office/mac/drawingml/2011/main" val="1"/>
+              <ma14:wrappingTextBoxFlag xmlns:ma14="http://schemas.microsoft.com/office/mac/drawingml/2011/main" xmlns:a14="http://schemas.microsoft.com/office/drawing/2010/main" xmlns:m="http://schemas.openxmlformats.org/officeDocument/2006/math" xmlns="" val="1"/>
             </a:ext>
           </a:extLst>
         </p:spPr>
@@ -5343,7 +5403,7 @@
           <a:effectLst/>
           <a:extLst>
             <a:ext uri="{C572A759-6A51-4108-AA02-DFA0A04FC94B}">
-              <ma14:wrappingTextBoxFlag xmlns="" xmlns:m="http://schemas.openxmlformats.org/officeDocument/2006/math" xmlns:a14="http://schemas.microsoft.com/office/drawing/2010/main" xmlns:ma14="http://schemas.microsoft.com/office/mac/drawingml/2011/main" val="1"/>
+              <ma14:wrappingTextBoxFlag xmlns:ma14="http://schemas.microsoft.com/office/mac/drawingml/2011/main" xmlns:a14="http://schemas.microsoft.com/office/drawing/2010/main" xmlns:m="http://schemas.openxmlformats.org/officeDocument/2006/math" xmlns="" val="1"/>
             </a:ext>
           </a:extLst>
         </p:spPr>
@@ -5394,7 +5454,7 @@
           </a:ln>
           <a:extLst>
             <a:ext uri="{C572A759-6A51-4108-AA02-DFA0A04FC94B}">
-              <ma14:wrappingTextBoxFlag xmlns="" xmlns:m="http://schemas.openxmlformats.org/officeDocument/2006/math" xmlns:a14="http://schemas.microsoft.com/office/drawing/2010/main" xmlns:ma14="http://schemas.microsoft.com/office/mac/drawingml/2011/main" val="1"/>
+              <ma14:wrappingTextBoxFlag xmlns:ma14="http://schemas.microsoft.com/office/mac/drawingml/2011/main" xmlns:a14="http://schemas.microsoft.com/office/drawing/2010/main" xmlns:m="http://schemas.openxmlformats.org/officeDocument/2006/math" xmlns="" val="1"/>
             </a:ext>
           </a:extLst>
         </p:spPr>
@@ -5434,8 +5494,8 @@
         </p:nvSpPr>
         <p:spPr>
           <a:xfrm>
-            <a:off x="8769234" y="4727058"/>
-            <a:ext cx="760076" cy="1"/>
+            <a:off x="8358722" y="4269614"/>
+            <a:ext cx="1542020" cy="8672"/>
           </a:xfrm>
           <a:prstGeom prst="line">
             <a:avLst/>
@@ -5488,8 +5548,8 @@
         </p:nvSpPr>
         <p:spPr>
           <a:xfrm>
-            <a:off x="8774687" y="5575198"/>
-            <a:ext cx="762973" cy="1"/>
+            <a:off x="8388887" y="4531792"/>
+            <a:ext cx="1520064" cy="0"/>
           </a:xfrm>
           <a:prstGeom prst="line">
             <a:avLst/>
@@ -5542,8 +5602,8 @@
         </p:nvSpPr>
         <p:spPr>
           <a:xfrm>
-            <a:off x="653511" y="3826679"/>
-            <a:ext cx="1455144" cy="2526433"/>
+            <a:off x="716322" y="3594813"/>
+            <a:ext cx="1329522" cy="2075738"/>
           </a:xfrm>
           <a:prstGeom prst="roundRect">
             <a:avLst>
@@ -5569,7 +5629,7 @@
           </a:effectLst>
           <a:extLst>
             <a:ext uri="{C572A759-6A51-4108-AA02-DFA0A04FC94B}">
-              <ma14:wrappingTextBoxFlag xmlns="" xmlns:m="http://schemas.openxmlformats.org/officeDocument/2006/math" xmlns:a14="http://schemas.microsoft.com/office/drawing/2010/main" xmlns:ma14="http://schemas.microsoft.com/office/mac/drawingml/2011/main" val="1"/>
+              <ma14:wrappingTextBoxFlag xmlns:ma14="http://schemas.microsoft.com/office/mac/drawingml/2011/main" xmlns:a14="http://schemas.microsoft.com/office/drawing/2010/main" xmlns:m="http://schemas.openxmlformats.org/officeDocument/2006/math" xmlns="" val="1"/>
             </a:ext>
           </a:extLst>
         </p:spPr>
@@ -5606,8 +5666,8 @@
         </p:nvSpPr>
         <p:spPr>
           <a:xfrm>
-            <a:off x="766835" y="4342380"/>
-            <a:ext cx="1229527" cy="290234"/>
+            <a:off x="819907" y="3911054"/>
+            <a:ext cx="1123384" cy="238458"/>
           </a:xfrm>
           <a:prstGeom prst="roundRect">
             <a:avLst/>
@@ -5628,7 +5688,7 @@
           </a:effectLst>
           <a:extLst>
             <a:ext uri="{C572A759-6A51-4108-AA02-DFA0A04FC94B}">
-              <ma14:wrappingTextBoxFlag xmlns="" xmlns:m="http://schemas.openxmlformats.org/officeDocument/2006/math" xmlns:a14="http://schemas.microsoft.com/office/drawing/2010/main" xmlns:ma14="http://schemas.microsoft.com/office/mac/drawingml/2011/main" val="1"/>
+              <ma14:wrappingTextBoxFlag xmlns:ma14="http://schemas.microsoft.com/office/mac/drawingml/2011/main" xmlns:a14="http://schemas.microsoft.com/office/drawing/2010/main" xmlns:m="http://schemas.openxmlformats.org/officeDocument/2006/math" xmlns="" val="1"/>
             </a:ext>
           </a:extLst>
         </p:spPr>
@@ -5671,8 +5731,8 @@
         </p:nvSpPr>
         <p:spPr>
           <a:xfrm>
-            <a:off x="767723" y="4834049"/>
-            <a:ext cx="1229527" cy="290235"/>
+            <a:off x="820795" y="4402723"/>
+            <a:ext cx="1123384" cy="238460"/>
           </a:xfrm>
           <a:prstGeom prst="roundRect">
             <a:avLst/>
@@ -5693,7 +5753,7 @@
           </a:effectLst>
           <a:extLst>
             <a:ext uri="{C572A759-6A51-4108-AA02-DFA0A04FC94B}">
-              <ma14:wrappingTextBoxFlag xmlns="" xmlns:m="http://schemas.openxmlformats.org/officeDocument/2006/math" xmlns:a14="http://schemas.microsoft.com/office/drawing/2010/main" xmlns:ma14="http://schemas.microsoft.com/office/mac/drawingml/2011/main" val="1"/>
+              <ma14:wrappingTextBoxFlag xmlns:ma14="http://schemas.microsoft.com/office/mac/drawingml/2011/main" xmlns:a14="http://schemas.microsoft.com/office/drawing/2010/main" xmlns:m="http://schemas.openxmlformats.org/officeDocument/2006/math" xmlns="" val="1"/>
             </a:ext>
           </a:extLst>
         </p:spPr>
@@ -5736,8 +5796,8 @@
         </p:nvSpPr>
         <p:spPr>
           <a:xfrm>
-            <a:off x="768611" y="5325719"/>
-            <a:ext cx="1229527" cy="290235"/>
+            <a:off x="821683" y="4894393"/>
+            <a:ext cx="1123384" cy="238460"/>
           </a:xfrm>
           <a:prstGeom prst="roundRect">
             <a:avLst/>
@@ -5758,7 +5818,7 @@
           </a:effectLst>
           <a:extLst>
             <a:ext uri="{C572A759-6A51-4108-AA02-DFA0A04FC94B}">
-              <ma14:wrappingTextBoxFlag xmlns="" xmlns:m="http://schemas.openxmlformats.org/officeDocument/2006/math" xmlns:a14="http://schemas.microsoft.com/office/drawing/2010/main" xmlns:ma14="http://schemas.microsoft.com/office/mac/drawingml/2011/main" val="1"/>
+              <ma14:wrappingTextBoxFlag xmlns:ma14="http://schemas.microsoft.com/office/mac/drawingml/2011/main" xmlns:a14="http://schemas.microsoft.com/office/drawing/2010/main" xmlns:m="http://schemas.openxmlformats.org/officeDocument/2006/math" xmlns="" val="1"/>
             </a:ext>
           </a:extLst>
         </p:spPr>
@@ -5801,8 +5861,8 @@
         </p:nvSpPr>
         <p:spPr>
           <a:xfrm>
-            <a:off x="769499" y="5817389"/>
-            <a:ext cx="1229527" cy="290235"/>
+            <a:off x="822571" y="5386063"/>
+            <a:ext cx="1123384" cy="238460"/>
           </a:xfrm>
           <a:prstGeom prst="roundRect">
             <a:avLst/>
@@ -5823,7 +5883,7 @@
           </a:effectLst>
           <a:extLst>
             <a:ext uri="{C572A759-6A51-4108-AA02-DFA0A04FC94B}">
-              <ma14:wrappingTextBoxFlag xmlns="" xmlns:m="http://schemas.openxmlformats.org/officeDocument/2006/math" xmlns:a14="http://schemas.microsoft.com/office/drawing/2010/main" xmlns:ma14="http://schemas.microsoft.com/office/mac/drawingml/2011/main" val="1"/>
+              <ma14:wrappingTextBoxFlag xmlns:ma14="http://schemas.microsoft.com/office/mac/drawingml/2011/main" xmlns:a14="http://schemas.microsoft.com/office/drawing/2010/main" xmlns:m="http://schemas.openxmlformats.org/officeDocument/2006/math" xmlns="" val="1"/>
             </a:ext>
           </a:extLst>
         </p:spPr>
@@ -5866,8 +5926,8 @@
         </p:nvSpPr>
         <p:spPr>
           <a:xfrm>
-            <a:off x="6601632" y="5032976"/>
-            <a:ext cx="287005" cy="0"/>
+            <a:off x="6614021" y="4575762"/>
+            <a:ext cx="262228" cy="0"/>
           </a:xfrm>
           <a:prstGeom prst="line">
             <a:avLst/>
@@ -5914,20 +5974,22 @@
       </p:sp>
       <p:sp>
         <p:nvSpPr>
-          <p:cNvPr id="97" name="Registry"/>
-          <p:cNvSpPr/>
-          <p:nvPr/>
-        </p:nvSpPr>
-        <p:spPr>
-          <a:xfrm>
-            <a:off x="12060187" y="3156718"/>
-            <a:ext cx="2505556" cy="508001"/>
+          <p:cNvPr id="98" name="Config"/>
+          <p:cNvSpPr/>
+          <p:nvPr/>
+        </p:nvSpPr>
+        <p:spPr>
+          <a:xfrm>
+            <a:off x="11230132" y="5945938"/>
+            <a:ext cx="4165666" cy="417378"/>
           </a:xfrm>
           <a:prstGeom prst="roundRect">
             <a:avLst/>
           </a:prstGeom>
           <a:solidFill>
-            <a:srgbClr val="F39019"/>
+            <a:schemeClr val="bg2">
+              <a:lumMod val="50000"/>
+            </a:schemeClr>
           </a:solidFill>
           <a:ln w="12700" cap="flat">
             <a:noFill/>
@@ -5942,7 +6004,7 @@
           </a:effectLst>
           <a:extLst>
             <a:ext uri="{C572A759-6A51-4108-AA02-DFA0A04FC94B}">
-              <ma14:wrappingTextBoxFlag xmlns="" xmlns:m="http://schemas.openxmlformats.org/officeDocument/2006/math" xmlns:a14="http://schemas.microsoft.com/office/drawing/2010/main" xmlns:ma14="http://schemas.microsoft.com/office/mac/drawingml/2011/main" val="1"/>
+              <ma14:wrappingTextBoxFlag xmlns:ma14="http://schemas.microsoft.com/office/mac/drawingml/2011/main" xmlns:a14="http://schemas.microsoft.com/office/drawing/2010/main" xmlns:m="http://schemas.openxmlformats.org/officeDocument/2006/math" xmlns="" val="1"/>
             </a:ext>
           </a:extLst>
         </p:spPr>
@@ -5969,29 +6031,85 @@
                 <a:latin typeface="微软雅黑" panose="020B0503020204020204" pitchFamily="34" charset="-122"/>
                 <a:ea typeface="微软雅黑" panose="020B0503020204020204" pitchFamily="34" charset="-122"/>
               </a:rPr>
-              <a:t>Registry</a:t>
-            </a:r>
-          </a:p>
-        </p:txBody>
-      </p:sp>
-      <p:sp>
-        <p:nvSpPr>
-          <p:cNvPr id="98" name="Config"/>
-          <p:cNvSpPr/>
-          <p:nvPr/>
-        </p:nvSpPr>
-        <p:spPr>
-          <a:xfrm>
-            <a:off x="11033332" y="6470384"/>
-            <a:ext cx="4559266" cy="508001"/>
+              <a:t>Config</a:t>
+            </a:r>
+          </a:p>
+        </p:txBody>
+      </p:sp>
+      <p:sp>
+        <p:nvSpPr>
+          <p:cNvPr id="99" name="codec"/>
+          <p:cNvSpPr/>
+          <p:nvPr/>
+        </p:nvSpPr>
+        <p:spPr>
+          <a:xfrm>
+            <a:off x="10142159" y="3594308"/>
+            <a:ext cx="1337088" cy="2075738"/>
           </a:xfrm>
           <a:prstGeom prst="roundRect">
-            <a:avLst/>
+            <a:avLst>
+              <a:gd name="adj" fmla="val 6344"/>
+            </a:avLst>
           </a:prstGeom>
           <a:solidFill>
-            <a:schemeClr val="bg2">
-              <a:lumMod val="50000"/>
+            <a:schemeClr val="bg1">
+              <a:lumMod val="75000"/>
             </a:schemeClr>
+          </a:solidFill>
+          <a:ln w="12700" cap="flat">
+            <a:noFill/>
+            <a:prstDash val="solid"/>
+            <a:miter lim="400000"/>
+          </a:ln>
+          <a:effectLst>
+            <a:outerShdw blurRad="50800" dist="38100" dir="5400000" algn="t" rotWithShape="0">
+              <a:prstClr val="black">
+                <a:alpha val="40000"/>
+              </a:prstClr>
+            </a:outerShdw>
+          </a:effectLst>
+          <a:extLst>
+            <a:ext uri="{C572A759-6A51-4108-AA02-DFA0A04FC94B}">
+              <ma14:wrappingTextBoxFlag xmlns:ma14="http://schemas.microsoft.com/office/mac/drawingml/2011/main" xmlns:a14="http://schemas.microsoft.com/office/drawing/2010/main" xmlns:m="http://schemas.openxmlformats.org/officeDocument/2006/math" xmlns="" val="1"/>
+            </a:ext>
+          </a:extLst>
+        </p:spPr>
+        <p:txBody>
+          <a:bodyPr wrap="square" lIns="50800" tIns="50800" rIns="50800" bIns="50800" numCol="1" anchor="t">
+            <a:noAutofit/>
+          </a:bodyPr>
+          <a:lstStyle/>
+          <a:p>
+            <a:r>
+              <a:rPr sz="1700" b="0" dirty="0">
+                <a:latin typeface="微软雅黑" panose="020B0503020204020204" pitchFamily="34" charset="-122"/>
+                <a:ea typeface="微软雅黑" panose="020B0503020204020204" pitchFamily="34" charset="-122"/>
+                <a:cs typeface="Helvetica Light"/>
+              </a:rPr>
+              <a:t>codec</a:t>
+            </a:r>
+          </a:p>
+        </p:txBody>
+      </p:sp>
+      <p:sp>
+        <p:nvSpPr>
+          <p:cNvPr id="100" name="hessian2"/>
+          <p:cNvSpPr/>
+          <p:nvPr/>
+        </p:nvSpPr>
+        <p:spPr>
+          <a:xfrm>
+            <a:off x="10209421" y="4965808"/>
+            <a:ext cx="1219802" cy="617104"/>
+          </a:xfrm>
+          <a:prstGeom prst="roundRect">
+            <a:avLst>
+              <a:gd name="adj" fmla="val 9229"/>
+            </a:avLst>
+          </a:prstGeom>
+          <a:solidFill>
+            <a:schemeClr val="accent4"/>
           </a:solidFill>
           <a:ln w="12700" cap="flat">
             <a:noFill/>
@@ -6006,7 +6124,7 @@
           </a:effectLst>
           <a:extLst>
             <a:ext uri="{C572A759-6A51-4108-AA02-DFA0A04FC94B}">
-              <ma14:wrappingTextBoxFlag xmlns="" xmlns:m="http://schemas.openxmlformats.org/officeDocument/2006/math" xmlns:a14="http://schemas.microsoft.com/office/drawing/2010/main" xmlns:ma14="http://schemas.microsoft.com/office/mac/drawingml/2011/main" val="1"/>
+              <ma14:wrappingTextBoxFlag xmlns:ma14="http://schemas.microsoft.com/office/mac/drawingml/2011/main" xmlns:a14="http://schemas.microsoft.com/office/drawing/2010/main" xmlns:m="http://schemas.openxmlformats.org/officeDocument/2006/math" xmlns="" val="1"/>
             </a:ext>
           </a:extLst>
         </p:spPr>
@@ -6014,100 +6132,36 @@
           <a:bodyPr wrap="square" lIns="50800" tIns="50800" rIns="50800" bIns="50800" numCol="1" anchor="ctr">
             <a:noAutofit/>
           </a:bodyPr>
-          <a:lstStyle>
-            <a:lvl1pPr>
-              <a:defRPr sz="1900" b="0">
-                <a:solidFill>
-                  <a:srgbClr val="FFFFFF"/>
-                </a:solidFill>
-                <a:latin typeface="Helvetica Light"/>
-                <a:ea typeface="Helvetica Light"/>
-                <a:cs typeface="Helvetica Light"/>
-                <a:sym typeface="Helvetica Light"/>
-              </a:defRPr>
-            </a:lvl1pPr>
-          </a:lstStyle>
-          <a:p>
-            <a:r>
-              <a:rPr>
-                <a:latin typeface="微软雅黑" panose="020B0503020204020204" pitchFamily="34" charset="-122"/>
-                <a:ea typeface="微软雅黑" panose="020B0503020204020204" pitchFamily="34" charset="-122"/>
-              </a:rPr>
-              <a:t>Config</a:t>
-            </a:r>
-          </a:p>
-        </p:txBody>
-      </p:sp>
-      <p:sp>
-        <p:nvSpPr>
-          <p:cNvPr id="99" name="codec"/>
-          <p:cNvSpPr/>
-          <p:nvPr/>
-        </p:nvSpPr>
-        <p:spPr>
-          <a:xfrm>
-            <a:off x="10078990" y="3826173"/>
-            <a:ext cx="1463426" cy="2526435"/>
-          </a:xfrm>
-          <a:prstGeom prst="roundRect">
-            <a:avLst>
-              <a:gd name="adj" fmla="val 6344"/>
-            </a:avLst>
-          </a:prstGeom>
-          <a:solidFill>
-            <a:schemeClr val="bg1">
-              <a:lumMod val="75000"/>
-            </a:schemeClr>
-          </a:solidFill>
-          <a:ln w="12700" cap="flat">
-            <a:noFill/>
-            <a:prstDash val="solid"/>
-            <a:miter lim="400000"/>
-          </a:ln>
-          <a:effectLst>
-            <a:outerShdw blurRad="50800" dist="38100" dir="5400000" algn="t" rotWithShape="0">
-              <a:prstClr val="black">
-                <a:alpha val="40000"/>
-              </a:prstClr>
-            </a:outerShdw>
-          </a:effectLst>
-          <a:extLst>
-            <a:ext uri="{C572A759-6A51-4108-AA02-DFA0A04FC94B}">
-              <ma14:wrappingTextBoxFlag xmlns="" xmlns:m="http://schemas.openxmlformats.org/officeDocument/2006/math" xmlns:a14="http://schemas.microsoft.com/office/drawing/2010/main" xmlns:ma14="http://schemas.microsoft.com/office/mac/drawingml/2011/main" val="1"/>
-            </a:ext>
-          </a:extLst>
-        </p:spPr>
-        <p:txBody>
-          <a:bodyPr wrap="square" lIns="50800" tIns="50800" rIns="50800" bIns="50800" numCol="1" anchor="t">
-            <a:noAutofit/>
-          </a:bodyPr>
           <a:lstStyle/>
           <a:p>
             <a:r>
-              <a:rPr sz="1700" b="0" dirty="0">
+              <a:rPr sz="1500" b="0">
+                <a:solidFill>
+                  <a:sysClr val="windowText" lastClr="000000"/>
+                </a:solidFill>
                 <a:latin typeface="微软雅黑" panose="020B0503020204020204" pitchFamily="34" charset="-122"/>
                 <a:ea typeface="微软雅黑" panose="020B0503020204020204" pitchFamily="34" charset="-122"/>
                 <a:cs typeface="Helvetica Light"/>
               </a:rPr>
-              <a:t>codec</a:t>
-            </a:r>
-          </a:p>
-        </p:txBody>
-      </p:sp>
-      <p:sp>
-        <p:nvSpPr>
-          <p:cNvPr id="100" name="hessian2"/>
-          <p:cNvSpPr/>
-          <p:nvPr/>
-        </p:nvSpPr>
-        <p:spPr>
-          <a:xfrm>
-            <a:off x="10151793" y="5356027"/>
-            <a:ext cx="1335057" cy="751093"/>
+              <a:t>hessian2</a:t>
+            </a:r>
+          </a:p>
+        </p:txBody>
+      </p:sp>
+      <p:sp>
+        <p:nvSpPr>
+          <p:cNvPr id="101" name="jsonrpc 2.0"/>
+          <p:cNvSpPr/>
+          <p:nvPr/>
+        </p:nvSpPr>
+        <p:spPr>
+          <a:xfrm>
+            <a:off x="10200737" y="3955045"/>
+            <a:ext cx="1219802" cy="617822"/>
           </a:xfrm>
           <a:prstGeom prst="roundRect">
             <a:avLst>
-              <a:gd name="adj" fmla="val 9229"/>
+              <a:gd name="adj" fmla="val 9824"/>
             </a:avLst>
           </a:prstGeom>
           <a:solidFill>
@@ -6126,63 +6180,7 @@
           </a:effectLst>
           <a:extLst>
             <a:ext uri="{C572A759-6A51-4108-AA02-DFA0A04FC94B}">
-              <ma14:wrappingTextBoxFlag xmlns="" xmlns:m="http://schemas.openxmlformats.org/officeDocument/2006/math" xmlns:a14="http://schemas.microsoft.com/office/drawing/2010/main" xmlns:ma14="http://schemas.microsoft.com/office/mac/drawingml/2011/main" val="1"/>
-            </a:ext>
-          </a:extLst>
-        </p:spPr>
-        <p:txBody>
-          <a:bodyPr wrap="square" lIns="50800" tIns="50800" rIns="50800" bIns="50800" numCol="1" anchor="ctr">
-            <a:noAutofit/>
-          </a:bodyPr>
-          <a:lstStyle/>
-          <a:p>
-            <a:r>
-              <a:rPr sz="1500" b="0">
-                <a:solidFill>
-                  <a:sysClr val="windowText" lastClr="000000"/>
-                </a:solidFill>
-                <a:latin typeface="微软雅黑" panose="020B0503020204020204" pitchFamily="34" charset="-122"/>
-                <a:ea typeface="微软雅黑" panose="020B0503020204020204" pitchFamily="34" charset="-122"/>
-                <a:cs typeface="Helvetica Light"/>
-              </a:rPr>
-              <a:t>hessian2</a:t>
-            </a:r>
-          </a:p>
-        </p:txBody>
-      </p:sp>
-      <p:sp>
-        <p:nvSpPr>
-          <p:cNvPr id="101" name="jsonrpc 2.0"/>
-          <p:cNvSpPr/>
-          <p:nvPr/>
-        </p:nvSpPr>
-        <p:spPr>
-          <a:xfrm>
-            <a:off x="10143109" y="4345187"/>
-            <a:ext cx="1335057" cy="751965"/>
-          </a:xfrm>
-          <a:prstGeom prst="roundRect">
-            <a:avLst>
-              <a:gd name="adj" fmla="val 9824"/>
-            </a:avLst>
-          </a:prstGeom>
-          <a:solidFill>
-            <a:schemeClr val="accent4"/>
-          </a:solidFill>
-          <a:ln w="12700" cap="flat">
-            <a:noFill/>
-            <a:miter lim="400000"/>
-          </a:ln>
-          <a:effectLst>
-            <a:outerShdw blurRad="38100" dist="25400" dir="5400000" rotWithShape="0">
-              <a:srgbClr val="000000">
-                <a:alpha val="50000"/>
-              </a:srgbClr>
-            </a:outerShdw>
-          </a:effectLst>
-          <a:extLst>
-            <a:ext uri="{C572A759-6A51-4108-AA02-DFA0A04FC94B}">
-              <ma14:wrappingTextBoxFlag xmlns="" xmlns:m="http://schemas.openxmlformats.org/officeDocument/2006/math" xmlns:a14="http://schemas.microsoft.com/office/drawing/2010/main" xmlns:ma14="http://schemas.microsoft.com/office/mac/drawingml/2011/main" val="1"/>
+              <ma14:wrappingTextBoxFlag xmlns:ma14="http://schemas.microsoft.com/office/mac/drawingml/2011/main" xmlns:a14="http://schemas.microsoft.com/office/drawing/2010/main" xmlns:m="http://schemas.openxmlformats.org/officeDocument/2006/math" xmlns="" val="1"/>
             </a:ext>
           </a:extLst>
         </p:spPr>
@@ -6225,8 +6223,8 @@
         </p:nvSpPr>
         <p:spPr>
           <a:xfrm>
-            <a:off x="11888063" y="5263964"/>
-            <a:ext cx="547245" cy="1"/>
+            <a:off x="11911685" y="4806750"/>
+            <a:ext cx="500002" cy="2"/>
           </a:xfrm>
           <a:prstGeom prst="line">
             <a:avLst/>
@@ -6271,8 +6269,8 @@
         </p:nvSpPr>
         <p:spPr>
           <a:xfrm>
-            <a:off x="11840596" y="3829674"/>
-            <a:ext cx="1186872" cy="2534956"/>
+            <a:off x="11891827" y="3598569"/>
+            <a:ext cx="1084410" cy="2082738"/>
           </a:xfrm>
           <a:prstGeom prst="roundRect">
             <a:avLst>
@@ -6298,7 +6296,7 @@
           </a:effectLst>
           <a:extLst>
             <a:ext uri="{C572A759-6A51-4108-AA02-DFA0A04FC94B}">
-              <ma14:wrappingTextBoxFlag xmlns="" xmlns:m="http://schemas.openxmlformats.org/officeDocument/2006/math" xmlns:a14="http://schemas.microsoft.com/office/drawing/2010/main" xmlns:ma14="http://schemas.microsoft.com/office/mac/drawingml/2011/main" val="1"/>
+              <ma14:wrappingTextBoxFlag xmlns:ma14="http://schemas.microsoft.com/office/mac/drawingml/2011/main" xmlns:a14="http://schemas.microsoft.com/office/drawing/2010/main" xmlns:m="http://schemas.openxmlformats.org/officeDocument/2006/math" xmlns="" val="1"/>
             </a:ext>
           </a:extLst>
         </p:spPr>
@@ -6327,8 +6325,8 @@
         </p:nvSpPr>
         <p:spPr>
           <a:xfrm>
-            <a:off x="11923103" y="4979815"/>
-            <a:ext cx="1035149" cy="496988"/>
+            <a:off x="11967785" y="4566930"/>
+            <a:ext cx="945786" cy="408330"/>
           </a:xfrm>
           <a:prstGeom prst="roundRect">
             <a:avLst>
@@ -6351,7 +6349,7 @@
           </a:effectLst>
           <a:extLst>
             <a:ext uri="{C572A759-6A51-4108-AA02-DFA0A04FC94B}">
-              <ma14:wrappingTextBoxFlag xmlns="" xmlns:m="http://schemas.openxmlformats.org/officeDocument/2006/math" xmlns:a14="http://schemas.microsoft.com/office/drawing/2010/main" xmlns:ma14="http://schemas.microsoft.com/office/mac/drawingml/2011/main" val="1"/>
+              <ma14:wrappingTextBoxFlag xmlns:ma14="http://schemas.microsoft.com/office/mac/drawingml/2011/main" xmlns:a14="http://schemas.microsoft.com/office/drawing/2010/main" xmlns:m="http://schemas.openxmlformats.org/officeDocument/2006/math" xmlns="" val="1"/>
             </a:ext>
           </a:extLst>
         </p:spPr>
@@ -6396,8 +6394,8 @@
         </p:nvSpPr>
         <p:spPr>
           <a:xfrm>
-            <a:off x="11915926" y="4354700"/>
-            <a:ext cx="1035149" cy="278268"/>
+            <a:off x="11960608" y="3922306"/>
+            <a:ext cx="945786" cy="228628"/>
           </a:xfrm>
           <a:prstGeom prst="roundRect">
             <a:avLst/>
@@ -6418,7 +6416,7 @@
           </a:effectLst>
           <a:extLst>
             <a:ext uri="{C572A759-6A51-4108-AA02-DFA0A04FC94B}">
-              <ma14:wrappingTextBoxFlag xmlns="" xmlns:m="http://schemas.openxmlformats.org/officeDocument/2006/math" xmlns:a14="http://schemas.microsoft.com/office/drawing/2010/main" xmlns:ma14="http://schemas.microsoft.com/office/mac/drawingml/2011/main" val="1"/>
+              <ma14:wrappingTextBoxFlag xmlns:ma14="http://schemas.microsoft.com/office/mac/drawingml/2011/main" xmlns:a14="http://schemas.microsoft.com/office/drawing/2010/main" xmlns:m="http://schemas.openxmlformats.org/officeDocument/2006/math" xmlns="" val="1"/>
             </a:ext>
           </a:extLst>
         </p:spPr>
@@ -6461,8 +6459,8 @@
         </p:nvSpPr>
         <p:spPr>
           <a:xfrm>
-            <a:off x="11915926" y="5823649"/>
-            <a:ext cx="1035149" cy="295494"/>
+            <a:off x="11960608" y="5392792"/>
+            <a:ext cx="945786" cy="242780"/>
           </a:xfrm>
           <a:prstGeom prst="roundRect">
             <a:avLst/>
@@ -6483,7 +6481,7 @@
           </a:effectLst>
           <a:extLst>
             <a:ext uri="{C572A759-6A51-4108-AA02-DFA0A04FC94B}">
-              <ma14:wrappingTextBoxFlag xmlns="" xmlns:m="http://schemas.openxmlformats.org/officeDocument/2006/math" xmlns:a14="http://schemas.microsoft.com/office/drawing/2010/main" xmlns:ma14="http://schemas.microsoft.com/office/mac/drawingml/2011/main" val="1"/>
+              <ma14:wrappingTextBoxFlag xmlns:ma14="http://schemas.microsoft.com/office/mac/drawingml/2011/main" xmlns:a14="http://schemas.microsoft.com/office/drawing/2010/main" xmlns:m="http://schemas.openxmlformats.org/officeDocument/2006/math" xmlns="" val="1"/>
             </a:ext>
           </a:extLst>
         </p:spPr>
@@ -6515,8 +6513,8 @@
         </p:nvSpPr>
         <p:spPr>
           <a:xfrm>
-            <a:off x="11542416" y="5066197"/>
-            <a:ext cx="287005" cy="0"/>
+            <a:off x="11554805" y="4608983"/>
+            <a:ext cx="262228" cy="0"/>
           </a:xfrm>
           <a:prstGeom prst="line">
             <a:avLst/>
@@ -6569,8 +6567,8 @@
         </p:nvSpPr>
         <p:spPr>
           <a:xfrm>
-            <a:off x="13014737" y="5097152"/>
-            <a:ext cx="287005" cy="0"/>
+            <a:off x="13027126" y="4639938"/>
+            <a:ext cx="262228" cy="0"/>
           </a:xfrm>
           <a:prstGeom prst="line">
             <a:avLst/>
@@ -6623,8 +6621,8 @@
         </p:nvSpPr>
         <p:spPr>
           <a:xfrm>
-            <a:off x="13299898" y="3835131"/>
-            <a:ext cx="1463426" cy="2526435"/>
+            <a:off x="13363067" y="3603266"/>
+            <a:ext cx="1337088" cy="2075738"/>
           </a:xfrm>
           <a:prstGeom prst="roundRect">
             <a:avLst>
@@ -6650,7 +6648,7 @@
           </a:effectLst>
           <a:extLst>
             <a:ext uri="{C572A759-6A51-4108-AA02-DFA0A04FC94B}">
-              <ma14:wrappingTextBoxFlag xmlns="" xmlns:m="http://schemas.openxmlformats.org/officeDocument/2006/math" xmlns:a14="http://schemas.microsoft.com/office/drawing/2010/main" xmlns:ma14="http://schemas.microsoft.com/office/mac/drawingml/2011/main" val="1"/>
+              <ma14:wrappingTextBoxFlag xmlns:ma14="http://schemas.microsoft.com/office/mac/drawingml/2011/main" xmlns:a14="http://schemas.microsoft.com/office/drawing/2010/main" xmlns:m="http://schemas.openxmlformats.org/officeDocument/2006/math" xmlns="" val="1"/>
             </a:ext>
           </a:extLst>
         </p:spPr>
@@ -6679,8 +6677,8 @@
         </p:nvSpPr>
         <p:spPr>
           <a:xfrm>
-            <a:off x="13372701" y="5364985"/>
-            <a:ext cx="1335057" cy="751093"/>
+            <a:off x="13430329" y="4974766"/>
+            <a:ext cx="1219802" cy="617104"/>
           </a:xfrm>
           <a:prstGeom prst="roundRect">
             <a:avLst>
@@ -6703,7 +6701,7 @@
           </a:effectLst>
           <a:extLst>
             <a:ext uri="{C572A759-6A51-4108-AA02-DFA0A04FC94B}">
-              <ma14:wrappingTextBoxFlag xmlns="" xmlns:m="http://schemas.openxmlformats.org/officeDocument/2006/math" xmlns:a14="http://schemas.microsoft.com/office/drawing/2010/main" xmlns:ma14="http://schemas.microsoft.com/office/mac/drawingml/2011/main" val="1"/>
+              <ma14:wrappingTextBoxFlag xmlns:ma14="http://schemas.microsoft.com/office/mac/drawingml/2011/main" xmlns:a14="http://schemas.microsoft.com/office/drawing/2010/main" xmlns:m="http://schemas.openxmlformats.org/officeDocument/2006/math" xmlns="" val="1"/>
             </a:ext>
           </a:extLst>
         </p:spPr>
@@ -6743,8 +6741,8 @@
         </p:nvSpPr>
         <p:spPr>
           <a:xfrm>
-            <a:off x="13364017" y="4354145"/>
-            <a:ext cx="1335057" cy="751965"/>
+            <a:off x="13421645" y="3964003"/>
+            <a:ext cx="1219802" cy="617822"/>
           </a:xfrm>
           <a:prstGeom prst="roundRect">
             <a:avLst>
@@ -6767,7 +6765,7 @@
           </a:effectLst>
           <a:extLst>
             <a:ext uri="{C572A759-6A51-4108-AA02-DFA0A04FC94B}">
-              <ma14:wrappingTextBoxFlag xmlns="" xmlns:m="http://schemas.openxmlformats.org/officeDocument/2006/math" xmlns:a14="http://schemas.microsoft.com/office/drawing/2010/main" xmlns:ma14="http://schemas.microsoft.com/office/mac/drawingml/2011/main" val="1"/>
+              <ma14:wrappingTextBoxFlag xmlns:ma14="http://schemas.microsoft.com/office/mac/drawingml/2011/main" xmlns:a14="http://schemas.microsoft.com/office/drawing/2010/main" xmlns:m="http://schemas.openxmlformats.org/officeDocument/2006/math" xmlns="" val="1"/>
             </a:ext>
           </a:extLst>
         </p:spPr>
@@ -6807,8 +6805,8 @@
         </p:nvSpPr>
         <p:spPr>
           <a:xfrm>
-            <a:off x="14771272" y="5075155"/>
-            <a:ext cx="287005" cy="0"/>
+            <a:off x="14783661" y="4617941"/>
+            <a:ext cx="262228" cy="0"/>
           </a:xfrm>
           <a:prstGeom prst="line">
             <a:avLst/>
@@ -6861,8 +6859,8 @@
         </p:nvSpPr>
         <p:spPr>
           <a:xfrm>
-            <a:off x="15048433" y="3818782"/>
-            <a:ext cx="1455144" cy="2526433"/>
+            <a:off x="15111244" y="3586916"/>
+            <a:ext cx="1329522" cy="2075738"/>
           </a:xfrm>
           <a:prstGeom prst="roundRect">
             <a:avLst>
@@ -6888,7 +6886,7 @@
           </a:effectLst>
           <a:extLst>
             <a:ext uri="{C572A759-6A51-4108-AA02-DFA0A04FC94B}">
-              <ma14:wrappingTextBoxFlag xmlns="" xmlns:m="http://schemas.openxmlformats.org/officeDocument/2006/math" xmlns:a14="http://schemas.microsoft.com/office/drawing/2010/main" xmlns:ma14="http://schemas.microsoft.com/office/mac/drawingml/2011/main" val="1"/>
+              <ma14:wrappingTextBoxFlag xmlns:ma14="http://schemas.microsoft.com/office/mac/drawingml/2011/main" xmlns:a14="http://schemas.microsoft.com/office/drawing/2010/main" xmlns:m="http://schemas.openxmlformats.org/officeDocument/2006/math" xmlns="" val="1"/>
             </a:ext>
           </a:extLst>
         </p:spPr>
@@ -6925,8 +6923,8 @@
         </p:nvSpPr>
         <p:spPr>
           <a:xfrm>
-            <a:off x="15161757" y="4334483"/>
-            <a:ext cx="1229527" cy="290234"/>
+            <a:off x="15214829" y="3903157"/>
+            <a:ext cx="1123384" cy="238458"/>
           </a:xfrm>
           <a:prstGeom prst="roundRect">
             <a:avLst/>
@@ -6947,7 +6945,7 @@
           </a:effectLst>
           <a:extLst>
             <a:ext uri="{C572A759-6A51-4108-AA02-DFA0A04FC94B}">
-              <ma14:wrappingTextBoxFlag xmlns="" xmlns:m="http://schemas.openxmlformats.org/officeDocument/2006/math" xmlns:a14="http://schemas.microsoft.com/office/drawing/2010/main" xmlns:ma14="http://schemas.microsoft.com/office/mac/drawingml/2011/main" val="1"/>
+              <ma14:wrappingTextBoxFlag xmlns:ma14="http://schemas.microsoft.com/office/mac/drawingml/2011/main" xmlns:a14="http://schemas.microsoft.com/office/drawing/2010/main" xmlns:m="http://schemas.openxmlformats.org/officeDocument/2006/math" xmlns="" val="1"/>
             </a:ext>
           </a:extLst>
         </p:spPr>
@@ -6990,8 +6988,8 @@
         </p:nvSpPr>
         <p:spPr>
           <a:xfrm>
-            <a:off x="15162645" y="4826152"/>
-            <a:ext cx="1229527" cy="290235"/>
+            <a:off x="15215717" y="4394826"/>
+            <a:ext cx="1123384" cy="238460"/>
           </a:xfrm>
           <a:prstGeom prst="roundRect">
             <a:avLst/>
@@ -7012,7 +7010,7 @@
           </a:effectLst>
           <a:extLst>
             <a:ext uri="{C572A759-6A51-4108-AA02-DFA0A04FC94B}">
-              <ma14:wrappingTextBoxFlag xmlns="" xmlns:m="http://schemas.openxmlformats.org/officeDocument/2006/math" xmlns:a14="http://schemas.microsoft.com/office/drawing/2010/main" xmlns:ma14="http://schemas.microsoft.com/office/mac/drawingml/2011/main" val="1"/>
+              <ma14:wrappingTextBoxFlag xmlns:ma14="http://schemas.microsoft.com/office/mac/drawingml/2011/main" xmlns:a14="http://schemas.microsoft.com/office/drawing/2010/main" xmlns:m="http://schemas.openxmlformats.org/officeDocument/2006/math" xmlns="" val="1"/>
             </a:ext>
           </a:extLst>
         </p:spPr>
@@ -7055,8 +7053,8 @@
         </p:nvSpPr>
         <p:spPr>
           <a:xfrm>
-            <a:off x="15163533" y="5317822"/>
-            <a:ext cx="1229527" cy="290235"/>
+            <a:off x="15216605" y="4886496"/>
+            <a:ext cx="1123384" cy="238460"/>
           </a:xfrm>
           <a:prstGeom prst="roundRect">
             <a:avLst/>
@@ -7077,7 +7075,7 @@
           </a:effectLst>
           <a:extLst>
             <a:ext uri="{C572A759-6A51-4108-AA02-DFA0A04FC94B}">
-              <ma14:wrappingTextBoxFlag xmlns="" xmlns:m="http://schemas.openxmlformats.org/officeDocument/2006/math" xmlns:a14="http://schemas.microsoft.com/office/drawing/2010/main" xmlns:ma14="http://schemas.microsoft.com/office/mac/drawingml/2011/main" val="1"/>
+              <ma14:wrappingTextBoxFlag xmlns:ma14="http://schemas.microsoft.com/office/mac/drawingml/2011/main" xmlns:a14="http://schemas.microsoft.com/office/drawing/2010/main" xmlns:m="http://schemas.openxmlformats.org/officeDocument/2006/math" xmlns="" val="1"/>
             </a:ext>
           </a:extLst>
         </p:spPr>
@@ -7100,7 +7098,7 @@
           </a:lstStyle>
           <a:p>
             <a:r>
-              <a:rPr lang="en-US" dirty="0" smtClean="0">
+              <a:rPr lang="en-US" dirty="0">
                 <a:solidFill>
                   <a:sysClr val="windowText" lastClr="000000"/>
                 </a:solidFill>
@@ -7109,13 +7107,6 @@
               </a:rPr>
               <a:t>service3</a:t>
             </a:r>
-            <a:endParaRPr lang="en-US" dirty="0">
-              <a:solidFill>
-                <a:sysClr val="windowText" lastClr="000000"/>
-              </a:solidFill>
-              <a:latin typeface="微软雅黑" panose="020B0503020204020204" pitchFamily="34" charset="-122"/>
-              <a:ea typeface="微软雅黑" panose="020B0503020204020204" pitchFamily="34" charset="-122"/>
-            </a:endParaRPr>
           </a:p>
         </p:txBody>
       </p:sp>
@@ -7127,8 +7118,8 @@
         </p:nvSpPr>
         <p:spPr>
           <a:xfrm>
-            <a:off x="15164421" y="5809492"/>
-            <a:ext cx="1229527" cy="290235"/>
+            <a:off x="15217493" y="5378166"/>
+            <a:ext cx="1123384" cy="238460"/>
           </a:xfrm>
           <a:prstGeom prst="roundRect">
             <a:avLst/>
@@ -7149,7 +7140,7 @@
           </a:effectLst>
           <a:extLst>
             <a:ext uri="{C572A759-6A51-4108-AA02-DFA0A04FC94B}">
-              <ma14:wrappingTextBoxFlag xmlns="" xmlns:m="http://schemas.openxmlformats.org/officeDocument/2006/math" xmlns:a14="http://schemas.microsoft.com/office/drawing/2010/main" xmlns:ma14="http://schemas.microsoft.com/office/mac/drawingml/2011/main" val="1"/>
+              <ma14:wrappingTextBoxFlag xmlns:ma14="http://schemas.microsoft.com/office/mac/drawingml/2011/main" xmlns:a14="http://schemas.microsoft.com/office/drawing/2010/main" xmlns:m="http://schemas.openxmlformats.org/officeDocument/2006/math" xmlns="" val="1"/>
             </a:ext>
           </a:extLst>
         </p:spPr>
@@ -7192,7 +7183,7 @@
         </p:nvSpPr>
         <p:spPr>
           <a:xfrm>
-            <a:off x="7270544" y="8910005"/>
+            <a:off x="5202590" y="8910005"/>
             <a:ext cx="2279791" cy="461665"/>
           </a:xfrm>
           <a:prstGeom prst="rect">
@@ -7228,14 +7219,6 @@
               </a:rPr>
               <a:t> center</a:t>
             </a:r>
-            <a:endParaRPr lang="en-US" altLang="zh-CN" dirty="0">
-              <a:solidFill>
-                <a:schemeClr val="tx1"/>
-              </a:solidFill>
-              <a:latin typeface="微软雅黑" panose="020B0503020204020204" pitchFamily="34" charset="-122"/>
-              <a:ea typeface="微软雅黑" panose="020B0503020204020204" pitchFamily="34" charset="-122"/>
-              <a:cs typeface="Helvetica Light"/>
-            </a:endParaRPr>
           </a:p>
         </p:txBody>
       </p:sp>
@@ -7247,8 +7230,8 @@
         </p:nvSpPr>
         <p:spPr>
           <a:xfrm flipV="1">
-            <a:off x="10272276" y="7247500"/>
-            <a:ext cx="1413642" cy="927727"/>
+            <a:off x="11479246" y="7044861"/>
+            <a:ext cx="390717" cy="571203"/>
           </a:xfrm>
           <a:prstGeom prst="line">
             <a:avLst/>
@@ -7489,13 +7472,850 @@
               </a:rPr>
               <a:t>Registries</a:t>
             </a:r>
-            <a:endParaRPr lang="en-US" altLang="zh-CN" dirty="0">
+          </a:p>
+        </p:txBody>
+      </p:sp>
+      <p:sp>
+        <p:nvSpPr>
+          <p:cNvPr id="77" name="Registry">
+            <a:extLst>
+              <a:ext uri="{FF2B5EF4-FFF2-40B4-BE49-F238E27FC236}">
+                <a16:creationId xmlns:a16="http://schemas.microsoft.com/office/drawing/2014/main" id="{03831590-4BB8-4730-8CC6-15F908675A6F}"/>
+              </a:ext>
+            </a:extLst>
+          </p:cNvPr>
+          <p:cNvSpPr/>
+          <p:nvPr/>
+        </p:nvSpPr>
+        <p:spPr>
+          <a:xfrm>
+            <a:off x="12107771" y="3000823"/>
+            <a:ext cx="2289252" cy="417378"/>
+          </a:xfrm>
+          <a:prstGeom prst="roundRect">
+            <a:avLst/>
+          </a:prstGeom>
+          <a:solidFill>
+            <a:srgbClr val="F39019"/>
+          </a:solidFill>
+          <a:ln w="12700" cap="flat">
+            <a:noFill/>
+            <a:miter lim="400000"/>
+          </a:ln>
+          <a:effectLst>
+            <a:outerShdw blurRad="38100" dist="25400" dir="5400000" rotWithShape="0">
+              <a:srgbClr val="000000">
+                <a:alpha val="50000"/>
+              </a:srgbClr>
+            </a:outerShdw>
+          </a:effectLst>
+          <a:extLst>
+            <a:ext uri="{C572A759-6A51-4108-AA02-DFA0A04FC94B}">
+              <ma14:wrappingTextBoxFlag xmlns:ma14="http://schemas.microsoft.com/office/mac/drawingml/2011/main" xmlns:a14="http://schemas.microsoft.com/office/drawing/2010/main" xmlns:m="http://schemas.openxmlformats.org/officeDocument/2006/math" xmlns="" val="1"/>
+            </a:ext>
+          </a:extLst>
+        </p:spPr>
+        <p:txBody>
+          <a:bodyPr wrap="square" lIns="50800" tIns="50800" rIns="50800" bIns="50800" numCol="1" anchor="ctr">
+            <a:noAutofit/>
+          </a:bodyPr>
+          <a:lstStyle>
+            <a:lvl1pPr>
+              <a:defRPr sz="1900" b="0">
+                <a:solidFill>
+                  <a:srgbClr val="FFFFFF"/>
+                </a:solidFill>
+                <a:latin typeface="Helvetica Light"/>
+                <a:ea typeface="Helvetica Light"/>
+                <a:cs typeface="Helvetica Light"/>
+                <a:sym typeface="Helvetica Light"/>
+              </a:defRPr>
+            </a:lvl1pPr>
+          </a:lstStyle>
+          <a:p>
+            <a:r>
+              <a:rPr dirty="0">
+                <a:latin typeface="微软雅黑" panose="020B0503020204020204" pitchFamily="34" charset="-122"/>
+                <a:ea typeface="微软雅黑" panose="020B0503020204020204" pitchFamily="34" charset="-122"/>
+              </a:rPr>
+              <a:t>Registry</a:t>
+            </a:r>
+          </a:p>
+        </p:txBody>
+      </p:sp>
+      <p:sp>
+        <p:nvSpPr>
+          <p:cNvPr id="78" name="Line">
+            <a:extLst>
+              <a:ext uri="{FF2B5EF4-FFF2-40B4-BE49-F238E27FC236}">
+                <a16:creationId xmlns:a16="http://schemas.microsoft.com/office/drawing/2014/main" id="{015480FA-C547-4E68-AC02-4B1C4046C47A}"/>
+              </a:ext>
+            </a:extLst>
+          </p:cNvPr>
+          <p:cNvSpPr/>
+          <p:nvPr/>
+        </p:nvSpPr>
+        <p:spPr>
+          <a:xfrm>
+            <a:off x="8414866" y="5180000"/>
+            <a:ext cx="1542020" cy="8672"/>
+          </a:xfrm>
+          <a:prstGeom prst="line">
+            <a:avLst/>
+          </a:prstGeom>
+          <a:ln w="38100">
+            <a:solidFill>
+              <a:schemeClr val="bg2">
+                <a:lumMod val="50000"/>
+              </a:schemeClr>
+            </a:solidFill>
+            <a:tailEnd type="triangle" w="med" len="med"/>
+          </a:ln>
+        </p:spPr>
+        <p:style>
+          <a:lnRef idx="1">
+            <a:schemeClr val="accent1"/>
+          </a:lnRef>
+          <a:fillRef idx="0">
+            <a:schemeClr val="accent1"/>
+          </a:fillRef>
+          <a:effectRef idx="0">
+            <a:schemeClr val="accent1"/>
+          </a:effectRef>
+          <a:fontRef idx="minor">
+            <a:schemeClr val="tx1"/>
+          </a:fontRef>
+        </p:style>
+        <p:txBody>
+          <a:bodyPr wrap="square" lIns="50800" tIns="50800" rIns="50800" bIns="50800" numCol="1" anchor="ctr">
+            <a:noAutofit/>
+          </a:bodyPr>
+          <a:lstStyle/>
+          <a:p>
+            <a:endParaRPr b="0">
               <a:solidFill>
                 <a:schemeClr val="tx1"/>
               </a:solidFill>
               <a:latin typeface="微软雅黑" panose="020B0503020204020204" pitchFamily="34" charset="-122"/>
               <a:ea typeface="微软雅黑" panose="020B0503020204020204" pitchFamily="34" charset="-122"/>
               <a:cs typeface="Helvetica Light"/>
+            </a:endParaRPr>
+          </a:p>
+        </p:txBody>
+      </p:sp>
+      <p:sp>
+        <p:nvSpPr>
+          <p:cNvPr id="79" name="Line">
+            <a:extLst>
+              <a:ext uri="{FF2B5EF4-FFF2-40B4-BE49-F238E27FC236}">
+                <a16:creationId xmlns:a16="http://schemas.microsoft.com/office/drawing/2014/main" id="{1865DC4D-C875-40C3-AA90-1023954DFD1C}"/>
+              </a:ext>
+            </a:extLst>
+          </p:cNvPr>
+          <p:cNvSpPr/>
+          <p:nvPr/>
+        </p:nvSpPr>
+        <p:spPr>
+          <a:xfrm flipH="1">
+            <a:off x="8388759" y="5526586"/>
+            <a:ext cx="1520064" cy="0"/>
+          </a:xfrm>
+          <a:prstGeom prst="line">
+            <a:avLst/>
+          </a:prstGeom>
+          <a:ln w="38100">
+            <a:solidFill>
+              <a:schemeClr val="bg2">
+                <a:lumMod val="50000"/>
+              </a:schemeClr>
+            </a:solidFill>
+            <a:tailEnd type="triangle" w="med" len="med"/>
+          </a:ln>
+        </p:spPr>
+        <p:style>
+          <a:lnRef idx="1">
+            <a:schemeClr val="accent1"/>
+          </a:lnRef>
+          <a:fillRef idx="0">
+            <a:schemeClr val="accent1"/>
+          </a:fillRef>
+          <a:effectRef idx="0">
+            <a:schemeClr val="accent1"/>
+          </a:effectRef>
+          <a:fontRef idx="minor">
+            <a:schemeClr val="tx1"/>
+          </a:fontRef>
+        </p:style>
+        <p:txBody>
+          <a:bodyPr wrap="square" lIns="50800" tIns="50800" rIns="50800" bIns="50800" numCol="1" anchor="ctr">
+            <a:noAutofit/>
+          </a:bodyPr>
+          <a:lstStyle/>
+          <a:p>
+            <a:endParaRPr b="0" dirty="0">
+              <a:solidFill>
+                <a:schemeClr val="tx1"/>
+              </a:solidFill>
+              <a:latin typeface="微软雅黑" panose="020B0503020204020204" pitchFamily="34" charset="-122"/>
+              <a:ea typeface="微软雅黑" panose="020B0503020204020204" pitchFamily="34" charset="-122"/>
+              <a:cs typeface="Helvetica Light"/>
+            </a:endParaRPr>
+          </a:p>
+        </p:txBody>
+      </p:sp>
+      <p:sp>
+        <p:nvSpPr>
+          <p:cNvPr id="80" name="tcp">
+            <a:extLst>
+              <a:ext uri="{FF2B5EF4-FFF2-40B4-BE49-F238E27FC236}">
+                <a16:creationId xmlns:a16="http://schemas.microsoft.com/office/drawing/2014/main" id="{B1CE1EE5-9E53-43C4-88C5-49EAB148F43D}"/>
+              </a:ext>
+            </a:extLst>
+          </p:cNvPr>
+          <p:cNvSpPr txBox="1"/>
+          <p:nvPr/>
+        </p:nvSpPr>
+        <p:spPr>
+          <a:xfrm>
+            <a:off x="8790603" y="5120298"/>
+            <a:ext cx="719580" cy="421818"/>
+          </a:xfrm>
+          <a:prstGeom prst="rect">
+            <a:avLst/>
+          </a:prstGeom>
+          <a:ln w="12700">
+            <a:miter lim="400000"/>
+          </a:ln>
+          <a:extLst>
+            <a:ext uri="{C572A759-6A51-4108-AA02-DFA0A04FC94B}">
+              <ma14:wrappingTextBoxFlag xmlns:ma14="http://schemas.microsoft.com/office/mac/drawingml/2011/main" xmlns:a14="http://schemas.microsoft.com/office/drawing/2010/main" xmlns:m="http://schemas.openxmlformats.org/officeDocument/2006/math" xmlns="" val="1"/>
+            </a:ext>
+          </a:extLst>
+        </p:spPr>
+        <p:txBody>
+          <a:bodyPr lIns="50800" tIns="50800" rIns="50800" bIns="50800" anchor="ctr"/>
+          <a:lstStyle>
+            <a:lvl1pPr>
+              <a:defRPr sz="2800" b="0">
+                <a:latin typeface="Helvetica Light"/>
+                <a:ea typeface="Helvetica Light"/>
+                <a:cs typeface="Helvetica Light"/>
+                <a:sym typeface="Helvetica Light"/>
+              </a:defRPr>
+            </a:lvl1pPr>
+          </a:lstStyle>
+          <a:p>
+            <a:r>
+              <a:rPr lang="en-US" altLang="zh-CN" sz="1800" b="1" dirty="0" err="1">
+                <a:solidFill>
+                  <a:srgbClr val="6C6969"/>
+                </a:solidFill>
+                <a:latin typeface="微软雅黑" panose="020B0503020204020204" pitchFamily="34" charset="-122"/>
+                <a:ea typeface="微软雅黑" panose="020B0503020204020204" pitchFamily="34" charset="-122"/>
+              </a:rPr>
+              <a:t>grpc</a:t>
+            </a:r>
+            <a:endParaRPr sz="1800" b="1" dirty="0">
+              <a:solidFill>
+                <a:srgbClr val="6C6969"/>
+              </a:solidFill>
+              <a:latin typeface="微软雅黑" panose="020B0503020204020204" pitchFamily="34" charset="-122"/>
+              <a:ea typeface="微软雅黑" panose="020B0503020204020204" pitchFamily="34" charset="-122"/>
+            </a:endParaRPr>
+          </a:p>
+        </p:txBody>
+      </p:sp>
+      <p:sp>
+        <p:nvSpPr>
+          <p:cNvPr id="81" name="Config">
+            <a:extLst>
+              <a:ext uri="{FF2B5EF4-FFF2-40B4-BE49-F238E27FC236}">
+                <a16:creationId xmlns:a16="http://schemas.microsoft.com/office/drawing/2014/main" id="{DA7D730A-09A6-472D-9377-7FD56CC25CE0}"/>
+              </a:ext>
+            </a:extLst>
+          </p:cNvPr>
+          <p:cNvSpPr/>
+          <p:nvPr/>
+        </p:nvSpPr>
+        <p:spPr>
+          <a:xfrm>
+            <a:off x="2446595" y="6459274"/>
+            <a:ext cx="4165666" cy="417378"/>
+          </a:xfrm>
+          <a:prstGeom prst="roundRect">
+            <a:avLst/>
+          </a:prstGeom>
+          <a:solidFill>
+            <a:schemeClr val="bg2">
+              <a:lumMod val="50000"/>
+            </a:schemeClr>
+          </a:solidFill>
+          <a:ln w="12700" cap="flat">
+            <a:noFill/>
+            <a:miter lim="400000"/>
+          </a:ln>
+          <a:effectLst>
+            <a:outerShdw blurRad="38100" dist="25400" dir="5400000" rotWithShape="0">
+              <a:srgbClr val="000000">
+                <a:alpha val="50000"/>
+              </a:srgbClr>
+            </a:outerShdw>
+          </a:effectLst>
+          <a:extLst>
+            <a:ext uri="{C572A759-6A51-4108-AA02-DFA0A04FC94B}">
+              <ma14:wrappingTextBoxFlag xmlns:ma14="http://schemas.microsoft.com/office/mac/drawingml/2011/main" xmlns:a14="http://schemas.microsoft.com/office/drawing/2010/main" xmlns:m="http://schemas.openxmlformats.org/officeDocument/2006/math" xmlns="" val="1"/>
+            </a:ext>
+          </a:extLst>
+        </p:spPr>
+        <p:txBody>
+          <a:bodyPr wrap="square" lIns="50800" tIns="50800" rIns="50800" bIns="50800" numCol="1" anchor="ctr">
+            <a:noAutofit/>
+          </a:bodyPr>
+          <a:lstStyle>
+            <a:lvl1pPr>
+              <a:defRPr sz="1900" b="0">
+                <a:solidFill>
+                  <a:srgbClr val="FFFFFF"/>
+                </a:solidFill>
+                <a:latin typeface="Helvetica Light"/>
+                <a:ea typeface="Helvetica Light"/>
+                <a:cs typeface="Helvetica Light"/>
+                <a:sym typeface="Helvetica Light"/>
+              </a:defRPr>
+            </a:lvl1pPr>
+          </a:lstStyle>
+          <a:p>
+            <a:r>
+              <a:rPr lang="en-US" dirty="0">
+                <a:latin typeface="微软雅黑" panose="020B0503020204020204" pitchFamily="34" charset="-122"/>
+                <a:ea typeface="微软雅黑" panose="020B0503020204020204" pitchFamily="34" charset="-122"/>
+              </a:rPr>
+              <a:t>Tracing</a:t>
+            </a:r>
+            <a:endParaRPr dirty="0">
+              <a:latin typeface="微软雅黑" panose="020B0503020204020204" pitchFamily="34" charset="-122"/>
+              <a:ea typeface="微软雅黑" panose="020B0503020204020204" pitchFamily="34" charset="-122"/>
+            </a:endParaRPr>
+          </a:p>
+        </p:txBody>
+      </p:sp>
+      <p:sp>
+        <p:nvSpPr>
+          <p:cNvPr id="82" name="Config">
+            <a:extLst>
+              <a:ext uri="{FF2B5EF4-FFF2-40B4-BE49-F238E27FC236}">
+                <a16:creationId xmlns:a16="http://schemas.microsoft.com/office/drawing/2014/main" id="{01380A21-92E7-436D-9155-388779DA3498}"/>
+              </a:ext>
+            </a:extLst>
+          </p:cNvPr>
+          <p:cNvSpPr/>
+          <p:nvPr/>
+        </p:nvSpPr>
+        <p:spPr>
+          <a:xfrm>
+            <a:off x="11230132" y="6441219"/>
+            <a:ext cx="4165666" cy="417378"/>
+          </a:xfrm>
+          <a:prstGeom prst="roundRect">
+            <a:avLst/>
+          </a:prstGeom>
+          <a:solidFill>
+            <a:schemeClr val="bg2">
+              <a:lumMod val="50000"/>
+            </a:schemeClr>
+          </a:solidFill>
+          <a:ln w="12700" cap="flat">
+            <a:noFill/>
+            <a:miter lim="400000"/>
+          </a:ln>
+          <a:effectLst>
+            <a:outerShdw blurRad="38100" dist="25400" dir="5400000" rotWithShape="0">
+              <a:srgbClr val="000000">
+                <a:alpha val="50000"/>
+              </a:srgbClr>
+            </a:outerShdw>
+          </a:effectLst>
+          <a:extLst>
+            <a:ext uri="{C572A759-6A51-4108-AA02-DFA0A04FC94B}">
+              <ma14:wrappingTextBoxFlag xmlns:ma14="http://schemas.microsoft.com/office/mac/drawingml/2011/main" xmlns:a14="http://schemas.microsoft.com/office/drawing/2010/main" xmlns:m="http://schemas.openxmlformats.org/officeDocument/2006/math" xmlns="" val="1"/>
+            </a:ext>
+          </a:extLst>
+        </p:spPr>
+        <p:txBody>
+          <a:bodyPr wrap="square" lIns="50800" tIns="50800" rIns="50800" bIns="50800" numCol="1" anchor="ctr">
+            <a:noAutofit/>
+          </a:bodyPr>
+          <a:lstStyle>
+            <a:lvl1pPr>
+              <a:defRPr sz="1900" b="0">
+                <a:solidFill>
+                  <a:srgbClr val="FFFFFF"/>
+                </a:solidFill>
+                <a:latin typeface="Helvetica Light"/>
+                <a:ea typeface="Helvetica Light"/>
+                <a:cs typeface="Helvetica Light"/>
+                <a:sym typeface="Helvetica Light"/>
+              </a:defRPr>
+            </a:lvl1pPr>
+          </a:lstStyle>
+          <a:p>
+            <a:r>
+              <a:rPr lang="en-US" dirty="0">
+                <a:latin typeface="微软雅黑" panose="020B0503020204020204" pitchFamily="34" charset="-122"/>
+                <a:ea typeface="微软雅黑" panose="020B0503020204020204" pitchFamily="34" charset="-122"/>
+              </a:rPr>
+              <a:t>Tracing</a:t>
+            </a:r>
+            <a:endParaRPr dirty="0">
+              <a:latin typeface="微软雅黑" panose="020B0503020204020204" pitchFamily="34" charset="-122"/>
+              <a:ea typeface="微软雅黑" panose="020B0503020204020204" pitchFamily="34" charset="-122"/>
+            </a:endParaRPr>
+          </a:p>
+        </p:txBody>
+      </p:sp>
+      <p:sp>
+        <p:nvSpPr>
+          <p:cNvPr id="83" name="Line">
+            <a:extLst>
+              <a:ext uri="{FF2B5EF4-FFF2-40B4-BE49-F238E27FC236}">
+                <a16:creationId xmlns:a16="http://schemas.microsoft.com/office/drawing/2014/main" id="{3077DAEC-1021-4FDD-9040-DB33A2ACA9D4}"/>
+              </a:ext>
+            </a:extLst>
+          </p:cNvPr>
+          <p:cNvSpPr/>
+          <p:nvPr/>
+        </p:nvSpPr>
+        <p:spPr>
+          <a:xfrm>
+            <a:off x="6675599" y="6667963"/>
+            <a:ext cx="4554534" cy="0"/>
+          </a:xfrm>
+          <a:prstGeom prst="line">
+            <a:avLst/>
+          </a:prstGeom>
+          <a:ln w="38100">
+            <a:solidFill>
+              <a:schemeClr val="bg2">
+                <a:lumMod val="50000"/>
+              </a:schemeClr>
+            </a:solidFill>
+            <a:prstDash val="sysDash"/>
+            <a:tailEnd type="triangle" w="med" len="med"/>
+          </a:ln>
+        </p:spPr>
+        <p:style>
+          <a:lnRef idx="1">
+            <a:schemeClr val="accent1"/>
+          </a:lnRef>
+          <a:fillRef idx="0">
+            <a:schemeClr val="accent1"/>
+          </a:fillRef>
+          <a:effectRef idx="0">
+            <a:schemeClr val="accent1"/>
+          </a:effectRef>
+          <a:fontRef idx="minor">
+            <a:schemeClr val="tx1"/>
+          </a:fontRef>
+        </p:style>
+        <p:txBody>
+          <a:bodyPr wrap="square" lIns="50800" tIns="50800" rIns="50800" bIns="50800" numCol="1" anchor="ctr">
+            <a:noAutofit/>
+          </a:bodyPr>
+          <a:lstStyle/>
+          <a:p>
+            <a:endParaRPr b="0" dirty="0">
+              <a:solidFill>
+                <a:schemeClr val="tx1"/>
+              </a:solidFill>
+              <a:latin typeface="微软雅黑" panose="020B0503020204020204" pitchFamily="34" charset="-122"/>
+              <a:ea typeface="微软雅黑" panose="020B0503020204020204" pitchFamily="34" charset="-122"/>
+              <a:cs typeface="Helvetica Light"/>
+            </a:endParaRPr>
+          </a:p>
+        </p:txBody>
+      </p:sp>
+      <p:sp>
+        <p:nvSpPr>
+          <p:cNvPr id="84" name="tcp">
+            <a:extLst>
+              <a:ext uri="{FF2B5EF4-FFF2-40B4-BE49-F238E27FC236}">
+                <a16:creationId xmlns:a16="http://schemas.microsoft.com/office/drawing/2014/main" id="{607CC97C-3C18-4338-880D-69C597A9A55C}"/>
+              </a:ext>
+            </a:extLst>
+          </p:cNvPr>
+          <p:cNvSpPr txBox="1"/>
+          <p:nvPr/>
+        </p:nvSpPr>
+        <p:spPr>
+          <a:xfrm>
+            <a:off x="8438910" y="6259768"/>
+            <a:ext cx="1327599" cy="421818"/>
+          </a:xfrm>
+          <a:prstGeom prst="rect">
+            <a:avLst/>
+          </a:prstGeom>
+          <a:ln w="12700">
+            <a:miter lim="400000"/>
+          </a:ln>
+          <a:extLst>
+            <a:ext uri="{C572A759-6A51-4108-AA02-DFA0A04FC94B}">
+              <ma14:wrappingTextBoxFlag xmlns:ma14="http://schemas.microsoft.com/office/mac/drawingml/2011/main" xmlns:a14="http://schemas.microsoft.com/office/drawing/2010/main" xmlns:m="http://schemas.openxmlformats.org/officeDocument/2006/math" xmlns="" val="1"/>
+            </a:ext>
+          </a:extLst>
+        </p:spPr>
+        <p:txBody>
+          <a:bodyPr lIns="50800" tIns="50800" rIns="50800" bIns="50800" anchor="ctr"/>
+          <a:lstStyle>
+            <a:lvl1pPr>
+              <a:defRPr sz="2800" b="0">
+                <a:latin typeface="Helvetica Light"/>
+                <a:ea typeface="Helvetica Light"/>
+                <a:cs typeface="Helvetica Light"/>
+                <a:sym typeface="Helvetica Light"/>
+              </a:defRPr>
+            </a:lvl1pPr>
+          </a:lstStyle>
+          <a:p>
+            <a:r>
+              <a:rPr lang="en-US" sz="1800" b="1" dirty="0">
+                <a:solidFill>
+                  <a:srgbClr val="6C6969"/>
+                </a:solidFill>
+                <a:latin typeface="微软雅黑" panose="020B0503020204020204" pitchFamily="34" charset="-122"/>
+                <a:ea typeface="微软雅黑" panose="020B0503020204020204" pitchFamily="34" charset="-122"/>
+              </a:rPr>
+              <a:t>chain</a:t>
+            </a:r>
+            <a:endParaRPr sz="1800" b="1" dirty="0">
+              <a:solidFill>
+                <a:srgbClr val="6C6969"/>
+              </a:solidFill>
+              <a:latin typeface="微软雅黑" panose="020B0503020204020204" pitchFamily="34" charset="-122"/>
+              <a:ea typeface="微软雅黑" panose="020B0503020204020204" pitchFamily="34" charset="-122"/>
+            </a:endParaRPr>
+          </a:p>
+        </p:txBody>
+      </p:sp>
+      <p:sp>
+        <p:nvSpPr>
+          <p:cNvPr id="86" name="Config center">
+            <a:extLst>
+              <a:ext uri="{FF2B5EF4-FFF2-40B4-BE49-F238E27FC236}">
+                <a16:creationId xmlns:a16="http://schemas.microsoft.com/office/drawing/2014/main" id="{16E36717-2899-4B1C-8E28-E34B6260C7C0}"/>
+              </a:ext>
+            </a:extLst>
+          </p:cNvPr>
+          <p:cNvSpPr/>
+          <p:nvPr/>
+        </p:nvSpPr>
+        <p:spPr>
+          <a:xfrm>
+            <a:off x="9664613" y="7910011"/>
+            <a:ext cx="3592339" cy="1547722"/>
+          </a:xfrm>
+          <a:prstGeom prst="roundRect">
+            <a:avLst>
+              <a:gd name="adj" fmla="val 8447"/>
+            </a:avLst>
+          </a:prstGeom>
+          <a:solidFill>
+            <a:srgbClr val="E2F0D9"/>
+          </a:solidFill>
+          <a:ln w="12700" cap="flat">
+            <a:noFill/>
+            <a:miter lim="400000"/>
+          </a:ln>
+          <a:effectLst>
+            <a:outerShdw blurRad="38100" dist="25400" dir="5400000" rotWithShape="0">
+              <a:srgbClr val="000000">
+                <a:alpha val="50000"/>
+              </a:srgbClr>
+            </a:outerShdw>
+          </a:effectLst>
+          <a:extLst>
+            <a:ext uri="{C572A759-6A51-4108-AA02-DFA0A04FC94B}">
+              <ma14:wrappingTextBoxFlag xmlns:ma14="http://schemas.microsoft.com/office/mac/drawingml/2011/main" xmlns:a14="http://schemas.microsoft.com/office/drawing/2010/main" xmlns:m="http://schemas.openxmlformats.org/officeDocument/2006/math" xmlns="" val="1"/>
+            </a:ext>
+          </a:extLst>
+        </p:spPr>
+        <p:txBody>
+          <a:bodyPr wrap="square" lIns="50800" tIns="50800" rIns="50800" bIns="50800" numCol="1" anchor="t">
+            <a:noAutofit/>
+          </a:bodyPr>
+          <a:lstStyle/>
+          <a:p>
+            <a:pPr algn="l"/>
+            <a:endParaRPr dirty="0">
+              <a:solidFill>
+                <a:schemeClr val="tx1"/>
+              </a:solidFill>
+              <a:latin typeface="微软雅黑" panose="020B0503020204020204" pitchFamily="34" charset="-122"/>
+              <a:ea typeface="微软雅黑" panose="020B0503020204020204" pitchFamily="34" charset="-122"/>
+              <a:cs typeface="Helvetica Light"/>
+            </a:endParaRPr>
+          </a:p>
+        </p:txBody>
+      </p:sp>
+      <p:sp>
+        <p:nvSpPr>
+          <p:cNvPr id="87" name="Apollo">
+            <a:extLst>
+              <a:ext uri="{FF2B5EF4-FFF2-40B4-BE49-F238E27FC236}">
+                <a16:creationId xmlns:a16="http://schemas.microsoft.com/office/drawing/2014/main" id="{1EADAB21-F86F-4CED-98F8-DCA54869B7CF}"/>
+              </a:ext>
+            </a:extLst>
+          </p:cNvPr>
+          <p:cNvSpPr/>
+          <p:nvPr/>
+        </p:nvSpPr>
+        <p:spPr>
+          <a:xfrm>
+            <a:off x="10066761" y="8217935"/>
+            <a:ext cx="1270001" cy="574046"/>
+          </a:xfrm>
+          <a:prstGeom prst="roundRect">
+            <a:avLst/>
+          </a:prstGeom>
+          <a:solidFill>
+            <a:schemeClr val="accent2">
+              <a:lumMod val="75000"/>
+            </a:schemeClr>
+          </a:solidFill>
+          <a:ln w="12700" cap="flat">
+            <a:noFill/>
+            <a:miter lim="400000"/>
+          </a:ln>
+          <a:effectLst>
+            <a:outerShdw blurRad="38100" dist="25400" dir="5400000" rotWithShape="0">
+              <a:srgbClr val="000000">
+                <a:alpha val="50000"/>
+              </a:srgbClr>
+            </a:outerShdw>
+          </a:effectLst>
+          <a:extLst>
+            <a:ext uri="{C572A759-6A51-4108-AA02-DFA0A04FC94B}">
+              <ma14:wrappingTextBoxFlag xmlns:ma14="http://schemas.microsoft.com/office/mac/drawingml/2011/main" xmlns:a14="http://schemas.microsoft.com/office/drawing/2010/main" xmlns:m="http://schemas.openxmlformats.org/officeDocument/2006/math" xmlns="" val="1"/>
+            </a:ext>
+          </a:extLst>
+        </p:spPr>
+        <p:txBody>
+          <a:bodyPr wrap="square" lIns="50800" tIns="50800" rIns="50800" bIns="50800" numCol="1" anchor="ctr">
+            <a:noAutofit/>
+          </a:bodyPr>
+          <a:lstStyle>
+            <a:lvl1pPr>
+              <a:defRPr b="0">
+                <a:solidFill>
+                  <a:srgbClr val="FFFFFF"/>
+                </a:solidFill>
+                <a:latin typeface="Helvetica Light"/>
+                <a:ea typeface="Helvetica Light"/>
+                <a:cs typeface="Helvetica Light"/>
+                <a:sym typeface="Helvetica Light"/>
+              </a:defRPr>
+            </a:lvl1pPr>
+          </a:lstStyle>
+          <a:p>
+            <a:r>
+              <a:rPr lang="en-US" dirty="0" err="1">
+                <a:latin typeface="微软雅黑" panose="020B0503020204020204" pitchFamily="34" charset="-122"/>
+                <a:ea typeface="微软雅黑" panose="020B0503020204020204" pitchFamily="34" charset="-122"/>
+              </a:rPr>
+              <a:t>Zipkin</a:t>
+            </a:r>
+            <a:endParaRPr dirty="0">
+              <a:latin typeface="微软雅黑" panose="020B0503020204020204" pitchFamily="34" charset="-122"/>
+              <a:ea typeface="微软雅黑" panose="020B0503020204020204" pitchFamily="34" charset="-122"/>
+            </a:endParaRPr>
+          </a:p>
+        </p:txBody>
+      </p:sp>
+      <p:sp>
+        <p:nvSpPr>
+          <p:cNvPr id="88" name="zk">
+            <a:extLst>
+              <a:ext uri="{FF2B5EF4-FFF2-40B4-BE49-F238E27FC236}">
+                <a16:creationId xmlns:a16="http://schemas.microsoft.com/office/drawing/2014/main" id="{301224E1-F2B4-41F2-BD83-B696524C9185}"/>
+              </a:ext>
+            </a:extLst>
+          </p:cNvPr>
+          <p:cNvSpPr/>
+          <p:nvPr/>
+        </p:nvSpPr>
+        <p:spPr>
+          <a:xfrm>
+            <a:off x="11624944" y="8217935"/>
+            <a:ext cx="1270001" cy="574046"/>
+          </a:xfrm>
+          <a:prstGeom prst="roundRect">
+            <a:avLst/>
+          </a:prstGeom>
+          <a:solidFill>
+            <a:schemeClr val="accent2">
+              <a:lumMod val="75000"/>
+            </a:schemeClr>
+          </a:solidFill>
+          <a:ln w="12700" cap="flat">
+            <a:noFill/>
+            <a:miter lim="400000"/>
+          </a:ln>
+          <a:effectLst>
+            <a:outerShdw blurRad="38100" dist="25400" dir="5400000" rotWithShape="0">
+              <a:srgbClr val="000000">
+                <a:alpha val="50000"/>
+              </a:srgbClr>
+            </a:outerShdw>
+          </a:effectLst>
+          <a:extLst>
+            <a:ext uri="{C572A759-6A51-4108-AA02-DFA0A04FC94B}">
+              <ma14:wrappingTextBoxFlag xmlns:ma14="http://schemas.microsoft.com/office/mac/drawingml/2011/main" xmlns:a14="http://schemas.microsoft.com/office/drawing/2010/main" xmlns:m="http://schemas.openxmlformats.org/officeDocument/2006/math" xmlns="" val="1"/>
+            </a:ext>
+          </a:extLst>
+        </p:spPr>
+        <p:txBody>
+          <a:bodyPr wrap="square" lIns="50800" tIns="50800" rIns="50800" bIns="50800" numCol="1" anchor="ctr">
+            <a:noAutofit/>
+          </a:bodyPr>
+          <a:lstStyle>
+            <a:lvl1pPr>
+              <a:defRPr b="0">
+                <a:solidFill>
+                  <a:srgbClr val="FFFFFF"/>
+                </a:solidFill>
+                <a:latin typeface="Helvetica Light"/>
+                <a:ea typeface="Helvetica Light"/>
+                <a:cs typeface="Helvetica Light"/>
+                <a:sym typeface="Helvetica Light"/>
+              </a:defRPr>
+            </a:lvl1pPr>
+          </a:lstStyle>
+          <a:p>
+            <a:r>
+              <a:rPr lang="en-US" altLang="zh-CN" dirty="0">
+                <a:latin typeface="微软雅黑" panose="020B0503020204020204" pitchFamily="34" charset="-122"/>
+                <a:ea typeface="微软雅黑" panose="020B0503020204020204" pitchFamily="34" charset="-122"/>
+              </a:rPr>
+              <a:t>…</a:t>
+            </a:r>
+            <a:endParaRPr dirty="0">
+              <a:latin typeface="微软雅黑" panose="020B0503020204020204" pitchFamily="34" charset="-122"/>
+              <a:ea typeface="微软雅黑" panose="020B0503020204020204" pitchFamily="34" charset="-122"/>
+            </a:endParaRPr>
+          </a:p>
+        </p:txBody>
+      </p:sp>
+      <p:sp>
+        <p:nvSpPr>
+          <p:cNvPr id="89" name="矩形 88">
+            <a:extLst>
+              <a:ext uri="{FF2B5EF4-FFF2-40B4-BE49-F238E27FC236}">
+                <a16:creationId xmlns:a16="http://schemas.microsoft.com/office/drawing/2014/main" id="{45225B4F-4974-41B4-A1DA-E90BBEE04C27}"/>
+              </a:ext>
+            </a:extLst>
+          </p:cNvPr>
+          <p:cNvSpPr/>
+          <p:nvPr/>
+        </p:nvSpPr>
+        <p:spPr>
+          <a:xfrm>
+            <a:off x="10827323" y="8935793"/>
+            <a:ext cx="1452642" cy="461665"/>
+          </a:xfrm>
+          <a:prstGeom prst="rect">
+            <a:avLst/>
+          </a:prstGeom>
+        </p:spPr>
+        <p:txBody>
+          <a:bodyPr wrap="none">
+            <a:spAutoFit/>
+          </a:bodyPr>
+          <a:lstStyle/>
+          <a:p>
+            <a:pPr algn="l"/>
+            <a:r>
+              <a:rPr lang="en-US" altLang="zh-CN" dirty="0">
+                <a:solidFill>
+                  <a:schemeClr val="tx1"/>
+                </a:solidFill>
+                <a:latin typeface="微软雅黑" panose="020B0503020204020204" pitchFamily="34" charset="-122"/>
+                <a:ea typeface="微软雅黑" panose="020B0503020204020204" pitchFamily="34" charset="-122"/>
+                <a:cs typeface="Helvetica Light"/>
+              </a:rPr>
+              <a:t>Monitor</a:t>
+            </a:r>
+          </a:p>
+        </p:txBody>
+      </p:sp>
+      <p:sp>
+        <p:nvSpPr>
+          <p:cNvPr id="94" name="Apollo">
+            <a:extLst>
+              <a:ext uri="{FF2B5EF4-FFF2-40B4-BE49-F238E27FC236}">
+                <a16:creationId xmlns:a16="http://schemas.microsoft.com/office/drawing/2014/main" id="{9727A4D4-D52F-4BC9-B4FF-1101C77B1EF9}"/>
+              </a:ext>
+            </a:extLst>
+          </p:cNvPr>
+          <p:cNvSpPr/>
+          <p:nvPr/>
+        </p:nvSpPr>
+        <p:spPr>
+          <a:xfrm>
+            <a:off x="7461898" y="8188523"/>
+            <a:ext cx="1270001" cy="574046"/>
+          </a:xfrm>
+          <a:prstGeom prst="roundRect">
+            <a:avLst/>
+          </a:prstGeom>
+          <a:solidFill>
+            <a:schemeClr val="accent2">
+              <a:lumMod val="75000"/>
+            </a:schemeClr>
+          </a:solidFill>
+          <a:ln w="12700" cap="flat">
+            <a:noFill/>
+            <a:miter lim="400000"/>
+          </a:ln>
+          <a:effectLst>
+            <a:outerShdw blurRad="38100" dist="25400" dir="5400000" rotWithShape="0">
+              <a:srgbClr val="000000">
+                <a:alpha val="50000"/>
+              </a:srgbClr>
+            </a:outerShdw>
+          </a:effectLst>
+          <a:extLst>
+            <a:ext uri="{C572A759-6A51-4108-AA02-DFA0A04FC94B}">
+              <ma14:wrappingTextBoxFlag xmlns:ma14="http://schemas.microsoft.com/office/mac/drawingml/2011/main" xmlns:a14="http://schemas.microsoft.com/office/drawing/2010/main" xmlns:m="http://schemas.openxmlformats.org/officeDocument/2006/math" xmlns="" val="1"/>
+            </a:ext>
+          </a:extLst>
+        </p:spPr>
+        <p:txBody>
+          <a:bodyPr wrap="square" lIns="50800" tIns="50800" rIns="50800" bIns="50800" numCol="1" anchor="ctr">
+            <a:noAutofit/>
+          </a:bodyPr>
+          <a:lstStyle>
+            <a:lvl1pPr>
+              <a:defRPr b="0">
+                <a:solidFill>
+                  <a:srgbClr val="FFFFFF"/>
+                </a:solidFill>
+                <a:latin typeface="Helvetica Light"/>
+                <a:ea typeface="Helvetica Light"/>
+                <a:cs typeface="Helvetica Light"/>
+                <a:sym typeface="Helvetica Light"/>
+              </a:defRPr>
+            </a:lvl1pPr>
+          </a:lstStyle>
+          <a:p>
+            <a:r>
+              <a:rPr lang="en-US" dirty="0" err="1">
+                <a:latin typeface="微软雅黑" panose="020B0503020204020204" pitchFamily="34" charset="-122"/>
+                <a:ea typeface="微软雅黑" panose="020B0503020204020204" pitchFamily="34" charset="-122"/>
+              </a:rPr>
+              <a:t>Nacos</a:t>
+            </a:r>
+            <a:endParaRPr dirty="0">
+              <a:latin typeface="微软雅黑" panose="020B0503020204020204" pitchFamily="34" charset="-122"/>
+              <a:ea typeface="微软雅黑" panose="020B0503020204020204" pitchFamily="34" charset="-122"/>
             </a:endParaRPr>
           </a:p>
         </p:txBody>
@@ -7511,13 +8331,6 @@
     <a:masterClrMapping/>
   </p:clrMapOvr>
   <p:transition spd="med"/>
-  <p:timing>
-    <p:tnLst>
-      <p:par>
-        <p:cTn id="1" dur="indefinite" restart="never" nodeType="tmRoot"/>
-      </p:par>
-    </p:tnLst>
-  </p:timing>
 </p:sld>
 </file>
 
@@ -7616,7 +8429,7 @@
           </a:effectLst>
           <a:extLst>
             <a:ext uri="{C572A759-6A51-4108-AA02-DFA0A04FC94B}">
-              <ma14:wrappingTextBoxFlag xmlns="" xmlns:m="http://schemas.openxmlformats.org/officeDocument/2006/math" xmlns:a14="http://schemas.microsoft.com/office/drawing/2010/main" xmlns:ma14="http://schemas.microsoft.com/office/mac/drawingml/2011/main" val="1"/>
+              <ma14:wrappingTextBoxFlag xmlns:ma14="http://schemas.microsoft.com/office/mac/drawingml/2011/main" xmlns:a14="http://schemas.microsoft.com/office/drawing/2010/main" xmlns:m="http://schemas.openxmlformats.org/officeDocument/2006/math" xmlns="" val="1"/>
             </a:ext>
           </a:extLst>
         </p:spPr>
@@ -7686,7 +8499,7 @@
           </a:effectLst>
           <a:extLst>
             <a:ext uri="{C572A759-6A51-4108-AA02-DFA0A04FC94B}">
-              <ma14:wrappingTextBoxFlag xmlns="" xmlns:m="http://schemas.openxmlformats.org/officeDocument/2006/math" xmlns:a14="http://schemas.microsoft.com/office/drawing/2010/main" xmlns:ma14="http://schemas.microsoft.com/office/mac/drawingml/2011/main" val="1"/>
+              <ma14:wrappingTextBoxFlag xmlns:ma14="http://schemas.microsoft.com/office/mac/drawingml/2011/main" xmlns:a14="http://schemas.microsoft.com/office/drawing/2010/main" xmlns:m="http://schemas.openxmlformats.org/officeDocument/2006/math" xmlns="" val="1"/>
             </a:ext>
           </a:extLst>
         </p:spPr>
@@ -7739,7 +8552,7 @@
           </a:effectLst>
           <a:extLst>
             <a:ext uri="{C572A759-6A51-4108-AA02-DFA0A04FC94B}">
-              <ma14:wrappingTextBoxFlag xmlns="" xmlns:m="http://schemas.openxmlformats.org/officeDocument/2006/math" xmlns:a14="http://schemas.microsoft.com/office/drawing/2010/main" xmlns:ma14="http://schemas.microsoft.com/office/mac/drawingml/2011/main" val="1"/>
+              <ma14:wrappingTextBoxFlag xmlns:ma14="http://schemas.microsoft.com/office/mac/drawingml/2011/main" xmlns:a14="http://schemas.microsoft.com/office/drawing/2010/main" xmlns:m="http://schemas.openxmlformats.org/officeDocument/2006/math" xmlns="" val="1"/>
             </a:ext>
           </a:extLst>
         </p:spPr>
@@ -7795,7 +8608,7 @@
           </a:effectLst>
           <a:extLst>
             <a:ext uri="{C572A759-6A51-4108-AA02-DFA0A04FC94B}">
-              <ma14:wrappingTextBoxFlag xmlns="" xmlns:m="http://schemas.openxmlformats.org/officeDocument/2006/math" xmlns:a14="http://schemas.microsoft.com/office/drawing/2010/main" xmlns:ma14="http://schemas.microsoft.com/office/mac/drawingml/2011/main" val="1"/>
+              <ma14:wrappingTextBoxFlag xmlns:ma14="http://schemas.microsoft.com/office/mac/drawingml/2011/main" xmlns:a14="http://schemas.microsoft.com/office/drawing/2010/main" xmlns:m="http://schemas.openxmlformats.org/officeDocument/2006/math" xmlns="" val="1"/>
             </a:ext>
           </a:extLst>
         </p:spPr>
@@ -7865,7 +8678,7 @@
           </a:effectLst>
           <a:extLst>
             <a:ext uri="{C572A759-6A51-4108-AA02-DFA0A04FC94B}">
-              <ma14:wrappingTextBoxFlag xmlns="" xmlns:m="http://schemas.openxmlformats.org/officeDocument/2006/math" xmlns:a14="http://schemas.microsoft.com/office/drawing/2010/main" xmlns:ma14="http://schemas.microsoft.com/office/mac/drawingml/2011/main" val="1"/>
+              <ma14:wrappingTextBoxFlag xmlns:ma14="http://schemas.microsoft.com/office/mac/drawingml/2011/main" xmlns:a14="http://schemas.microsoft.com/office/drawing/2010/main" xmlns:m="http://schemas.openxmlformats.org/officeDocument/2006/math" xmlns="" val="1"/>
             </a:ext>
           </a:extLst>
         </p:spPr>
@@ -7918,7 +8731,7 @@
           </a:effectLst>
           <a:extLst>
             <a:ext uri="{C572A759-6A51-4108-AA02-DFA0A04FC94B}">
-              <ma14:wrappingTextBoxFlag xmlns="" xmlns:m="http://schemas.openxmlformats.org/officeDocument/2006/math" xmlns:a14="http://schemas.microsoft.com/office/drawing/2010/main" xmlns:ma14="http://schemas.microsoft.com/office/mac/drawingml/2011/main" val="1"/>
+              <ma14:wrappingTextBoxFlag xmlns:ma14="http://schemas.microsoft.com/office/mac/drawingml/2011/main" xmlns:a14="http://schemas.microsoft.com/office/drawing/2010/main" xmlns:m="http://schemas.openxmlformats.org/officeDocument/2006/math" xmlns="" val="1"/>
             </a:ext>
           </a:extLst>
         </p:spPr>
@@ -7985,7 +8798,7 @@
           </a:effectLst>
           <a:extLst>
             <a:ext uri="{C572A759-6A51-4108-AA02-DFA0A04FC94B}">
-              <ma14:wrappingTextBoxFlag xmlns="" xmlns:m="http://schemas.openxmlformats.org/officeDocument/2006/math" xmlns:a14="http://schemas.microsoft.com/office/drawing/2010/main" xmlns:ma14="http://schemas.microsoft.com/office/mac/drawingml/2011/main" val="1"/>
+              <ma14:wrappingTextBoxFlag xmlns:ma14="http://schemas.microsoft.com/office/mac/drawingml/2011/main" xmlns:a14="http://schemas.microsoft.com/office/drawing/2010/main" xmlns:m="http://schemas.openxmlformats.org/officeDocument/2006/math" xmlns="" val="1"/>
             </a:ext>
           </a:extLst>
         </p:spPr>
@@ -8050,7 +8863,7 @@
           </a:effectLst>
           <a:extLst>
             <a:ext uri="{C572A759-6A51-4108-AA02-DFA0A04FC94B}">
-              <ma14:wrappingTextBoxFlag xmlns="" xmlns:m="http://schemas.openxmlformats.org/officeDocument/2006/math" xmlns:a14="http://schemas.microsoft.com/office/drawing/2010/main" xmlns:ma14="http://schemas.microsoft.com/office/mac/drawingml/2011/main" val="1"/>
+              <ma14:wrappingTextBoxFlag xmlns:ma14="http://schemas.microsoft.com/office/mac/drawingml/2011/main" xmlns:a14="http://schemas.microsoft.com/office/drawing/2010/main" xmlns:m="http://schemas.openxmlformats.org/officeDocument/2006/math" xmlns="" val="1"/>
             </a:ext>
           </a:extLst>
         </p:spPr>
@@ -8109,7 +8922,7 @@
           </a:effectLst>
           <a:extLst>
             <a:ext uri="{C572A759-6A51-4108-AA02-DFA0A04FC94B}">
-              <ma14:wrappingTextBoxFlag xmlns="" xmlns:m="http://schemas.openxmlformats.org/officeDocument/2006/math" xmlns:a14="http://schemas.microsoft.com/office/drawing/2010/main" xmlns:ma14="http://schemas.microsoft.com/office/mac/drawingml/2011/main" val="1"/>
+              <ma14:wrappingTextBoxFlag xmlns:ma14="http://schemas.microsoft.com/office/mac/drawingml/2011/main" xmlns:a14="http://schemas.microsoft.com/office/drawing/2010/main" xmlns:m="http://schemas.openxmlformats.org/officeDocument/2006/math" xmlns="" val="1"/>
             </a:ext>
           </a:extLst>
         </p:spPr>
@@ -8160,7 +8973,7 @@
           </a:effectLst>
           <a:extLst>
             <a:ext uri="{C572A759-6A51-4108-AA02-DFA0A04FC94B}">
-              <ma14:wrappingTextBoxFlag xmlns="" xmlns:m="http://schemas.openxmlformats.org/officeDocument/2006/math" xmlns:a14="http://schemas.microsoft.com/office/drawing/2010/main" xmlns:ma14="http://schemas.microsoft.com/office/mac/drawingml/2011/main" val="1"/>
+              <ma14:wrappingTextBoxFlag xmlns:ma14="http://schemas.microsoft.com/office/mac/drawingml/2011/main" xmlns:a14="http://schemas.microsoft.com/office/drawing/2010/main" xmlns:m="http://schemas.openxmlformats.org/officeDocument/2006/math" xmlns="" val="1"/>
             </a:ext>
           </a:extLst>
         </p:spPr>
@@ -8216,7 +9029,7 @@
           </a:effectLst>
           <a:extLst>
             <a:ext uri="{C572A759-6A51-4108-AA02-DFA0A04FC94B}">
-              <ma14:wrappingTextBoxFlag xmlns="" xmlns:m="http://schemas.openxmlformats.org/officeDocument/2006/math" xmlns:a14="http://schemas.microsoft.com/office/drawing/2010/main" xmlns:ma14="http://schemas.microsoft.com/office/mac/drawingml/2011/main" val="1"/>
+              <ma14:wrappingTextBoxFlag xmlns:ma14="http://schemas.microsoft.com/office/mac/drawingml/2011/main" xmlns:a14="http://schemas.microsoft.com/office/drawing/2010/main" xmlns:m="http://schemas.openxmlformats.org/officeDocument/2006/math" xmlns="" val="1"/>
             </a:ext>
           </a:extLst>
         </p:spPr>
@@ -8285,7 +9098,7 @@
           </a:effectLst>
           <a:extLst>
             <a:ext uri="{C572A759-6A51-4108-AA02-DFA0A04FC94B}">
-              <ma14:wrappingTextBoxFlag xmlns="" xmlns:m="http://schemas.openxmlformats.org/officeDocument/2006/math" xmlns:a14="http://schemas.microsoft.com/office/drawing/2010/main" xmlns:ma14="http://schemas.microsoft.com/office/mac/drawingml/2011/main" val="1"/>
+              <ma14:wrappingTextBoxFlag xmlns:ma14="http://schemas.microsoft.com/office/mac/drawingml/2011/main" xmlns:a14="http://schemas.microsoft.com/office/drawing/2010/main" xmlns:m="http://schemas.openxmlformats.org/officeDocument/2006/math" xmlns="" val="1"/>
             </a:ext>
           </a:extLst>
         </p:spPr>
@@ -8352,7 +9165,7 @@
           </a:effectLst>
           <a:extLst>
             <a:ext uri="{C572A759-6A51-4108-AA02-DFA0A04FC94B}">
-              <ma14:wrappingTextBoxFlag xmlns="" xmlns:m="http://schemas.openxmlformats.org/officeDocument/2006/math" xmlns:a14="http://schemas.microsoft.com/office/drawing/2010/main" xmlns:ma14="http://schemas.microsoft.com/office/mac/drawingml/2011/main" val="1"/>
+              <ma14:wrappingTextBoxFlag xmlns:ma14="http://schemas.microsoft.com/office/mac/drawingml/2011/main" xmlns:a14="http://schemas.microsoft.com/office/drawing/2010/main" xmlns:m="http://schemas.openxmlformats.org/officeDocument/2006/math" xmlns="" val="1"/>
             </a:ext>
           </a:extLst>
         </p:spPr>
@@ -8406,7 +9219,7 @@
           </a:effectLst>
           <a:extLst>
             <a:ext uri="{C572A759-6A51-4108-AA02-DFA0A04FC94B}">
-              <ma14:wrappingTextBoxFlag xmlns="" xmlns:m="http://schemas.openxmlformats.org/officeDocument/2006/math" xmlns:a14="http://schemas.microsoft.com/office/drawing/2010/main" xmlns:ma14="http://schemas.microsoft.com/office/mac/drawingml/2011/main" val="1"/>
+              <ma14:wrappingTextBoxFlag xmlns:ma14="http://schemas.microsoft.com/office/mac/drawingml/2011/main" xmlns:a14="http://schemas.microsoft.com/office/drawing/2010/main" xmlns:m="http://schemas.openxmlformats.org/officeDocument/2006/math" xmlns="" val="1"/>
             </a:ext>
           </a:extLst>
         </p:spPr>
@@ -8468,7 +9281,7 @@
           </a:effectLst>
           <a:extLst>
             <a:ext uri="{C572A759-6A51-4108-AA02-DFA0A04FC94B}">
-              <ma14:wrappingTextBoxFlag xmlns="" xmlns:m="http://schemas.openxmlformats.org/officeDocument/2006/math" xmlns:a14="http://schemas.microsoft.com/office/drawing/2010/main" xmlns:ma14="http://schemas.microsoft.com/office/mac/drawingml/2011/main" val="1"/>
+              <ma14:wrappingTextBoxFlag xmlns:ma14="http://schemas.microsoft.com/office/mac/drawingml/2011/main" xmlns:a14="http://schemas.microsoft.com/office/drawing/2010/main" xmlns:m="http://schemas.openxmlformats.org/officeDocument/2006/math" xmlns="" val="1"/>
             </a:ext>
           </a:extLst>
         </p:spPr>
@@ -8522,7 +9335,7 @@
           </a:effectLst>
           <a:extLst>
             <a:ext uri="{C572A759-6A51-4108-AA02-DFA0A04FC94B}">
-              <ma14:wrappingTextBoxFlag xmlns="" xmlns:m="http://schemas.openxmlformats.org/officeDocument/2006/math" xmlns:a14="http://schemas.microsoft.com/office/drawing/2010/main" xmlns:ma14="http://schemas.microsoft.com/office/mac/drawingml/2011/main" val="1"/>
+              <ma14:wrappingTextBoxFlag xmlns:ma14="http://schemas.microsoft.com/office/mac/drawingml/2011/main" xmlns:a14="http://schemas.microsoft.com/office/drawing/2010/main" xmlns:m="http://schemas.openxmlformats.org/officeDocument/2006/math" xmlns="" val="1"/>
             </a:ext>
           </a:extLst>
         </p:spPr>
@@ -8576,7 +9389,7 @@
           </a:effectLst>
           <a:extLst>
             <a:ext uri="{C572A759-6A51-4108-AA02-DFA0A04FC94B}">
-              <ma14:wrappingTextBoxFlag xmlns="" xmlns:m="http://schemas.openxmlformats.org/officeDocument/2006/math" xmlns:a14="http://schemas.microsoft.com/office/drawing/2010/main" xmlns:ma14="http://schemas.microsoft.com/office/mac/drawingml/2011/main" val="1"/>
+              <ma14:wrappingTextBoxFlag xmlns:ma14="http://schemas.microsoft.com/office/mac/drawingml/2011/main" xmlns:a14="http://schemas.microsoft.com/office/drawing/2010/main" xmlns:m="http://schemas.openxmlformats.org/officeDocument/2006/math" xmlns="" val="1"/>
             </a:ext>
           </a:extLst>
         </p:spPr>
@@ -8640,7 +9453,7 @@
           </a:effectLst>
           <a:extLst>
             <a:ext uri="{C572A759-6A51-4108-AA02-DFA0A04FC94B}">
-              <ma14:wrappingTextBoxFlag xmlns="" xmlns:m="http://schemas.openxmlformats.org/officeDocument/2006/math" xmlns:a14="http://schemas.microsoft.com/office/drawing/2010/main" xmlns:ma14="http://schemas.microsoft.com/office/mac/drawingml/2011/main" val="1"/>
+              <ma14:wrappingTextBoxFlag xmlns:ma14="http://schemas.microsoft.com/office/mac/drawingml/2011/main" xmlns:a14="http://schemas.microsoft.com/office/drawing/2010/main" xmlns:m="http://schemas.openxmlformats.org/officeDocument/2006/math" xmlns="" val="1"/>
             </a:ext>
           </a:extLst>
         </p:spPr>
@@ -8816,7 +9629,7 @@
           </a:effectLst>
           <a:extLst>
             <a:ext uri="{C572A759-6A51-4108-AA02-DFA0A04FC94B}">
-              <ma14:wrappingTextBoxFlag xmlns="" xmlns:m="http://schemas.openxmlformats.org/officeDocument/2006/math" xmlns:a14="http://schemas.microsoft.com/office/drawing/2010/main" xmlns:ma14="http://schemas.microsoft.com/office/mac/drawingml/2011/main" val="1"/>
+              <ma14:wrappingTextBoxFlag xmlns:ma14="http://schemas.microsoft.com/office/mac/drawingml/2011/main" xmlns:a14="http://schemas.microsoft.com/office/drawing/2010/main" xmlns:m="http://schemas.openxmlformats.org/officeDocument/2006/math" xmlns="" val="1"/>
             </a:ext>
           </a:extLst>
         </p:spPr>
@@ -8883,7 +9696,7 @@
           </a:effectLst>
           <a:extLst>
             <a:ext uri="{C572A759-6A51-4108-AA02-DFA0A04FC94B}">
-              <ma14:wrappingTextBoxFlag xmlns="" xmlns:m="http://schemas.openxmlformats.org/officeDocument/2006/math" xmlns:a14="http://schemas.microsoft.com/office/drawing/2010/main" xmlns:ma14="http://schemas.microsoft.com/office/mac/drawingml/2011/main" val="1"/>
+              <ma14:wrappingTextBoxFlag xmlns:ma14="http://schemas.microsoft.com/office/mac/drawingml/2011/main" xmlns:a14="http://schemas.microsoft.com/office/drawing/2010/main" xmlns:m="http://schemas.openxmlformats.org/officeDocument/2006/math" xmlns="" val="1"/>
             </a:ext>
           </a:extLst>
         </p:spPr>
@@ -8937,7 +9750,7 @@
           </a:effectLst>
           <a:extLst>
             <a:ext uri="{C572A759-6A51-4108-AA02-DFA0A04FC94B}">
-              <ma14:wrappingTextBoxFlag xmlns="" xmlns:m="http://schemas.openxmlformats.org/officeDocument/2006/math" xmlns:a14="http://schemas.microsoft.com/office/drawing/2010/main" xmlns:ma14="http://schemas.microsoft.com/office/mac/drawingml/2011/main" val="1"/>
+              <ma14:wrappingTextBoxFlag xmlns:ma14="http://schemas.microsoft.com/office/mac/drawingml/2011/main" xmlns:a14="http://schemas.microsoft.com/office/drawing/2010/main" xmlns:m="http://schemas.openxmlformats.org/officeDocument/2006/math" xmlns="" val="1"/>
             </a:ext>
           </a:extLst>
         </p:spPr>
@@ -9004,7 +9817,7 @@
           </a:effectLst>
           <a:extLst>
             <a:ext uri="{C572A759-6A51-4108-AA02-DFA0A04FC94B}">
-              <ma14:wrappingTextBoxFlag xmlns="" xmlns:m="http://schemas.openxmlformats.org/officeDocument/2006/math" xmlns:a14="http://schemas.microsoft.com/office/drawing/2010/main" xmlns:ma14="http://schemas.microsoft.com/office/mac/drawingml/2011/main" val="1"/>
+              <ma14:wrappingTextBoxFlag xmlns:ma14="http://schemas.microsoft.com/office/mac/drawingml/2011/main" xmlns:a14="http://schemas.microsoft.com/office/drawing/2010/main" xmlns:m="http://schemas.openxmlformats.org/officeDocument/2006/math" xmlns="" val="1"/>
             </a:ext>
           </a:extLst>
         </p:spPr>
@@ -9068,7 +9881,7 @@
           </a:effectLst>
           <a:extLst>
             <a:ext uri="{C572A759-6A51-4108-AA02-DFA0A04FC94B}">
-              <ma14:wrappingTextBoxFlag xmlns="" xmlns:m="http://schemas.openxmlformats.org/officeDocument/2006/math" xmlns:a14="http://schemas.microsoft.com/office/drawing/2010/main" xmlns:ma14="http://schemas.microsoft.com/office/mac/drawingml/2011/main" val="1"/>
+              <ma14:wrappingTextBoxFlag xmlns:ma14="http://schemas.microsoft.com/office/mac/drawingml/2011/main" xmlns:a14="http://schemas.microsoft.com/office/drawing/2010/main" xmlns:m="http://schemas.openxmlformats.org/officeDocument/2006/math" xmlns="" val="1"/>
             </a:ext>
           </a:extLst>
         </p:spPr>
@@ -9135,7 +9948,7 @@
           </a:effectLst>
           <a:extLst>
             <a:ext uri="{C572A759-6A51-4108-AA02-DFA0A04FC94B}">
-              <ma14:wrappingTextBoxFlag xmlns="" xmlns:m="http://schemas.openxmlformats.org/officeDocument/2006/math" xmlns:a14="http://schemas.microsoft.com/office/drawing/2010/main" xmlns:ma14="http://schemas.microsoft.com/office/mac/drawingml/2011/main" val="1"/>
+              <ma14:wrappingTextBoxFlag xmlns:ma14="http://schemas.microsoft.com/office/mac/drawingml/2011/main" xmlns:a14="http://schemas.microsoft.com/office/drawing/2010/main" xmlns:m="http://schemas.openxmlformats.org/officeDocument/2006/math" xmlns="" val="1"/>
             </a:ext>
           </a:extLst>
         </p:spPr>
@@ -9203,7 +10016,7 @@
           </a:effectLst>
           <a:extLst>
             <a:ext uri="{C572A759-6A51-4108-AA02-DFA0A04FC94B}">
-              <ma14:wrappingTextBoxFlag xmlns="" xmlns:m="http://schemas.openxmlformats.org/officeDocument/2006/math" xmlns:a14="http://schemas.microsoft.com/office/drawing/2010/main" xmlns:ma14="http://schemas.microsoft.com/office/mac/drawingml/2011/main" val="1"/>
+              <ma14:wrappingTextBoxFlag xmlns:ma14="http://schemas.microsoft.com/office/mac/drawingml/2011/main" xmlns:a14="http://schemas.microsoft.com/office/drawing/2010/main" xmlns:m="http://schemas.openxmlformats.org/officeDocument/2006/math" xmlns="" val="1"/>
             </a:ext>
           </a:extLst>
         </p:spPr>
@@ -9270,7 +10083,7 @@
           </a:effectLst>
           <a:extLst>
             <a:ext uri="{C572A759-6A51-4108-AA02-DFA0A04FC94B}">
-              <ma14:wrappingTextBoxFlag xmlns="" xmlns:m="http://schemas.openxmlformats.org/officeDocument/2006/math" xmlns:a14="http://schemas.microsoft.com/office/drawing/2010/main" xmlns:ma14="http://schemas.microsoft.com/office/mac/drawingml/2011/main" val="1"/>
+              <ma14:wrappingTextBoxFlag xmlns:ma14="http://schemas.microsoft.com/office/mac/drawingml/2011/main" xmlns:a14="http://schemas.microsoft.com/office/drawing/2010/main" xmlns:m="http://schemas.openxmlformats.org/officeDocument/2006/math" xmlns="" val="1"/>
             </a:ext>
           </a:extLst>
         </p:spPr>
@@ -9338,7 +10151,7 @@
           </a:effectLst>
           <a:extLst>
             <a:ext uri="{C572A759-6A51-4108-AA02-DFA0A04FC94B}">
-              <ma14:wrappingTextBoxFlag xmlns="" xmlns:m="http://schemas.openxmlformats.org/officeDocument/2006/math" xmlns:a14="http://schemas.microsoft.com/office/drawing/2010/main" xmlns:ma14="http://schemas.microsoft.com/office/mac/drawingml/2011/main" val="1"/>
+              <ma14:wrappingTextBoxFlag xmlns:ma14="http://schemas.microsoft.com/office/mac/drawingml/2011/main" xmlns:a14="http://schemas.microsoft.com/office/drawing/2010/main" xmlns:m="http://schemas.openxmlformats.org/officeDocument/2006/math" xmlns="" val="1"/>
             </a:ext>
           </a:extLst>
         </p:spPr>
@@ -9405,7 +10218,7 @@
           </a:effectLst>
           <a:extLst>
             <a:ext uri="{C572A759-6A51-4108-AA02-DFA0A04FC94B}">
-              <ma14:wrappingTextBoxFlag xmlns="" xmlns:m="http://schemas.openxmlformats.org/officeDocument/2006/math" xmlns:a14="http://schemas.microsoft.com/office/drawing/2010/main" xmlns:ma14="http://schemas.microsoft.com/office/mac/drawingml/2011/main" val="1"/>
+              <ma14:wrappingTextBoxFlag xmlns:ma14="http://schemas.microsoft.com/office/mac/drawingml/2011/main" xmlns:a14="http://schemas.microsoft.com/office/drawing/2010/main" xmlns:m="http://schemas.openxmlformats.org/officeDocument/2006/math" xmlns="" val="1"/>
             </a:ext>
           </a:extLst>
         </p:spPr>
@@ -9469,7 +10282,7 @@
           </a:effectLst>
           <a:extLst>
             <a:ext uri="{C572A759-6A51-4108-AA02-DFA0A04FC94B}">
-              <ma14:wrappingTextBoxFlag xmlns="" xmlns:m="http://schemas.openxmlformats.org/officeDocument/2006/math" xmlns:a14="http://schemas.microsoft.com/office/drawing/2010/main" xmlns:ma14="http://schemas.microsoft.com/office/mac/drawingml/2011/main" val="1"/>
+              <ma14:wrappingTextBoxFlag xmlns:ma14="http://schemas.microsoft.com/office/mac/drawingml/2011/main" xmlns:a14="http://schemas.microsoft.com/office/drawing/2010/main" xmlns:m="http://schemas.openxmlformats.org/officeDocument/2006/math" xmlns="" val="1"/>
             </a:ext>
           </a:extLst>
         </p:spPr>
@@ -9523,7 +10336,7 @@
           </a:effectLst>
           <a:extLst>
             <a:ext uri="{C572A759-6A51-4108-AA02-DFA0A04FC94B}">
-              <ma14:wrappingTextBoxFlag xmlns="" xmlns:m="http://schemas.openxmlformats.org/officeDocument/2006/math" xmlns:a14="http://schemas.microsoft.com/office/drawing/2010/main" xmlns:ma14="http://schemas.microsoft.com/office/mac/drawingml/2011/main" val="1"/>
+              <ma14:wrappingTextBoxFlag xmlns:ma14="http://schemas.microsoft.com/office/mac/drawingml/2011/main" xmlns:a14="http://schemas.microsoft.com/office/drawing/2010/main" xmlns:m="http://schemas.openxmlformats.org/officeDocument/2006/math" xmlns="" val="1"/>
             </a:ext>
           </a:extLst>
         </p:spPr>
@@ -9587,7 +10400,7 @@
           </a:effectLst>
           <a:extLst>
             <a:ext uri="{C572A759-6A51-4108-AA02-DFA0A04FC94B}">
-              <ma14:wrappingTextBoxFlag xmlns="" xmlns:m="http://schemas.openxmlformats.org/officeDocument/2006/math" xmlns:a14="http://schemas.microsoft.com/office/drawing/2010/main" xmlns:ma14="http://schemas.microsoft.com/office/mac/drawingml/2011/main" val="1"/>
+              <ma14:wrappingTextBoxFlag xmlns:ma14="http://schemas.microsoft.com/office/mac/drawingml/2011/main" xmlns:a14="http://schemas.microsoft.com/office/drawing/2010/main" xmlns:m="http://schemas.openxmlformats.org/officeDocument/2006/math" xmlns="" val="1"/>
             </a:ext>
           </a:extLst>
         </p:spPr>
@@ -9642,7 +10455,7 @@
           </a:ln>
           <a:extLst>
             <a:ext uri="{C572A759-6A51-4108-AA02-DFA0A04FC94B}">
-              <ma14:wrappingTextBoxFlag xmlns="" xmlns:m="http://schemas.openxmlformats.org/officeDocument/2006/math" xmlns:a14="http://schemas.microsoft.com/office/drawing/2010/main" xmlns:ma14="http://schemas.microsoft.com/office/mac/drawingml/2011/main" val="1"/>
+              <ma14:wrappingTextBoxFlag xmlns:ma14="http://schemas.microsoft.com/office/mac/drawingml/2011/main" xmlns:a14="http://schemas.microsoft.com/office/drawing/2010/main" xmlns:m="http://schemas.openxmlformats.org/officeDocument/2006/math" xmlns="" val="1"/>
             </a:ext>
           </a:extLst>
         </p:spPr>
@@ -9691,7 +10504,7 @@
           </a:ln>
           <a:extLst>
             <a:ext uri="{C572A759-6A51-4108-AA02-DFA0A04FC94B}">
-              <ma14:wrappingTextBoxFlag xmlns="" xmlns:m="http://schemas.openxmlformats.org/officeDocument/2006/math" xmlns:a14="http://schemas.microsoft.com/office/drawing/2010/main" xmlns:ma14="http://schemas.microsoft.com/office/mac/drawingml/2011/main" val="1"/>
+              <ma14:wrappingTextBoxFlag xmlns:ma14="http://schemas.microsoft.com/office/mac/drawingml/2011/main" xmlns:a14="http://schemas.microsoft.com/office/drawing/2010/main" xmlns:m="http://schemas.openxmlformats.org/officeDocument/2006/math" xmlns="" val="1"/>
             </a:ext>
           </a:extLst>
         </p:spPr>
@@ -9804,7 +10617,7 @@
           <a:effectLst/>
           <a:extLst>
             <a:ext uri="{C572A759-6A51-4108-AA02-DFA0A04FC94B}">
-              <ma14:wrappingTextBoxFlag xmlns="" xmlns:m="http://schemas.openxmlformats.org/officeDocument/2006/math" xmlns:a14="http://schemas.microsoft.com/office/drawing/2010/main" xmlns:ma14="http://schemas.microsoft.com/office/mac/drawingml/2011/main" val="1"/>
+              <ma14:wrappingTextBoxFlag xmlns:ma14="http://schemas.microsoft.com/office/mac/drawingml/2011/main" xmlns:a14="http://schemas.microsoft.com/office/drawing/2010/main" xmlns:m="http://schemas.openxmlformats.org/officeDocument/2006/math" xmlns="" val="1"/>
             </a:ext>
           </a:extLst>
         </p:spPr>
@@ -9858,7 +10671,7 @@
           <a:effectLst/>
           <a:extLst>
             <a:ext uri="{C572A759-6A51-4108-AA02-DFA0A04FC94B}">
-              <ma14:wrappingTextBoxFlag xmlns="" xmlns:m="http://schemas.openxmlformats.org/officeDocument/2006/math" xmlns:a14="http://schemas.microsoft.com/office/drawing/2010/main" xmlns:ma14="http://schemas.microsoft.com/office/mac/drawingml/2011/main" val="1"/>
+              <ma14:wrappingTextBoxFlag xmlns:ma14="http://schemas.microsoft.com/office/mac/drawingml/2011/main" xmlns:a14="http://schemas.microsoft.com/office/drawing/2010/main" xmlns:m="http://schemas.openxmlformats.org/officeDocument/2006/math" xmlns="" val="1"/>
             </a:ext>
           </a:extLst>
         </p:spPr>
@@ -9909,7 +10722,7 @@
           </a:ln>
           <a:extLst>
             <a:ext uri="{C572A759-6A51-4108-AA02-DFA0A04FC94B}">
-              <ma14:wrappingTextBoxFlag xmlns="" xmlns:m="http://schemas.openxmlformats.org/officeDocument/2006/math" xmlns:a14="http://schemas.microsoft.com/office/drawing/2010/main" xmlns:ma14="http://schemas.microsoft.com/office/mac/drawingml/2011/main" val="1"/>
+              <ma14:wrappingTextBoxFlag xmlns:ma14="http://schemas.microsoft.com/office/mac/drawingml/2011/main" xmlns:a14="http://schemas.microsoft.com/office/drawing/2010/main" xmlns:m="http://schemas.openxmlformats.org/officeDocument/2006/math" xmlns="" val="1"/>
             </a:ext>
           </a:extLst>
         </p:spPr>
@@ -10084,7 +10897,7 @@
           </a:effectLst>
           <a:extLst>
             <a:ext uri="{C572A759-6A51-4108-AA02-DFA0A04FC94B}">
-              <ma14:wrappingTextBoxFlag xmlns="" xmlns:m="http://schemas.openxmlformats.org/officeDocument/2006/math" xmlns:a14="http://schemas.microsoft.com/office/drawing/2010/main" xmlns:ma14="http://schemas.microsoft.com/office/mac/drawingml/2011/main" val="1"/>
+              <ma14:wrappingTextBoxFlag xmlns:ma14="http://schemas.microsoft.com/office/mac/drawingml/2011/main" xmlns:a14="http://schemas.microsoft.com/office/drawing/2010/main" xmlns:m="http://schemas.openxmlformats.org/officeDocument/2006/math" xmlns="" val="1"/>
             </a:ext>
           </a:extLst>
         </p:spPr>
@@ -10143,7 +10956,7 @@
           </a:effectLst>
           <a:extLst>
             <a:ext uri="{C572A759-6A51-4108-AA02-DFA0A04FC94B}">
-              <ma14:wrappingTextBoxFlag xmlns="" xmlns:m="http://schemas.openxmlformats.org/officeDocument/2006/math" xmlns:a14="http://schemas.microsoft.com/office/drawing/2010/main" xmlns:ma14="http://schemas.microsoft.com/office/mac/drawingml/2011/main" val="1"/>
+              <ma14:wrappingTextBoxFlag xmlns:ma14="http://schemas.microsoft.com/office/mac/drawingml/2011/main" xmlns:a14="http://schemas.microsoft.com/office/drawing/2010/main" xmlns:m="http://schemas.openxmlformats.org/officeDocument/2006/math" xmlns="" val="1"/>
             </a:ext>
           </a:extLst>
         </p:spPr>
@@ -10208,7 +11021,7 @@
           </a:effectLst>
           <a:extLst>
             <a:ext uri="{C572A759-6A51-4108-AA02-DFA0A04FC94B}">
-              <ma14:wrappingTextBoxFlag xmlns="" xmlns:m="http://schemas.openxmlformats.org/officeDocument/2006/math" xmlns:a14="http://schemas.microsoft.com/office/drawing/2010/main" xmlns:ma14="http://schemas.microsoft.com/office/mac/drawingml/2011/main" val="1"/>
+              <ma14:wrappingTextBoxFlag xmlns:ma14="http://schemas.microsoft.com/office/mac/drawingml/2011/main" xmlns:a14="http://schemas.microsoft.com/office/drawing/2010/main" xmlns:m="http://schemas.openxmlformats.org/officeDocument/2006/math" xmlns="" val="1"/>
             </a:ext>
           </a:extLst>
         </p:spPr>
@@ -10273,7 +11086,7 @@
           </a:effectLst>
           <a:extLst>
             <a:ext uri="{C572A759-6A51-4108-AA02-DFA0A04FC94B}">
-              <ma14:wrappingTextBoxFlag xmlns="" xmlns:m="http://schemas.openxmlformats.org/officeDocument/2006/math" xmlns:a14="http://schemas.microsoft.com/office/drawing/2010/main" xmlns:ma14="http://schemas.microsoft.com/office/mac/drawingml/2011/main" val="1"/>
+              <ma14:wrappingTextBoxFlag xmlns:ma14="http://schemas.microsoft.com/office/mac/drawingml/2011/main" xmlns:a14="http://schemas.microsoft.com/office/drawing/2010/main" xmlns:m="http://schemas.openxmlformats.org/officeDocument/2006/math" xmlns="" val="1"/>
             </a:ext>
           </a:extLst>
         </p:spPr>
@@ -10338,7 +11151,7 @@
           </a:effectLst>
           <a:extLst>
             <a:ext uri="{C572A759-6A51-4108-AA02-DFA0A04FC94B}">
-              <ma14:wrappingTextBoxFlag xmlns="" xmlns:m="http://schemas.openxmlformats.org/officeDocument/2006/math" xmlns:a14="http://schemas.microsoft.com/office/drawing/2010/main" xmlns:ma14="http://schemas.microsoft.com/office/mac/drawingml/2011/main" val="1"/>
+              <ma14:wrappingTextBoxFlag xmlns:ma14="http://schemas.microsoft.com/office/mac/drawingml/2011/main" xmlns:a14="http://schemas.microsoft.com/office/drawing/2010/main" xmlns:m="http://schemas.openxmlformats.org/officeDocument/2006/math" xmlns="" val="1"/>
             </a:ext>
           </a:extLst>
         </p:spPr>
@@ -10457,7 +11270,7 @@
           </a:effectLst>
           <a:extLst>
             <a:ext uri="{C572A759-6A51-4108-AA02-DFA0A04FC94B}">
-              <ma14:wrappingTextBoxFlag xmlns="" xmlns:m="http://schemas.openxmlformats.org/officeDocument/2006/math" xmlns:a14="http://schemas.microsoft.com/office/drawing/2010/main" xmlns:ma14="http://schemas.microsoft.com/office/mac/drawingml/2011/main" val="1"/>
+              <ma14:wrappingTextBoxFlag xmlns:ma14="http://schemas.microsoft.com/office/mac/drawingml/2011/main" xmlns:a14="http://schemas.microsoft.com/office/drawing/2010/main" xmlns:m="http://schemas.openxmlformats.org/officeDocument/2006/math" xmlns="" val="1"/>
             </a:ext>
           </a:extLst>
         </p:spPr>
@@ -10521,7 +11334,7 @@
           </a:effectLst>
           <a:extLst>
             <a:ext uri="{C572A759-6A51-4108-AA02-DFA0A04FC94B}">
-              <ma14:wrappingTextBoxFlag xmlns="" xmlns:m="http://schemas.openxmlformats.org/officeDocument/2006/math" xmlns:a14="http://schemas.microsoft.com/office/drawing/2010/main" xmlns:ma14="http://schemas.microsoft.com/office/mac/drawingml/2011/main" val="1"/>
+              <ma14:wrappingTextBoxFlag xmlns:ma14="http://schemas.microsoft.com/office/mac/drawingml/2011/main" xmlns:a14="http://schemas.microsoft.com/office/drawing/2010/main" xmlns:m="http://schemas.openxmlformats.org/officeDocument/2006/math" xmlns="" val="1"/>
             </a:ext>
           </a:extLst>
         </p:spPr>
@@ -10588,7 +11401,7 @@
           </a:effectLst>
           <a:extLst>
             <a:ext uri="{C572A759-6A51-4108-AA02-DFA0A04FC94B}">
-              <ma14:wrappingTextBoxFlag xmlns="" xmlns:m="http://schemas.openxmlformats.org/officeDocument/2006/math" xmlns:a14="http://schemas.microsoft.com/office/drawing/2010/main" xmlns:ma14="http://schemas.microsoft.com/office/mac/drawingml/2011/main" val="1"/>
+              <ma14:wrappingTextBoxFlag xmlns:ma14="http://schemas.microsoft.com/office/mac/drawingml/2011/main" xmlns:a14="http://schemas.microsoft.com/office/drawing/2010/main" xmlns:m="http://schemas.openxmlformats.org/officeDocument/2006/math" xmlns="" val="1"/>
             </a:ext>
           </a:extLst>
         </p:spPr>
@@ -10641,7 +11454,7 @@
           </a:effectLst>
           <a:extLst>
             <a:ext uri="{C572A759-6A51-4108-AA02-DFA0A04FC94B}">
-              <ma14:wrappingTextBoxFlag xmlns="" xmlns:m="http://schemas.openxmlformats.org/officeDocument/2006/math" xmlns:a14="http://schemas.microsoft.com/office/drawing/2010/main" xmlns:ma14="http://schemas.microsoft.com/office/mac/drawingml/2011/main" val="1"/>
+              <ma14:wrappingTextBoxFlag xmlns:ma14="http://schemas.microsoft.com/office/mac/drawingml/2011/main" xmlns:a14="http://schemas.microsoft.com/office/drawing/2010/main" xmlns:m="http://schemas.openxmlformats.org/officeDocument/2006/math" xmlns="" val="1"/>
             </a:ext>
           </a:extLst>
         </p:spPr>
@@ -10697,7 +11510,7 @@
           </a:effectLst>
           <a:extLst>
             <a:ext uri="{C572A759-6A51-4108-AA02-DFA0A04FC94B}">
-              <ma14:wrappingTextBoxFlag xmlns="" xmlns:m="http://schemas.openxmlformats.org/officeDocument/2006/math" xmlns:a14="http://schemas.microsoft.com/office/drawing/2010/main" xmlns:ma14="http://schemas.microsoft.com/office/mac/drawingml/2011/main" val="1"/>
+              <ma14:wrappingTextBoxFlag xmlns:ma14="http://schemas.microsoft.com/office/mac/drawingml/2011/main" xmlns:a14="http://schemas.microsoft.com/office/drawing/2010/main" xmlns:m="http://schemas.openxmlformats.org/officeDocument/2006/math" xmlns="" val="1"/>
             </a:ext>
           </a:extLst>
         </p:spPr>
@@ -10813,7 +11626,7 @@
           </a:effectLst>
           <a:extLst>
             <a:ext uri="{C572A759-6A51-4108-AA02-DFA0A04FC94B}">
-              <ma14:wrappingTextBoxFlag xmlns="" xmlns:m="http://schemas.openxmlformats.org/officeDocument/2006/math" xmlns:a14="http://schemas.microsoft.com/office/drawing/2010/main" xmlns:ma14="http://schemas.microsoft.com/office/mac/drawingml/2011/main" val="1"/>
+              <ma14:wrappingTextBoxFlag xmlns:ma14="http://schemas.microsoft.com/office/mac/drawingml/2011/main" xmlns:a14="http://schemas.microsoft.com/office/drawing/2010/main" xmlns:m="http://schemas.openxmlformats.org/officeDocument/2006/math" xmlns="" val="1"/>
             </a:ext>
           </a:extLst>
         </p:spPr>
@@ -10866,7 +11679,7 @@
           </a:effectLst>
           <a:extLst>
             <a:ext uri="{C572A759-6A51-4108-AA02-DFA0A04FC94B}">
-              <ma14:wrappingTextBoxFlag xmlns="" xmlns:m="http://schemas.openxmlformats.org/officeDocument/2006/math" xmlns:a14="http://schemas.microsoft.com/office/drawing/2010/main" xmlns:ma14="http://schemas.microsoft.com/office/mac/drawingml/2011/main" val="1"/>
+              <ma14:wrappingTextBoxFlag xmlns:ma14="http://schemas.microsoft.com/office/mac/drawingml/2011/main" xmlns:a14="http://schemas.microsoft.com/office/drawing/2010/main" xmlns:m="http://schemas.openxmlformats.org/officeDocument/2006/math" xmlns="" val="1"/>
             </a:ext>
           </a:extLst>
         </p:spPr>
@@ -10933,7 +11746,7 @@
           </a:effectLst>
           <a:extLst>
             <a:ext uri="{C572A759-6A51-4108-AA02-DFA0A04FC94B}">
-              <ma14:wrappingTextBoxFlag xmlns="" xmlns:m="http://schemas.openxmlformats.org/officeDocument/2006/math" xmlns:a14="http://schemas.microsoft.com/office/drawing/2010/main" xmlns:ma14="http://schemas.microsoft.com/office/mac/drawingml/2011/main" val="1"/>
+              <ma14:wrappingTextBoxFlag xmlns:ma14="http://schemas.microsoft.com/office/mac/drawingml/2011/main" xmlns:a14="http://schemas.microsoft.com/office/drawing/2010/main" xmlns:m="http://schemas.openxmlformats.org/officeDocument/2006/math" xmlns="" val="1"/>
             </a:ext>
           </a:extLst>
         </p:spPr>
@@ -10998,7 +11811,7 @@
           </a:effectLst>
           <a:extLst>
             <a:ext uri="{C572A759-6A51-4108-AA02-DFA0A04FC94B}">
-              <ma14:wrappingTextBoxFlag xmlns="" xmlns:m="http://schemas.openxmlformats.org/officeDocument/2006/math" xmlns:a14="http://schemas.microsoft.com/office/drawing/2010/main" xmlns:ma14="http://schemas.microsoft.com/office/mac/drawingml/2011/main" val="1"/>
+              <ma14:wrappingTextBoxFlag xmlns:ma14="http://schemas.microsoft.com/office/mac/drawingml/2011/main" xmlns:a14="http://schemas.microsoft.com/office/drawing/2010/main" xmlns:m="http://schemas.openxmlformats.org/officeDocument/2006/math" xmlns="" val="1"/>
             </a:ext>
           </a:extLst>
         </p:spPr>
@@ -11165,7 +11978,7 @@
           </a:effectLst>
           <a:extLst>
             <a:ext uri="{C572A759-6A51-4108-AA02-DFA0A04FC94B}">
-              <ma14:wrappingTextBoxFlag xmlns="" xmlns:m="http://schemas.openxmlformats.org/officeDocument/2006/math" xmlns:a14="http://schemas.microsoft.com/office/drawing/2010/main" xmlns:ma14="http://schemas.microsoft.com/office/mac/drawingml/2011/main" val="1"/>
+              <ma14:wrappingTextBoxFlag xmlns:ma14="http://schemas.microsoft.com/office/mac/drawingml/2011/main" xmlns:a14="http://schemas.microsoft.com/office/drawing/2010/main" xmlns:m="http://schemas.openxmlformats.org/officeDocument/2006/math" xmlns="" val="1"/>
             </a:ext>
           </a:extLst>
         </p:spPr>
@@ -11218,7 +12031,7 @@
           </a:effectLst>
           <a:extLst>
             <a:ext uri="{C572A759-6A51-4108-AA02-DFA0A04FC94B}">
-              <ma14:wrappingTextBoxFlag xmlns="" xmlns:m="http://schemas.openxmlformats.org/officeDocument/2006/math" xmlns:a14="http://schemas.microsoft.com/office/drawing/2010/main" xmlns:ma14="http://schemas.microsoft.com/office/mac/drawingml/2011/main" val="1"/>
+              <ma14:wrappingTextBoxFlag xmlns:ma14="http://schemas.microsoft.com/office/mac/drawingml/2011/main" xmlns:a14="http://schemas.microsoft.com/office/drawing/2010/main" xmlns:m="http://schemas.openxmlformats.org/officeDocument/2006/math" xmlns="" val="1"/>
             </a:ext>
           </a:extLst>
         </p:spPr>
@@ -11282,7 +12095,7 @@
           </a:effectLst>
           <a:extLst>
             <a:ext uri="{C572A759-6A51-4108-AA02-DFA0A04FC94B}">
-              <ma14:wrappingTextBoxFlag xmlns="" xmlns:m="http://schemas.openxmlformats.org/officeDocument/2006/math" xmlns:a14="http://schemas.microsoft.com/office/drawing/2010/main" xmlns:ma14="http://schemas.microsoft.com/office/mac/drawingml/2011/main" val="1"/>
+              <ma14:wrappingTextBoxFlag xmlns:ma14="http://schemas.microsoft.com/office/mac/drawingml/2011/main" xmlns:a14="http://schemas.microsoft.com/office/drawing/2010/main" xmlns:m="http://schemas.openxmlformats.org/officeDocument/2006/math" xmlns="" val="1"/>
             </a:ext>
           </a:extLst>
         </p:spPr>
@@ -11403,7 +12216,7 @@
           </a:effectLst>
           <a:extLst>
             <a:ext uri="{C572A759-6A51-4108-AA02-DFA0A04FC94B}">
-              <ma14:wrappingTextBoxFlag xmlns="" xmlns:m="http://schemas.openxmlformats.org/officeDocument/2006/math" xmlns:a14="http://schemas.microsoft.com/office/drawing/2010/main" xmlns:ma14="http://schemas.microsoft.com/office/mac/drawingml/2011/main" val="1"/>
+              <ma14:wrappingTextBoxFlag xmlns:ma14="http://schemas.microsoft.com/office/mac/drawingml/2011/main" xmlns:a14="http://schemas.microsoft.com/office/drawing/2010/main" xmlns:m="http://schemas.openxmlformats.org/officeDocument/2006/math" xmlns="" val="1"/>
             </a:ext>
           </a:extLst>
         </p:spPr>
@@ -11462,7 +12275,7 @@
           </a:effectLst>
           <a:extLst>
             <a:ext uri="{C572A759-6A51-4108-AA02-DFA0A04FC94B}">
-              <ma14:wrappingTextBoxFlag xmlns="" xmlns:m="http://schemas.openxmlformats.org/officeDocument/2006/math" xmlns:a14="http://schemas.microsoft.com/office/drawing/2010/main" xmlns:ma14="http://schemas.microsoft.com/office/mac/drawingml/2011/main" val="1"/>
+              <ma14:wrappingTextBoxFlag xmlns:ma14="http://schemas.microsoft.com/office/mac/drawingml/2011/main" xmlns:a14="http://schemas.microsoft.com/office/drawing/2010/main" xmlns:m="http://schemas.openxmlformats.org/officeDocument/2006/math" xmlns="" val="1"/>
             </a:ext>
           </a:extLst>
         </p:spPr>
@@ -11527,7 +12340,7 @@
           </a:effectLst>
           <a:extLst>
             <a:ext uri="{C572A759-6A51-4108-AA02-DFA0A04FC94B}">
-              <ma14:wrappingTextBoxFlag xmlns="" xmlns:m="http://schemas.openxmlformats.org/officeDocument/2006/math" xmlns:a14="http://schemas.microsoft.com/office/drawing/2010/main" xmlns:ma14="http://schemas.microsoft.com/office/mac/drawingml/2011/main" val="1"/>
+              <ma14:wrappingTextBoxFlag xmlns:ma14="http://schemas.microsoft.com/office/mac/drawingml/2011/main" xmlns:a14="http://schemas.microsoft.com/office/drawing/2010/main" xmlns:m="http://schemas.openxmlformats.org/officeDocument/2006/math" xmlns="" val="1"/>
             </a:ext>
           </a:extLst>
         </p:spPr>
@@ -11592,7 +12405,7 @@
           </a:effectLst>
           <a:extLst>
             <a:ext uri="{C572A759-6A51-4108-AA02-DFA0A04FC94B}">
-              <ma14:wrappingTextBoxFlag xmlns="" xmlns:m="http://schemas.openxmlformats.org/officeDocument/2006/math" xmlns:a14="http://schemas.microsoft.com/office/drawing/2010/main" xmlns:ma14="http://schemas.microsoft.com/office/mac/drawingml/2011/main" val="1"/>
+              <ma14:wrappingTextBoxFlag xmlns:ma14="http://schemas.microsoft.com/office/mac/drawingml/2011/main" xmlns:a14="http://schemas.microsoft.com/office/drawing/2010/main" xmlns:m="http://schemas.openxmlformats.org/officeDocument/2006/math" xmlns="" val="1"/>
             </a:ext>
           </a:extLst>
         </p:spPr>
@@ -11615,7 +12428,7 @@
           </a:lstStyle>
           <a:p>
             <a:r>
-              <a:rPr lang="en-US" dirty="0" smtClean="0">
+              <a:rPr lang="en-US" dirty="0">
                 <a:solidFill>
                   <a:sysClr val="windowText" lastClr="000000"/>
                 </a:solidFill>
@@ -11624,13 +12437,6 @@
               </a:rPr>
               <a:t>service3</a:t>
             </a:r>
-            <a:endParaRPr lang="en-US" dirty="0">
-              <a:solidFill>
-                <a:sysClr val="windowText" lastClr="000000"/>
-              </a:solidFill>
-              <a:latin typeface="微软雅黑" panose="020B0503020204020204" pitchFamily="34" charset="-122"/>
-              <a:ea typeface="微软雅黑" panose="020B0503020204020204" pitchFamily="34" charset="-122"/>
-            </a:endParaRPr>
           </a:p>
         </p:txBody>
       </p:sp>
@@ -11664,7 +12470,7 @@
           </a:effectLst>
           <a:extLst>
             <a:ext uri="{C572A759-6A51-4108-AA02-DFA0A04FC94B}">
-              <ma14:wrappingTextBoxFlag xmlns="" xmlns:m="http://schemas.openxmlformats.org/officeDocument/2006/math" xmlns:a14="http://schemas.microsoft.com/office/drawing/2010/main" xmlns:ma14="http://schemas.microsoft.com/office/mac/drawingml/2011/main" val="1"/>
+              <ma14:wrappingTextBoxFlag xmlns:ma14="http://schemas.microsoft.com/office/mac/drawingml/2011/main" xmlns:a14="http://schemas.microsoft.com/office/drawing/2010/main" xmlns:m="http://schemas.openxmlformats.org/officeDocument/2006/math" xmlns="" val="1"/>
             </a:ext>
           </a:extLst>
         </p:spPr>
@@ -11743,14 +12549,6 @@
               </a:rPr>
               <a:t> center</a:t>
             </a:r>
-            <a:endParaRPr lang="en-US" altLang="zh-CN" dirty="0">
-              <a:solidFill>
-                <a:schemeClr val="tx1"/>
-              </a:solidFill>
-              <a:latin typeface="微软雅黑" panose="020B0503020204020204" pitchFamily="34" charset="-122"/>
-              <a:ea typeface="微软雅黑" panose="020B0503020204020204" pitchFamily="34" charset="-122"/>
-              <a:cs typeface="Helvetica Light"/>
-            </a:endParaRPr>
           </a:p>
         </p:txBody>
       </p:sp>
@@ -12004,14 +12802,6 @@
               </a:rPr>
               <a:t>Registries</a:t>
             </a:r>
-            <a:endParaRPr lang="en-US" altLang="zh-CN" dirty="0">
-              <a:solidFill>
-                <a:schemeClr val="tx1"/>
-              </a:solidFill>
-              <a:latin typeface="微软雅黑" panose="020B0503020204020204" pitchFamily="34" charset="-122"/>
-              <a:ea typeface="微软雅黑" panose="020B0503020204020204" pitchFamily="34" charset="-122"/>
-              <a:cs typeface="Helvetica Light"/>
-            </a:endParaRPr>
           </a:p>
         </p:txBody>
       </p:sp>
@@ -12026,13 +12816,6 @@
     <a:masterClrMapping/>
   </p:clrMapOvr>
   <p:transition spd="med"/>
-  <p:timing>
-    <p:tnLst>
-      <p:par>
-        <p:cTn id="1" dur="indefinite" restart="never" nodeType="tmRoot"/>
-      </p:par>
-    </p:tnLst>
-  </p:timing>
 </p:sld>
 </file>
 

--- a/doc/pic/arch/dubbo-go-arch.pptx
+++ b/doc/pic/arch/dubbo-go-arch.pptx
@@ -2152,7 +2152,7 @@
           </a:ln>
           <a:extLst>
             <a:ext uri="{C572A759-6A51-4108-AA02-DFA0A04FC94B}">
-              <ma14:wrappingTextBoxFlag xmlns:ma14="http://schemas.microsoft.com/office/mac/drawingml/2011/main" xmlns:a14="http://schemas.microsoft.com/office/drawing/2010/main" xmlns:m="http://schemas.openxmlformats.org/officeDocument/2006/math" xmlns="" val="1"/>
+              <ma14:wrappingTextBoxFlag xmlns="" xmlns:m="http://schemas.openxmlformats.org/officeDocument/2006/math" xmlns:a14="http://schemas.microsoft.com/office/drawing/2010/main" xmlns:ma14="http://schemas.microsoft.com/office/mac/drawingml/2011/main" val="1"/>
             </a:ext>
           </a:extLst>
         </p:spPr>
@@ -2191,7 +2191,7 @@
           </a:ln>
           <a:extLst>
             <a:ext uri="{C572A759-6A51-4108-AA02-DFA0A04FC94B}">
-              <ma14:wrappingTextBoxFlag xmlns:ma14="http://schemas.microsoft.com/office/mac/drawingml/2011/main" xmlns:a14="http://schemas.microsoft.com/office/drawing/2010/main" xmlns:m="http://schemas.openxmlformats.org/officeDocument/2006/math" xmlns="" val="1"/>
+              <ma14:wrappingTextBoxFlag xmlns="" xmlns:m="http://schemas.openxmlformats.org/officeDocument/2006/math" xmlns:a14="http://schemas.microsoft.com/office/drawing/2010/main" xmlns:ma14="http://schemas.microsoft.com/office/mac/drawingml/2011/main" val="1"/>
             </a:ext>
           </a:extLst>
         </p:spPr>
@@ -3061,7 +3061,7 @@
           </a:effectLst>
           <a:extLst>
             <a:ext uri="{C572A759-6A51-4108-AA02-DFA0A04FC94B}">
-              <ma14:wrappingTextBoxFlag xmlns:ma14="http://schemas.microsoft.com/office/mac/drawingml/2011/main" xmlns:a14="http://schemas.microsoft.com/office/drawing/2010/main" xmlns:m="http://schemas.openxmlformats.org/officeDocument/2006/math" xmlns="" val="1"/>
+              <ma14:wrappingTextBoxFlag xmlns="" xmlns:m="http://schemas.openxmlformats.org/officeDocument/2006/math" xmlns:a14="http://schemas.microsoft.com/office/drawing/2010/main" xmlns:ma14="http://schemas.microsoft.com/office/mac/drawingml/2011/main" val="1"/>
             </a:ext>
           </a:extLst>
         </p:spPr>
@@ -3091,7 +3091,7 @@
         </p:nvSpPr>
         <p:spPr>
           <a:xfrm>
-            <a:off x="5511379" y="4795232"/>
+            <a:off x="5511379" y="4662880"/>
             <a:ext cx="500002" cy="2"/>
           </a:xfrm>
           <a:prstGeom prst="line">
@@ -3137,7 +3137,7 @@
         </p:nvSpPr>
         <p:spPr>
           <a:xfrm>
-            <a:off x="710678" y="2961146"/>
+            <a:off x="710678" y="2828794"/>
             <a:ext cx="7685853" cy="4083381"/>
           </a:xfrm>
           <a:prstGeom prst="roundRect">
@@ -3161,7 +3161,7 @@
           </a:effectLst>
           <a:extLst>
             <a:ext uri="{C572A759-6A51-4108-AA02-DFA0A04FC94B}">
-              <ma14:wrappingTextBoxFlag xmlns:ma14="http://schemas.microsoft.com/office/mac/drawingml/2011/main" xmlns:a14="http://schemas.microsoft.com/office/drawing/2010/main" xmlns:m="http://schemas.openxmlformats.org/officeDocument/2006/math" xmlns="" val="1"/>
+              <ma14:wrappingTextBoxFlag xmlns="" xmlns:m="http://schemas.openxmlformats.org/officeDocument/2006/math" xmlns:a14="http://schemas.microsoft.com/office/drawing/2010/main" xmlns:ma14="http://schemas.microsoft.com/office/mac/drawingml/2011/main" val="1"/>
             </a:ext>
           </a:extLst>
         </p:spPr>
@@ -3204,7 +3204,7 @@
         </p:nvSpPr>
         <p:spPr>
           <a:xfrm>
-            <a:off x="6947921" y="3594812"/>
+            <a:off x="6947921" y="3462460"/>
             <a:ext cx="1337088" cy="2075738"/>
           </a:xfrm>
           <a:prstGeom prst="roundRect">
@@ -3231,7 +3231,7 @@
           </a:effectLst>
           <a:extLst>
             <a:ext uri="{C572A759-6A51-4108-AA02-DFA0A04FC94B}">
-              <ma14:wrappingTextBoxFlag xmlns:ma14="http://schemas.microsoft.com/office/mac/drawingml/2011/main" xmlns:a14="http://schemas.microsoft.com/office/drawing/2010/main" xmlns:m="http://schemas.openxmlformats.org/officeDocument/2006/math" xmlns="" val="1"/>
+              <ma14:wrappingTextBoxFlag xmlns="" xmlns:m="http://schemas.openxmlformats.org/officeDocument/2006/math" xmlns:a14="http://schemas.microsoft.com/office/drawing/2010/main" xmlns:ma14="http://schemas.microsoft.com/office/mac/drawingml/2011/main" val="1"/>
             </a:ext>
           </a:extLst>
         </p:spPr>
@@ -3260,7 +3260,7 @@
         </p:nvSpPr>
         <p:spPr>
           <a:xfrm>
-            <a:off x="7015183" y="4966312"/>
+            <a:off x="7015183" y="4833960"/>
             <a:ext cx="1219802" cy="617104"/>
           </a:xfrm>
           <a:prstGeom prst="roundRect">
@@ -3284,7 +3284,7 @@
           </a:effectLst>
           <a:extLst>
             <a:ext uri="{C572A759-6A51-4108-AA02-DFA0A04FC94B}">
-              <ma14:wrappingTextBoxFlag xmlns:ma14="http://schemas.microsoft.com/office/mac/drawingml/2011/main" xmlns:a14="http://schemas.microsoft.com/office/drawing/2010/main" xmlns:m="http://schemas.openxmlformats.org/officeDocument/2006/math" xmlns="" val="1"/>
+              <ma14:wrappingTextBoxFlag xmlns="" xmlns:m="http://schemas.openxmlformats.org/officeDocument/2006/math" xmlns:a14="http://schemas.microsoft.com/office/drawing/2010/main" xmlns:ma14="http://schemas.microsoft.com/office/mac/drawingml/2011/main" val="1"/>
             </a:ext>
           </a:extLst>
         </p:spPr>
@@ -3316,7 +3316,7 @@
         </p:nvSpPr>
         <p:spPr>
           <a:xfrm>
-            <a:off x="7006499" y="3955549"/>
+            <a:off x="7006499" y="3823197"/>
             <a:ext cx="1219802" cy="617822"/>
           </a:xfrm>
           <a:prstGeom prst="roundRect">
@@ -3340,7 +3340,7 @@
           </a:effectLst>
           <a:extLst>
             <a:ext uri="{C572A759-6A51-4108-AA02-DFA0A04FC94B}">
-              <ma14:wrappingTextBoxFlag xmlns:ma14="http://schemas.microsoft.com/office/mac/drawingml/2011/main" xmlns:a14="http://schemas.microsoft.com/office/drawing/2010/main" xmlns:m="http://schemas.openxmlformats.org/officeDocument/2006/math" xmlns="" val="1"/>
+              <ma14:wrappingTextBoxFlag xmlns="" xmlns:m="http://schemas.openxmlformats.org/officeDocument/2006/math" xmlns:a14="http://schemas.microsoft.com/office/drawing/2010/main" xmlns:ma14="http://schemas.microsoft.com/office/mac/drawingml/2011/main" val="1"/>
             </a:ext>
           </a:extLst>
         </p:spPr>
@@ -3383,7 +3383,7 @@
         </p:nvSpPr>
         <p:spPr>
           <a:xfrm>
-            <a:off x="5491521" y="3587051"/>
+            <a:off x="5491521" y="3454699"/>
             <a:ext cx="1084410" cy="2082738"/>
           </a:xfrm>
           <a:prstGeom prst="roundRect">
@@ -3410,7 +3410,7 @@
           </a:effectLst>
           <a:extLst>
             <a:ext uri="{C572A759-6A51-4108-AA02-DFA0A04FC94B}">
-              <ma14:wrappingTextBoxFlag xmlns:ma14="http://schemas.microsoft.com/office/mac/drawingml/2011/main" xmlns:a14="http://schemas.microsoft.com/office/drawing/2010/main" xmlns:m="http://schemas.openxmlformats.org/officeDocument/2006/math" xmlns="" val="1"/>
+              <ma14:wrappingTextBoxFlag xmlns="" xmlns:m="http://schemas.openxmlformats.org/officeDocument/2006/math" xmlns:a14="http://schemas.microsoft.com/office/drawing/2010/main" xmlns:ma14="http://schemas.microsoft.com/office/mac/drawingml/2011/main" val="1"/>
             </a:ext>
           </a:extLst>
         </p:spPr>
@@ -3439,7 +3439,7 @@
         </p:nvSpPr>
         <p:spPr>
           <a:xfrm>
-            <a:off x="5567479" y="4555412"/>
+            <a:off x="5567479" y="4423060"/>
             <a:ext cx="945786" cy="408330"/>
           </a:xfrm>
           <a:prstGeom prst="roundRect">
@@ -3463,7 +3463,7 @@
           </a:effectLst>
           <a:extLst>
             <a:ext uri="{C572A759-6A51-4108-AA02-DFA0A04FC94B}">
-              <ma14:wrappingTextBoxFlag xmlns:ma14="http://schemas.microsoft.com/office/mac/drawingml/2011/main" xmlns:a14="http://schemas.microsoft.com/office/drawing/2010/main" xmlns:m="http://schemas.openxmlformats.org/officeDocument/2006/math" xmlns="" val="1"/>
+              <ma14:wrappingTextBoxFlag xmlns="" xmlns:m="http://schemas.openxmlformats.org/officeDocument/2006/math" xmlns:a14="http://schemas.microsoft.com/office/drawing/2010/main" xmlns:ma14="http://schemas.microsoft.com/office/mac/drawingml/2011/main" val="1"/>
             </a:ext>
           </a:extLst>
         </p:spPr>
@@ -3508,7 +3508,7 @@
         </p:nvSpPr>
         <p:spPr>
           <a:xfrm>
-            <a:off x="5560302" y="3910788"/>
+            <a:off x="5560302" y="3778436"/>
             <a:ext cx="945786" cy="228628"/>
           </a:xfrm>
           <a:prstGeom prst="roundRect">
@@ -3530,7 +3530,7 @@
           </a:effectLst>
           <a:extLst>
             <a:ext uri="{C572A759-6A51-4108-AA02-DFA0A04FC94B}">
-              <ma14:wrappingTextBoxFlag xmlns:ma14="http://schemas.microsoft.com/office/mac/drawingml/2011/main" xmlns:a14="http://schemas.microsoft.com/office/drawing/2010/main" xmlns:m="http://schemas.openxmlformats.org/officeDocument/2006/math" xmlns="" val="1"/>
+              <ma14:wrappingTextBoxFlag xmlns="" xmlns:m="http://schemas.openxmlformats.org/officeDocument/2006/math" xmlns:a14="http://schemas.microsoft.com/office/drawing/2010/main" xmlns:ma14="http://schemas.microsoft.com/office/mac/drawingml/2011/main" val="1"/>
             </a:ext>
           </a:extLst>
         </p:spPr>
@@ -3573,7 +3573,7 @@
         </p:nvSpPr>
         <p:spPr>
           <a:xfrm>
-            <a:off x="5560302" y="5381274"/>
+            <a:off x="5560302" y="5248922"/>
             <a:ext cx="945786" cy="242780"/>
           </a:xfrm>
           <a:prstGeom prst="roundRect">
@@ -3595,7 +3595,7 @@
           </a:effectLst>
           <a:extLst>
             <a:ext uri="{C572A759-6A51-4108-AA02-DFA0A04FC94B}">
-              <ma14:wrappingTextBoxFlag xmlns:ma14="http://schemas.microsoft.com/office/mac/drawingml/2011/main" xmlns:a14="http://schemas.microsoft.com/office/drawing/2010/main" xmlns:m="http://schemas.openxmlformats.org/officeDocument/2006/math" xmlns="" val="1"/>
+              <ma14:wrappingTextBoxFlag xmlns="" xmlns:m="http://schemas.openxmlformats.org/officeDocument/2006/math" xmlns:a14="http://schemas.microsoft.com/office/drawing/2010/main" xmlns:ma14="http://schemas.microsoft.com/office/mac/drawingml/2011/main" val="1"/>
             </a:ext>
           </a:extLst>
         </p:spPr>
@@ -3627,7 +3627,7 @@
         </p:nvSpPr>
         <p:spPr>
           <a:xfrm>
-            <a:off x="2459101" y="3594812"/>
+            <a:off x="2459101" y="3462460"/>
             <a:ext cx="2615322" cy="2075738"/>
           </a:xfrm>
           <a:prstGeom prst="roundRect">
@@ -3654,7 +3654,7 @@
           </a:effectLst>
           <a:extLst>
             <a:ext uri="{C572A759-6A51-4108-AA02-DFA0A04FC94B}">
-              <ma14:wrappingTextBoxFlag xmlns:ma14="http://schemas.microsoft.com/office/mac/drawingml/2011/main" xmlns:a14="http://schemas.microsoft.com/office/drawing/2010/main" xmlns:m="http://schemas.openxmlformats.org/officeDocument/2006/math" xmlns="" val="1"/>
+              <ma14:wrappingTextBoxFlag xmlns="" xmlns:m="http://schemas.openxmlformats.org/officeDocument/2006/math" xmlns:a14="http://schemas.microsoft.com/office/drawing/2010/main" xmlns:ma14="http://schemas.microsoft.com/office/mac/drawingml/2011/main" val="1"/>
             </a:ext>
           </a:extLst>
         </p:spPr>
@@ -3683,7 +3683,7 @@
         </p:nvSpPr>
         <p:spPr>
           <a:xfrm>
-            <a:off x="3912934" y="3913036"/>
+            <a:off x="3912934" y="3780684"/>
             <a:ext cx="1106734" cy="226600"/>
           </a:xfrm>
           <a:prstGeom prst="roundRect">
@@ -3705,7 +3705,7 @@
           </a:effectLst>
           <a:extLst>
             <a:ext uri="{C572A759-6A51-4108-AA02-DFA0A04FC94B}">
-              <ma14:wrappingTextBoxFlag xmlns:ma14="http://schemas.microsoft.com/office/mac/drawingml/2011/main" xmlns:a14="http://schemas.microsoft.com/office/drawing/2010/main" xmlns:m="http://schemas.openxmlformats.org/officeDocument/2006/math" xmlns="" val="1"/>
+              <ma14:wrappingTextBoxFlag xmlns="" xmlns:m="http://schemas.openxmlformats.org/officeDocument/2006/math" xmlns:a14="http://schemas.microsoft.com/office/drawing/2010/main" xmlns:ma14="http://schemas.microsoft.com/office/mac/drawingml/2011/main" val="1"/>
             </a:ext>
           </a:extLst>
         </p:spPr>
@@ -3737,7 +3737,7 @@
         </p:nvSpPr>
         <p:spPr>
           <a:xfrm>
-            <a:off x="3912934" y="4420694"/>
+            <a:off x="3912934" y="4288342"/>
             <a:ext cx="1106734" cy="408016"/>
           </a:xfrm>
           <a:prstGeom prst="roundRect">
@@ -3761,7 +3761,7 @@
           </a:effectLst>
           <a:extLst>
             <a:ext uri="{C572A759-6A51-4108-AA02-DFA0A04FC94B}">
-              <ma14:wrappingTextBoxFlag xmlns:ma14="http://schemas.microsoft.com/office/mac/drawingml/2011/main" xmlns:a14="http://schemas.microsoft.com/office/drawing/2010/main" xmlns:m="http://schemas.openxmlformats.org/officeDocument/2006/math" xmlns="" val="1"/>
+              <ma14:wrappingTextBoxFlag xmlns="" xmlns:m="http://schemas.openxmlformats.org/officeDocument/2006/math" xmlns:a14="http://schemas.microsoft.com/office/drawing/2010/main" xmlns:ma14="http://schemas.microsoft.com/office/mac/drawingml/2011/main" val="1"/>
             </a:ext>
           </a:extLst>
         </p:spPr>
@@ -3806,7 +3806,7 @@
         </p:nvSpPr>
         <p:spPr>
           <a:xfrm>
-            <a:off x="3916309" y="5135839"/>
+            <a:off x="3916309" y="5003487"/>
             <a:ext cx="1106734" cy="466752"/>
           </a:xfrm>
           <a:prstGeom prst="roundRect">
@@ -3830,7 +3830,7 @@
           </a:effectLst>
           <a:extLst>
             <a:ext uri="{C572A759-6A51-4108-AA02-DFA0A04FC94B}">
-              <ma14:wrappingTextBoxFlag xmlns:ma14="http://schemas.microsoft.com/office/mac/drawingml/2011/main" xmlns:a14="http://schemas.microsoft.com/office/drawing/2010/main" xmlns:m="http://schemas.openxmlformats.org/officeDocument/2006/math" xmlns="" val="1"/>
+              <ma14:wrappingTextBoxFlag xmlns="" xmlns:m="http://schemas.openxmlformats.org/officeDocument/2006/math" xmlns:a14="http://schemas.microsoft.com/office/drawing/2010/main" xmlns:ma14="http://schemas.microsoft.com/office/mac/drawingml/2011/main" val="1"/>
             </a:ext>
           </a:extLst>
         </p:spPr>
@@ -3875,7 +3875,7 @@
         </p:nvSpPr>
         <p:spPr>
           <a:xfrm>
-            <a:off x="2501308" y="3914509"/>
+            <a:off x="2501308" y="3782157"/>
             <a:ext cx="1106736" cy="235342"/>
           </a:xfrm>
           <a:prstGeom prst="roundRect">
@@ -3897,7 +3897,7 @@
           </a:effectLst>
           <a:extLst>
             <a:ext uri="{C572A759-6A51-4108-AA02-DFA0A04FC94B}">
-              <ma14:wrappingTextBoxFlag xmlns:ma14="http://schemas.microsoft.com/office/mac/drawingml/2011/main" xmlns:a14="http://schemas.microsoft.com/office/drawing/2010/main" xmlns:m="http://schemas.openxmlformats.org/officeDocument/2006/math" xmlns="" val="1"/>
+              <ma14:wrappingTextBoxFlag xmlns="" xmlns:m="http://schemas.openxmlformats.org/officeDocument/2006/math" xmlns:a14="http://schemas.microsoft.com/office/drawing/2010/main" xmlns:ma14="http://schemas.microsoft.com/office/mac/drawingml/2011/main" val="1"/>
             </a:ext>
           </a:extLst>
         </p:spPr>
@@ -3929,7 +3929,7 @@
         </p:nvSpPr>
         <p:spPr>
           <a:xfrm>
-            <a:off x="2494509" y="4402779"/>
+            <a:off x="2494509" y="4270427"/>
             <a:ext cx="1106736" cy="238410"/>
           </a:xfrm>
           <a:prstGeom prst="roundRect">
@@ -3951,7 +3951,7 @@
           </a:effectLst>
           <a:extLst>
             <a:ext uri="{C572A759-6A51-4108-AA02-DFA0A04FC94B}">
-              <ma14:wrappingTextBoxFlag xmlns:ma14="http://schemas.microsoft.com/office/mac/drawingml/2011/main" xmlns:a14="http://schemas.microsoft.com/office/drawing/2010/main" xmlns:m="http://schemas.openxmlformats.org/officeDocument/2006/math" xmlns="" val="1"/>
+              <ma14:wrappingTextBoxFlag xmlns="" xmlns:m="http://schemas.openxmlformats.org/officeDocument/2006/math" xmlns:a14="http://schemas.microsoft.com/office/drawing/2010/main" xmlns:ma14="http://schemas.microsoft.com/office/mac/drawingml/2011/main" val="1"/>
             </a:ext>
           </a:extLst>
         </p:spPr>
@@ -3991,7 +3991,7 @@
         </p:nvSpPr>
         <p:spPr>
           <a:xfrm>
-            <a:off x="2501308" y="4896906"/>
+            <a:off x="2501308" y="4764554"/>
             <a:ext cx="1106736" cy="236192"/>
           </a:xfrm>
           <a:prstGeom prst="roundRect">
@@ -4013,7 +4013,7 @@
           </a:effectLst>
           <a:extLst>
             <a:ext uri="{C572A759-6A51-4108-AA02-DFA0A04FC94B}">
-              <ma14:wrappingTextBoxFlag xmlns:ma14="http://schemas.microsoft.com/office/mac/drawingml/2011/main" xmlns:a14="http://schemas.microsoft.com/office/drawing/2010/main" xmlns:m="http://schemas.openxmlformats.org/officeDocument/2006/math" xmlns="" val="1"/>
+              <ma14:wrappingTextBoxFlag xmlns="" xmlns:m="http://schemas.openxmlformats.org/officeDocument/2006/math" xmlns:a14="http://schemas.microsoft.com/office/drawing/2010/main" xmlns:ma14="http://schemas.microsoft.com/office/mac/drawingml/2011/main" val="1"/>
             </a:ext>
           </a:extLst>
         </p:spPr>
@@ -4045,7 +4045,7 @@
         </p:nvSpPr>
         <p:spPr>
           <a:xfrm>
-            <a:off x="2501308" y="5386063"/>
+            <a:off x="2501308" y="5253711"/>
             <a:ext cx="1106736" cy="238460"/>
           </a:xfrm>
           <a:prstGeom prst="roundRect">
@@ -4067,7 +4067,7 @@
           </a:effectLst>
           <a:extLst>
             <a:ext uri="{C572A759-6A51-4108-AA02-DFA0A04FC94B}">
-              <ma14:wrappingTextBoxFlag xmlns:ma14="http://schemas.microsoft.com/office/mac/drawingml/2011/main" xmlns:a14="http://schemas.microsoft.com/office/drawing/2010/main" xmlns:m="http://schemas.openxmlformats.org/officeDocument/2006/math" xmlns="" val="1"/>
+              <ma14:wrappingTextBoxFlag xmlns="" xmlns:m="http://schemas.openxmlformats.org/officeDocument/2006/math" xmlns:a14="http://schemas.microsoft.com/office/drawing/2010/main" xmlns:ma14="http://schemas.microsoft.com/office/mac/drawingml/2011/main" val="1"/>
             </a:ext>
           </a:extLst>
         </p:spPr>
@@ -4099,7 +4099,7 @@
         </p:nvSpPr>
         <p:spPr>
           <a:xfrm>
-            <a:off x="3280727" y="3068650"/>
+            <a:off x="3280727" y="2936298"/>
             <a:ext cx="2289252" cy="417378"/>
           </a:xfrm>
           <a:prstGeom prst="roundRect">
@@ -4121,7 +4121,7 @@
           </a:effectLst>
           <a:extLst>
             <a:ext uri="{C572A759-6A51-4108-AA02-DFA0A04FC94B}">
-              <ma14:wrappingTextBoxFlag xmlns:ma14="http://schemas.microsoft.com/office/mac/drawingml/2011/main" xmlns:a14="http://schemas.microsoft.com/office/drawing/2010/main" xmlns:m="http://schemas.openxmlformats.org/officeDocument/2006/math" xmlns="" val="1"/>
+              <ma14:wrappingTextBoxFlag xmlns="" xmlns:m="http://schemas.openxmlformats.org/officeDocument/2006/math" xmlns:a14="http://schemas.microsoft.com/office/drawing/2010/main" xmlns:ma14="http://schemas.microsoft.com/office/mac/drawingml/2011/main" val="1"/>
             </a:ext>
           </a:extLst>
         </p:spPr>
@@ -4161,7 +4161,7 @@
         </p:nvSpPr>
         <p:spPr>
           <a:xfrm>
-            <a:off x="2446595" y="5974074"/>
+            <a:off x="2446595" y="5841722"/>
             <a:ext cx="4165666" cy="417378"/>
           </a:xfrm>
           <a:prstGeom prst="roundRect">
@@ -4185,7 +4185,7 @@
           </a:effectLst>
           <a:extLst>
             <a:ext uri="{C572A759-6A51-4108-AA02-DFA0A04FC94B}">
-              <ma14:wrappingTextBoxFlag xmlns:ma14="http://schemas.microsoft.com/office/mac/drawingml/2011/main" xmlns:a14="http://schemas.microsoft.com/office/drawing/2010/main" xmlns:m="http://schemas.openxmlformats.org/officeDocument/2006/math" xmlns="" val="1"/>
+              <ma14:wrappingTextBoxFlag xmlns="" xmlns:m="http://schemas.openxmlformats.org/officeDocument/2006/math" xmlns:a14="http://schemas.microsoft.com/office/drawing/2010/main" xmlns:ma14="http://schemas.microsoft.com/office/mac/drawingml/2011/main" val="1"/>
             </a:ext>
           </a:extLst>
         </p:spPr>
@@ -4225,7 +4225,7 @@
         </p:nvSpPr>
         <p:spPr>
           <a:xfrm>
-            <a:off x="5191023" y="4640442"/>
+            <a:off x="5191023" y="4508090"/>
             <a:ext cx="262228" cy="0"/>
           </a:xfrm>
           <a:prstGeom prst="line">
@@ -4279,7 +4279,7 @@
         </p:nvSpPr>
         <p:spPr>
           <a:xfrm>
-            <a:off x="2087095" y="4640442"/>
+            <a:off x="2087095" y="4508090"/>
             <a:ext cx="243782" cy="2"/>
           </a:xfrm>
           <a:prstGeom prst="line">
@@ -4337,7 +4337,7 @@
         </p:nvSpPr>
         <p:spPr>
           <a:xfrm>
-            <a:off x="9900742" y="2938857"/>
+            <a:off x="9900742" y="2806505"/>
             <a:ext cx="6835183" cy="4105668"/>
           </a:xfrm>
           <a:prstGeom prst="roundRect">
@@ -4361,7 +4361,7 @@
           </a:effectLst>
           <a:extLst>
             <a:ext uri="{C572A759-6A51-4108-AA02-DFA0A04FC94B}">
-              <ma14:wrappingTextBoxFlag xmlns:ma14="http://schemas.microsoft.com/office/mac/drawingml/2011/main" xmlns:a14="http://schemas.microsoft.com/office/drawing/2010/main" xmlns:m="http://schemas.openxmlformats.org/officeDocument/2006/math" xmlns="" val="1"/>
+              <ma14:wrappingTextBoxFlag xmlns="" xmlns:m="http://schemas.openxmlformats.org/officeDocument/2006/math" xmlns:a14="http://schemas.microsoft.com/office/drawing/2010/main" xmlns:ma14="http://schemas.microsoft.com/office/mac/drawingml/2011/main" val="1"/>
             </a:ext>
           </a:extLst>
         </p:spPr>
@@ -4428,7 +4428,7 @@
           </a:effectLst>
           <a:extLst>
             <a:ext uri="{C572A759-6A51-4108-AA02-DFA0A04FC94B}">
-              <ma14:wrappingTextBoxFlag xmlns:ma14="http://schemas.microsoft.com/office/mac/drawingml/2011/main" xmlns:a14="http://schemas.microsoft.com/office/drawing/2010/main" xmlns:m="http://schemas.openxmlformats.org/officeDocument/2006/math" xmlns="" val="1"/>
+              <ma14:wrappingTextBoxFlag xmlns="" xmlns:m="http://schemas.openxmlformats.org/officeDocument/2006/math" xmlns:a14="http://schemas.microsoft.com/office/drawing/2010/main" xmlns:ma14="http://schemas.microsoft.com/office/mac/drawingml/2011/main" val="1"/>
             </a:ext>
           </a:extLst>
         </p:spPr>
@@ -4482,7 +4482,7 @@
           </a:effectLst>
           <a:extLst>
             <a:ext uri="{C572A759-6A51-4108-AA02-DFA0A04FC94B}">
-              <ma14:wrappingTextBoxFlag xmlns:ma14="http://schemas.microsoft.com/office/mac/drawingml/2011/main" xmlns:a14="http://schemas.microsoft.com/office/drawing/2010/main" xmlns:m="http://schemas.openxmlformats.org/officeDocument/2006/math" xmlns="" val="1"/>
+              <ma14:wrappingTextBoxFlag xmlns="" xmlns:m="http://schemas.openxmlformats.org/officeDocument/2006/math" xmlns:a14="http://schemas.microsoft.com/office/drawing/2010/main" xmlns:ma14="http://schemas.microsoft.com/office/mac/drawingml/2011/main" val="1"/>
             </a:ext>
           </a:extLst>
         </p:spPr>
@@ -4549,7 +4549,7 @@
           </a:effectLst>
           <a:extLst>
             <a:ext uri="{C572A759-6A51-4108-AA02-DFA0A04FC94B}">
-              <ma14:wrappingTextBoxFlag xmlns:ma14="http://schemas.microsoft.com/office/mac/drawingml/2011/main" xmlns:a14="http://schemas.microsoft.com/office/drawing/2010/main" xmlns:m="http://schemas.openxmlformats.org/officeDocument/2006/math" xmlns="" val="1"/>
+              <ma14:wrappingTextBoxFlag xmlns="" xmlns:m="http://schemas.openxmlformats.org/officeDocument/2006/math" xmlns:a14="http://schemas.microsoft.com/office/drawing/2010/main" xmlns:ma14="http://schemas.microsoft.com/office/mac/drawingml/2011/main" val="1"/>
             </a:ext>
           </a:extLst>
         </p:spPr>
@@ -4613,7 +4613,7 @@
           </a:effectLst>
           <a:extLst>
             <a:ext uri="{C572A759-6A51-4108-AA02-DFA0A04FC94B}">
-              <ma14:wrappingTextBoxFlag xmlns:ma14="http://schemas.microsoft.com/office/mac/drawingml/2011/main" xmlns:a14="http://schemas.microsoft.com/office/drawing/2010/main" xmlns:m="http://schemas.openxmlformats.org/officeDocument/2006/math" xmlns="" val="1"/>
+              <ma14:wrappingTextBoxFlag xmlns="" xmlns:m="http://schemas.openxmlformats.org/officeDocument/2006/math" xmlns:a14="http://schemas.microsoft.com/office/drawing/2010/main" xmlns:ma14="http://schemas.microsoft.com/office/mac/drawingml/2011/main" val="1"/>
             </a:ext>
           </a:extLst>
         </p:spPr>
@@ -4680,7 +4680,7 @@
           </a:effectLst>
           <a:extLst>
             <a:ext uri="{C572A759-6A51-4108-AA02-DFA0A04FC94B}">
-              <ma14:wrappingTextBoxFlag xmlns:ma14="http://schemas.microsoft.com/office/mac/drawingml/2011/main" xmlns:a14="http://schemas.microsoft.com/office/drawing/2010/main" xmlns:m="http://schemas.openxmlformats.org/officeDocument/2006/math" xmlns="" val="1"/>
+              <ma14:wrappingTextBoxFlag xmlns="" xmlns:m="http://schemas.openxmlformats.org/officeDocument/2006/math" xmlns:a14="http://schemas.microsoft.com/office/drawing/2010/main" xmlns:ma14="http://schemas.microsoft.com/office/mac/drawingml/2011/main" val="1"/>
             </a:ext>
           </a:extLst>
         </p:spPr>
@@ -4748,7 +4748,7 @@
           </a:effectLst>
           <a:extLst>
             <a:ext uri="{C572A759-6A51-4108-AA02-DFA0A04FC94B}">
-              <ma14:wrappingTextBoxFlag xmlns:ma14="http://schemas.microsoft.com/office/mac/drawingml/2011/main" xmlns:a14="http://schemas.microsoft.com/office/drawing/2010/main" xmlns:m="http://schemas.openxmlformats.org/officeDocument/2006/math" xmlns="" val="1"/>
+              <ma14:wrappingTextBoxFlag xmlns="" xmlns:m="http://schemas.openxmlformats.org/officeDocument/2006/math" xmlns:a14="http://schemas.microsoft.com/office/drawing/2010/main" xmlns:ma14="http://schemas.microsoft.com/office/mac/drawingml/2011/main" val="1"/>
             </a:ext>
           </a:extLst>
         </p:spPr>
@@ -4815,7 +4815,7 @@
           </a:effectLst>
           <a:extLst>
             <a:ext uri="{C572A759-6A51-4108-AA02-DFA0A04FC94B}">
-              <ma14:wrappingTextBoxFlag xmlns:ma14="http://schemas.microsoft.com/office/mac/drawingml/2011/main" xmlns:a14="http://schemas.microsoft.com/office/drawing/2010/main" xmlns:m="http://schemas.openxmlformats.org/officeDocument/2006/math" xmlns="" val="1"/>
+              <ma14:wrappingTextBoxFlag xmlns="" xmlns:m="http://schemas.openxmlformats.org/officeDocument/2006/math" xmlns:a14="http://schemas.microsoft.com/office/drawing/2010/main" xmlns:ma14="http://schemas.microsoft.com/office/mac/drawingml/2011/main" val="1"/>
             </a:ext>
           </a:extLst>
         </p:spPr>
@@ -4883,7 +4883,7 @@
           </a:effectLst>
           <a:extLst>
             <a:ext uri="{C572A759-6A51-4108-AA02-DFA0A04FC94B}">
-              <ma14:wrappingTextBoxFlag xmlns:ma14="http://schemas.microsoft.com/office/mac/drawingml/2011/main" xmlns:a14="http://schemas.microsoft.com/office/drawing/2010/main" xmlns:m="http://schemas.openxmlformats.org/officeDocument/2006/math" xmlns="" val="1"/>
+              <ma14:wrappingTextBoxFlag xmlns="" xmlns:m="http://schemas.openxmlformats.org/officeDocument/2006/math" xmlns:a14="http://schemas.microsoft.com/office/drawing/2010/main" xmlns:ma14="http://schemas.microsoft.com/office/mac/drawingml/2011/main" val="1"/>
             </a:ext>
           </a:extLst>
         </p:spPr>
@@ -4950,7 +4950,7 @@
           </a:effectLst>
           <a:extLst>
             <a:ext uri="{C572A759-6A51-4108-AA02-DFA0A04FC94B}">
-              <ma14:wrappingTextBoxFlag xmlns:ma14="http://schemas.microsoft.com/office/mac/drawingml/2011/main" xmlns:a14="http://schemas.microsoft.com/office/drawing/2010/main" xmlns:m="http://schemas.openxmlformats.org/officeDocument/2006/math" xmlns="" val="1"/>
+              <ma14:wrappingTextBoxFlag xmlns="" xmlns:m="http://schemas.openxmlformats.org/officeDocument/2006/math" xmlns:a14="http://schemas.microsoft.com/office/drawing/2010/main" xmlns:ma14="http://schemas.microsoft.com/office/mac/drawingml/2011/main" val="1"/>
             </a:ext>
           </a:extLst>
         </p:spPr>
@@ -5014,7 +5014,7 @@
           </a:effectLst>
           <a:extLst>
             <a:ext uri="{C572A759-6A51-4108-AA02-DFA0A04FC94B}">
-              <ma14:wrappingTextBoxFlag xmlns:ma14="http://schemas.microsoft.com/office/mac/drawingml/2011/main" xmlns:a14="http://schemas.microsoft.com/office/drawing/2010/main" xmlns:m="http://schemas.openxmlformats.org/officeDocument/2006/math" xmlns="" val="1"/>
+              <ma14:wrappingTextBoxFlag xmlns="" xmlns:m="http://schemas.openxmlformats.org/officeDocument/2006/math" xmlns:a14="http://schemas.microsoft.com/office/drawing/2010/main" xmlns:ma14="http://schemas.microsoft.com/office/mac/drawingml/2011/main" val="1"/>
             </a:ext>
           </a:extLst>
         </p:spPr>
@@ -5044,7 +5044,7 @@
         </p:nvSpPr>
         <p:spPr>
           <a:xfrm>
-            <a:off x="4948465" y="8192147"/>
+            <a:off x="4780017" y="8192147"/>
             <a:ext cx="1270001" cy="574046"/>
           </a:xfrm>
           <a:prstGeom prst="roundRect">
@@ -5068,7 +5068,7 @@
           </a:effectLst>
           <a:extLst>
             <a:ext uri="{C572A759-6A51-4108-AA02-DFA0A04FC94B}">
-              <ma14:wrappingTextBoxFlag xmlns:ma14="http://schemas.microsoft.com/office/mac/drawingml/2011/main" xmlns:a14="http://schemas.microsoft.com/office/drawing/2010/main" xmlns:m="http://schemas.openxmlformats.org/officeDocument/2006/math" xmlns="" val="1"/>
+              <ma14:wrappingTextBoxFlag xmlns="" xmlns:m="http://schemas.openxmlformats.org/officeDocument/2006/math" xmlns:a14="http://schemas.microsoft.com/office/drawing/2010/main" xmlns:ma14="http://schemas.microsoft.com/office/mac/drawingml/2011/main" val="1"/>
             </a:ext>
           </a:extLst>
         </p:spPr>
@@ -5108,7 +5108,7 @@
         </p:nvSpPr>
         <p:spPr>
           <a:xfrm>
-            <a:off x="6359551" y="8194288"/>
+            <a:off x="6275327" y="8194288"/>
             <a:ext cx="865374" cy="574046"/>
           </a:xfrm>
           <a:prstGeom prst="roundRect">
@@ -5132,7 +5132,7 @@
           </a:effectLst>
           <a:extLst>
             <a:ext uri="{C572A759-6A51-4108-AA02-DFA0A04FC94B}">
-              <ma14:wrappingTextBoxFlag xmlns:ma14="http://schemas.microsoft.com/office/mac/drawingml/2011/main" xmlns:a14="http://schemas.microsoft.com/office/drawing/2010/main" xmlns:m="http://schemas.openxmlformats.org/officeDocument/2006/math" xmlns="" val="1"/>
+              <ma14:wrappingTextBoxFlag xmlns="" xmlns:m="http://schemas.openxmlformats.org/officeDocument/2006/math" xmlns:a14="http://schemas.microsoft.com/office/drawing/2010/main" xmlns:ma14="http://schemas.microsoft.com/office/mac/drawingml/2011/main" val="1"/>
             </a:ext>
           </a:extLst>
         </p:spPr>
@@ -5176,7 +5176,7 @@
         </p:nvSpPr>
         <p:spPr>
           <a:xfrm>
-            <a:off x="7841020" y="3758525"/>
+            <a:off x="7841020" y="3626173"/>
             <a:ext cx="2633254" cy="417378"/>
           </a:xfrm>
           <a:prstGeom prst="rect">
@@ -5187,7 +5187,7 @@
           </a:ln>
           <a:extLst>
             <a:ext uri="{C572A759-6A51-4108-AA02-DFA0A04FC94B}">
-              <ma14:wrappingTextBoxFlag xmlns:ma14="http://schemas.microsoft.com/office/mac/drawingml/2011/main" xmlns:a14="http://schemas.microsoft.com/office/drawing/2010/main" xmlns:m="http://schemas.openxmlformats.org/officeDocument/2006/math" xmlns="" val="1"/>
+              <ma14:wrappingTextBoxFlag xmlns="" xmlns:m="http://schemas.openxmlformats.org/officeDocument/2006/math" xmlns:a14="http://schemas.microsoft.com/office/drawing/2010/main" xmlns:ma14="http://schemas.microsoft.com/office/mac/drawingml/2011/main" val="1"/>
             </a:ext>
           </a:extLst>
         </p:spPr>
@@ -5225,7 +5225,7 @@
         </p:nvSpPr>
         <p:spPr>
           <a:xfrm>
-            <a:off x="8792951" y="4531792"/>
+            <a:off x="8792951" y="4399440"/>
             <a:ext cx="719580" cy="421818"/>
           </a:xfrm>
           <a:prstGeom prst="rect">
@@ -5236,7 +5236,7 @@
           </a:ln>
           <a:extLst>
             <a:ext uri="{C572A759-6A51-4108-AA02-DFA0A04FC94B}">
-              <ma14:wrappingTextBoxFlag xmlns:ma14="http://schemas.microsoft.com/office/mac/drawingml/2011/main" xmlns:a14="http://schemas.microsoft.com/office/drawing/2010/main" xmlns:m="http://schemas.openxmlformats.org/officeDocument/2006/math" xmlns="" val="1"/>
+              <ma14:wrappingTextBoxFlag xmlns="" xmlns:m="http://schemas.openxmlformats.org/officeDocument/2006/math" xmlns:a14="http://schemas.microsoft.com/office/drawing/2010/main" xmlns:ma14="http://schemas.microsoft.com/office/mac/drawingml/2011/main" val="1"/>
             </a:ext>
           </a:extLst>
         </p:spPr>
@@ -5281,8 +5281,8 @@
         </p:nvSpPr>
         <p:spPr>
           <a:xfrm flipH="1" flipV="1">
-            <a:off x="5074423" y="7038236"/>
-            <a:ext cx="786594" cy="653075"/>
+            <a:off x="4780017" y="6935747"/>
+            <a:ext cx="1081000" cy="755563"/>
           </a:xfrm>
           <a:prstGeom prst="line">
             <a:avLst/>
@@ -5349,7 +5349,7 @@
           <a:effectLst/>
           <a:extLst>
             <a:ext uri="{C572A759-6A51-4108-AA02-DFA0A04FC94B}">
-              <ma14:wrappingTextBoxFlag xmlns:ma14="http://schemas.microsoft.com/office/mac/drawingml/2011/main" xmlns:a14="http://schemas.microsoft.com/office/drawing/2010/main" xmlns:m="http://schemas.openxmlformats.org/officeDocument/2006/math" xmlns="" val="1"/>
+              <ma14:wrappingTextBoxFlag xmlns="" xmlns:m="http://schemas.openxmlformats.org/officeDocument/2006/math" xmlns:a14="http://schemas.microsoft.com/office/drawing/2010/main" xmlns:ma14="http://schemas.microsoft.com/office/mac/drawingml/2011/main" val="1"/>
             </a:ext>
           </a:extLst>
         </p:spPr>
@@ -5403,7 +5403,7 @@
           <a:effectLst/>
           <a:extLst>
             <a:ext uri="{C572A759-6A51-4108-AA02-DFA0A04FC94B}">
-              <ma14:wrappingTextBoxFlag xmlns:ma14="http://schemas.microsoft.com/office/mac/drawingml/2011/main" xmlns:a14="http://schemas.microsoft.com/office/drawing/2010/main" xmlns:m="http://schemas.openxmlformats.org/officeDocument/2006/math" xmlns="" val="1"/>
+              <ma14:wrappingTextBoxFlag xmlns="" xmlns:m="http://schemas.openxmlformats.org/officeDocument/2006/math" xmlns:a14="http://schemas.microsoft.com/office/drawing/2010/main" xmlns:ma14="http://schemas.microsoft.com/office/mac/drawingml/2011/main" val="1"/>
             </a:ext>
           </a:extLst>
         </p:spPr>
@@ -5454,7 +5454,7 @@
           </a:ln>
           <a:extLst>
             <a:ext uri="{C572A759-6A51-4108-AA02-DFA0A04FC94B}">
-              <ma14:wrappingTextBoxFlag xmlns:ma14="http://schemas.microsoft.com/office/mac/drawingml/2011/main" xmlns:a14="http://schemas.microsoft.com/office/drawing/2010/main" xmlns:m="http://schemas.openxmlformats.org/officeDocument/2006/math" xmlns="" val="1"/>
+              <ma14:wrappingTextBoxFlag xmlns="" xmlns:m="http://schemas.openxmlformats.org/officeDocument/2006/math" xmlns:a14="http://schemas.microsoft.com/office/drawing/2010/main" xmlns:ma14="http://schemas.microsoft.com/office/mac/drawingml/2011/main" val="1"/>
             </a:ext>
           </a:extLst>
         </p:spPr>
@@ -5494,7 +5494,7 @@
         </p:nvSpPr>
         <p:spPr>
           <a:xfrm>
-            <a:off x="8358722" y="4269614"/>
+            <a:off x="8358722" y="4137262"/>
             <a:ext cx="1542020" cy="8672"/>
           </a:xfrm>
           <a:prstGeom prst="line">
@@ -5548,7 +5548,7 @@
         </p:nvSpPr>
         <p:spPr>
           <a:xfrm>
-            <a:off x="8388887" y="4531792"/>
+            <a:off x="8388887" y="4399440"/>
             <a:ext cx="1520064" cy="0"/>
           </a:xfrm>
           <a:prstGeom prst="line">
@@ -5602,7 +5602,7 @@
         </p:nvSpPr>
         <p:spPr>
           <a:xfrm>
-            <a:off x="716322" y="3594813"/>
+            <a:off x="716322" y="3462461"/>
             <a:ext cx="1329522" cy="2075738"/>
           </a:xfrm>
           <a:prstGeom prst="roundRect">
@@ -5629,7 +5629,7 @@
           </a:effectLst>
           <a:extLst>
             <a:ext uri="{C572A759-6A51-4108-AA02-DFA0A04FC94B}">
-              <ma14:wrappingTextBoxFlag xmlns:ma14="http://schemas.microsoft.com/office/mac/drawingml/2011/main" xmlns:a14="http://schemas.microsoft.com/office/drawing/2010/main" xmlns:m="http://schemas.openxmlformats.org/officeDocument/2006/math" xmlns="" val="1"/>
+              <ma14:wrappingTextBoxFlag xmlns="" xmlns:m="http://schemas.openxmlformats.org/officeDocument/2006/math" xmlns:a14="http://schemas.microsoft.com/office/drawing/2010/main" xmlns:ma14="http://schemas.microsoft.com/office/mac/drawingml/2011/main" val="1"/>
             </a:ext>
           </a:extLst>
         </p:spPr>
@@ -5666,7 +5666,7 @@
         </p:nvSpPr>
         <p:spPr>
           <a:xfrm>
-            <a:off x="819907" y="3911054"/>
+            <a:off x="819907" y="3778702"/>
             <a:ext cx="1123384" cy="238458"/>
           </a:xfrm>
           <a:prstGeom prst="roundRect">
@@ -5688,7 +5688,7 @@
           </a:effectLst>
           <a:extLst>
             <a:ext uri="{C572A759-6A51-4108-AA02-DFA0A04FC94B}">
-              <ma14:wrappingTextBoxFlag xmlns:ma14="http://schemas.microsoft.com/office/mac/drawingml/2011/main" xmlns:a14="http://schemas.microsoft.com/office/drawing/2010/main" xmlns:m="http://schemas.openxmlformats.org/officeDocument/2006/math" xmlns="" val="1"/>
+              <ma14:wrappingTextBoxFlag xmlns="" xmlns:m="http://schemas.openxmlformats.org/officeDocument/2006/math" xmlns:a14="http://schemas.microsoft.com/office/drawing/2010/main" xmlns:ma14="http://schemas.microsoft.com/office/mac/drawingml/2011/main" val="1"/>
             </a:ext>
           </a:extLst>
         </p:spPr>
@@ -5731,7 +5731,7 @@
         </p:nvSpPr>
         <p:spPr>
           <a:xfrm>
-            <a:off x="820795" y="4402723"/>
+            <a:off x="820795" y="4270371"/>
             <a:ext cx="1123384" cy="238460"/>
           </a:xfrm>
           <a:prstGeom prst="roundRect">
@@ -5753,7 +5753,7 @@
           </a:effectLst>
           <a:extLst>
             <a:ext uri="{C572A759-6A51-4108-AA02-DFA0A04FC94B}">
-              <ma14:wrappingTextBoxFlag xmlns:ma14="http://schemas.microsoft.com/office/mac/drawingml/2011/main" xmlns:a14="http://schemas.microsoft.com/office/drawing/2010/main" xmlns:m="http://schemas.openxmlformats.org/officeDocument/2006/math" xmlns="" val="1"/>
+              <ma14:wrappingTextBoxFlag xmlns="" xmlns:m="http://schemas.openxmlformats.org/officeDocument/2006/math" xmlns:a14="http://schemas.microsoft.com/office/drawing/2010/main" xmlns:ma14="http://schemas.microsoft.com/office/mac/drawingml/2011/main" val="1"/>
             </a:ext>
           </a:extLst>
         </p:spPr>
@@ -5796,7 +5796,7 @@
         </p:nvSpPr>
         <p:spPr>
           <a:xfrm>
-            <a:off x="821683" y="4894393"/>
+            <a:off x="821683" y="4762041"/>
             <a:ext cx="1123384" cy="238460"/>
           </a:xfrm>
           <a:prstGeom prst="roundRect">
@@ -5818,7 +5818,7 @@
           </a:effectLst>
           <a:extLst>
             <a:ext uri="{C572A759-6A51-4108-AA02-DFA0A04FC94B}">
-              <ma14:wrappingTextBoxFlag xmlns:ma14="http://schemas.microsoft.com/office/mac/drawingml/2011/main" xmlns:a14="http://schemas.microsoft.com/office/drawing/2010/main" xmlns:m="http://schemas.openxmlformats.org/officeDocument/2006/math" xmlns="" val="1"/>
+              <ma14:wrappingTextBoxFlag xmlns="" xmlns:m="http://schemas.openxmlformats.org/officeDocument/2006/math" xmlns:a14="http://schemas.microsoft.com/office/drawing/2010/main" xmlns:ma14="http://schemas.microsoft.com/office/mac/drawingml/2011/main" val="1"/>
             </a:ext>
           </a:extLst>
         </p:spPr>
@@ -5861,7 +5861,7 @@
         </p:nvSpPr>
         <p:spPr>
           <a:xfrm>
-            <a:off x="822571" y="5386063"/>
+            <a:off x="822571" y="5253711"/>
             <a:ext cx="1123384" cy="238460"/>
           </a:xfrm>
           <a:prstGeom prst="roundRect">
@@ -5883,7 +5883,7 @@
           </a:effectLst>
           <a:extLst>
             <a:ext uri="{C572A759-6A51-4108-AA02-DFA0A04FC94B}">
-              <ma14:wrappingTextBoxFlag xmlns:ma14="http://schemas.microsoft.com/office/mac/drawingml/2011/main" xmlns:a14="http://schemas.microsoft.com/office/drawing/2010/main" xmlns:m="http://schemas.openxmlformats.org/officeDocument/2006/math" xmlns="" val="1"/>
+              <ma14:wrappingTextBoxFlag xmlns="" xmlns:m="http://schemas.openxmlformats.org/officeDocument/2006/math" xmlns:a14="http://schemas.microsoft.com/office/drawing/2010/main" xmlns:ma14="http://schemas.microsoft.com/office/mac/drawingml/2011/main" val="1"/>
             </a:ext>
           </a:extLst>
         </p:spPr>
@@ -5926,7 +5926,7 @@
         </p:nvSpPr>
         <p:spPr>
           <a:xfrm>
-            <a:off x="6614021" y="4575762"/>
+            <a:off x="6614021" y="4443410"/>
             <a:ext cx="262228" cy="0"/>
           </a:xfrm>
           <a:prstGeom prst="line">
@@ -5980,7 +5980,7 @@
         </p:nvSpPr>
         <p:spPr>
           <a:xfrm>
-            <a:off x="11230132" y="5945938"/>
+            <a:off x="11230132" y="5813586"/>
             <a:ext cx="4165666" cy="417378"/>
           </a:xfrm>
           <a:prstGeom prst="roundRect">
@@ -6004,7 +6004,7 @@
           </a:effectLst>
           <a:extLst>
             <a:ext uri="{C572A759-6A51-4108-AA02-DFA0A04FC94B}">
-              <ma14:wrappingTextBoxFlag xmlns:ma14="http://schemas.microsoft.com/office/mac/drawingml/2011/main" xmlns:a14="http://schemas.microsoft.com/office/drawing/2010/main" xmlns:m="http://schemas.openxmlformats.org/officeDocument/2006/math" xmlns="" val="1"/>
+              <ma14:wrappingTextBoxFlag xmlns="" xmlns:m="http://schemas.openxmlformats.org/officeDocument/2006/math" xmlns:a14="http://schemas.microsoft.com/office/drawing/2010/main" xmlns:ma14="http://schemas.microsoft.com/office/mac/drawingml/2011/main" val="1"/>
             </a:ext>
           </a:extLst>
         </p:spPr>
@@ -6044,7 +6044,7 @@
         </p:nvSpPr>
         <p:spPr>
           <a:xfrm>
-            <a:off x="10142159" y="3594308"/>
+            <a:off x="10142159" y="3461956"/>
             <a:ext cx="1337088" cy="2075738"/>
           </a:xfrm>
           <a:prstGeom prst="roundRect">
@@ -6071,7 +6071,7 @@
           </a:effectLst>
           <a:extLst>
             <a:ext uri="{C572A759-6A51-4108-AA02-DFA0A04FC94B}">
-              <ma14:wrappingTextBoxFlag xmlns:ma14="http://schemas.microsoft.com/office/mac/drawingml/2011/main" xmlns:a14="http://schemas.microsoft.com/office/drawing/2010/main" xmlns:m="http://schemas.openxmlformats.org/officeDocument/2006/math" xmlns="" val="1"/>
+              <ma14:wrappingTextBoxFlag xmlns="" xmlns:m="http://schemas.openxmlformats.org/officeDocument/2006/math" xmlns:a14="http://schemas.microsoft.com/office/drawing/2010/main" xmlns:ma14="http://schemas.microsoft.com/office/mac/drawingml/2011/main" val="1"/>
             </a:ext>
           </a:extLst>
         </p:spPr>
@@ -6100,7 +6100,7 @@
         </p:nvSpPr>
         <p:spPr>
           <a:xfrm>
-            <a:off x="10209421" y="4965808"/>
+            <a:off x="10209421" y="4833456"/>
             <a:ext cx="1219802" cy="617104"/>
           </a:xfrm>
           <a:prstGeom prst="roundRect">
@@ -6124,7 +6124,7 @@
           </a:effectLst>
           <a:extLst>
             <a:ext uri="{C572A759-6A51-4108-AA02-DFA0A04FC94B}">
-              <ma14:wrappingTextBoxFlag xmlns:ma14="http://schemas.microsoft.com/office/mac/drawingml/2011/main" xmlns:a14="http://schemas.microsoft.com/office/drawing/2010/main" xmlns:m="http://schemas.openxmlformats.org/officeDocument/2006/math" xmlns="" val="1"/>
+              <ma14:wrappingTextBoxFlag xmlns="" xmlns:m="http://schemas.openxmlformats.org/officeDocument/2006/math" xmlns:a14="http://schemas.microsoft.com/office/drawing/2010/main" xmlns:ma14="http://schemas.microsoft.com/office/mac/drawingml/2011/main" val="1"/>
             </a:ext>
           </a:extLst>
         </p:spPr>
@@ -6156,7 +6156,7 @@
         </p:nvSpPr>
         <p:spPr>
           <a:xfrm>
-            <a:off x="10200737" y="3955045"/>
+            <a:off x="10200737" y="3822693"/>
             <a:ext cx="1219802" cy="617822"/>
           </a:xfrm>
           <a:prstGeom prst="roundRect">
@@ -6180,7 +6180,7 @@
           </a:effectLst>
           <a:extLst>
             <a:ext uri="{C572A759-6A51-4108-AA02-DFA0A04FC94B}">
-              <ma14:wrappingTextBoxFlag xmlns:ma14="http://schemas.microsoft.com/office/mac/drawingml/2011/main" xmlns:a14="http://schemas.microsoft.com/office/drawing/2010/main" xmlns:m="http://schemas.openxmlformats.org/officeDocument/2006/math" xmlns="" val="1"/>
+              <ma14:wrappingTextBoxFlag xmlns="" xmlns:m="http://schemas.openxmlformats.org/officeDocument/2006/math" xmlns:a14="http://schemas.microsoft.com/office/drawing/2010/main" xmlns:ma14="http://schemas.microsoft.com/office/mac/drawingml/2011/main" val="1"/>
             </a:ext>
           </a:extLst>
         </p:spPr>
@@ -6223,7 +6223,7 @@
         </p:nvSpPr>
         <p:spPr>
           <a:xfrm>
-            <a:off x="11911685" y="4806750"/>
+            <a:off x="11911685" y="4674398"/>
             <a:ext cx="500002" cy="2"/>
           </a:xfrm>
           <a:prstGeom prst="line">
@@ -6269,7 +6269,7 @@
         </p:nvSpPr>
         <p:spPr>
           <a:xfrm>
-            <a:off x="11891827" y="3598569"/>
+            <a:off x="11891827" y="3466217"/>
             <a:ext cx="1084410" cy="2082738"/>
           </a:xfrm>
           <a:prstGeom prst="roundRect">
@@ -6296,7 +6296,7 @@
           </a:effectLst>
           <a:extLst>
             <a:ext uri="{C572A759-6A51-4108-AA02-DFA0A04FC94B}">
-              <ma14:wrappingTextBoxFlag xmlns:ma14="http://schemas.microsoft.com/office/mac/drawingml/2011/main" xmlns:a14="http://schemas.microsoft.com/office/drawing/2010/main" xmlns:m="http://schemas.openxmlformats.org/officeDocument/2006/math" xmlns="" val="1"/>
+              <ma14:wrappingTextBoxFlag xmlns="" xmlns:m="http://schemas.openxmlformats.org/officeDocument/2006/math" xmlns:a14="http://schemas.microsoft.com/office/drawing/2010/main" xmlns:ma14="http://schemas.microsoft.com/office/mac/drawingml/2011/main" val="1"/>
             </a:ext>
           </a:extLst>
         </p:spPr>
@@ -6325,7 +6325,7 @@
         </p:nvSpPr>
         <p:spPr>
           <a:xfrm>
-            <a:off x="11967785" y="4566930"/>
+            <a:off x="11967785" y="4434578"/>
             <a:ext cx="945786" cy="408330"/>
           </a:xfrm>
           <a:prstGeom prst="roundRect">
@@ -6349,7 +6349,7 @@
           </a:effectLst>
           <a:extLst>
             <a:ext uri="{C572A759-6A51-4108-AA02-DFA0A04FC94B}">
-              <ma14:wrappingTextBoxFlag xmlns:ma14="http://schemas.microsoft.com/office/mac/drawingml/2011/main" xmlns:a14="http://schemas.microsoft.com/office/drawing/2010/main" xmlns:m="http://schemas.openxmlformats.org/officeDocument/2006/math" xmlns="" val="1"/>
+              <ma14:wrappingTextBoxFlag xmlns="" xmlns:m="http://schemas.openxmlformats.org/officeDocument/2006/math" xmlns:a14="http://schemas.microsoft.com/office/drawing/2010/main" xmlns:ma14="http://schemas.microsoft.com/office/mac/drawingml/2011/main" val="1"/>
             </a:ext>
           </a:extLst>
         </p:spPr>
@@ -6394,7 +6394,7 @@
         </p:nvSpPr>
         <p:spPr>
           <a:xfrm>
-            <a:off x="11960608" y="3922306"/>
+            <a:off x="11960608" y="3789954"/>
             <a:ext cx="945786" cy="228628"/>
           </a:xfrm>
           <a:prstGeom prst="roundRect">
@@ -6416,7 +6416,7 @@
           </a:effectLst>
           <a:extLst>
             <a:ext uri="{C572A759-6A51-4108-AA02-DFA0A04FC94B}">
-              <ma14:wrappingTextBoxFlag xmlns:ma14="http://schemas.microsoft.com/office/mac/drawingml/2011/main" xmlns:a14="http://schemas.microsoft.com/office/drawing/2010/main" xmlns:m="http://schemas.openxmlformats.org/officeDocument/2006/math" xmlns="" val="1"/>
+              <ma14:wrappingTextBoxFlag xmlns="" xmlns:m="http://schemas.openxmlformats.org/officeDocument/2006/math" xmlns:a14="http://schemas.microsoft.com/office/drawing/2010/main" xmlns:ma14="http://schemas.microsoft.com/office/mac/drawingml/2011/main" val="1"/>
             </a:ext>
           </a:extLst>
         </p:spPr>
@@ -6459,7 +6459,7 @@
         </p:nvSpPr>
         <p:spPr>
           <a:xfrm>
-            <a:off x="11960608" y="5392792"/>
+            <a:off x="11960608" y="5260440"/>
             <a:ext cx="945786" cy="242780"/>
           </a:xfrm>
           <a:prstGeom prst="roundRect">
@@ -6481,7 +6481,7 @@
           </a:effectLst>
           <a:extLst>
             <a:ext uri="{C572A759-6A51-4108-AA02-DFA0A04FC94B}">
-              <ma14:wrappingTextBoxFlag xmlns:ma14="http://schemas.microsoft.com/office/mac/drawingml/2011/main" xmlns:a14="http://schemas.microsoft.com/office/drawing/2010/main" xmlns:m="http://schemas.openxmlformats.org/officeDocument/2006/math" xmlns="" val="1"/>
+              <ma14:wrappingTextBoxFlag xmlns="" xmlns:m="http://schemas.openxmlformats.org/officeDocument/2006/math" xmlns:a14="http://schemas.microsoft.com/office/drawing/2010/main" xmlns:ma14="http://schemas.microsoft.com/office/mac/drawingml/2011/main" val="1"/>
             </a:ext>
           </a:extLst>
         </p:spPr>
@@ -6513,7 +6513,7 @@
         </p:nvSpPr>
         <p:spPr>
           <a:xfrm>
-            <a:off x="11554805" y="4608983"/>
+            <a:off x="11554805" y="4476631"/>
             <a:ext cx="262228" cy="0"/>
           </a:xfrm>
           <a:prstGeom prst="line">
@@ -6567,7 +6567,7 @@
         </p:nvSpPr>
         <p:spPr>
           <a:xfrm>
-            <a:off x="13027126" y="4639938"/>
+            <a:off x="13027126" y="4507586"/>
             <a:ext cx="262228" cy="0"/>
           </a:xfrm>
           <a:prstGeom prst="line">
@@ -6621,7 +6621,7 @@
         </p:nvSpPr>
         <p:spPr>
           <a:xfrm>
-            <a:off x="13363067" y="3603266"/>
+            <a:off x="13363067" y="3470914"/>
             <a:ext cx="1337088" cy="2075738"/>
           </a:xfrm>
           <a:prstGeom prst="roundRect">
@@ -6648,7 +6648,7 @@
           </a:effectLst>
           <a:extLst>
             <a:ext uri="{C572A759-6A51-4108-AA02-DFA0A04FC94B}">
-              <ma14:wrappingTextBoxFlag xmlns:ma14="http://schemas.microsoft.com/office/mac/drawingml/2011/main" xmlns:a14="http://schemas.microsoft.com/office/drawing/2010/main" xmlns:m="http://schemas.openxmlformats.org/officeDocument/2006/math" xmlns="" val="1"/>
+              <ma14:wrappingTextBoxFlag xmlns="" xmlns:m="http://schemas.openxmlformats.org/officeDocument/2006/math" xmlns:a14="http://schemas.microsoft.com/office/drawing/2010/main" xmlns:ma14="http://schemas.microsoft.com/office/mac/drawingml/2011/main" val="1"/>
             </a:ext>
           </a:extLst>
         </p:spPr>
@@ -6677,7 +6677,7 @@
         </p:nvSpPr>
         <p:spPr>
           <a:xfrm>
-            <a:off x="13430329" y="4974766"/>
+            <a:off x="13430329" y="4842414"/>
             <a:ext cx="1219802" cy="617104"/>
           </a:xfrm>
           <a:prstGeom prst="roundRect">
@@ -6701,7 +6701,7 @@
           </a:effectLst>
           <a:extLst>
             <a:ext uri="{C572A759-6A51-4108-AA02-DFA0A04FC94B}">
-              <ma14:wrappingTextBoxFlag xmlns:ma14="http://schemas.microsoft.com/office/mac/drawingml/2011/main" xmlns:a14="http://schemas.microsoft.com/office/drawing/2010/main" xmlns:m="http://schemas.openxmlformats.org/officeDocument/2006/math" xmlns="" val="1"/>
+              <ma14:wrappingTextBoxFlag xmlns="" xmlns:m="http://schemas.openxmlformats.org/officeDocument/2006/math" xmlns:a14="http://schemas.microsoft.com/office/drawing/2010/main" xmlns:ma14="http://schemas.microsoft.com/office/mac/drawingml/2011/main" val="1"/>
             </a:ext>
           </a:extLst>
         </p:spPr>
@@ -6741,7 +6741,7 @@
         </p:nvSpPr>
         <p:spPr>
           <a:xfrm>
-            <a:off x="13421645" y="3964003"/>
+            <a:off x="13421645" y="3831651"/>
             <a:ext cx="1219802" cy="617822"/>
           </a:xfrm>
           <a:prstGeom prst="roundRect">
@@ -6765,7 +6765,7 @@
           </a:effectLst>
           <a:extLst>
             <a:ext uri="{C572A759-6A51-4108-AA02-DFA0A04FC94B}">
-              <ma14:wrappingTextBoxFlag xmlns:ma14="http://schemas.microsoft.com/office/mac/drawingml/2011/main" xmlns:a14="http://schemas.microsoft.com/office/drawing/2010/main" xmlns:m="http://schemas.openxmlformats.org/officeDocument/2006/math" xmlns="" val="1"/>
+              <ma14:wrappingTextBoxFlag xmlns="" xmlns:m="http://schemas.openxmlformats.org/officeDocument/2006/math" xmlns:a14="http://schemas.microsoft.com/office/drawing/2010/main" xmlns:ma14="http://schemas.microsoft.com/office/mac/drawingml/2011/main" val="1"/>
             </a:ext>
           </a:extLst>
         </p:spPr>
@@ -6805,7 +6805,7 @@
         </p:nvSpPr>
         <p:spPr>
           <a:xfrm>
-            <a:off x="14783661" y="4617941"/>
+            <a:off x="14783661" y="4485589"/>
             <a:ext cx="262228" cy="0"/>
           </a:xfrm>
           <a:prstGeom prst="line">
@@ -6859,7 +6859,7 @@
         </p:nvSpPr>
         <p:spPr>
           <a:xfrm>
-            <a:off x="15111244" y="3586916"/>
+            <a:off x="15111244" y="3454564"/>
             <a:ext cx="1329522" cy="2075738"/>
           </a:xfrm>
           <a:prstGeom prst="roundRect">
@@ -6886,7 +6886,7 @@
           </a:effectLst>
           <a:extLst>
             <a:ext uri="{C572A759-6A51-4108-AA02-DFA0A04FC94B}">
-              <ma14:wrappingTextBoxFlag xmlns:ma14="http://schemas.microsoft.com/office/mac/drawingml/2011/main" xmlns:a14="http://schemas.microsoft.com/office/drawing/2010/main" xmlns:m="http://schemas.openxmlformats.org/officeDocument/2006/math" xmlns="" val="1"/>
+              <ma14:wrappingTextBoxFlag xmlns="" xmlns:m="http://schemas.openxmlformats.org/officeDocument/2006/math" xmlns:a14="http://schemas.microsoft.com/office/drawing/2010/main" xmlns:ma14="http://schemas.microsoft.com/office/mac/drawingml/2011/main" val="1"/>
             </a:ext>
           </a:extLst>
         </p:spPr>
@@ -6923,7 +6923,7 @@
         </p:nvSpPr>
         <p:spPr>
           <a:xfrm>
-            <a:off x="15214829" y="3903157"/>
+            <a:off x="15214829" y="3770805"/>
             <a:ext cx="1123384" cy="238458"/>
           </a:xfrm>
           <a:prstGeom prst="roundRect">
@@ -6945,7 +6945,7 @@
           </a:effectLst>
           <a:extLst>
             <a:ext uri="{C572A759-6A51-4108-AA02-DFA0A04FC94B}">
-              <ma14:wrappingTextBoxFlag xmlns:ma14="http://schemas.microsoft.com/office/mac/drawingml/2011/main" xmlns:a14="http://schemas.microsoft.com/office/drawing/2010/main" xmlns:m="http://schemas.openxmlformats.org/officeDocument/2006/math" xmlns="" val="1"/>
+              <ma14:wrappingTextBoxFlag xmlns="" xmlns:m="http://schemas.openxmlformats.org/officeDocument/2006/math" xmlns:a14="http://schemas.microsoft.com/office/drawing/2010/main" xmlns:ma14="http://schemas.microsoft.com/office/mac/drawingml/2011/main" val="1"/>
             </a:ext>
           </a:extLst>
         </p:spPr>
@@ -6988,7 +6988,7 @@
         </p:nvSpPr>
         <p:spPr>
           <a:xfrm>
-            <a:off x="15215717" y="4394826"/>
+            <a:off x="15215717" y="4262474"/>
             <a:ext cx="1123384" cy="238460"/>
           </a:xfrm>
           <a:prstGeom prst="roundRect">
@@ -7010,7 +7010,7 @@
           </a:effectLst>
           <a:extLst>
             <a:ext uri="{C572A759-6A51-4108-AA02-DFA0A04FC94B}">
-              <ma14:wrappingTextBoxFlag xmlns:ma14="http://schemas.microsoft.com/office/mac/drawingml/2011/main" xmlns:a14="http://schemas.microsoft.com/office/drawing/2010/main" xmlns:m="http://schemas.openxmlformats.org/officeDocument/2006/math" xmlns="" val="1"/>
+              <ma14:wrappingTextBoxFlag xmlns="" xmlns:m="http://schemas.openxmlformats.org/officeDocument/2006/math" xmlns:a14="http://schemas.microsoft.com/office/drawing/2010/main" xmlns:ma14="http://schemas.microsoft.com/office/mac/drawingml/2011/main" val="1"/>
             </a:ext>
           </a:extLst>
         </p:spPr>
@@ -7053,7 +7053,7 @@
         </p:nvSpPr>
         <p:spPr>
           <a:xfrm>
-            <a:off x="15216605" y="4886496"/>
+            <a:off x="15216605" y="4754144"/>
             <a:ext cx="1123384" cy="238460"/>
           </a:xfrm>
           <a:prstGeom prst="roundRect">
@@ -7075,7 +7075,7 @@
           </a:effectLst>
           <a:extLst>
             <a:ext uri="{C572A759-6A51-4108-AA02-DFA0A04FC94B}">
-              <ma14:wrappingTextBoxFlag xmlns:ma14="http://schemas.microsoft.com/office/mac/drawingml/2011/main" xmlns:a14="http://schemas.microsoft.com/office/drawing/2010/main" xmlns:m="http://schemas.openxmlformats.org/officeDocument/2006/math" xmlns="" val="1"/>
+              <ma14:wrappingTextBoxFlag xmlns="" xmlns:m="http://schemas.openxmlformats.org/officeDocument/2006/math" xmlns:a14="http://schemas.microsoft.com/office/drawing/2010/main" xmlns:ma14="http://schemas.microsoft.com/office/mac/drawingml/2011/main" val="1"/>
             </a:ext>
           </a:extLst>
         </p:spPr>
@@ -7118,7 +7118,7 @@
         </p:nvSpPr>
         <p:spPr>
           <a:xfrm>
-            <a:off x="15217493" y="5378166"/>
+            <a:off x="15217493" y="5245814"/>
             <a:ext cx="1123384" cy="238460"/>
           </a:xfrm>
           <a:prstGeom prst="roundRect">
@@ -7140,7 +7140,7 @@
           </a:effectLst>
           <a:extLst>
             <a:ext uri="{C572A759-6A51-4108-AA02-DFA0A04FC94B}">
-              <ma14:wrappingTextBoxFlag xmlns:ma14="http://schemas.microsoft.com/office/mac/drawingml/2011/main" xmlns:a14="http://schemas.microsoft.com/office/drawing/2010/main" xmlns:m="http://schemas.openxmlformats.org/officeDocument/2006/math" xmlns="" val="1"/>
+              <ma14:wrappingTextBoxFlag xmlns="" xmlns:m="http://schemas.openxmlformats.org/officeDocument/2006/math" xmlns:a14="http://schemas.microsoft.com/office/drawing/2010/main" xmlns:ma14="http://schemas.microsoft.com/office/mac/drawingml/2011/main" val="1"/>
             </a:ext>
           </a:extLst>
         </p:spPr>
@@ -7183,7 +7183,7 @@
         </p:nvSpPr>
         <p:spPr>
           <a:xfrm>
-            <a:off x="5202590" y="8910005"/>
+            <a:off x="5563540" y="8910005"/>
             <a:ext cx="2279791" cy="461665"/>
           </a:xfrm>
           <a:prstGeom prst="rect">
@@ -7230,8 +7230,8 @@
         </p:nvSpPr>
         <p:spPr>
           <a:xfrm flipV="1">
-            <a:off x="11479246" y="7044861"/>
-            <a:ext cx="390717" cy="571203"/>
+            <a:off x="11479247" y="6928111"/>
+            <a:ext cx="800718" cy="763198"/>
           </a:xfrm>
           <a:prstGeom prst="line">
             <a:avLst/>
@@ -7284,8 +7284,8 @@
         </p:nvSpPr>
         <p:spPr>
           <a:xfrm flipH="1" flipV="1">
-            <a:off x="10326511" y="2046236"/>
-            <a:ext cx="1413642" cy="927727"/>
+            <a:off x="10366955" y="1999531"/>
+            <a:ext cx="2044730" cy="791036"/>
           </a:xfrm>
           <a:prstGeom prst="line">
             <a:avLst/>
@@ -7338,8 +7338,8 @@
         </p:nvSpPr>
         <p:spPr>
           <a:xfrm flipV="1">
-            <a:off x="4707322" y="2025305"/>
-            <a:ext cx="1413642" cy="927727"/>
+            <a:off x="4888254" y="2015508"/>
+            <a:ext cx="1161764" cy="852831"/>
           </a:xfrm>
           <a:prstGeom prst="line">
             <a:avLst/>
@@ -7392,8 +7392,8 @@
         </p:nvSpPr>
         <p:spPr>
           <a:xfrm flipV="1">
-            <a:off x="5332851" y="2019792"/>
-            <a:ext cx="1413642" cy="927727"/>
+            <a:off x="5405311" y="1985209"/>
+            <a:ext cx="1336600" cy="890813"/>
           </a:xfrm>
           <a:prstGeom prst="line">
             <a:avLst/>
@@ -7489,7 +7489,7 @@
         </p:nvSpPr>
         <p:spPr>
           <a:xfrm>
-            <a:off x="12107771" y="3000823"/>
+            <a:off x="12107771" y="2868471"/>
             <a:ext cx="2289252" cy="417378"/>
           </a:xfrm>
           <a:prstGeom prst="roundRect">
@@ -7511,7 +7511,7 @@
           </a:effectLst>
           <a:extLst>
             <a:ext uri="{C572A759-6A51-4108-AA02-DFA0A04FC94B}">
-              <ma14:wrappingTextBoxFlag xmlns:ma14="http://schemas.microsoft.com/office/mac/drawingml/2011/main" xmlns:a14="http://schemas.microsoft.com/office/drawing/2010/main" xmlns:m="http://schemas.openxmlformats.org/officeDocument/2006/math" xmlns="" val="1"/>
+              <ma14:wrappingTextBoxFlag xmlns="" xmlns:m="http://schemas.openxmlformats.org/officeDocument/2006/math" xmlns:a14="http://schemas.microsoft.com/office/drawing/2010/main" xmlns:ma14="http://schemas.microsoft.com/office/mac/drawingml/2011/main" val="1"/>
             </a:ext>
           </a:extLst>
         </p:spPr>
@@ -7557,7 +7557,7 @@
         </p:nvSpPr>
         <p:spPr>
           <a:xfrm>
-            <a:off x="8414866" y="5180000"/>
+            <a:off x="8414866" y="5047648"/>
             <a:ext cx="1542020" cy="8672"/>
           </a:xfrm>
           <a:prstGeom prst="line">
@@ -7617,7 +7617,7 @@
         </p:nvSpPr>
         <p:spPr>
           <a:xfrm flipH="1">
-            <a:off x="8388759" y="5526586"/>
+            <a:off x="8388759" y="5394234"/>
             <a:ext cx="1520064" cy="0"/>
           </a:xfrm>
           <a:prstGeom prst="line">
@@ -7677,7 +7677,7 @@
         </p:nvSpPr>
         <p:spPr>
           <a:xfrm>
-            <a:off x="8790603" y="5120298"/>
+            <a:off x="8790603" y="4987946"/>
             <a:ext cx="719580" cy="421818"/>
           </a:xfrm>
           <a:prstGeom prst="rect">
@@ -7688,7 +7688,7 @@
           </a:ln>
           <a:extLst>
             <a:ext uri="{C572A759-6A51-4108-AA02-DFA0A04FC94B}">
-              <ma14:wrappingTextBoxFlag xmlns:ma14="http://schemas.microsoft.com/office/mac/drawingml/2011/main" xmlns:a14="http://schemas.microsoft.com/office/drawing/2010/main" xmlns:m="http://schemas.openxmlformats.org/officeDocument/2006/math" xmlns="" val="1"/>
+              <ma14:wrappingTextBoxFlag xmlns="" xmlns:m="http://schemas.openxmlformats.org/officeDocument/2006/math" xmlns:a14="http://schemas.microsoft.com/office/drawing/2010/main" xmlns:ma14="http://schemas.microsoft.com/office/mac/drawingml/2011/main" val="1"/>
             </a:ext>
           </a:extLst>
         </p:spPr>
@@ -7739,7 +7739,7 @@
         </p:nvSpPr>
         <p:spPr>
           <a:xfrm>
-            <a:off x="2446595" y="6459274"/>
+            <a:off x="2446595" y="6326922"/>
             <a:ext cx="4165666" cy="417378"/>
           </a:xfrm>
           <a:prstGeom prst="roundRect">
@@ -7763,7 +7763,7 @@
           </a:effectLst>
           <a:extLst>
             <a:ext uri="{C572A759-6A51-4108-AA02-DFA0A04FC94B}">
-              <ma14:wrappingTextBoxFlag xmlns:ma14="http://schemas.microsoft.com/office/mac/drawingml/2011/main" xmlns:a14="http://schemas.microsoft.com/office/drawing/2010/main" xmlns:m="http://schemas.openxmlformats.org/officeDocument/2006/math" xmlns="" val="1"/>
+              <ma14:wrappingTextBoxFlag xmlns="" xmlns:m="http://schemas.openxmlformats.org/officeDocument/2006/math" xmlns:a14="http://schemas.microsoft.com/office/drawing/2010/main" xmlns:ma14="http://schemas.microsoft.com/office/mac/drawingml/2011/main" val="1"/>
             </a:ext>
           </a:extLst>
         </p:spPr>
@@ -7813,7 +7813,7 @@
         </p:nvSpPr>
         <p:spPr>
           <a:xfrm>
-            <a:off x="11230132" y="6441219"/>
+            <a:off x="11230132" y="6308867"/>
             <a:ext cx="4165666" cy="417378"/>
           </a:xfrm>
           <a:prstGeom prst="roundRect">
@@ -7837,7 +7837,7 @@
           </a:effectLst>
           <a:extLst>
             <a:ext uri="{C572A759-6A51-4108-AA02-DFA0A04FC94B}">
-              <ma14:wrappingTextBoxFlag xmlns:ma14="http://schemas.microsoft.com/office/mac/drawingml/2011/main" xmlns:a14="http://schemas.microsoft.com/office/drawing/2010/main" xmlns:m="http://schemas.openxmlformats.org/officeDocument/2006/math" xmlns="" val="1"/>
+              <ma14:wrappingTextBoxFlag xmlns="" xmlns:m="http://schemas.openxmlformats.org/officeDocument/2006/math" xmlns:a14="http://schemas.microsoft.com/office/drawing/2010/main" xmlns:ma14="http://schemas.microsoft.com/office/mac/drawingml/2011/main" val="1"/>
             </a:ext>
           </a:extLst>
         </p:spPr>
@@ -7887,7 +7887,7 @@
         </p:nvSpPr>
         <p:spPr>
           <a:xfrm>
-            <a:off x="6675599" y="6667963"/>
+            <a:off x="6675599" y="6535611"/>
             <a:ext cx="4554534" cy="0"/>
           </a:xfrm>
           <a:prstGeom prst="line">
@@ -7948,7 +7948,7 @@
         </p:nvSpPr>
         <p:spPr>
           <a:xfrm>
-            <a:off x="8438910" y="6259768"/>
+            <a:off x="8438910" y="6127416"/>
             <a:ext cx="1327599" cy="421818"/>
           </a:xfrm>
           <a:prstGeom prst="rect">
@@ -7959,7 +7959,7 @@
           </a:ln>
           <a:extLst>
             <a:ext uri="{C572A759-6A51-4108-AA02-DFA0A04FC94B}">
-              <ma14:wrappingTextBoxFlag xmlns:ma14="http://schemas.microsoft.com/office/mac/drawingml/2011/main" xmlns:a14="http://schemas.microsoft.com/office/drawing/2010/main" xmlns:m="http://schemas.openxmlformats.org/officeDocument/2006/math" xmlns="" val="1"/>
+              <ma14:wrappingTextBoxFlag xmlns="" xmlns:m="http://schemas.openxmlformats.org/officeDocument/2006/math" xmlns:a14="http://schemas.microsoft.com/office/drawing/2010/main" xmlns:ma14="http://schemas.microsoft.com/office/mac/drawingml/2011/main" val="1"/>
             </a:ext>
           </a:extLst>
         </p:spPr>
@@ -8034,7 +8034,7 @@
           </a:effectLst>
           <a:extLst>
             <a:ext uri="{C572A759-6A51-4108-AA02-DFA0A04FC94B}">
-              <ma14:wrappingTextBoxFlag xmlns:ma14="http://schemas.microsoft.com/office/mac/drawingml/2011/main" xmlns:a14="http://schemas.microsoft.com/office/drawing/2010/main" xmlns:m="http://schemas.openxmlformats.org/officeDocument/2006/math" xmlns="" val="1"/>
+              <ma14:wrappingTextBoxFlag xmlns="" xmlns:m="http://schemas.openxmlformats.org/officeDocument/2006/math" xmlns:a14="http://schemas.microsoft.com/office/drawing/2010/main" xmlns:ma14="http://schemas.microsoft.com/office/mac/drawingml/2011/main" val="1"/>
             </a:ext>
           </a:extLst>
         </p:spPr>
@@ -8094,7 +8094,7 @@
           </a:effectLst>
           <a:extLst>
             <a:ext uri="{C572A759-6A51-4108-AA02-DFA0A04FC94B}">
-              <ma14:wrappingTextBoxFlag xmlns:ma14="http://schemas.microsoft.com/office/mac/drawingml/2011/main" xmlns:a14="http://schemas.microsoft.com/office/drawing/2010/main" xmlns:m="http://schemas.openxmlformats.org/officeDocument/2006/math" xmlns="" val="1"/>
+              <ma14:wrappingTextBoxFlag xmlns="" xmlns:m="http://schemas.openxmlformats.org/officeDocument/2006/math" xmlns:a14="http://schemas.microsoft.com/office/drawing/2010/main" xmlns:ma14="http://schemas.microsoft.com/office/mac/drawingml/2011/main" val="1"/>
             </a:ext>
           </a:extLst>
         </p:spPr>
@@ -8168,7 +8168,7 @@
           </a:effectLst>
           <a:extLst>
             <a:ext uri="{C572A759-6A51-4108-AA02-DFA0A04FC94B}">
-              <ma14:wrappingTextBoxFlag xmlns:ma14="http://schemas.microsoft.com/office/mac/drawingml/2011/main" xmlns:a14="http://schemas.microsoft.com/office/drawing/2010/main" xmlns:m="http://schemas.openxmlformats.org/officeDocument/2006/math" xmlns="" val="1"/>
+              <ma14:wrappingTextBoxFlag xmlns="" xmlns:m="http://schemas.openxmlformats.org/officeDocument/2006/math" xmlns:a14="http://schemas.microsoft.com/office/drawing/2010/main" xmlns:ma14="http://schemas.microsoft.com/office/mac/drawingml/2011/main" val="1"/>
             </a:ext>
           </a:extLst>
         </p:spPr>
@@ -8260,7 +8260,7 @@
         </p:nvSpPr>
         <p:spPr>
           <a:xfrm>
-            <a:off x="7461898" y="8188523"/>
+            <a:off x="7377674" y="8188523"/>
             <a:ext cx="1270001" cy="574046"/>
           </a:xfrm>
           <a:prstGeom prst="roundRect">
@@ -8284,7 +8284,7 @@
           </a:effectLst>
           <a:extLst>
             <a:ext uri="{C572A759-6A51-4108-AA02-DFA0A04FC94B}">
-              <ma14:wrappingTextBoxFlag xmlns:ma14="http://schemas.microsoft.com/office/mac/drawingml/2011/main" xmlns:a14="http://schemas.microsoft.com/office/drawing/2010/main" xmlns:m="http://schemas.openxmlformats.org/officeDocument/2006/math" xmlns="" val="1"/>
+              <ma14:wrappingTextBoxFlag xmlns="" xmlns:m="http://schemas.openxmlformats.org/officeDocument/2006/math" xmlns:a14="http://schemas.microsoft.com/office/drawing/2010/main" xmlns:ma14="http://schemas.microsoft.com/office/mac/drawingml/2011/main" val="1"/>
             </a:ext>
           </a:extLst>
         </p:spPr>
@@ -8429,7 +8429,7 @@
           </a:effectLst>
           <a:extLst>
             <a:ext uri="{C572A759-6A51-4108-AA02-DFA0A04FC94B}">
-              <ma14:wrappingTextBoxFlag xmlns:ma14="http://schemas.microsoft.com/office/mac/drawingml/2011/main" xmlns:a14="http://schemas.microsoft.com/office/drawing/2010/main" xmlns:m="http://schemas.openxmlformats.org/officeDocument/2006/math" xmlns="" val="1"/>
+              <ma14:wrappingTextBoxFlag xmlns="" xmlns:m="http://schemas.openxmlformats.org/officeDocument/2006/math" xmlns:a14="http://schemas.microsoft.com/office/drawing/2010/main" xmlns:ma14="http://schemas.microsoft.com/office/mac/drawingml/2011/main" val="1"/>
             </a:ext>
           </a:extLst>
         </p:spPr>
@@ -8499,7 +8499,7 @@
           </a:effectLst>
           <a:extLst>
             <a:ext uri="{C572A759-6A51-4108-AA02-DFA0A04FC94B}">
-              <ma14:wrappingTextBoxFlag xmlns:ma14="http://schemas.microsoft.com/office/mac/drawingml/2011/main" xmlns:a14="http://schemas.microsoft.com/office/drawing/2010/main" xmlns:m="http://schemas.openxmlformats.org/officeDocument/2006/math" xmlns="" val="1"/>
+              <ma14:wrappingTextBoxFlag xmlns="" xmlns:m="http://schemas.openxmlformats.org/officeDocument/2006/math" xmlns:a14="http://schemas.microsoft.com/office/drawing/2010/main" xmlns:ma14="http://schemas.microsoft.com/office/mac/drawingml/2011/main" val="1"/>
             </a:ext>
           </a:extLst>
         </p:spPr>
@@ -8552,7 +8552,7 @@
           </a:effectLst>
           <a:extLst>
             <a:ext uri="{C572A759-6A51-4108-AA02-DFA0A04FC94B}">
-              <ma14:wrappingTextBoxFlag xmlns:ma14="http://schemas.microsoft.com/office/mac/drawingml/2011/main" xmlns:a14="http://schemas.microsoft.com/office/drawing/2010/main" xmlns:m="http://schemas.openxmlformats.org/officeDocument/2006/math" xmlns="" val="1"/>
+              <ma14:wrappingTextBoxFlag xmlns="" xmlns:m="http://schemas.openxmlformats.org/officeDocument/2006/math" xmlns:a14="http://schemas.microsoft.com/office/drawing/2010/main" xmlns:ma14="http://schemas.microsoft.com/office/mac/drawingml/2011/main" val="1"/>
             </a:ext>
           </a:extLst>
         </p:spPr>
@@ -8608,7 +8608,7 @@
           </a:effectLst>
           <a:extLst>
             <a:ext uri="{C572A759-6A51-4108-AA02-DFA0A04FC94B}">
-              <ma14:wrappingTextBoxFlag xmlns:ma14="http://schemas.microsoft.com/office/mac/drawingml/2011/main" xmlns:a14="http://schemas.microsoft.com/office/drawing/2010/main" xmlns:m="http://schemas.openxmlformats.org/officeDocument/2006/math" xmlns="" val="1"/>
+              <ma14:wrappingTextBoxFlag xmlns="" xmlns:m="http://schemas.openxmlformats.org/officeDocument/2006/math" xmlns:a14="http://schemas.microsoft.com/office/drawing/2010/main" xmlns:ma14="http://schemas.microsoft.com/office/mac/drawingml/2011/main" val="1"/>
             </a:ext>
           </a:extLst>
         </p:spPr>
@@ -8678,7 +8678,7 @@
           </a:effectLst>
           <a:extLst>
             <a:ext uri="{C572A759-6A51-4108-AA02-DFA0A04FC94B}">
-              <ma14:wrappingTextBoxFlag xmlns:ma14="http://schemas.microsoft.com/office/mac/drawingml/2011/main" xmlns:a14="http://schemas.microsoft.com/office/drawing/2010/main" xmlns:m="http://schemas.openxmlformats.org/officeDocument/2006/math" xmlns="" val="1"/>
+              <ma14:wrappingTextBoxFlag xmlns="" xmlns:m="http://schemas.openxmlformats.org/officeDocument/2006/math" xmlns:a14="http://schemas.microsoft.com/office/drawing/2010/main" xmlns:ma14="http://schemas.microsoft.com/office/mac/drawingml/2011/main" val="1"/>
             </a:ext>
           </a:extLst>
         </p:spPr>
@@ -8731,7 +8731,7 @@
           </a:effectLst>
           <a:extLst>
             <a:ext uri="{C572A759-6A51-4108-AA02-DFA0A04FC94B}">
-              <ma14:wrappingTextBoxFlag xmlns:ma14="http://schemas.microsoft.com/office/mac/drawingml/2011/main" xmlns:a14="http://schemas.microsoft.com/office/drawing/2010/main" xmlns:m="http://schemas.openxmlformats.org/officeDocument/2006/math" xmlns="" val="1"/>
+              <ma14:wrappingTextBoxFlag xmlns="" xmlns:m="http://schemas.openxmlformats.org/officeDocument/2006/math" xmlns:a14="http://schemas.microsoft.com/office/drawing/2010/main" xmlns:ma14="http://schemas.microsoft.com/office/mac/drawingml/2011/main" val="1"/>
             </a:ext>
           </a:extLst>
         </p:spPr>
@@ -8798,7 +8798,7 @@
           </a:effectLst>
           <a:extLst>
             <a:ext uri="{C572A759-6A51-4108-AA02-DFA0A04FC94B}">
-              <ma14:wrappingTextBoxFlag xmlns:ma14="http://schemas.microsoft.com/office/mac/drawingml/2011/main" xmlns:a14="http://schemas.microsoft.com/office/drawing/2010/main" xmlns:m="http://schemas.openxmlformats.org/officeDocument/2006/math" xmlns="" val="1"/>
+              <ma14:wrappingTextBoxFlag xmlns="" xmlns:m="http://schemas.openxmlformats.org/officeDocument/2006/math" xmlns:a14="http://schemas.microsoft.com/office/drawing/2010/main" xmlns:ma14="http://schemas.microsoft.com/office/mac/drawingml/2011/main" val="1"/>
             </a:ext>
           </a:extLst>
         </p:spPr>
@@ -8863,7 +8863,7 @@
           </a:effectLst>
           <a:extLst>
             <a:ext uri="{C572A759-6A51-4108-AA02-DFA0A04FC94B}">
-              <ma14:wrappingTextBoxFlag xmlns:ma14="http://schemas.microsoft.com/office/mac/drawingml/2011/main" xmlns:a14="http://schemas.microsoft.com/office/drawing/2010/main" xmlns:m="http://schemas.openxmlformats.org/officeDocument/2006/math" xmlns="" val="1"/>
+              <ma14:wrappingTextBoxFlag xmlns="" xmlns:m="http://schemas.openxmlformats.org/officeDocument/2006/math" xmlns:a14="http://schemas.microsoft.com/office/drawing/2010/main" xmlns:ma14="http://schemas.microsoft.com/office/mac/drawingml/2011/main" val="1"/>
             </a:ext>
           </a:extLst>
         </p:spPr>
@@ -8922,7 +8922,7 @@
           </a:effectLst>
           <a:extLst>
             <a:ext uri="{C572A759-6A51-4108-AA02-DFA0A04FC94B}">
-              <ma14:wrappingTextBoxFlag xmlns:ma14="http://schemas.microsoft.com/office/mac/drawingml/2011/main" xmlns:a14="http://schemas.microsoft.com/office/drawing/2010/main" xmlns:m="http://schemas.openxmlformats.org/officeDocument/2006/math" xmlns="" val="1"/>
+              <ma14:wrappingTextBoxFlag xmlns="" xmlns:m="http://schemas.openxmlformats.org/officeDocument/2006/math" xmlns:a14="http://schemas.microsoft.com/office/drawing/2010/main" xmlns:ma14="http://schemas.microsoft.com/office/mac/drawingml/2011/main" val="1"/>
             </a:ext>
           </a:extLst>
         </p:spPr>
@@ -8973,7 +8973,7 @@
           </a:effectLst>
           <a:extLst>
             <a:ext uri="{C572A759-6A51-4108-AA02-DFA0A04FC94B}">
-              <ma14:wrappingTextBoxFlag xmlns:ma14="http://schemas.microsoft.com/office/mac/drawingml/2011/main" xmlns:a14="http://schemas.microsoft.com/office/drawing/2010/main" xmlns:m="http://schemas.openxmlformats.org/officeDocument/2006/math" xmlns="" val="1"/>
+              <ma14:wrappingTextBoxFlag xmlns="" xmlns:m="http://schemas.openxmlformats.org/officeDocument/2006/math" xmlns:a14="http://schemas.microsoft.com/office/drawing/2010/main" xmlns:ma14="http://schemas.microsoft.com/office/mac/drawingml/2011/main" val="1"/>
             </a:ext>
           </a:extLst>
         </p:spPr>
@@ -9029,7 +9029,7 @@
           </a:effectLst>
           <a:extLst>
             <a:ext uri="{C572A759-6A51-4108-AA02-DFA0A04FC94B}">
-              <ma14:wrappingTextBoxFlag xmlns:ma14="http://schemas.microsoft.com/office/mac/drawingml/2011/main" xmlns:a14="http://schemas.microsoft.com/office/drawing/2010/main" xmlns:m="http://schemas.openxmlformats.org/officeDocument/2006/math" xmlns="" val="1"/>
+              <ma14:wrappingTextBoxFlag xmlns="" xmlns:m="http://schemas.openxmlformats.org/officeDocument/2006/math" xmlns:a14="http://schemas.microsoft.com/office/drawing/2010/main" xmlns:ma14="http://schemas.microsoft.com/office/mac/drawingml/2011/main" val="1"/>
             </a:ext>
           </a:extLst>
         </p:spPr>
@@ -9098,7 +9098,7 @@
           </a:effectLst>
           <a:extLst>
             <a:ext uri="{C572A759-6A51-4108-AA02-DFA0A04FC94B}">
-              <ma14:wrappingTextBoxFlag xmlns:ma14="http://schemas.microsoft.com/office/mac/drawingml/2011/main" xmlns:a14="http://schemas.microsoft.com/office/drawing/2010/main" xmlns:m="http://schemas.openxmlformats.org/officeDocument/2006/math" xmlns="" val="1"/>
+              <ma14:wrappingTextBoxFlag xmlns="" xmlns:m="http://schemas.openxmlformats.org/officeDocument/2006/math" xmlns:a14="http://schemas.microsoft.com/office/drawing/2010/main" xmlns:ma14="http://schemas.microsoft.com/office/mac/drawingml/2011/main" val="1"/>
             </a:ext>
           </a:extLst>
         </p:spPr>
@@ -9165,7 +9165,7 @@
           </a:effectLst>
           <a:extLst>
             <a:ext uri="{C572A759-6A51-4108-AA02-DFA0A04FC94B}">
-              <ma14:wrappingTextBoxFlag xmlns:ma14="http://schemas.microsoft.com/office/mac/drawingml/2011/main" xmlns:a14="http://schemas.microsoft.com/office/drawing/2010/main" xmlns:m="http://schemas.openxmlformats.org/officeDocument/2006/math" xmlns="" val="1"/>
+              <ma14:wrappingTextBoxFlag xmlns="" xmlns:m="http://schemas.openxmlformats.org/officeDocument/2006/math" xmlns:a14="http://schemas.microsoft.com/office/drawing/2010/main" xmlns:ma14="http://schemas.microsoft.com/office/mac/drawingml/2011/main" val="1"/>
             </a:ext>
           </a:extLst>
         </p:spPr>
@@ -9219,7 +9219,7 @@
           </a:effectLst>
           <a:extLst>
             <a:ext uri="{C572A759-6A51-4108-AA02-DFA0A04FC94B}">
-              <ma14:wrappingTextBoxFlag xmlns:ma14="http://schemas.microsoft.com/office/mac/drawingml/2011/main" xmlns:a14="http://schemas.microsoft.com/office/drawing/2010/main" xmlns:m="http://schemas.openxmlformats.org/officeDocument/2006/math" xmlns="" val="1"/>
+              <ma14:wrappingTextBoxFlag xmlns="" xmlns:m="http://schemas.openxmlformats.org/officeDocument/2006/math" xmlns:a14="http://schemas.microsoft.com/office/drawing/2010/main" xmlns:ma14="http://schemas.microsoft.com/office/mac/drawingml/2011/main" val="1"/>
             </a:ext>
           </a:extLst>
         </p:spPr>
@@ -9281,7 +9281,7 @@
           </a:effectLst>
           <a:extLst>
             <a:ext uri="{C572A759-6A51-4108-AA02-DFA0A04FC94B}">
-              <ma14:wrappingTextBoxFlag xmlns:ma14="http://schemas.microsoft.com/office/mac/drawingml/2011/main" xmlns:a14="http://schemas.microsoft.com/office/drawing/2010/main" xmlns:m="http://schemas.openxmlformats.org/officeDocument/2006/math" xmlns="" val="1"/>
+              <ma14:wrappingTextBoxFlag xmlns="" xmlns:m="http://schemas.openxmlformats.org/officeDocument/2006/math" xmlns:a14="http://schemas.microsoft.com/office/drawing/2010/main" xmlns:ma14="http://schemas.microsoft.com/office/mac/drawingml/2011/main" val="1"/>
             </a:ext>
           </a:extLst>
         </p:spPr>
@@ -9335,7 +9335,7 @@
           </a:effectLst>
           <a:extLst>
             <a:ext uri="{C572A759-6A51-4108-AA02-DFA0A04FC94B}">
-              <ma14:wrappingTextBoxFlag xmlns:ma14="http://schemas.microsoft.com/office/mac/drawingml/2011/main" xmlns:a14="http://schemas.microsoft.com/office/drawing/2010/main" xmlns:m="http://schemas.openxmlformats.org/officeDocument/2006/math" xmlns="" val="1"/>
+              <ma14:wrappingTextBoxFlag xmlns="" xmlns:m="http://schemas.openxmlformats.org/officeDocument/2006/math" xmlns:a14="http://schemas.microsoft.com/office/drawing/2010/main" xmlns:ma14="http://schemas.microsoft.com/office/mac/drawingml/2011/main" val="1"/>
             </a:ext>
           </a:extLst>
         </p:spPr>
@@ -9389,7 +9389,7 @@
           </a:effectLst>
           <a:extLst>
             <a:ext uri="{C572A759-6A51-4108-AA02-DFA0A04FC94B}">
-              <ma14:wrappingTextBoxFlag xmlns:ma14="http://schemas.microsoft.com/office/mac/drawingml/2011/main" xmlns:a14="http://schemas.microsoft.com/office/drawing/2010/main" xmlns:m="http://schemas.openxmlformats.org/officeDocument/2006/math" xmlns="" val="1"/>
+              <ma14:wrappingTextBoxFlag xmlns="" xmlns:m="http://schemas.openxmlformats.org/officeDocument/2006/math" xmlns:a14="http://schemas.microsoft.com/office/drawing/2010/main" xmlns:ma14="http://schemas.microsoft.com/office/mac/drawingml/2011/main" val="1"/>
             </a:ext>
           </a:extLst>
         </p:spPr>
@@ -9453,7 +9453,7 @@
           </a:effectLst>
           <a:extLst>
             <a:ext uri="{C572A759-6A51-4108-AA02-DFA0A04FC94B}">
-              <ma14:wrappingTextBoxFlag xmlns:ma14="http://schemas.microsoft.com/office/mac/drawingml/2011/main" xmlns:a14="http://schemas.microsoft.com/office/drawing/2010/main" xmlns:m="http://schemas.openxmlformats.org/officeDocument/2006/math" xmlns="" val="1"/>
+              <ma14:wrappingTextBoxFlag xmlns="" xmlns:m="http://schemas.openxmlformats.org/officeDocument/2006/math" xmlns:a14="http://schemas.microsoft.com/office/drawing/2010/main" xmlns:ma14="http://schemas.microsoft.com/office/mac/drawingml/2011/main" val="1"/>
             </a:ext>
           </a:extLst>
         </p:spPr>
@@ -9629,7 +9629,7 @@
           </a:effectLst>
           <a:extLst>
             <a:ext uri="{C572A759-6A51-4108-AA02-DFA0A04FC94B}">
-              <ma14:wrappingTextBoxFlag xmlns:ma14="http://schemas.microsoft.com/office/mac/drawingml/2011/main" xmlns:a14="http://schemas.microsoft.com/office/drawing/2010/main" xmlns:m="http://schemas.openxmlformats.org/officeDocument/2006/math" xmlns="" val="1"/>
+              <ma14:wrappingTextBoxFlag xmlns="" xmlns:m="http://schemas.openxmlformats.org/officeDocument/2006/math" xmlns:a14="http://schemas.microsoft.com/office/drawing/2010/main" xmlns:ma14="http://schemas.microsoft.com/office/mac/drawingml/2011/main" val="1"/>
             </a:ext>
           </a:extLst>
         </p:spPr>
@@ -9696,7 +9696,7 @@
           </a:effectLst>
           <a:extLst>
             <a:ext uri="{C572A759-6A51-4108-AA02-DFA0A04FC94B}">
-              <ma14:wrappingTextBoxFlag xmlns:ma14="http://schemas.microsoft.com/office/mac/drawingml/2011/main" xmlns:a14="http://schemas.microsoft.com/office/drawing/2010/main" xmlns:m="http://schemas.openxmlformats.org/officeDocument/2006/math" xmlns="" val="1"/>
+              <ma14:wrappingTextBoxFlag xmlns="" xmlns:m="http://schemas.openxmlformats.org/officeDocument/2006/math" xmlns:a14="http://schemas.microsoft.com/office/drawing/2010/main" xmlns:ma14="http://schemas.microsoft.com/office/mac/drawingml/2011/main" val="1"/>
             </a:ext>
           </a:extLst>
         </p:spPr>
@@ -9750,7 +9750,7 @@
           </a:effectLst>
           <a:extLst>
             <a:ext uri="{C572A759-6A51-4108-AA02-DFA0A04FC94B}">
-              <ma14:wrappingTextBoxFlag xmlns:ma14="http://schemas.microsoft.com/office/mac/drawingml/2011/main" xmlns:a14="http://schemas.microsoft.com/office/drawing/2010/main" xmlns:m="http://schemas.openxmlformats.org/officeDocument/2006/math" xmlns="" val="1"/>
+              <ma14:wrappingTextBoxFlag xmlns="" xmlns:m="http://schemas.openxmlformats.org/officeDocument/2006/math" xmlns:a14="http://schemas.microsoft.com/office/drawing/2010/main" xmlns:ma14="http://schemas.microsoft.com/office/mac/drawingml/2011/main" val="1"/>
             </a:ext>
           </a:extLst>
         </p:spPr>
@@ -9817,7 +9817,7 @@
           </a:effectLst>
           <a:extLst>
             <a:ext uri="{C572A759-6A51-4108-AA02-DFA0A04FC94B}">
-              <ma14:wrappingTextBoxFlag xmlns:ma14="http://schemas.microsoft.com/office/mac/drawingml/2011/main" xmlns:a14="http://schemas.microsoft.com/office/drawing/2010/main" xmlns:m="http://schemas.openxmlformats.org/officeDocument/2006/math" xmlns="" val="1"/>
+              <ma14:wrappingTextBoxFlag xmlns="" xmlns:m="http://schemas.openxmlformats.org/officeDocument/2006/math" xmlns:a14="http://schemas.microsoft.com/office/drawing/2010/main" xmlns:ma14="http://schemas.microsoft.com/office/mac/drawingml/2011/main" val="1"/>
             </a:ext>
           </a:extLst>
         </p:spPr>
@@ -9881,7 +9881,7 @@
           </a:effectLst>
           <a:extLst>
             <a:ext uri="{C572A759-6A51-4108-AA02-DFA0A04FC94B}">
-              <ma14:wrappingTextBoxFlag xmlns:ma14="http://schemas.microsoft.com/office/mac/drawingml/2011/main" xmlns:a14="http://schemas.microsoft.com/office/drawing/2010/main" xmlns:m="http://schemas.openxmlformats.org/officeDocument/2006/math" xmlns="" val="1"/>
+              <ma14:wrappingTextBoxFlag xmlns="" xmlns:m="http://schemas.openxmlformats.org/officeDocument/2006/math" xmlns:a14="http://schemas.microsoft.com/office/drawing/2010/main" xmlns:ma14="http://schemas.microsoft.com/office/mac/drawingml/2011/main" val="1"/>
             </a:ext>
           </a:extLst>
         </p:spPr>
@@ -9948,7 +9948,7 @@
           </a:effectLst>
           <a:extLst>
             <a:ext uri="{C572A759-6A51-4108-AA02-DFA0A04FC94B}">
-              <ma14:wrappingTextBoxFlag xmlns:ma14="http://schemas.microsoft.com/office/mac/drawingml/2011/main" xmlns:a14="http://schemas.microsoft.com/office/drawing/2010/main" xmlns:m="http://schemas.openxmlformats.org/officeDocument/2006/math" xmlns="" val="1"/>
+              <ma14:wrappingTextBoxFlag xmlns="" xmlns:m="http://schemas.openxmlformats.org/officeDocument/2006/math" xmlns:a14="http://schemas.microsoft.com/office/drawing/2010/main" xmlns:ma14="http://schemas.microsoft.com/office/mac/drawingml/2011/main" val="1"/>
             </a:ext>
           </a:extLst>
         </p:spPr>
@@ -10016,7 +10016,7 @@
           </a:effectLst>
           <a:extLst>
             <a:ext uri="{C572A759-6A51-4108-AA02-DFA0A04FC94B}">
-              <ma14:wrappingTextBoxFlag xmlns:ma14="http://schemas.microsoft.com/office/mac/drawingml/2011/main" xmlns:a14="http://schemas.microsoft.com/office/drawing/2010/main" xmlns:m="http://schemas.openxmlformats.org/officeDocument/2006/math" xmlns="" val="1"/>
+              <ma14:wrappingTextBoxFlag xmlns="" xmlns:m="http://schemas.openxmlformats.org/officeDocument/2006/math" xmlns:a14="http://schemas.microsoft.com/office/drawing/2010/main" xmlns:ma14="http://schemas.microsoft.com/office/mac/drawingml/2011/main" val="1"/>
             </a:ext>
           </a:extLst>
         </p:spPr>
@@ -10083,7 +10083,7 @@
           </a:effectLst>
           <a:extLst>
             <a:ext uri="{C572A759-6A51-4108-AA02-DFA0A04FC94B}">
-              <ma14:wrappingTextBoxFlag xmlns:ma14="http://schemas.microsoft.com/office/mac/drawingml/2011/main" xmlns:a14="http://schemas.microsoft.com/office/drawing/2010/main" xmlns:m="http://schemas.openxmlformats.org/officeDocument/2006/math" xmlns="" val="1"/>
+              <ma14:wrappingTextBoxFlag xmlns="" xmlns:m="http://schemas.openxmlformats.org/officeDocument/2006/math" xmlns:a14="http://schemas.microsoft.com/office/drawing/2010/main" xmlns:ma14="http://schemas.microsoft.com/office/mac/drawingml/2011/main" val="1"/>
             </a:ext>
           </a:extLst>
         </p:spPr>
@@ -10151,7 +10151,7 @@
           </a:effectLst>
           <a:extLst>
             <a:ext uri="{C572A759-6A51-4108-AA02-DFA0A04FC94B}">
-              <ma14:wrappingTextBoxFlag xmlns:ma14="http://schemas.microsoft.com/office/mac/drawingml/2011/main" xmlns:a14="http://schemas.microsoft.com/office/drawing/2010/main" xmlns:m="http://schemas.openxmlformats.org/officeDocument/2006/math" xmlns="" val="1"/>
+              <ma14:wrappingTextBoxFlag xmlns="" xmlns:m="http://schemas.openxmlformats.org/officeDocument/2006/math" xmlns:a14="http://schemas.microsoft.com/office/drawing/2010/main" xmlns:ma14="http://schemas.microsoft.com/office/mac/drawingml/2011/main" val="1"/>
             </a:ext>
           </a:extLst>
         </p:spPr>
@@ -10218,7 +10218,7 @@
           </a:effectLst>
           <a:extLst>
             <a:ext uri="{C572A759-6A51-4108-AA02-DFA0A04FC94B}">
-              <ma14:wrappingTextBoxFlag xmlns:ma14="http://schemas.microsoft.com/office/mac/drawingml/2011/main" xmlns:a14="http://schemas.microsoft.com/office/drawing/2010/main" xmlns:m="http://schemas.openxmlformats.org/officeDocument/2006/math" xmlns="" val="1"/>
+              <ma14:wrappingTextBoxFlag xmlns="" xmlns:m="http://schemas.openxmlformats.org/officeDocument/2006/math" xmlns:a14="http://schemas.microsoft.com/office/drawing/2010/main" xmlns:ma14="http://schemas.microsoft.com/office/mac/drawingml/2011/main" val="1"/>
             </a:ext>
           </a:extLst>
         </p:spPr>
@@ -10282,7 +10282,7 @@
           </a:effectLst>
           <a:extLst>
             <a:ext uri="{C572A759-6A51-4108-AA02-DFA0A04FC94B}">
-              <ma14:wrappingTextBoxFlag xmlns:ma14="http://schemas.microsoft.com/office/mac/drawingml/2011/main" xmlns:a14="http://schemas.microsoft.com/office/drawing/2010/main" xmlns:m="http://schemas.openxmlformats.org/officeDocument/2006/math" xmlns="" val="1"/>
+              <ma14:wrappingTextBoxFlag xmlns="" xmlns:m="http://schemas.openxmlformats.org/officeDocument/2006/math" xmlns:a14="http://schemas.microsoft.com/office/drawing/2010/main" xmlns:ma14="http://schemas.microsoft.com/office/mac/drawingml/2011/main" val="1"/>
             </a:ext>
           </a:extLst>
         </p:spPr>
@@ -10336,7 +10336,7 @@
           </a:effectLst>
           <a:extLst>
             <a:ext uri="{C572A759-6A51-4108-AA02-DFA0A04FC94B}">
-              <ma14:wrappingTextBoxFlag xmlns:ma14="http://schemas.microsoft.com/office/mac/drawingml/2011/main" xmlns:a14="http://schemas.microsoft.com/office/drawing/2010/main" xmlns:m="http://schemas.openxmlformats.org/officeDocument/2006/math" xmlns="" val="1"/>
+              <ma14:wrappingTextBoxFlag xmlns="" xmlns:m="http://schemas.openxmlformats.org/officeDocument/2006/math" xmlns:a14="http://schemas.microsoft.com/office/drawing/2010/main" xmlns:ma14="http://schemas.microsoft.com/office/mac/drawingml/2011/main" val="1"/>
             </a:ext>
           </a:extLst>
         </p:spPr>
@@ -10400,7 +10400,7 @@
           </a:effectLst>
           <a:extLst>
             <a:ext uri="{C572A759-6A51-4108-AA02-DFA0A04FC94B}">
-              <ma14:wrappingTextBoxFlag xmlns:ma14="http://schemas.microsoft.com/office/mac/drawingml/2011/main" xmlns:a14="http://schemas.microsoft.com/office/drawing/2010/main" xmlns:m="http://schemas.openxmlformats.org/officeDocument/2006/math" xmlns="" val="1"/>
+              <ma14:wrappingTextBoxFlag xmlns="" xmlns:m="http://schemas.openxmlformats.org/officeDocument/2006/math" xmlns:a14="http://schemas.microsoft.com/office/drawing/2010/main" xmlns:ma14="http://schemas.microsoft.com/office/mac/drawingml/2011/main" val="1"/>
             </a:ext>
           </a:extLst>
         </p:spPr>
@@ -10455,7 +10455,7 @@
           </a:ln>
           <a:extLst>
             <a:ext uri="{C572A759-6A51-4108-AA02-DFA0A04FC94B}">
-              <ma14:wrappingTextBoxFlag xmlns:ma14="http://schemas.microsoft.com/office/mac/drawingml/2011/main" xmlns:a14="http://schemas.microsoft.com/office/drawing/2010/main" xmlns:m="http://schemas.openxmlformats.org/officeDocument/2006/math" xmlns="" val="1"/>
+              <ma14:wrappingTextBoxFlag xmlns="" xmlns:m="http://schemas.openxmlformats.org/officeDocument/2006/math" xmlns:a14="http://schemas.microsoft.com/office/drawing/2010/main" xmlns:ma14="http://schemas.microsoft.com/office/mac/drawingml/2011/main" val="1"/>
             </a:ext>
           </a:extLst>
         </p:spPr>
@@ -10504,7 +10504,7 @@
           </a:ln>
           <a:extLst>
             <a:ext uri="{C572A759-6A51-4108-AA02-DFA0A04FC94B}">
-              <ma14:wrappingTextBoxFlag xmlns:ma14="http://schemas.microsoft.com/office/mac/drawingml/2011/main" xmlns:a14="http://schemas.microsoft.com/office/drawing/2010/main" xmlns:m="http://schemas.openxmlformats.org/officeDocument/2006/math" xmlns="" val="1"/>
+              <ma14:wrappingTextBoxFlag xmlns="" xmlns:m="http://schemas.openxmlformats.org/officeDocument/2006/math" xmlns:a14="http://schemas.microsoft.com/office/drawing/2010/main" xmlns:ma14="http://schemas.microsoft.com/office/mac/drawingml/2011/main" val="1"/>
             </a:ext>
           </a:extLst>
         </p:spPr>
@@ -10617,7 +10617,7 @@
           <a:effectLst/>
           <a:extLst>
             <a:ext uri="{C572A759-6A51-4108-AA02-DFA0A04FC94B}">
-              <ma14:wrappingTextBoxFlag xmlns:ma14="http://schemas.microsoft.com/office/mac/drawingml/2011/main" xmlns:a14="http://schemas.microsoft.com/office/drawing/2010/main" xmlns:m="http://schemas.openxmlformats.org/officeDocument/2006/math" xmlns="" val="1"/>
+              <ma14:wrappingTextBoxFlag xmlns="" xmlns:m="http://schemas.openxmlformats.org/officeDocument/2006/math" xmlns:a14="http://schemas.microsoft.com/office/drawing/2010/main" xmlns:ma14="http://schemas.microsoft.com/office/mac/drawingml/2011/main" val="1"/>
             </a:ext>
           </a:extLst>
         </p:spPr>
@@ -10671,7 +10671,7 @@
           <a:effectLst/>
           <a:extLst>
             <a:ext uri="{C572A759-6A51-4108-AA02-DFA0A04FC94B}">
-              <ma14:wrappingTextBoxFlag xmlns:ma14="http://schemas.microsoft.com/office/mac/drawingml/2011/main" xmlns:a14="http://schemas.microsoft.com/office/drawing/2010/main" xmlns:m="http://schemas.openxmlformats.org/officeDocument/2006/math" xmlns="" val="1"/>
+              <ma14:wrappingTextBoxFlag xmlns="" xmlns:m="http://schemas.openxmlformats.org/officeDocument/2006/math" xmlns:a14="http://schemas.microsoft.com/office/drawing/2010/main" xmlns:ma14="http://schemas.microsoft.com/office/mac/drawingml/2011/main" val="1"/>
             </a:ext>
           </a:extLst>
         </p:spPr>
@@ -10722,7 +10722,7 @@
           </a:ln>
           <a:extLst>
             <a:ext uri="{C572A759-6A51-4108-AA02-DFA0A04FC94B}">
-              <ma14:wrappingTextBoxFlag xmlns:ma14="http://schemas.microsoft.com/office/mac/drawingml/2011/main" xmlns:a14="http://schemas.microsoft.com/office/drawing/2010/main" xmlns:m="http://schemas.openxmlformats.org/officeDocument/2006/math" xmlns="" val="1"/>
+              <ma14:wrappingTextBoxFlag xmlns="" xmlns:m="http://schemas.openxmlformats.org/officeDocument/2006/math" xmlns:a14="http://schemas.microsoft.com/office/drawing/2010/main" xmlns:ma14="http://schemas.microsoft.com/office/mac/drawingml/2011/main" val="1"/>
             </a:ext>
           </a:extLst>
         </p:spPr>
@@ -10897,7 +10897,7 @@
           </a:effectLst>
           <a:extLst>
             <a:ext uri="{C572A759-6A51-4108-AA02-DFA0A04FC94B}">
-              <ma14:wrappingTextBoxFlag xmlns:ma14="http://schemas.microsoft.com/office/mac/drawingml/2011/main" xmlns:a14="http://schemas.microsoft.com/office/drawing/2010/main" xmlns:m="http://schemas.openxmlformats.org/officeDocument/2006/math" xmlns="" val="1"/>
+              <ma14:wrappingTextBoxFlag xmlns="" xmlns:m="http://schemas.openxmlformats.org/officeDocument/2006/math" xmlns:a14="http://schemas.microsoft.com/office/drawing/2010/main" xmlns:ma14="http://schemas.microsoft.com/office/mac/drawingml/2011/main" val="1"/>
             </a:ext>
           </a:extLst>
         </p:spPr>
@@ -10956,7 +10956,7 @@
           </a:effectLst>
           <a:extLst>
             <a:ext uri="{C572A759-6A51-4108-AA02-DFA0A04FC94B}">
-              <ma14:wrappingTextBoxFlag xmlns:ma14="http://schemas.microsoft.com/office/mac/drawingml/2011/main" xmlns:a14="http://schemas.microsoft.com/office/drawing/2010/main" xmlns:m="http://schemas.openxmlformats.org/officeDocument/2006/math" xmlns="" val="1"/>
+              <ma14:wrappingTextBoxFlag xmlns="" xmlns:m="http://schemas.openxmlformats.org/officeDocument/2006/math" xmlns:a14="http://schemas.microsoft.com/office/drawing/2010/main" xmlns:ma14="http://schemas.microsoft.com/office/mac/drawingml/2011/main" val="1"/>
             </a:ext>
           </a:extLst>
         </p:spPr>
@@ -11021,7 +11021,7 @@
           </a:effectLst>
           <a:extLst>
             <a:ext uri="{C572A759-6A51-4108-AA02-DFA0A04FC94B}">
-              <ma14:wrappingTextBoxFlag xmlns:ma14="http://schemas.microsoft.com/office/mac/drawingml/2011/main" xmlns:a14="http://schemas.microsoft.com/office/drawing/2010/main" xmlns:m="http://schemas.openxmlformats.org/officeDocument/2006/math" xmlns="" val="1"/>
+              <ma14:wrappingTextBoxFlag xmlns="" xmlns:m="http://schemas.openxmlformats.org/officeDocument/2006/math" xmlns:a14="http://schemas.microsoft.com/office/drawing/2010/main" xmlns:ma14="http://schemas.microsoft.com/office/mac/drawingml/2011/main" val="1"/>
             </a:ext>
           </a:extLst>
         </p:spPr>
@@ -11086,7 +11086,7 @@
           </a:effectLst>
           <a:extLst>
             <a:ext uri="{C572A759-6A51-4108-AA02-DFA0A04FC94B}">
-              <ma14:wrappingTextBoxFlag xmlns:ma14="http://schemas.microsoft.com/office/mac/drawingml/2011/main" xmlns:a14="http://schemas.microsoft.com/office/drawing/2010/main" xmlns:m="http://schemas.openxmlformats.org/officeDocument/2006/math" xmlns="" val="1"/>
+              <ma14:wrappingTextBoxFlag xmlns="" xmlns:m="http://schemas.openxmlformats.org/officeDocument/2006/math" xmlns:a14="http://schemas.microsoft.com/office/drawing/2010/main" xmlns:ma14="http://schemas.microsoft.com/office/mac/drawingml/2011/main" val="1"/>
             </a:ext>
           </a:extLst>
         </p:spPr>
@@ -11151,7 +11151,7 @@
           </a:effectLst>
           <a:extLst>
             <a:ext uri="{C572A759-6A51-4108-AA02-DFA0A04FC94B}">
-              <ma14:wrappingTextBoxFlag xmlns:ma14="http://schemas.microsoft.com/office/mac/drawingml/2011/main" xmlns:a14="http://schemas.microsoft.com/office/drawing/2010/main" xmlns:m="http://schemas.openxmlformats.org/officeDocument/2006/math" xmlns="" val="1"/>
+              <ma14:wrappingTextBoxFlag xmlns="" xmlns:m="http://schemas.openxmlformats.org/officeDocument/2006/math" xmlns:a14="http://schemas.microsoft.com/office/drawing/2010/main" xmlns:ma14="http://schemas.microsoft.com/office/mac/drawingml/2011/main" val="1"/>
             </a:ext>
           </a:extLst>
         </p:spPr>
@@ -11270,7 +11270,7 @@
           </a:effectLst>
           <a:extLst>
             <a:ext uri="{C572A759-6A51-4108-AA02-DFA0A04FC94B}">
-              <ma14:wrappingTextBoxFlag xmlns:ma14="http://schemas.microsoft.com/office/mac/drawingml/2011/main" xmlns:a14="http://schemas.microsoft.com/office/drawing/2010/main" xmlns:m="http://schemas.openxmlformats.org/officeDocument/2006/math" xmlns="" val="1"/>
+              <ma14:wrappingTextBoxFlag xmlns="" xmlns:m="http://schemas.openxmlformats.org/officeDocument/2006/math" xmlns:a14="http://schemas.microsoft.com/office/drawing/2010/main" xmlns:ma14="http://schemas.microsoft.com/office/mac/drawingml/2011/main" val="1"/>
             </a:ext>
           </a:extLst>
         </p:spPr>
@@ -11334,7 +11334,7 @@
           </a:effectLst>
           <a:extLst>
             <a:ext uri="{C572A759-6A51-4108-AA02-DFA0A04FC94B}">
-              <ma14:wrappingTextBoxFlag xmlns:ma14="http://schemas.microsoft.com/office/mac/drawingml/2011/main" xmlns:a14="http://schemas.microsoft.com/office/drawing/2010/main" xmlns:m="http://schemas.openxmlformats.org/officeDocument/2006/math" xmlns="" val="1"/>
+              <ma14:wrappingTextBoxFlag xmlns="" xmlns:m="http://schemas.openxmlformats.org/officeDocument/2006/math" xmlns:a14="http://schemas.microsoft.com/office/drawing/2010/main" xmlns:ma14="http://schemas.microsoft.com/office/mac/drawingml/2011/main" val="1"/>
             </a:ext>
           </a:extLst>
         </p:spPr>
@@ -11401,7 +11401,7 @@
           </a:effectLst>
           <a:extLst>
             <a:ext uri="{C572A759-6A51-4108-AA02-DFA0A04FC94B}">
-              <ma14:wrappingTextBoxFlag xmlns:ma14="http://schemas.microsoft.com/office/mac/drawingml/2011/main" xmlns:a14="http://schemas.microsoft.com/office/drawing/2010/main" xmlns:m="http://schemas.openxmlformats.org/officeDocument/2006/math" xmlns="" val="1"/>
+              <ma14:wrappingTextBoxFlag xmlns="" xmlns:m="http://schemas.openxmlformats.org/officeDocument/2006/math" xmlns:a14="http://schemas.microsoft.com/office/drawing/2010/main" xmlns:ma14="http://schemas.microsoft.com/office/mac/drawingml/2011/main" val="1"/>
             </a:ext>
           </a:extLst>
         </p:spPr>
@@ -11454,7 +11454,7 @@
           </a:effectLst>
           <a:extLst>
             <a:ext uri="{C572A759-6A51-4108-AA02-DFA0A04FC94B}">
-              <ma14:wrappingTextBoxFlag xmlns:ma14="http://schemas.microsoft.com/office/mac/drawingml/2011/main" xmlns:a14="http://schemas.microsoft.com/office/drawing/2010/main" xmlns:m="http://schemas.openxmlformats.org/officeDocument/2006/math" xmlns="" val="1"/>
+              <ma14:wrappingTextBoxFlag xmlns="" xmlns:m="http://schemas.openxmlformats.org/officeDocument/2006/math" xmlns:a14="http://schemas.microsoft.com/office/drawing/2010/main" xmlns:ma14="http://schemas.microsoft.com/office/mac/drawingml/2011/main" val="1"/>
             </a:ext>
           </a:extLst>
         </p:spPr>
@@ -11510,7 +11510,7 @@
           </a:effectLst>
           <a:extLst>
             <a:ext uri="{C572A759-6A51-4108-AA02-DFA0A04FC94B}">
-              <ma14:wrappingTextBoxFlag xmlns:ma14="http://schemas.microsoft.com/office/mac/drawingml/2011/main" xmlns:a14="http://schemas.microsoft.com/office/drawing/2010/main" xmlns:m="http://schemas.openxmlformats.org/officeDocument/2006/math" xmlns="" val="1"/>
+              <ma14:wrappingTextBoxFlag xmlns="" xmlns:m="http://schemas.openxmlformats.org/officeDocument/2006/math" xmlns:a14="http://schemas.microsoft.com/office/drawing/2010/main" xmlns:ma14="http://schemas.microsoft.com/office/mac/drawingml/2011/main" val="1"/>
             </a:ext>
           </a:extLst>
         </p:spPr>
@@ -11626,7 +11626,7 @@
           </a:effectLst>
           <a:extLst>
             <a:ext uri="{C572A759-6A51-4108-AA02-DFA0A04FC94B}">
-              <ma14:wrappingTextBoxFlag xmlns:ma14="http://schemas.microsoft.com/office/mac/drawingml/2011/main" xmlns:a14="http://schemas.microsoft.com/office/drawing/2010/main" xmlns:m="http://schemas.openxmlformats.org/officeDocument/2006/math" xmlns="" val="1"/>
+              <ma14:wrappingTextBoxFlag xmlns="" xmlns:m="http://schemas.openxmlformats.org/officeDocument/2006/math" xmlns:a14="http://schemas.microsoft.com/office/drawing/2010/main" xmlns:ma14="http://schemas.microsoft.com/office/mac/drawingml/2011/main" val="1"/>
             </a:ext>
           </a:extLst>
         </p:spPr>
@@ -11679,7 +11679,7 @@
           </a:effectLst>
           <a:extLst>
             <a:ext uri="{C572A759-6A51-4108-AA02-DFA0A04FC94B}">
-              <ma14:wrappingTextBoxFlag xmlns:ma14="http://schemas.microsoft.com/office/mac/drawingml/2011/main" xmlns:a14="http://schemas.microsoft.com/office/drawing/2010/main" xmlns:m="http://schemas.openxmlformats.org/officeDocument/2006/math" xmlns="" val="1"/>
+              <ma14:wrappingTextBoxFlag xmlns="" xmlns:m="http://schemas.openxmlformats.org/officeDocument/2006/math" xmlns:a14="http://schemas.microsoft.com/office/drawing/2010/main" xmlns:ma14="http://schemas.microsoft.com/office/mac/drawingml/2011/main" val="1"/>
             </a:ext>
           </a:extLst>
         </p:spPr>
@@ -11746,7 +11746,7 @@
           </a:effectLst>
           <a:extLst>
             <a:ext uri="{C572A759-6A51-4108-AA02-DFA0A04FC94B}">
-              <ma14:wrappingTextBoxFlag xmlns:ma14="http://schemas.microsoft.com/office/mac/drawingml/2011/main" xmlns:a14="http://schemas.microsoft.com/office/drawing/2010/main" xmlns:m="http://schemas.openxmlformats.org/officeDocument/2006/math" xmlns="" val="1"/>
+              <ma14:wrappingTextBoxFlag xmlns="" xmlns:m="http://schemas.openxmlformats.org/officeDocument/2006/math" xmlns:a14="http://schemas.microsoft.com/office/drawing/2010/main" xmlns:ma14="http://schemas.microsoft.com/office/mac/drawingml/2011/main" val="1"/>
             </a:ext>
           </a:extLst>
         </p:spPr>
@@ -11811,7 +11811,7 @@
           </a:effectLst>
           <a:extLst>
             <a:ext uri="{C572A759-6A51-4108-AA02-DFA0A04FC94B}">
-              <ma14:wrappingTextBoxFlag xmlns:ma14="http://schemas.microsoft.com/office/mac/drawingml/2011/main" xmlns:a14="http://schemas.microsoft.com/office/drawing/2010/main" xmlns:m="http://schemas.openxmlformats.org/officeDocument/2006/math" xmlns="" val="1"/>
+              <ma14:wrappingTextBoxFlag xmlns="" xmlns:m="http://schemas.openxmlformats.org/officeDocument/2006/math" xmlns:a14="http://schemas.microsoft.com/office/drawing/2010/main" xmlns:ma14="http://schemas.microsoft.com/office/mac/drawingml/2011/main" val="1"/>
             </a:ext>
           </a:extLst>
         </p:spPr>
@@ -11978,7 +11978,7 @@
           </a:effectLst>
           <a:extLst>
             <a:ext uri="{C572A759-6A51-4108-AA02-DFA0A04FC94B}">
-              <ma14:wrappingTextBoxFlag xmlns:ma14="http://schemas.microsoft.com/office/mac/drawingml/2011/main" xmlns:a14="http://schemas.microsoft.com/office/drawing/2010/main" xmlns:m="http://schemas.openxmlformats.org/officeDocument/2006/math" xmlns="" val="1"/>
+              <ma14:wrappingTextBoxFlag xmlns="" xmlns:m="http://schemas.openxmlformats.org/officeDocument/2006/math" xmlns:a14="http://schemas.microsoft.com/office/drawing/2010/main" xmlns:ma14="http://schemas.microsoft.com/office/mac/drawingml/2011/main" val="1"/>
             </a:ext>
           </a:extLst>
         </p:spPr>
@@ -12031,7 +12031,7 @@
           </a:effectLst>
           <a:extLst>
             <a:ext uri="{C572A759-6A51-4108-AA02-DFA0A04FC94B}">
-              <ma14:wrappingTextBoxFlag xmlns:ma14="http://schemas.microsoft.com/office/mac/drawingml/2011/main" xmlns:a14="http://schemas.microsoft.com/office/drawing/2010/main" xmlns:m="http://schemas.openxmlformats.org/officeDocument/2006/math" xmlns="" val="1"/>
+              <ma14:wrappingTextBoxFlag xmlns="" xmlns:m="http://schemas.openxmlformats.org/officeDocument/2006/math" xmlns:a14="http://schemas.microsoft.com/office/drawing/2010/main" xmlns:ma14="http://schemas.microsoft.com/office/mac/drawingml/2011/main" val="1"/>
             </a:ext>
           </a:extLst>
         </p:spPr>
@@ -12095,7 +12095,7 @@
           </a:effectLst>
           <a:extLst>
             <a:ext uri="{C572A759-6A51-4108-AA02-DFA0A04FC94B}">
-              <ma14:wrappingTextBoxFlag xmlns:ma14="http://schemas.microsoft.com/office/mac/drawingml/2011/main" xmlns:a14="http://schemas.microsoft.com/office/drawing/2010/main" xmlns:m="http://schemas.openxmlformats.org/officeDocument/2006/math" xmlns="" val="1"/>
+              <ma14:wrappingTextBoxFlag xmlns="" xmlns:m="http://schemas.openxmlformats.org/officeDocument/2006/math" xmlns:a14="http://schemas.microsoft.com/office/drawing/2010/main" xmlns:ma14="http://schemas.microsoft.com/office/mac/drawingml/2011/main" val="1"/>
             </a:ext>
           </a:extLst>
         </p:spPr>
@@ -12216,7 +12216,7 @@
           </a:effectLst>
           <a:extLst>
             <a:ext uri="{C572A759-6A51-4108-AA02-DFA0A04FC94B}">
-              <ma14:wrappingTextBoxFlag xmlns:ma14="http://schemas.microsoft.com/office/mac/drawingml/2011/main" xmlns:a14="http://schemas.microsoft.com/office/drawing/2010/main" xmlns:m="http://schemas.openxmlformats.org/officeDocument/2006/math" xmlns="" val="1"/>
+              <ma14:wrappingTextBoxFlag xmlns="" xmlns:m="http://schemas.openxmlformats.org/officeDocument/2006/math" xmlns:a14="http://schemas.microsoft.com/office/drawing/2010/main" xmlns:ma14="http://schemas.microsoft.com/office/mac/drawingml/2011/main" val="1"/>
             </a:ext>
           </a:extLst>
         </p:spPr>
@@ -12275,7 +12275,7 @@
           </a:effectLst>
           <a:extLst>
             <a:ext uri="{C572A759-6A51-4108-AA02-DFA0A04FC94B}">
-              <ma14:wrappingTextBoxFlag xmlns:ma14="http://schemas.microsoft.com/office/mac/drawingml/2011/main" xmlns:a14="http://schemas.microsoft.com/office/drawing/2010/main" xmlns:m="http://schemas.openxmlformats.org/officeDocument/2006/math" xmlns="" val="1"/>
+              <ma14:wrappingTextBoxFlag xmlns="" xmlns:m="http://schemas.openxmlformats.org/officeDocument/2006/math" xmlns:a14="http://schemas.microsoft.com/office/drawing/2010/main" xmlns:ma14="http://schemas.microsoft.com/office/mac/drawingml/2011/main" val="1"/>
             </a:ext>
           </a:extLst>
         </p:spPr>
@@ -12340,7 +12340,7 @@
           </a:effectLst>
           <a:extLst>
             <a:ext uri="{C572A759-6A51-4108-AA02-DFA0A04FC94B}">
-              <ma14:wrappingTextBoxFlag xmlns:ma14="http://schemas.microsoft.com/office/mac/drawingml/2011/main" xmlns:a14="http://schemas.microsoft.com/office/drawing/2010/main" xmlns:m="http://schemas.openxmlformats.org/officeDocument/2006/math" xmlns="" val="1"/>
+              <ma14:wrappingTextBoxFlag xmlns="" xmlns:m="http://schemas.openxmlformats.org/officeDocument/2006/math" xmlns:a14="http://schemas.microsoft.com/office/drawing/2010/main" xmlns:ma14="http://schemas.microsoft.com/office/mac/drawingml/2011/main" val="1"/>
             </a:ext>
           </a:extLst>
         </p:spPr>
@@ -12405,7 +12405,7 @@
           </a:effectLst>
           <a:extLst>
             <a:ext uri="{C572A759-6A51-4108-AA02-DFA0A04FC94B}">
-              <ma14:wrappingTextBoxFlag xmlns:ma14="http://schemas.microsoft.com/office/mac/drawingml/2011/main" xmlns:a14="http://schemas.microsoft.com/office/drawing/2010/main" xmlns:m="http://schemas.openxmlformats.org/officeDocument/2006/math" xmlns="" val="1"/>
+              <ma14:wrappingTextBoxFlag xmlns="" xmlns:m="http://schemas.openxmlformats.org/officeDocument/2006/math" xmlns:a14="http://schemas.microsoft.com/office/drawing/2010/main" xmlns:ma14="http://schemas.microsoft.com/office/mac/drawingml/2011/main" val="1"/>
             </a:ext>
           </a:extLst>
         </p:spPr>
@@ -12470,7 +12470,7 @@
           </a:effectLst>
           <a:extLst>
             <a:ext uri="{C572A759-6A51-4108-AA02-DFA0A04FC94B}">
-              <ma14:wrappingTextBoxFlag xmlns:ma14="http://schemas.microsoft.com/office/mac/drawingml/2011/main" xmlns:a14="http://schemas.microsoft.com/office/drawing/2010/main" xmlns:m="http://schemas.openxmlformats.org/officeDocument/2006/math" xmlns="" val="1"/>
+              <ma14:wrappingTextBoxFlag xmlns="" xmlns:m="http://schemas.openxmlformats.org/officeDocument/2006/math" xmlns:a14="http://schemas.microsoft.com/office/drawing/2010/main" xmlns:ma14="http://schemas.microsoft.com/office/mac/drawingml/2011/main" val="1"/>
             </a:ext>
           </a:extLst>
         </p:spPr>

--- a/doc/pic/arch/dubbo-go-arch.pptx
+++ b/doc/pic/arch/dubbo-go-arch.pptx
@@ -2152,7 +2152,7 @@
           </a:ln>
           <a:extLst>
             <a:ext uri="{C572A759-6A51-4108-AA02-DFA0A04FC94B}">
-              <ma14:wrappingTextBoxFlag xmlns="" xmlns:m="http://schemas.openxmlformats.org/officeDocument/2006/math" xmlns:a14="http://schemas.microsoft.com/office/drawing/2010/main" xmlns:ma14="http://schemas.microsoft.com/office/mac/drawingml/2011/main" val="1"/>
+              <ma14:wrappingTextBoxFlag xmlns:ma14="http://schemas.microsoft.com/office/mac/drawingml/2011/main" xmlns:a14="http://schemas.microsoft.com/office/drawing/2010/main" xmlns:m="http://schemas.openxmlformats.org/officeDocument/2006/math" xmlns="" val="1"/>
             </a:ext>
           </a:extLst>
         </p:spPr>
@@ -2191,7 +2191,7 @@
           </a:ln>
           <a:extLst>
             <a:ext uri="{C572A759-6A51-4108-AA02-DFA0A04FC94B}">
-              <ma14:wrappingTextBoxFlag xmlns="" xmlns:m="http://schemas.openxmlformats.org/officeDocument/2006/math" xmlns:a14="http://schemas.microsoft.com/office/drawing/2010/main" xmlns:ma14="http://schemas.microsoft.com/office/mac/drawingml/2011/main" val="1"/>
+              <ma14:wrappingTextBoxFlag xmlns:ma14="http://schemas.microsoft.com/office/mac/drawingml/2011/main" xmlns:a14="http://schemas.microsoft.com/office/drawing/2010/main" xmlns:m="http://schemas.openxmlformats.org/officeDocument/2006/math" xmlns="" val="1"/>
             </a:ext>
           </a:extLst>
         </p:spPr>
@@ -3061,7 +3061,7 @@
           </a:effectLst>
           <a:extLst>
             <a:ext uri="{C572A759-6A51-4108-AA02-DFA0A04FC94B}">
-              <ma14:wrappingTextBoxFlag xmlns="" xmlns:m="http://schemas.openxmlformats.org/officeDocument/2006/math" xmlns:a14="http://schemas.microsoft.com/office/drawing/2010/main" xmlns:ma14="http://schemas.microsoft.com/office/mac/drawingml/2011/main" val="1"/>
+              <ma14:wrappingTextBoxFlag xmlns:ma14="http://schemas.microsoft.com/office/mac/drawingml/2011/main" xmlns:a14="http://schemas.microsoft.com/office/drawing/2010/main" xmlns:m="http://schemas.openxmlformats.org/officeDocument/2006/math" xmlns="" val="1"/>
             </a:ext>
           </a:extLst>
         </p:spPr>
@@ -3137,8 +3137,8 @@
         </p:nvSpPr>
         <p:spPr>
           <a:xfrm>
-            <a:off x="710678" y="2828794"/>
-            <a:ext cx="7685853" cy="4083381"/>
+            <a:off x="505326" y="2828794"/>
+            <a:ext cx="8041986" cy="4083381"/>
           </a:xfrm>
           <a:prstGeom prst="roundRect">
             <a:avLst>
@@ -3161,7 +3161,7 @@
           </a:effectLst>
           <a:extLst>
             <a:ext uri="{C572A759-6A51-4108-AA02-DFA0A04FC94B}">
-              <ma14:wrappingTextBoxFlag xmlns="" xmlns:m="http://schemas.openxmlformats.org/officeDocument/2006/math" xmlns:a14="http://schemas.microsoft.com/office/drawing/2010/main" xmlns:ma14="http://schemas.microsoft.com/office/mac/drawingml/2011/main" val="1"/>
+              <ma14:wrappingTextBoxFlag xmlns:ma14="http://schemas.microsoft.com/office/mac/drawingml/2011/main" xmlns:a14="http://schemas.microsoft.com/office/drawing/2010/main" xmlns:m="http://schemas.openxmlformats.org/officeDocument/2006/math" xmlns="" val="1"/>
             </a:ext>
           </a:extLst>
         </p:spPr>
@@ -3231,7 +3231,7 @@
           </a:effectLst>
           <a:extLst>
             <a:ext uri="{C572A759-6A51-4108-AA02-DFA0A04FC94B}">
-              <ma14:wrappingTextBoxFlag xmlns="" xmlns:m="http://schemas.openxmlformats.org/officeDocument/2006/math" xmlns:a14="http://schemas.microsoft.com/office/drawing/2010/main" xmlns:ma14="http://schemas.microsoft.com/office/mac/drawingml/2011/main" val="1"/>
+              <ma14:wrappingTextBoxFlag xmlns:ma14="http://schemas.microsoft.com/office/mac/drawingml/2011/main" xmlns:a14="http://schemas.microsoft.com/office/drawing/2010/main" xmlns:m="http://schemas.openxmlformats.org/officeDocument/2006/math" xmlns="" val="1"/>
             </a:ext>
           </a:extLst>
         </p:spPr>
@@ -3284,7 +3284,7 @@
           </a:effectLst>
           <a:extLst>
             <a:ext uri="{C572A759-6A51-4108-AA02-DFA0A04FC94B}">
-              <ma14:wrappingTextBoxFlag xmlns="" xmlns:m="http://schemas.openxmlformats.org/officeDocument/2006/math" xmlns:a14="http://schemas.microsoft.com/office/drawing/2010/main" xmlns:ma14="http://schemas.microsoft.com/office/mac/drawingml/2011/main" val="1"/>
+              <ma14:wrappingTextBoxFlag xmlns:ma14="http://schemas.microsoft.com/office/mac/drawingml/2011/main" xmlns:a14="http://schemas.microsoft.com/office/drawing/2010/main" xmlns:m="http://schemas.openxmlformats.org/officeDocument/2006/math" xmlns="" val="1"/>
             </a:ext>
           </a:extLst>
         </p:spPr>
@@ -3340,7 +3340,7 @@
           </a:effectLst>
           <a:extLst>
             <a:ext uri="{C572A759-6A51-4108-AA02-DFA0A04FC94B}">
-              <ma14:wrappingTextBoxFlag xmlns="" xmlns:m="http://schemas.openxmlformats.org/officeDocument/2006/math" xmlns:a14="http://schemas.microsoft.com/office/drawing/2010/main" xmlns:ma14="http://schemas.microsoft.com/office/mac/drawingml/2011/main" val="1"/>
+              <ma14:wrappingTextBoxFlag xmlns:ma14="http://schemas.microsoft.com/office/mac/drawingml/2011/main" xmlns:a14="http://schemas.microsoft.com/office/drawing/2010/main" xmlns:m="http://schemas.openxmlformats.org/officeDocument/2006/math" xmlns="" val="1"/>
             </a:ext>
           </a:extLst>
         </p:spPr>
@@ -3410,7 +3410,7 @@
           </a:effectLst>
           <a:extLst>
             <a:ext uri="{C572A759-6A51-4108-AA02-DFA0A04FC94B}">
-              <ma14:wrappingTextBoxFlag xmlns="" xmlns:m="http://schemas.openxmlformats.org/officeDocument/2006/math" xmlns:a14="http://schemas.microsoft.com/office/drawing/2010/main" xmlns:ma14="http://schemas.microsoft.com/office/mac/drawingml/2011/main" val="1"/>
+              <ma14:wrappingTextBoxFlag xmlns:ma14="http://schemas.microsoft.com/office/mac/drawingml/2011/main" xmlns:a14="http://schemas.microsoft.com/office/drawing/2010/main" xmlns:m="http://schemas.openxmlformats.org/officeDocument/2006/math" xmlns="" val="1"/>
             </a:ext>
           </a:extLst>
         </p:spPr>
@@ -3463,7 +3463,7 @@
           </a:effectLst>
           <a:extLst>
             <a:ext uri="{C572A759-6A51-4108-AA02-DFA0A04FC94B}">
-              <ma14:wrappingTextBoxFlag xmlns="" xmlns:m="http://schemas.openxmlformats.org/officeDocument/2006/math" xmlns:a14="http://schemas.microsoft.com/office/drawing/2010/main" xmlns:ma14="http://schemas.microsoft.com/office/mac/drawingml/2011/main" val="1"/>
+              <ma14:wrappingTextBoxFlag xmlns:ma14="http://schemas.microsoft.com/office/mac/drawingml/2011/main" xmlns:a14="http://schemas.microsoft.com/office/drawing/2010/main" xmlns:m="http://schemas.openxmlformats.org/officeDocument/2006/math" xmlns="" val="1"/>
             </a:ext>
           </a:extLst>
         </p:spPr>
@@ -3530,7 +3530,7 @@
           </a:effectLst>
           <a:extLst>
             <a:ext uri="{C572A759-6A51-4108-AA02-DFA0A04FC94B}">
-              <ma14:wrappingTextBoxFlag xmlns="" xmlns:m="http://schemas.openxmlformats.org/officeDocument/2006/math" xmlns:a14="http://schemas.microsoft.com/office/drawing/2010/main" xmlns:ma14="http://schemas.microsoft.com/office/mac/drawingml/2011/main" val="1"/>
+              <ma14:wrappingTextBoxFlag xmlns:ma14="http://schemas.microsoft.com/office/mac/drawingml/2011/main" xmlns:a14="http://schemas.microsoft.com/office/drawing/2010/main" xmlns:m="http://schemas.openxmlformats.org/officeDocument/2006/math" xmlns="" val="1"/>
             </a:ext>
           </a:extLst>
         </p:spPr>
@@ -3595,7 +3595,7 @@
           </a:effectLst>
           <a:extLst>
             <a:ext uri="{C572A759-6A51-4108-AA02-DFA0A04FC94B}">
-              <ma14:wrappingTextBoxFlag xmlns="" xmlns:m="http://schemas.openxmlformats.org/officeDocument/2006/math" xmlns:a14="http://schemas.microsoft.com/office/drawing/2010/main" xmlns:ma14="http://schemas.microsoft.com/office/mac/drawingml/2011/main" val="1"/>
+              <ma14:wrappingTextBoxFlag xmlns:ma14="http://schemas.microsoft.com/office/mac/drawingml/2011/main" xmlns:a14="http://schemas.microsoft.com/office/drawing/2010/main" xmlns:m="http://schemas.openxmlformats.org/officeDocument/2006/math" xmlns="" val="1"/>
             </a:ext>
           </a:extLst>
         </p:spPr>
@@ -3654,7 +3654,7 @@
           </a:effectLst>
           <a:extLst>
             <a:ext uri="{C572A759-6A51-4108-AA02-DFA0A04FC94B}">
-              <ma14:wrappingTextBoxFlag xmlns="" xmlns:m="http://schemas.openxmlformats.org/officeDocument/2006/math" xmlns:a14="http://schemas.microsoft.com/office/drawing/2010/main" xmlns:ma14="http://schemas.microsoft.com/office/mac/drawingml/2011/main" val="1"/>
+              <ma14:wrappingTextBoxFlag xmlns:ma14="http://schemas.microsoft.com/office/mac/drawingml/2011/main" xmlns:a14="http://schemas.microsoft.com/office/drawing/2010/main" xmlns:m="http://schemas.openxmlformats.org/officeDocument/2006/math" xmlns="" val="1"/>
             </a:ext>
           </a:extLst>
         </p:spPr>
@@ -3705,7 +3705,7 @@
           </a:effectLst>
           <a:extLst>
             <a:ext uri="{C572A759-6A51-4108-AA02-DFA0A04FC94B}">
-              <ma14:wrappingTextBoxFlag xmlns="" xmlns:m="http://schemas.openxmlformats.org/officeDocument/2006/math" xmlns:a14="http://schemas.microsoft.com/office/drawing/2010/main" xmlns:ma14="http://schemas.microsoft.com/office/mac/drawingml/2011/main" val="1"/>
+              <ma14:wrappingTextBoxFlag xmlns:ma14="http://schemas.microsoft.com/office/mac/drawingml/2011/main" xmlns:a14="http://schemas.microsoft.com/office/drawing/2010/main" xmlns:m="http://schemas.openxmlformats.org/officeDocument/2006/math" xmlns="" val="1"/>
             </a:ext>
           </a:extLst>
         </p:spPr>
@@ -3761,7 +3761,7 @@
           </a:effectLst>
           <a:extLst>
             <a:ext uri="{C572A759-6A51-4108-AA02-DFA0A04FC94B}">
-              <ma14:wrappingTextBoxFlag xmlns="" xmlns:m="http://schemas.openxmlformats.org/officeDocument/2006/math" xmlns:a14="http://schemas.microsoft.com/office/drawing/2010/main" xmlns:ma14="http://schemas.microsoft.com/office/mac/drawingml/2011/main" val="1"/>
+              <ma14:wrappingTextBoxFlag xmlns:ma14="http://schemas.microsoft.com/office/mac/drawingml/2011/main" xmlns:a14="http://schemas.microsoft.com/office/drawing/2010/main" xmlns:m="http://schemas.openxmlformats.org/officeDocument/2006/math" xmlns="" val="1"/>
             </a:ext>
           </a:extLst>
         </p:spPr>
@@ -3830,7 +3830,7 @@
           </a:effectLst>
           <a:extLst>
             <a:ext uri="{C572A759-6A51-4108-AA02-DFA0A04FC94B}">
-              <ma14:wrappingTextBoxFlag xmlns="" xmlns:m="http://schemas.openxmlformats.org/officeDocument/2006/math" xmlns:a14="http://schemas.microsoft.com/office/drawing/2010/main" xmlns:ma14="http://schemas.microsoft.com/office/mac/drawingml/2011/main" val="1"/>
+              <ma14:wrappingTextBoxFlag xmlns:ma14="http://schemas.microsoft.com/office/mac/drawingml/2011/main" xmlns:a14="http://schemas.microsoft.com/office/drawing/2010/main" xmlns:m="http://schemas.openxmlformats.org/officeDocument/2006/math" xmlns="" val="1"/>
             </a:ext>
           </a:extLst>
         </p:spPr>
@@ -3897,7 +3897,7 @@
           </a:effectLst>
           <a:extLst>
             <a:ext uri="{C572A759-6A51-4108-AA02-DFA0A04FC94B}">
-              <ma14:wrappingTextBoxFlag xmlns="" xmlns:m="http://schemas.openxmlformats.org/officeDocument/2006/math" xmlns:a14="http://schemas.microsoft.com/office/drawing/2010/main" xmlns:ma14="http://schemas.microsoft.com/office/mac/drawingml/2011/main" val="1"/>
+              <ma14:wrappingTextBoxFlag xmlns:ma14="http://schemas.microsoft.com/office/mac/drawingml/2011/main" xmlns:a14="http://schemas.microsoft.com/office/drawing/2010/main" xmlns:m="http://schemas.openxmlformats.org/officeDocument/2006/math" xmlns="" val="1"/>
             </a:ext>
           </a:extLst>
         </p:spPr>
@@ -3951,7 +3951,7 @@
           </a:effectLst>
           <a:extLst>
             <a:ext uri="{C572A759-6A51-4108-AA02-DFA0A04FC94B}">
-              <ma14:wrappingTextBoxFlag xmlns="" xmlns:m="http://schemas.openxmlformats.org/officeDocument/2006/math" xmlns:a14="http://schemas.microsoft.com/office/drawing/2010/main" xmlns:ma14="http://schemas.microsoft.com/office/mac/drawingml/2011/main" val="1"/>
+              <ma14:wrappingTextBoxFlag xmlns:ma14="http://schemas.microsoft.com/office/mac/drawingml/2011/main" xmlns:a14="http://schemas.microsoft.com/office/drawing/2010/main" xmlns:m="http://schemas.openxmlformats.org/officeDocument/2006/math" xmlns="" val="1"/>
             </a:ext>
           </a:extLst>
         </p:spPr>
@@ -4013,7 +4013,7 @@
           </a:effectLst>
           <a:extLst>
             <a:ext uri="{C572A759-6A51-4108-AA02-DFA0A04FC94B}">
-              <ma14:wrappingTextBoxFlag xmlns="" xmlns:m="http://schemas.openxmlformats.org/officeDocument/2006/math" xmlns:a14="http://schemas.microsoft.com/office/drawing/2010/main" xmlns:ma14="http://schemas.microsoft.com/office/mac/drawingml/2011/main" val="1"/>
+              <ma14:wrappingTextBoxFlag xmlns:ma14="http://schemas.microsoft.com/office/mac/drawingml/2011/main" xmlns:a14="http://schemas.microsoft.com/office/drawing/2010/main" xmlns:m="http://schemas.openxmlformats.org/officeDocument/2006/math" xmlns="" val="1"/>
             </a:ext>
           </a:extLst>
         </p:spPr>
@@ -4067,7 +4067,7 @@
           </a:effectLst>
           <a:extLst>
             <a:ext uri="{C572A759-6A51-4108-AA02-DFA0A04FC94B}">
-              <ma14:wrappingTextBoxFlag xmlns="" xmlns:m="http://schemas.openxmlformats.org/officeDocument/2006/math" xmlns:a14="http://schemas.microsoft.com/office/drawing/2010/main" xmlns:ma14="http://schemas.microsoft.com/office/mac/drawingml/2011/main" val="1"/>
+              <ma14:wrappingTextBoxFlag xmlns:ma14="http://schemas.microsoft.com/office/mac/drawingml/2011/main" xmlns:a14="http://schemas.microsoft.com/office/drawing/2010/main" xmlns:m="http://schemas.openxmlformats.org/officeDocument/2006/math" xmlns="" val="1"/>
             </a:ext>
           </a:extLst>
         </p:spPr>
@@ -4121,7 +4121,7 @@
           </a:effectLst>
           <a:extLst>
             <a:ext uri="{C572A759-6A51-4108-AA02-DFA0A04FC94B}">
-              <ma14:wrappingTextBoxFlag xmlns="" xmlns:m="http://schemas.openxmlformats.org/officeDocument/2006/math" xmlns:a14="http://schemas.microsoft.com/office/drawing/2010/main" xmlns:ma14="http://schemas.microsoft.com/office/mac/drawingml/2011/main" val="1"/>
+              <ma14:wrappingTextBoxFlag xmlns:ma14="http://schemas.microsoft.com/office/mac/drawingml/2011/main" xmlns:a14="http://schemas.microsoft.com/office/drawing/2010/main" xmlns:m="http://schemas.openxmlformats.org/officeDocument/2006/math" xmlns="" val="1"/>
             </a:ext>
           </a:extLst>
         </p:spPr>
@@ -4185,7 +4185,7 @@
           </a:effectLst>
           <a:extLst>
             <a:ext uri="{C572A759-6A51-4108-AA02-DFA0A04FC94B}">
-              <ma14:wrappingTextBoxFlag xmlns="" xmlns:m="http://schemas.openxmlformats.org/officeDocument/2006/math" xmlns:a14="http://schemas.microsoft.com/office/drawing/2010/main" xmlns:ma14="http://schemas.microsoft.com/office/mac/drawingml/2011/main" val="1"/>
+              <ma14:wrappingTextBoxFlag xmlns:ma14="http://schemas.microsoft.com/office/mac/drawingml/2011/main" xmlns:a14="http://schemas.microsoft.com/office/drawing/2010/main" xmlns:m="http://schemas.openxmlformats.org/officeDocument/2006/math" xmlns="" val="1"/>
             </a:ext>
           </a:extLst>
         </p:spPr>
@@ -4361,7 +4361,7 @@
           </a:effectLst>
           <a:extLst>
             <a:ext uri="{C572A759-6A51-4108-AA02-DFA0A04FC94B}">
-              <ma14:wrappingTextBoxFlag xmlns="" xmlns:m="http://schemas.openxmlformats.org/officeDocument/2006/math" xmlns:a14="http://schemas.microsoft.com/office/drawing/2010/main" xmlns:ma14="http://schemas.microsoft.com/office/mac/drawingml/2011/main" val="1"/>
+              <ma14:wrappingTextBoxFlag xmlns:ma14="http://schemas.microsoft.com/office/mac/drawingml/2011/main" xmlns:a14="http://schemas.microsoft.com/office/drawing/2010/main" xmlns:m="http://schemas.openxmlformats.org/officeDocument/2006/math" xmlns="" val="1"/>
             </a:ext>
           </a:extLst>
         </p:spPr>
@@ -4428,7 +4428,7 @@
           </a:effectLst>
           <a:extLst>
             <a:ext uri="{C572A759-6A51-4108-AA02-DFA0A04FC94B}">
-              <ma14:wrappingTextBoxFlag xmlns="" xmlns:m="http://schemas.openxmlformats.org/officeDocument/2006/math" xmlns:a14="http://schemas.microsoft.com/office/drawing/2010/main" xmlns:ma14="http://schemas.microsoft.com/office/mac/drawingml/2011/main" val="1"/>
+              <ma14:wrappingTextBoxFlag xmlns:ma14="http://schemas.microsoft.com/office/mac/drawingml/2011/main" xmlns:a14="http://schemas.microsoft.com/office/drawing/2010/main" xmlns:m="http://schemas.openxmlformats.org/officeDocument/2006/math" xmlns="" val="1"/>
             </a:ext>
           </a:extLst>
         </p:spPr>
@@ -4482,7 +4482,7 @@
           </a:effectLst>
           <a:extLst>
             <a:ext uri="{C572A759-6A51-4108-AA02-DFA0A04FC94B}">
-              <ma14:wrappingTextBoxFlag xmlns="" xmlns:m="http://schemas.openxmlformats.org/officeDocument/2006/math" xmlns:a14="http://schemas.microsoft.com/office/drawing/2010/main" xmlns:ma14="http://schemas.microsoft.com/office/mac/drawingml/2011/main" val="1"/>
+              <ma14:wrappingTextBoxFlag xmlns:ma14="http://schemas.microsoft.com/office/mac/drawingml/2011/main" xmlns:a14="http://schemas.microsoft.com/office/drawing/2010/main" xmlns:m="http://schemas.openxmlformats.org/officeDocument/2006/math" xmlns="" val="1"/>
             </a:ext>
           </a:extLst>
         </p:spPr>
@@ -4549,7 +4549,7 @@
           </a:effectLst>
           <a:extLst>
             <a:ext uri="{C572A759-6A51-4108-AA02-DFA0A04FC94B}">
-              <ma14:wrappingTextBoxFlag xmlns="" xmlns:m="http://schemas.openxmlformats.org/officeDocument/2006/math" xmlns:a14="http://schemas.microsoft.com/office/drawing/2010/main" xmlns:ma14="http://schemas.microsoft.com/office/mac/drawingml/2011/main" val="1"/>
+              <ma14:wrappingTextBoxFlag xmlns:ma14="http://schemas.microsoft.com/office/mac/drawingml/2011/main" xmlns:a14="http://schemas.microsoft.com/office/drawing/2010/main" xmlns:m="http://schemas.openxmlformats.org/officeDocument/2006/math" xmlns="" val="1"/>
             </a:ext>
           </a:extLst>
         </p:spPr>
@@ -4613,7 +4613,7 @@
           </a:effectLst>
           <a:extLst>
             <a:ext uri="{C572A759-6A51-4108-AA02-DFA0A04FC94B}">
-              <ma14:wrappingTextBoxFlag xmlns="" xmlns:m="http://schemas.openxmlformats.org/officeDocument/2006/math" xmlns:a14="http://schemas.microsoft.com/office/drawing/2010/main" xmlns:ma14="http://schemas.microsoft.com/office/mac/drawingml/2011/main" val="1"/>
+              <ma14:wrappingTextBoxFlag xmlns:ma14="http://schemas.microsoft.com/office/mac/drawingml/2011/main" xmlns:a14="http://schemas.microsoft.com/office/drawing/2010/main" xmlns:m="http://schemas.openxmlformats.org/officeDocument/2006/math" xmlns="" val="1"/>
             </a:ext>
           </a:extLst>
         </p:spPr>
@@ -4680,7 +4680,7 @@
           </a:effectLst>
           <a:extLst>
             <a:ext uri="{C572A759-6A51-4108-AA02-DFA0A04FC94B}">
-              <ma14:wrappingTextBoxFlag xmlns="" xmlns:m="http://schemas.openxmlformats.org/officeDocument/2006/math" xmlns:a14="http://schemas.microsoft.com/office/drawing/2010/main" xmlns:ma14="http://schemas.microsoft.com/office/mac/drawingml/2011/main" val="1"/>
+              <ma14:wrappingTextBoxFlag xmlns:ma14="http://schemas.microsoft.com/office/mac/drawingml/2011/main" xmlns:a14="http://schemas.microsoft.com/office/drawing/2010/main" xmlns:m="http://schemas.openxmlformats.org/officeDocument/2006/math" xmlns="" val="1"/>
             </a:ext>
           </a:extLst>
         </p:spPr>
@@ -4748,7 +4748,7 @@
           </a:effectLst>
           <a:extLst>
             <a:ext uri="{C572A759-6A51-4108-AA02-DFA0A04FC94B}">
-              <ma14:wrappingTextBoxFlag xmlns="" xmlns:m="http://schemas.openxmlformats.org/officeDocument/2006/math" xmlns:a14="http://schemas.microsoft.com/office/drawing/2010/main" xmlns:ma14="http://schemas.microsoft.com/office/mac/drawingml/2011/main" val="1"/>
+              <ma14:wrappingTextBoxFlag xmlns:ma14="http://schemas.microsoft.com/office/mac/drawingml/2011/main" xmlns:a14="http://schemas.microsoft.com/office/drawing/2010/main" xmlns:m="http://schemas.openxmlformats.org/officeDocument/2006/math" xmlns="" val="1"/>
             </a:ext>
           </a:extLst>
         </p:spPr>
@@ -4815,7 +4815,7 @@
           </a:effectLst>
           <a:extLst>
             <a:ext uri="{C572A759-6A51-4108-AA02-DFA0A04FC94B}">
-              <ma14:wrappingTextBoxFlag xmlns="" xmlns:m="http://schemas.openxmlformats.org/officeDocument/2006/math" xmlns:a14="http://schemas.microsoft.com/office/drawing/2010/main" xmlns:ma14="http://schemas.microsoft.com/office/mac/drawingml/2011/main" val="1"/>
+              <ma14:wrappingTextBoxFlag xmlns:ma14="http://schemas.microsoft.com/office/mac/drawingml/2011/main" xmlns:a14="http://schemas.microsoft.com/office/drawing/2010/main" xmlns:m="http://schemas.openxmlformats.org/officeDocument/2006/math" xmlns="" val="1"/>
             </a:ext>
           </a:extLst>
         </p:spPr>
@@ -4883,7 +4883,7 @@
           </a:effectLst>
           <a:extLst>
             <a:ext uri="{C572A759-6A51-4108-AA02-DFA0A04FC94B}">
-              <ma14:wrappingTextBoxFlag xmlns="" xmlns:m="http://schemas.openxmlformats.org/officeDocument/2006/math" xmlns:a14="http://schemas.microsoft.com/office/drawing/2010/main" xmlns:ma14="http://schemas.microsoft.com/office/mac/drawingml/2011/main" val="1"/>
+              <ma14:wrappingTextBoxFlag xmlns:ma14="http://schemas.microsoft.com/office/mac/drawingml/2011/main" xmlns:a14="http://schemas.microsoft.com/office/drawing/2010/main" xmlns:m="http://schemas.openxmlformats.org/officeDocument/2006/math" xmlns="" val="1"/>
             </a:ext>
           </a:extLst>
         </p:spPr>
@@ -4950,7 +4950,7 @@
           </a:effectLst>
           <a:extLst>
             <a:ext uri="{C572A759-6A51-4108-AA02-DFA0A04FC94B}">
-              <ma14:wrappingTextBoxFlag xmlns="" xmlns:m="http://schemas.openxmlformats.org/officeDocument/2006/math" xmlns:a14="http://schemas.microsoft.com/office/drawing/2010/main" xmlns:ma14="http://schemas.microsoft.com/office/mac/drawingml/2011/main" val="1"/>
+              <ma14:wrappingTextBoxFlag xmlns:ma14="http://schemas.microsoft.com/office/mac/drawingml/2011/main" xmlns:a14="http://schemas.microsoft.com/office/drawing/2010/main" xmlns:m="http://schemas.openxmlformats.org/officeDocument/2006/math" xmlns="" val="1"/>
             </a:ext>
           </a:extLst>
         </p:spPr>
@@ -5014,7 +5014,7 @@
           </a:effectLst>
           <a:extLst>
             <a:ext uri="{C572A759-6A51-4108-AA02-DFA0A04FC94B}">
-              <ma14:wrappingTextBoxFlag xmlns="" xmlns:m="http://schemas.openxmlformats.org/officeDocument/2006/math" xmlns:a14="http://schemas.microsoft.com/office/drawing/2010/main" xmlns:ma14="http://schemas.microsoft.com/office/mac/drawingml/2011/main" val="1"/>
+              <ma14:wrappingTextBoxFlag xmlns:ma14="http://schemas.microsoft.com/office/mac/drawingml/2011/main" xmlns:a14="http://schemas.microsoft.com/office/drawing/2010/main" xmlns:m="http://schemas.openxmlformats.org/officeDocument/2006/math" xmlns="" val="1"/>
             </a:ext>
           </a:extLst>
         </p:spPr>
@@ -5068,7 +5068,7 @@
           </a:effectLst>
           <a:extLst>
             <a:ext uri="{C572A759-6A51-4108-AA02-DFA0A04FC94B}">
-              <ma14:wrappingTextBoxFlag xmlns="" xmlns:m="http://schemas.openxmlformats.org/officeDocument/2006/math" xmlns:a14="http://schemas.microsoft.com/office/drawing/2010/main" xmlns:ma14="http://schemas.microsoft.com/office/mac/drawingml/2011/main" val="1"/>
+              <ma14:wrappingTextBoxFlag xmlns:ma14="http://schemas.microsoft.com/office/mac/drawingml/2011/main" xmlns:a14="http://schemas.microsoft.com/office/drawing/2010/main" xmlns:m="http://schemas.openxmlformats.org/officeDocument/2006/math" xmlns="" val="1"/>
             </a:ext>
           </a:extLst>
         </p:spPr>
@@ -5132,7 +5132,7 @@
           </a:effectLst>
           <a:extLst>
             <a:ext uri="{C572A759-6A51-4108-AA02-DFA0A04FC94B}">
-              <ma14:wrappingTextBoxFlag xmlns="" xmlns:m="http://schemas.openxmlformats.org/officeDocument/2006/math" xmlns:a14="http://schemas.microsoft.com/office/drawing/2010/main" xmlns:ma14="http://schemas.microsoft.com/office/mac/drawingml/2011/main" val="1"/>
+              <ma14:wrappingTextBoxFlag xmlns:ma14="http://schemas.microsoft.com/office/mac/drawingml/2011/main" xmlns:a14="http://schemas.microsoft.com/office/drawing/2010/main" xmlns:m="http://schemas.openxmlformats.org/officeDocument/2006/math" xmlns="" val="1"/>
             </a:ext>
           </a:extLst>
         </p:spPr>
@@ -5187,7 +5187,7 @@
           </a:ln>
           <a:extLst>
             <a:ext uri="{C572A759-6A51-4108-AA02-DFA0A04FC94B}">
-              <ma14:wrappingTextBoxFlag xmlns="" xmlns:m="http://schemas.openxmlformats.org/officeDocument/2006/math" xmlns:a14="http://schemas.microsoft.com/office/drawing/2010/main" xmlns:ma14="http://schemas.microsoft.com/office/mac/drawingml/2011/main" val="1"/>
+              <ma14:wrappingTextBoxFlag xmlns:ma14="http://schemas.microsoft.com/office/mac/drawingml/2011/main" xmlns:a14="http://schemas.microsoft.com/office/drawing/2010/main" xmlns:m="http://schemas.openxmlformats.org/officeDocument/2006/math" xmlns="" val="1"/>
             </a:ext>
           </a:extLst>
         </p:spPr>
@@ -5236,7 +5236,7 @@
           </a:ln>
           <a:extLst>
             <a:ext uri="{C572A759-6A51-4108-AA02-DFA0A04FC94B}">
-              <ma14:wrappingTextBoxFlag xmlns="" xmlns:m="http://schemas.openxmlformats.org/officeDocument/2006/math" xmlns:a14="http://schemas.microsoft.com/office/drawing/2010/main" xmlns:ma14="http://schemas.microsoft.com/office/mac/drawingml/2011/main" val="1"/>
+              <ma14:wrappingTextBoxFlag xmlns:ma14="http://schemas.microsoft.com/office/mac/drawingml/2011/main" xmlns:a14="http://schemas.microsoft.com/office/drawing/2010/main" xmlns:m="http://schemas.openxmlformats.org/officeDocument/2006/math" xmlns="" val="1"/>
             </a:ext>
           </a:extLst>
         </p:spPr>
@@ -5349,7 +5349,7 @@
           <a:effectLst/>
           <a:extLst>
             <a:ext uri="{C572A759-6A51-4108-AA02-DFA0A04FC94B}">
-              <ma14:wrappingTextBoxFlag xmlns="" xmlns:m="http://schemas.openxmlformats.org/officeDocument/2006/math" xmlns:a14="http://schemas.microsoft.com/office/drawing/2010/main" xmlns:ma14="http://schemas.microsoft.com/office/mac/drawingml/2011/main" val="1"/>
+              <ma14:wrappingTextBoxFlag xmlns:ma14="http://schemas.microsoft.com/office/mac/drawingml/2011/main" xmlns:a14="http://schemas.microsoft.com/office/drawing/2010/main" xmlns:m="http://schemas.openxmlformats.org/officeDocument/2006/math" xmlns="" val="1"/>
             </a:ext>
           </a:extLst>
         </p:spPr>
@@ -5403,7 +5403,7 @@
           <a:effectLst/>
           <a:extLst>
             <a:ext uri="{C572A759-6A51-4108-AA02-DFA0A04FC94B}">
-              <ma14:wrappingTextBoxFlag xmlns="" xmlns:m="http://schemas.openxmlformats.org/officeDocument/2006/math" xmlns:a14="http://schemas.microsoft.com/office/drawing/2010/main" xmlns:ma14="http://schemas.microsoft.com/office/mac/drawingml/2011/main" val="1"/>
+              <ma14:wrappingTextBoxFlag xmlns:ma14="http://schemas.microsoft.com/office/mac/drawingml/2011/main" xmlns:a14="http://schemas.microsoft.com/office/drawing/2010/main" xmlns:m="http://schemas.openxmlformats.org/officeDocument/2006/math" xmlns="" val="1"/>
             </a:ext>
           </a:extLst>
         </p:spPr>
@@ -5454,7 +5454,7 @@
           </a:ln>
           <a:extLst>
             <a:ext uri="{C572A759-6A51-4108-AA02-DFA0A04FC94B}">
-              <ma14:wrappingTextBoxFlag xmlns="" xmlns:m="http://schemas.openxmlformats.org/officeDocument/2006/math" xmlns:a14="http://schemas.microsoft.com/office/drawing/2010/main" xmlns:ma14="http://schemas.microsoft.com/office/mac/drawingml/2011/main" val="1"/>
+              <ma14:wrappingTextBoxFlag xmlns:ma14="http://schemas.microsoft.com/office/mac/drawingml/2011/main" xmlns:a14="http://schemas.microsoft.com/office/drawing/2010/main" xmlns:m="http://schemas.openxmlformats.org/officeDocument/2006/math" xmlns="" val="1"/>
             </a:ext>
           </a:extLst>
         </p:spPr>
@@ -5494,8 +5494,8 @@
         </p:nvSpPr>
         <p:spPr>
           <a:xfrm>
-            <a:off x="8358722" y="4137262"/>
-            <a:ext cx="1542020" cy="8672"/>
+            <a:off x="8547312" y="4118799"/>
+            <a:ext cx="1353430" cy="27135"/>
           </a:xfrm>
           <a:prstGeom prst="line">
             <a:avLst/>
@@ -5548,8 +5548,8 @@
         </p:nvSpPr>
         <p:spPr>
           <a:xfrm>
-            <a:off x="8388887" y="4399440"/>
-            <a:ext cx="1520064" cy="0"/>
+            <a:off x="8554435" y="4378761"/>
+            <a:ext cx="1354516" cy="20679"/>
           </a:xfrm>
           <a:prstGeom prst="line">
             <a:avLst/>
@@ -5629,7 +5629,7 @@
           </a:effectLst>
           <a:extLst>
             <a:ext uri="{C572A759-6A51-4108-AA02-DFA0A04FC94B}">
-              <ma14:wrappingTextBoxFlag xmlns="" xmlns:m="http://schemas.openxmlformats.org/officeDocument/2006/math" xmlns:a14="http://schemas.microsoft.com/office/drawing/2010/main" xmlns:ma14="http://schemas.microsoft.com/office/mac/drawingml/2011/main" val="1"/>
+              <ma14:wrappingTextBoxFlag xmlns:ma14="http://schemas.microsoft.com/office/mac/drawingml/2011/main" xmlns:a14="http://schemas.microsoft.com/office/drawing/2010/main" xmlns:m="http://schemas.openxmlformats.org/officeDocument/2006/math" xmlns="" val="1"/>
             </a:ext>
           </a:extLst>
         </p:spPr>
@@ -5688,7 +5688,7 @@
           </a:effectLst>
           <a:extLst>
             <a:ext uri="{C572A759-6A51-4108-AA02-DFA0A04FC94B}">
-              <ma14:wrappingTextBoxFlag xmlns="" xmlns:m="http://schemas.openxmlformats.org/officeDocument/2006/math" xmlns:a14="http://schemas.microsoft.com/office/drawing/2010/main" xmlns:ma14="http://schemas.microsoft.com/office/mac/drawingml/2011/main" val="1"/>
+              <ma14:wrappingTextBoxFlag xmlns:ma14="http://schemas.microsoft.com/office/mac/drawingml/2011/main" xmlns:a14="http://schemas.microsoft.com/office/drawing/2010/main" xmlns:m="http://schemas.openxmlformats.org/officeDocument/2006/math" xmlns="" val="1"/>
             </a:ext>
           </a:extLst>
         </p:spPr>
@@ -5753,7 +5753,7 @@
           </a:effectLst>
           <a:extLst>
             <a:ext uri="{C572A759-6A51-4108-AA02-DFA0A04FC94B}">
-              <ma14:wrappingTextBoxFlag xmlns="" xmlns:m="http://schemas.openxmlformats.org/officeDocument/2006/math" xmlns:a14="http://schemas.microsoft.com/office/drawing/2010/main" xmlns:ma14="http://schemas.microsoft.com/office/mac/drawingml/2011/main" val="1"/>
+              <ma14:wrappingTextBoxFlag xmlns:ma14="http://schemas.microsoft.com/office/mac/drawingml/2011/main" xmlns:a14="http://schemas.microsoft.com/office/drawing/2010/main" xmlns:m="http://schemas.openxmlformats.org/officeDocument/2006/math" xmlns="" val="1"/>
             </a:ext>
           </a:extLst>
         </p:spPr>
@@ -5818,7 +5818,7 @@
           </a:effectLst>
           <a:extLst>
             <a:ext uri="{C572A759-6A51-4108-AA02-DFA0A04FC94B}">
-              <ma14:wrappingTextBoxFlag xmlns="" xmlns:m="http://schemas.openxmlformats.org/officeDocument/2006/math" xmlns:a14="http://schemas.microsoft.com/office/drawing/2010/main" xmlns:ma14="http://schemas.microsoft.com/office/mac/drawingml/2011/main" val="1"/>
+              <ma14:wrappingTextBoxFlag xmlns:ma14="http://schemas.microsoft.com/office/mac/drawingml/2011/main" xmlns:a14="http://schemas.microsoft.com/office/drawing/2010/main" xmlns:m="http://schemas.openxmlformats.org/officeDocument/2006/math" xmlns="" val="1"/>
             </a:ext>
           </a:extLst>
         </p:spPr>
@@ -5883,7 +5883,7 @@
           </a:effectLst>
           <a:extLst>
             <a:ext uri="{C572A759-6A51-4108-AA02-DFA0A04FC94B}">
-              <ma14:wrappingTextBoxFlag xmlns="" xmlns:m="http://schemas.openxmlformats.org/officeDocument/2006/math" xmlns:a14="http://schemas.microsoft.com/office/drawing/2010/main" xmlns:ma14="http://schemas.microsoft.com/office/mac/drawingml/2011/main" val="1"/>
+              <ma14:wrappingTextBoxFlag xmlns:ma14="http://schemas.microsoft.com/office/mac/drawingml/2011/main" xmlns:a14="http://schemas.microsoft.com/office/drawing/2010/main" xmlns:m="http://schemas.openxmlformats.org/officeDocument/2006/math" xmlns="" val="1"/>
             </a:ext>
           </a:extLst>
         </p:spPr>
@@ -6004,7 +6004,7 @@
           </a:effectLst>
           <a:extLst>
             <a:ext uri="{C572A759-6A51-4108-AA02-DFA0A04FC94B}">
-              <ma14:wrappingTextBoxFlag xmlns="" xmlns:m="http://schemas.openxmlformats.org/officeDocument/2006/math" xmlns:a14="http://schemas.microsoft.com/office/drawing/2010/main" xmlns:ma14="http://schemas.microsoft.com/office/mac/drawingml/2011/main" val="1"/>
+              <ma14:wrappingTextBoxFlag xmlns:ma14="http://schemas.microsoft.com/office/mac/drawingml/2011/main" xmlns:a14="http://schemas.microsoft.com/office/drawing/2010/main" xmlns:m="http://schemas.openxmlformats.org/officeDocument/2006/math" xmlns="" val="1"/>
             </a:ext>
           </a:extLst>
         </p:spPr>
@@ -6071,7 +6071,7 @@
           </a:effectLst>
           <a:extLst>
             <a:ext uri="{C572A759-6A51-4108-AA02-DFA0A04FC94B}">
-              <ma14:wrappingTextBoxFlag xmlns="" xmlns:m="http://schemas.openxmlformats.org/officeDocument/2006/math" xmlns:a14="http://schemas.microsoft.com/office/drawing/2010/main" xmlns:ma14="http://schemas.microsoft.com/office/mac/drawingml/2011/main" val="1"/>
+              <ma14:wrappingTextBoxFlag xmlns:ma14="http://schemas.microsoft.com/office/mac/drawingml/2011/main" xmlns:a14="http://schemas.microsoft.com/office/drawing/2010/main" xmlns:m="http://schemas.openxmlformats.org/officeDocument/2006/math" xmlns="" val="1"/>
             </a:ext>
           </a:extLst>
         </p:spPr>
@@ -6124,7 +6124,7 @@
           </a:effectLst>
           <a:extLst>
             <a:ext uri="{C572A759-6A51-4108-AA02-DFA0A04FC94B}">
-              <ma14:wrappingTextBoxFlag xmlns="" xmlns:m="http://schemas.openxmlformats.org/officeDocument/2006/math" xmlns:a14="http://schemas.microsoft.com/office/drawing/2010/main" xmlns:ma14="http://schemas.microsoft.com/office/mac/drawingml/2011/main" val="1"/>
+              <ma14:wrappingTextBoxFlag xmlns:ma14="http://schemas.microsoft.com/office/mac/drawingml/2011/main" xmlns:a14="http://schemas.microsoft.com/office/drawing/2010/main" xmlns:m="http://schemas.openxmlformats.org/officeDocument/2006/math" xmlns="" val="1"/>
             </a:ext>
           </a:extLst>
         </p:spPr>
@@ -6180,7 +6180,7 @@
           </a:effectLst>
           <a:extLst>
             <a:ext uri="{C572A759-6A51-4108-AA02-DFA0A04FC94B}">
-              <ma14:wrappingTextBoxFlag xmlns="" xmlns:m="http://schemas.openxmlformats.org/officeDocument/2006/math" xmlns:a14="http://schemas.microsoft.com/office/drawing/2010/main" xmlns:ma14="http://schemas.microsoft.com/office/mac/drawingml/2011/main" val="1"/>
+              <ma14:wrappingTextBoxFlag xmlns:ma14="http://schemas.microsoft.com/office/mac/drawingml/2011/main" xmlns:a14="http://schemas.microsoft.com/office/drawing/2010/main" xmlns:m="http://schemas.openxmlformats.org/officeDocument/2006/math" xmlns="" val="1"/>
             </a:ext>
           </a:extLst>
         </p:spPr>
@@ -6296,7 +6296,7 @@
           </a:effectLst>
           <a:extLst>
             <a:ext uri="{C572A759-6A51-4108-AA02-DFA0A04FC94B}">
-              <ma14:wrappingTextBoxFlag xmlns="" xmlns:m="http://schemas.openxmlformats.org/officeDocument/2006/math" xmlns:a14="http://schemas.microsoft.com/office/drawing/2010/main" xmlns:ma14="http://schemas.microsoft.com/office/mac/drawingml/2011/main" val="1"/>
+              <ma14:wrappingTextBoxFlag xmlns:ma14="http://schemas.microsoft.com/office/mac/drawingml/2011/main" xmlns:a14="http://schemas.microsoft.com/office/drawing/2010/main" xmlns:m="http://schemas.openxmlformats.org/officeDocument/2006/math" xmlns="" val="1"/>
             </a:ext>
           </a:extLst>
         </p:spPr>
@@ -6349,7 +6349,7 @@
           </a:effectLst>
           <a:extLst>
             <a:ext uri="{C572A759-6A51-4108-AA02-DFA0A04FC94B}">
-              <ma14:wrappingTextBoxFlag xmlns="" xmlns:m="http://schemas.openxmlformats.org/officeDocument/2006/math" xmlns:a14="http://schemas.microsoft.com/office/drawing/2010/main" xmlns:ma14="http://schemas.microsoft.com/office/mac/drawingml/2011/main" val="1"/>
+              <ma14:wrappingTextBoxFlag xmlns:ma14="http://schemas.microsoft.com/office/mac/drawingml/2011/main" xmlns:a14="http://schemas.microsoft.com/office/drawing/2010/main" xmlns:m="http://schemas.openxmlformats.org/officeDocument/2006/math" xmlns="" val="1"/>
             </a:ext>
           </a:extLst>
         </p:spPr>
@@ -6416,7 +6416,7 @@
           </a:effectLst>
           <a:extLst>
             <a:ext uri="{C572A759-6A51-4108-AA02-DFA0A04FC94B}">
-              <ma14:wrappingTextBoxFlag xmlns="" xmlns:m="http://schemas.openxmlformats.org/officeDocument/2006/math" xmlns:a14="http://schemas.microsoft.com/office/drawing/2010/main" xmlns:ma14="http://schemas.microsoft.com/office/mac/drawingml/2011/main" val="1"/>
+              <ma14:wrappingTextBoxFlag xmlns:ma14="http://schemas.microsoft.com/office/mac/drawingml/2011/main" xmlns:a14="http://schemas.microsoft.com/office/drawing/2010/main" xmlns:m="http://schemas.openxmlformats.org/officeDocument/2006/math" xmlns="" val="1"/>
             </a:ext>
           </a:extLst>
         </p:spPr>
@@ -6481,7 +6481,7 @@
           </a:effectLst>
           <a:extLst>
             <a:ext uri="{C572A759-6A51-4108-AA02-DFA0A04FC94B}">
-              <ma14:wrappingTextBoxFlag xmlns="" xmlns:m="http://schemas.openxmlformats.org/officeDocument/2006/math" xmlns:a14="http://schemas.microsoft.com/office/drawing/2010/main" xmlns:ma14="http://schemas.microsoft.com/office/mac/drawingml/2011/main" val="1"/>
+              <ma14:wrappingTextBoxFlag xmlns:ma14="http://schemas.microsoft.com/office/mac/drawingml/2011/main" xmlns:a14="http://schemas.microsoft.com/office/drawing/2010/main" xmlns:m="http://schemas.openxmlformats.org/officeDocument/2006/math" xmlns="" val="1"/>
             </a:ext>
           </a:extLst>
         </p:spPr>
@@ -6648,7 +6648,7 @@
           </a:effectLst>
           <a:extLst>
             <a:ext uri="{C572A759-6A51-4108-AA02-DFA0A04FC94B}">
-              <ma14:wrappingTextBoxFlag xmlns="" xmlns:m="http://schemas.openxmlformats.org/officeDocument/2006/math" xmlns:a14="http://schemas.microsoft.com/office/drawing/2010/main" xmlns:ma14="http://schemas.microsoft.com/office/mac/drawingml/2011/main" val="1"/>
+              <ma14:wrappingTextBoxFlag xmlns:ma14="http://schemas.microsoft.com/office/mac/drawingml/2011/main" xmlns:a14="http://schemas.microsoft.com/office/drawing/2010/main" xmlns:m="http://schemas.openxmlformats.org/officeDocument/2006/math" xmlns="" val="1"/>
             </a:ext>
           </a:extLst>
         </p:spPr>
@@ -6701,7 +6701,7 @@
           </a:effectLst>
           <a:extLst>
             <a:ext uri="{C572A759-6A51-4108-AA02-DFA0A04FC94B}">
-              <ma14:wrappingTextBoxFlag xmlns="" xmlns:m="http://schemas.openxmlformats.org/officeDocument/2006/math" xmlns:a14="http://schemas.microsoft.com/office/drawing/2010/main" xmlns:ma14="http://schemas.microsoft.com/office/mac/drawingml/2011/main" val="1"/>
+              <ma14:wrappingTextBoxFlag xmlns:ma14="http://schemas.microsoft.com/office/mac/drawingml/2011/main" xmlns:a14="http://schemas.microsoft.com/office/drawing/2010/main" xmlns:m="http://schemas.openxmlformats.org/officeDocument/2006/math" xmlns="" val="1"/>
             </a:ext>
           </a:extLst>
         </p:spPr>
@@ -6765,7 +6765,7 @@
           </a:effectLst>
           <a:extLst>
             <a:ext uri="{C572A759-6A51-4108-AA02-DFA0A04FC94B}">
-              <ma14:wrappingTextBoxFlag xmlns="" xmlns:m="http://schemas.openxmlformats.org/officeDocument/2006/math" xmlns:a14="http://schemas.microsoft.com/office/drawing/2010/main" xmlns:ma14="http://schemas.microsoft.com/office/mac/drawingml/2011/main" val="1"/>
+              <ma14:wrappingTextBoxFlag xmlns:ma14="http://schemas.microsoft.com/office/mac/drawingml/2011/main" xmlns:a14="http://schemas.microsoft.com/office/drawing/2010/main" xmlns:m="http://schemas.openxmlformats.org/officeDocument/2006/math" xmlns="" val="1"/>
             </a:ext>
           </a:extLst>
         </p:spPr>
@@ -6886,7 +6886,7 @@
           </a:effectLst>
           <a:extLst>
             <a:ext uri="{C572A759-6A51-4108-AA02-DFA0A04FC94B}">
-              <ma14:wrappingTextBoxFlag xmlns="" xmlns:m="http://schemas.openxmlformats.org/officeDocument/2006/math" xmlns:a14="http://schemas.microsoft.com/office/drawing/2010/main" xmlns:ma14="http://schemas.microsoft.com/office/mac/drawingml/2011/main" val="1"/>
+              <ma14:wrappingTextBoxFlag xmlns:ma14="http://schemas.microsoft.com/office/mac/drawingml/2011/main" xmlns:a14="http://schemas.microsoft.com/office/drawing/2010/main" xmlns:m="http://schemas.openxmlformats.org/officeDocument/2006/math" xmlns="" val="1"/>
             </a:ext>
           </a:extLst>
         </p:spPr>
@@ -6945,7 +6945,7 @@
           </a:effectLst>
           <a:extLst>
             <a:ext uri="{C572A759-6A51-4108-AA02-DFA0A04FC94B}">
-              <ma14:wrappingTextBoxFlag xmlns="" xmlns:m="http://schemas.openxmlformats.org/officeDocument/2006/math" xmlns:a14="http://schemas.microsoft.com/office/drawing/2010/main" xmlns:ma14="http://schemas.microsoft.com/office/mac/drawingml/2011/main" val="1"/>
+              <ma14:wrappingTextBoxFlag xmlns:ma14="http://schemas.microsoft.com/office/mac/drawingml/2011/main" xmlns:a14="http://schemas.microsoft.com/office/drawing/2010/main" xmlns:m="http://schemas.openxmlformats.org/officeDocument/2006/math" xmlns="" val="1"/>
             </a:ext>
           </a:extLst>
         </p:spPr>
@@ -7010,7 +7010,7 @@
           </a:effectLst>
           <a:extLst>
             <a:ext uri="{C572A759-6A51-4108-AA02-DFA0A04FC94B}">
-              <ma14:wrappingTextBoxFlag xmlns="" xmlns:m="http://schemas.openxmlformats.org/officeDocument/2006/math" xmlns:a14="http://schemas.microsoft.com/office/drawing/2010/main" xmlns:ma14="http://schemas.microsoft.com/office/mac/drawingml/2011/main" val="1"/>
+              <ma14:wrappingTextBoxFlag xmlns:ma14="http://schemas.microsoft.com/office/mac/drawingml/2011/main" xmlns:a14="http://schemas.microsoft.com/office/drawing/2010/main" xmlns:m="http://schemas.openxmlformats.org/officeDocument/2006/math" xmlns="" val="1"/>
             </a:ext>
           </a:extLst>
         </p:spPr>
@@ -7075,7 +7075,7 @@
           </a:effectLst>
           <a:extLst>
             <a:ext uri="{C572A759-6A51-4108-AA02-DFA0A04FC94B}">
-              <ma14:wrappingTextBoxFlag xmlns="" xmlns:m="http://schemas.openxmlformats.org/officeDocument/2006/math" xmlns:a14="http://schemas.microsoft.com/office/drawing/2010/main" xmlns:ma14="http://schemas.microsoft.com/office/mac/drawingml/2011/main" val="1"/>
+              <ma14:wrappingTextBoxFlag xmlns:ma14="http://schemas.microsoft.com/office/mac/drawingml/2011/main" xmlns:a14="http://schemas.microsoft.com/office/drawing/2010/main" xmlns:m="http://schemas.openxmlformats.org/officeDocument/2006/math" xmlns="" val="1"/>
             </a:ext>
           </a:extLst>
         </p:spPr>
@@ -7140,7 +7140,7 @@
           </a:effectLst>
           <a:extLst>
             <a:ext uri="{C572A759-6A51-4108-AA02-DFA0A04FC94B}">
-              <ma14:wrappingTextBoxFlag xmlns="" xmlns:m="http://schemas.openxmlformats.org/officeDocument/2006/math" xmlns:a14="http://schemas.microsoft.com/office/drawing/2010/main" xmlns:ma14="http://schemas.microsoft.com/office/mac/drawingml/2011/main" val="1"/>
+              <ma14:wrappingTextBoxFlag xmlns:ma14="http://schemas.microsoft.com/office/mac/drawingml/2011/main" xmlns:a14="http://schemas.microsoft.com/office/drawing/2010/main" xmlns:m="http://schemas.openxmlformats.org/officeDocument/2006/math" xmlns="" val="1"/>
             </a:ext>
           </a:extLst>
         </p:spPr>
@@ -7511,7 +7511,7 @@
           </a:effectLst>
           <a:extLst>
             <a:ext uri="{C572A759-6A51-4108-AA02-DFA0A04FC94B}">
-              <ma14:wrappingTextBoxFlag xmlns="" xmlns:m="http://schemas.openxmlformats.org/officeDocument/2006/math" xmlns:a14="http://schemas.microsoft.com/office/drawing/2010/main" xmlns:ma14="http://schemas.microsoft.com/office/mac/drawingml/2011/main" val="1"/>
+              <ma14:wrappingTextBoxFlag xmlns:ma14="http://schemas.microsoft.com/office/mac/drawingml/2011/main" xmlns:a14="http://schemas.microsoft.com/office/drawing/2010/main" xmlns:m="http://schemas.openxmlformats.org/officeDocument/2006/math" xmlns="" val="1"/>
             </a:ext>
           </a:extLst>
         </p:spPr>
@@ -7557,8 +7557,8 @@
         </p:nvSpPr>
         <p:spPr>
           <a:xfrm>
-            <a:off x="8414866" y="5047648"/>
-            <a:ext cx="1542020" cy="8672"/>
+            <a:off x="8547310" y="5035640"/>
+            <a:ext cx="1409575" cy="20680"/>
           </a:xfrm>
           <a:prstGeom prst="line">
             <a:avLst/>
@@ -7616,9 +7616,9 @@
           <p:nvPr/>
         </p:nvSpPr>
         <p:spPr>
-          <a:xfrm flipH="1">
-            <a:off x="8388759" y="5394234"/>
-            <a:ext cx="1520064" cy="0"/>
+          <a:xfrm flipH="1" flipV="1">
+            <a:off x="8547311" y="5348277"/>
+            <a:ext cx="1361511" cy="45957"/>
           </a:xfrm>
           <a:prstGeom prst="line">
             <a:avLst/>
@@ -7688,7 +7688,7 @@
           </a:ln>
           <a:extLst>
             <a:ext uri="{C572A759-6A51-4108-AA02-DFA0A04FC94B}">
-              <ma14:wrappingTextBoxFlag xmlns="" xmlns:m="http://schemas.openxmlformats.org/officeDocument/2006/math" xmlns:a14="http://schemas.microsoft.com/office/drawing/2010/main" xmlns:ma14="http://schemas.microsoft.com/office/mac/drawingml/2011/main" val="1"/>
+              <ma14:wrappingTextBoxFlag xmlns:ma14="http://schemas.microsoft.com/office/mac/drawingml/2011/main" xmlns:a14="http://schemas.microsoft.com/office/drawing/2010/main" xmlns:m="http://schemas.openxmlformats.org/officeDocument/2006/math" xmlns="" val="1"/>
             </a:ext>
           </a:extLst>
         </p:spPr>
@@ -7763,7 +7763,7 @@
           </a:effectLst>
           <a:extLst>
             <a:ext uri="{C572A759-6A51-4108-AA02-DFA0A04FC94B}">
-              <ma14:wrappingTextBoxFlag xmlns="" xmlns:m="http://schemas.openxmlformats.org/officeDocument/2006/math" xmlns:a14="http://schemas.microsoft.com/office/drawing/2010/main" xmlns:ma14="http://schemas.microsoft.com/office/mac/drawingml/2011/main" val="1"/>
+              <ma14:wrappingTextBoxFlag xmlns:ma14="http://schemas.microsoft.com/office/mac/drawingml/2011/main" xmlns:a14="http://schemas.microsoft.com/office/drawing/2010/main" xmlns:m="http://schemas.openxmlformats.org/officeDocument/2006/math" xmlns="" val="1"/>
             </a:ext>
           </a:extLst>
         </p:spPr>
@@ -7837,7 +7837,7 @@
           </a:effectLst>
           <a:extLst>
             <a:ext uri="{C572A759-6A51-4108-AA02-DFA0A04FC94B}">
-              <ma14:wrappingTextBoxFlag xmlns="" xmlns:m="http://schemas.openxmlformats.org/officeDocument/2006/math" xmlns:a14="http://schemas.microsoft.com/office/drawing/2010/main" xmlns:ma14="http://schemas.microsoft.com/office/mac/drawingml/2011/main" val="1"/>
+              <ma14:wrappingTextBoxFlag xmlns:ma14="http://schemas.microsoft.com/office/mac/drawingml/2011/main" xmlns:a14="http://schemas.microsoft.com/office/drawing/2010/main" xmlns:m="http://schemas.openxmlformats.org/officeDocument/2006/math" xmlns="" val="1"/>
             </a:ext>
           </a:extLst>
         </p:spPr>
@@ -7959,7 +7959,7 @@
           </a:ln>
           <a:extLst>
             <a:ext uri="{C572A759-6A51-4108-AA02-DFA0A04FC94B}">
-              <ma14:wrappingTextBoxFlag xmlns="" xmlns:m="http://schemas.openxmlformats.org/officeDocument/2006/math" xmlns:a14="http://schemas.microsoft.com/office/drawing/2010/main" xmlns:ma14="http://schemas.microsoft.com/office/mac/drawingml/2011/main" val="1"/>
+              <ma14:wrappingTextBoxFlag xmlns:ma14="http://schemas.microsoft.com/office/mac/drawingml/2011/main" xmlns:a14="http://schemas.microsoft.com/office/drawing/2010/main" xmlns:m="http://schemas.openxmlformats.org/officeDocument/2006/math" xmlns="" val="1"/>
             </a:ext>
           </a:extLst>
         </p:spPr>
@@ -8034,7 +8034,7 @@
           </a:effectLst>
           <a:extLst>
             <a:ext uri="{C572A759-6A51-4108-AA02-DFA0A04FC94B}">
-              <ma14:wrappingTextBoxFlag xmlns="" xmlns:m="http://schemas.openxmlformats.org/officeDocument/2006/math" xmlns:a14="http://schemas.microsoft.com/office/drawing/2010/main" xmlns:ma14="http://schemas.microsoft.com/office/mac/drawingml/2011/main" val="1"/>
+              <ma14:wrappingTextBoxFlag xmlns:ma14="http://schemas.microsoft.com/office/mac/drawingml/2011/main" xmlns:a14="http://schemas.microsoft.com/office/drawing/2010/main" xmlns:m="http://schemas.openxmlformats.org/officeDocument/2006/math" xmlns="" val="1"/>
             </a:ext>
           </a:extLst>
         </p:spPr>
@@ -8094,7 +8094,7 @@
           </a:effectLst>
           <a:extLst>
             <a:ext uri="{C572A759-6A51-4108-AA02-DFA0A04FC94B}">
-              <ma14:wrappingTextBoxFlag xmlns="" xmlns:m="http://schemas.openxmlformats.org/officeDocument/2006/math" xmlns:a14="http://schemas.microsoft.com/office/drawing/2010/main" xmlns:ma14="http://schemas.microsoft.com/office/mac/drawingml/2011/main" val="1"/>
+              <ma14:wrappingTextBoxFlag xmlns:ma14="http://schemas.microsoft.com/office/mac/drawingml/2011/main" xmlns:a14="http://schemas.microsoft.com/office/drawing/2010/main" xmlns:m="http://schemas.openxmlformats.org/officeDocument/2006/math" xmlns="" val="1"/>
             </a:ext>
           </a:extLst>
         </p:spPr>
@@ -8168,7 +8168,7 @@
           </a:effectLst>
           <a:extLst>
             <a:ext uri="{C572A759-6A51-4108-AA02-DFA0A04FC94B}">
-              <ma14:wrappingTextBoxFlag xmlns="" xmlns:m="http://schemas.openxmlformats.org/officeDocument/2006/math" xmlns:a14="http://schemas.microsoft.com/office/drawing/2010/main" xmlns:ma14="http://schemas.microsoft.com/office/mac/drawingml/2011/main" val="1"/>
+              <ma14:wrappingTextBoxFlag xmlns:ma14="http://schemas.microsoft.com/office/mac/drawingml/2011/main" xmlns:a14="http://schemas.microsoft.com/office/drawing/2010/main" xmlns:m="http://schemas.openxmlformats.org/officeDocument/2006/math" xmlns="" val="1"/>
             </a:ext>
           </a:extLst>
         </p:spPr>
@@ -8284,7 +8284,7 @@
           </a:effectLst>
           <a:extLst>
             <a:ext uri="{C572A759-6A51-4108-AA02-DFA0A04FC94B}">
-              <ma14:wrappingTextBoxFlag xmlns="" xmlns:m="http://schemas.openxmlformats.org/officeDocument/2006/math" xmlns:a14="http://schemas.microsoft.com/office/drawing/2010/main" xmlns:ma14="http://schemas.microsoft.com/office/mac/drawingml/2011/main" val="1"/>
+              <ma14:wrappingTextBoxFlag xmlns:ma14="http://schemas.microsoft.com/office/mac/drawingml/2011/main" xmlns:a14="http://schemas.microsoft.com/office/drawing/2010/main" xmlns:m="http://schemas.openxmlformats.org/officeDocument/2006/math" xmlns="" val="1"/>
             </a:ext>
           </a:extLst>
         </p:spPr>
@@ -8429,7 +8429,7 @@
           </a:effectLst>
           <a:extLst>
             <a:ext uri="{C572A759-6A51-4108-AA02-DFA0A04FC94B}">
-              <ma14:wrappingTextBoxFlag xmlns="" xmlns:m="http://schemas.openxmlformats.org/officeDocument/2006/math" xmlns:a14="http://schemas.microsoft.com/office/drawing/2010/main" xmlns:ma14="http://schemas.microsoft.com/office/mac/drawingml/2011/main" val="1"/>
+              <ma14:wrappingTextBoxFlag xmlns:ma14="http://schemas.microsoft.com/office/mac/drawingml/2011/main" xmlns:a14="http://schemas.microsoft.com/office/drawing/2010/main" xmlns:m="http://schemas.openxmlformats.org/officeDocument/2006/math" xmlns="" val="1"/>
             </a:ext>
           </a:extLst>
         </p:spPr>
@@ -8499,7 +8499,7 @@
           </a:effectLst>
           <a:extLst>
             <a:ext uri="{C572A759-6A51-4108-AA02-DFA0A04FC94B}">
-              <ma14:wrappingTextBoxFlag xmlns="" xmlns:m="http://schemas.openxmlformats.org/officeDocument/2006/math" xmlns:a14="http://schemas.microsoft.com/office/drawing/2010/main" xmlns:ma14="http://schemas.microsoft.com/office/mac/drawingml/2011/main" val="1"/>
+              <ma14:wrappingTextBoxFlag xmlns:ma14="http://schemas.microsoft.com/office/mac/drawingml/2011/main" xmlns:a14="http://schemas.microsoft.com/office/drawing/2010/main" xmlns:m="http://schemas.openxmlformats.org/officeDocument/2006/math" xmlns="" val="1"/>
             </a:ext>
           </a:extLst>
         </p:spPr>
@@ -8552,7 +8552,7 @@
           </a:effectLst>
           <a:extLst>
             <a:ext uri="{C572A759-6A51-4108-AA02-DFA0A04FC94B}">
-              <ma14:wrappingTextBoxFlag xmlns="" xmlns:m="http://schemas.openxmlformats.org/officeDocument/2006/math" xmlns:a14="http://schemas.microsoft.com/office/drawing/2010/main" xmlns:ma14="http://schemas.microsoft.com/office/mac/drawingml/2011/main" val="1"/>
+              <ma14:wrappingTextBoxFlag xmlns:ma14="http://schemas.microsoft.com/office/mac/drawingml/2011/main" xmlns:a14="http://schemas.microsoft.com/office/drawing/2010/main" xmlns:m="http://schemas.openxmlformats.org/officeDocument/2006/math" xmlns="" val="1"/>
             </a:ext>
           </a:extLst>
         </p:spPr>
@@ -8608,7 +8608,7 @@
           </a:effectLst>
           <a:extLst>
             <a:ext uri="{C572A759-6A51-4108-AA02-DFA0A04FC94B}">
-              <ma14:wrappingTextBoxFlag xmlns="" xmlns:m="http://schemas.openxmlformats.org/officeDocument/2006/math" xmlns:a14="http://schemas.microsoft.com/office/drawing/2010/main" xmlns:ma14="http://schemas.microsoft.com/office/mac/drawingml/2011/main" val="1"/>
+              <ma14:wrappingTextBoxFlag xmlns:ma14="http://schemas.microsoft.com/office/mac/drawingml/2011/main" xmlns:a14="http://schemas.microsoft.com/office/drawing/2010/main" xmlns:m="http://schemas.openxmlformats.org/officeDocument/2006/math" xmlns="" val="1"/>
             </a:ext>
           </a:extLst>
         </p:spPr>
@@ -8678,7 +8678,7 @@
           </a:effectLst>
           <a:extLst>
             <a:ext uri="{C572A759-6A51-4108-AA02-DFA0A04FC94B}">
-              <ma14:wrappingTextBoxFlag xmlns="" xmlns:m="http://schemas.openxmlformats.org/officeDocument/2006/math" xmlns:a14="http://schemas.microsoft.com/office/drawing/2010/main" xmlns:ma14="http://schemas.microsoft.com/office/mac/drawingml/2011/main" val="1"/>
+              <ma14:wrappingTextBoxFlag xmlns:ma14="http://schemas.microsoft.com/office/mac/drawingml/2011/main" xmlns:a14="http://schemas.microsoft.com/office/drawing/2010/main" xmlns:m="http://schemas.openxmlformats.org/officeDocument/2006/math" xmlns="" val="1"/>
             </a:ext>
           </a:extLst>
         </p:spPr>
@@ -8731,7 +8731,7 @@
           </a:effectLst>
           <a:extLst>
             <a:ext uri="{C572A759-6A51-4108-AA02-DFA0A04FC94B}">
-              <ma14:wrappingTextBoxFlag xmlns="" xmlns:m="http://schemas.openxmlformats.org/officeDocument/2006/math" xmlns:a14="http://schemas.microsoft.com/office/drawing/2010/main" xmlns:ma14="http://schemas.microsoft.com/office/mac/drawingml/2011/main" val="1"/>
+              <ma14:wrappingTextBoxFlag xmlns:ma14="http://schemas.microsoft.com/office/mac/drawingml/2011/main" xmlns:a14="http://schemas.microsoft.com/office/drawing/2010/main" xmlns:m="http://schemas.openxmlformats.org/officeDocument/2006/math" xmlns="" val="1"/>
             </a:ext>
           </a:extLst>
         </p:spPr>
@@ -8798,7 +8798,7 @@
           </a:effectLst>
           <a:extLst>
             <a:ext uri="{C572A759-6A51-4108-AA02-DFA0A04FC94B}">
-              <ma14:wrappingTextBoxFlag xmlns="" xmlns:m="http://schemas.openxmlformats.org/officeDocument/2006/math" xmlns:a14="http://schemas.microsoft.com/office/drawing/2010/main" xmlns:ma14="http://schemas.microsoft.com/office/mac/drawingml/2011/main" val="1"/>
+              <ma14:wrappingTextBoxFlag xmlns:ma14="http://schemas.microsoft.com/office/mac/drawingml/2011/main" xmlns:a14="http://schemas.microsoft.com/office/drawing/2010/main" xmlns:m="http://schemas.openxmlformats.org/officeDocument/2006/math" xmlns="" val="1"/>
             </a:ext>
           </a:extLst>
         </p:spPr>
@@ -8863,7 +8863,7 @@
           </a:effectLst>
           <a:extLst>
             <a:ext uri="{C572A759-6A51-4108-AA02-DFA0A04FC94B}">
-              <ma14:wrappingTextBoxFlag xmlns="" xmlns:m="http://schemas.openxmlformats.org/officeDocument/2006/math" xmlns:a14="http://schemas.microsoft.com/office/drawing/2010/main" xmlns:ma14="http://schemas.microsoft.com/office/mac/drawingml/2011/main" val="1"/>
+              <ma14:wrappingTextBoxFlag xmlns:ma14="http://schemas.microsoft.com/office/mac/drawingml/2011/main" xmlns:a14="http://schemas.microsoft.com/office/drawing/2010/main" xmlns:m="http://schemas.openxmlformats.org/officeDocument/2006/math" xmlns="" val="1"/>
             </a:ext>
           </a:extLst>
         </p:spPr>
@@ -8922,7 +8922,7 @@
           </a:effectLst>
           <a:extLst>
             <a:ext uri="{C572A759-6A51-4108-AA02-DFA0A04FC94B}">
-              <ma14:wrappingTextBoxFlag xmlns="" xmlns:m="http://schemas.openxmlformats.org/officeDocument/2006/math" xmlns:a14="http://schemas.microsoft.com/office/drawing/2010/main" xmlns:ma14="http://schemas.microsoft.com/office/mac/drawingml/2011/main" val="1"/>
+              <ma14:wrappingTextBoxFlag xmlns:ma14="http://schemas.microsoft.com/office/mac/drawingml/2011/main" xmlns:a14="http://schemas.microsoft.com/office/drawing/2010/main" xmlns:m="http://schemas.openxmlformats.org/officeDocument/2006/math" xmlns="" val="1"/>
             </a:ext>
           </a:extLst>
         </p:spPr>
@@ -8973,7 +8973,7 @@
           </a:effectLst>
           <a:extLst>
             <a:ext uri="{C572A759-6A51-4108-AA02-DFA0A04FC94B}">
-              <ma14:wrappingTextBoxFlag xmlns="" xmlns:m="http://schemas.openxmlformats.org/officeDocument/2006/math" xmlns:a14="http://schemas.microsoft.com/office/drawing/2010/main" xmlns:ma14="http://schemas.microsoft.com/office/mac/drawingml/2011/main" val="1"/>
+              <ma14:wrappingTextBoxFlag xmlns:ma14="http://schemas.microsoft.com/office/mac/drawingml/2011/main" xmlns:a14="http://schemas.microsoft.com/office/drawing/2010/main" xmlns:m="http://schemas.openxmlformats.org/officeDocument/2006/math" xmlns="" val="1"/>
             </a:ext>
           </a:extLst>
         </p:spPr>
@@ -9029,7 +9029,7 @@
           </a:effectLst>
           <a:extLst>
             <a:ext uri="{C572A759-6A51-4108-AA02-DFA0A04FC94B}">
-              <ma14:wrappingTextBoxFlag xmlns="" xmlns:m="http://schemas.openxmlformats.org/officeDocument/2006/math" xmlns:a14="http://schemas.microsoft.com/office/drawing/2010/main" xmlns:ma14="http://schemas.microsoft.com/office/mac/drawingml/2011/main" val="1"/>
+              <ma14:wrappingTextBoxFlag xmlns:ma14="http://schemas.microsoft.com/office/mac/drawingml/2011/main" xmlns:a14="http://schemas.microsoft.com/office/drawing/2010/main" xmlns:m="http://schemas.openxmlformats.org/officeDocument/2006/math" xmlns="" val="1"/>
             </a:ext>
           </a:extLst>
         </p:spPr>
@@ -9098,7 +9098,7 @@
           </a:effectLst>
           <a:extLst>
             <a:ext uri="{C572A759-6A51-4108-AA02-DFA0A04FC94B}">
-              <ma14:wrappingTextBoxFlag xmlns="" xmlns:m="http://schemas.openxmlformats.org/officeDocument/2006/math" xmlns:a14="http://schemas.microsoft.com/office/drawing/2010/main" xmlns:ma14="http://schemas.microsoft.com/office/mac/drawingml/2011/main" val="1"/>
+              <ma14:wrappingTextBoxFlag xmlns:ma14="http://schemas.microsoft.com/office/mac/drawingml/2011/main" xmlns:a14="http://schemas.microsoft.com/office/drawing/2010/main" xmlns:m="http://schemas.openxmlformats.org/officeDocument/2006/math" xmlns="" val="1"/>
             </a:ext>
           </a:extLst>
         </p:spPr>
@@ -9165,7 +9165,7 @@
           </a:effectLst>
           <a:extLst>
             <a:ext uri="{C572A759-6A51-4108-AA02-DFA0A04FC94B}">
-              <ma14:wrappingTextBoxFlag xmlns="" xmlns:m="http://schemas.openxmlformats.org/officeDocument/2006/math" xmlns:a14="http://schemas.microsoft.com/office/drawing/2010/main" xmlns:ma14="http://schemas.microsoft.com/office/mac/drawingml/2011/main" val="1"/>
+              <ma14:wrappingTextBoxFlag xmlns:ma14="http://schemas.microsoft.com/office/mac/drawingml/2011/main" xmlns:a14="http://schemas.microsoft.com/office/drawing/2010/main" xmlns:m="http://schemas.openxmlformats.org/officeDocument/2006/math" xmlns="" val="1"/>
             </a:ext>
           </a:extLst>
         </p:spPr>
@@ -9219,7 +9219,7 @@
           </a:effectLst>
           <a:extLst>
             <a:ext uri="{C572A759-6A51-4108-AA02-DFA0A04FC94B}">
-              <ma14:wrappingTextBoxFlag xmlns="" xmlns:m="http://schemas.openxmlformats.org/officeDocument/2006/math" xmlns:a14="http://schemas.microsoft.com/office/drawing/2010/main" xmlns:ma14="http://schemas.microsoft.com/office/mac/drawingml/2011/main" val="1"/>
+              <ma14:wrappingTextBoxFlag xmlns:ma14="http://schemas.microsoft.com/office/mac/drawingml/2011/main" xmlns:a14="http://schemas.microsoft.com/office/drawing/2010/main" xmlns:m="http://schemas.openxmlformats.org/officeDocument/2006/math" xmlns="" val="1"/>
             </a:ext>
           </a:extLst>
         </p:spPr>
@@ -9281,7 +9281,7 @@
           </a:effectLst>
           <a:extLst>
             <a:ext uri="{C572A759-6A51-4108-AA02-DFA0A04FC94B}">
-              <ma14:wrappingTextBoxFlag xmlns="" xmlns:m="http://schemas.openxmlformats.org/officeDocument/2006/math" xmlns:a14="http://schemas.microsoft.com/office/drawing/2010/main" xmlns:ma14="http://schemas.microsoft.com/office/mac/drawingml/2011/main" val="1"/>
+              <ma14:wrappingTextBoxFlag xmlns:ma14="http://schemas.microsoft.com/office/mac/drawingml/2011/main" xmlns:a14="http://schemas.microsoft.com/office/drawing/2010/main" xmlns:m="http://schemas.openxmlformats.org/officeDocument/2006/math" xmlns="" val="1"/>
             </a:ext>
           </a:extLst>
         </p:spPr>
@@ -9335,7 +9335,7 @@
           </a:effectLst>
           <a:extLst>
             <a:ext uri="{C572A759-6A51-4108-AA02-DFA0A04FC94B}">
-              <ma14:wrappingTextBoxFlag xmlns="" xmlns:m="http://schemas.openxmlformats.org/officeDocument/2006/math" xmlns:a14="http://schemas.microsoft.com/office/drawing/2010/main" xmlns:ma14="http://schemas.microsoft.com/office/mac/drawingml/2011/main" val="1"/>
+              <ma14:wrappingTextBoxFlag xmlns:ma14="http://schemas.microsoft.com/office/mac/drawingml/2011/main" xmlns:a14="http://schemas.microsoft.com/office/drawing/2010/main" xmlns:m="http://schemas.openxmlformats.org/officeDocument/2006/math" xmlns="" val="1"/>
             </a:ext>
           </a:extLst>
         </p:spPr>
@@ -9389,7 +9389,7 @@
           </a:effectLst>
           <a:extLst>
             <a:ext uri="{C572A759-6A51-4108-AA02-DFA0A04FC94B}">
-              <ma14:wrappingTextBoxFlag xmlns="" xmlns:m="http://schemas.openxmlformats.org/officeDocument/2006/math" xmlns:a14="http://schemas.microsoft.com/office/drawing/2010/main" xmlns:ma14="http://schemas.microsoft.com/office/mac/drawingml/2011/main" val="1"/>
+              <ma14:wrappingTextBoxFlag xmlns:ma14="http://schemas.microsoft.com/office/mac/drawingml/2011/main" xmlns:a14="http://schemas.microsoft.com/office/drawing/2010/main" xmlns:m="http://schemas.openxmlformats.org/officeDocument/2006/math" xmlns="" val="1"/>
             </a:ext>
           </a:extLst>
         </p:spPr>
@@ -9453,7 +9453,7 @@
           </a:effectLst>
           <a:extLst>
             <a:ext uri="{C572A759-6A51-4108-AA02-DFA0A04FC94B}">
-              <ma14:wrappingTextBoxFlag xmlns="" xmlns:m="http://schemas.openxmlformats.org/officeDocument/2006/math" xmlns:a14="http://schemas.microsoft.com/office/drawing/2010/main" xmlns:ma14="http://schemas.microsoft.com/office/mac/drawingml/2011/main" val="1"/>
+              <ma14:wrappingTextBoxFlag xmlns:ma14="http://schemas.microsoft.com/office/mac/drawingml/2011/main" xmlns:a14="http://schemas.microsoft.com/office/drawing/2010/main" xmlns:m="http://schemas.openxmlformats.org/officeDocument/2006/math" xmlns="" val="1"/>
             </a:ext>
           </a:extLst>
         </p:spPr>
@@ -9629,7 +9629,7 @@
           </a:effectLst>
           <a:extLst>
             <a:ext uri="{C572A759-6A51-4108-AA02-DFA0A04FC94B}">
-              <ma14:wrappingTextBoxFlag xmlns="" xmlns:m="http://schemas.openxmlformats.org/officeDocument/2006/math" xmlns:a14="http://schemas.microsoft.com/office/drawing/2010/main" xmlns:ma14="http://schemas.microsoft.com/office/mac/drawingml/2011/main" val="1"/>
+              <ma14:wrappingTextBoxFlag xmlns:ma14="http://schemas.microsoft.com/office/mac/drawingml/2011/main" xmlns:a14="http://schemas.microsoft.com/office/drawing/2010/main" xmlns:m="http://schemas.openxmlformats.org/officeDocument/2006/math" xmlns="" val="1"/>
             </a:ext>
           </a:extLst>
         </p:spPr>
@@ -9696,7 +9696,7 @@
           </a:effectLst>
           <a:extLst>
             <a:ext uri="{C572A759-6A51-4108-AA02-DFA0A04FC94B}">
-              <ma14:wrappingTextBoxFlag xmlns="" xmlns:m="http://schemas.openxmlformats.org/officeDocument/2006/math" xmlns:a14="http://schemas.microsoft.com/office/drawing/2010/main" xmlns:ma14="http://schemas.microsoft.com/office/mac/drawingml/2011/main" val="1"/>
+              <ma14:wrappingTextBoxFlag xmlns:ma14="http://schemas.microsoft.com/office/mac/drawingml/2011/main" xmlns:a14="http://schemas.microsoft.com/office/drawing/2010/main" xmlns:m="http://schemas.openxmlformats.org/officeDocument/2006/math" xmlns="" val="1"/>
             </a:ext>
           </a:extLst>
         </p:spPr>
@@ -9750,7 +9750,7 @@
           </a:effectLst>
           <a:extLst>
             <a:ext uri="{C572A759-6A51-4108-AA02-DFA0A04FC94B}">
-              <ma14:wrappingTextBoxFlag xmlns="" xmlns:m="http://schemas.openxmlformats.org/officeDocument/2006/math" xmlns:a14="http://schemas.microsoft.com/office/drawing/2010/main" xmlns:ma14="http://schemas.microsoft.com/office/mac/drawingml/2011/main" val="1"/>
+              <ma14:wrappingTextBoxFlag xmlns:ma14="http://schemas.microsoft.com/office/mac/drawingml/2011/main" xmlns:a14="http://schemas.microsoft.com/office/drawing/2010/main" xmlns:m="http://schemas.openxmlformats.org/officeDocument/2006/math" xmlns="" val="1"/>
             </a:ext>
           </a:extLst>
         </p:spPr>
@@ -9817,7 +9817,7 @@
           </a:effectLst>
           <a:extLst>
             <a:ext uri="{C572A759-6A51-4108-AA02-DFA0A04FC94B}">
-              <ma14:wrappingTextBoxFlag xmlns="" xmlns:m="http://schemas.openxmlformats.org/officeDocument/2006/math" xmlns:a14="http://schemas.microsoft.com/office/drawing/2010/main" xmlns:ma14="http://schemas.microsoft.com/office/mac/drawingml/2011/main" val="1"/>
+              <ma14:wrappingTextBoxFlag xmlns:ma14="http://schemas.microsoft.com/office/mac/drawingml/2011/main" xmlns:a14="http://schemas.microsoft.com/office/drawing/2010/main" xmlns:m="http://schemas.openxmlformats.org/officeDocument/2006/math" xmlns="" val="1"/>
             </a:ext>
           </a:extLst>
         </p:spPr>
@@ -9881,7 +9881,7 @@
           </a:effectLst>
           <a:extLst>
             <a:ext uri="{C572A759-6A51-4108-AA02-DFA0A04FC94B}">
-              <ma14:wrappingTextBoxFlag xmlns="" xmlns:m="http://schemas.openxmlformats.org/officeDocument/2006/math" xmlns:a14="http://schemas.microsoft.com/office/drawing/2010/main" xmlns:ma14="http://schemas.microsoft.com/office/mac/drawingml/2011/main" val="1"/>
+              <ma14:wrappingTextBoxFlag xmlns:ma14="http://schemas.microsoft.com/office/mac/drawingml/2011/main" xmlns:a14="http://schemas.microsoft.com/office/drawing/2010/main" xmlns:m="http://schemas.openxmlformats.org/officeDocument/2006/math" xmlns="" val="1"/>
             </a:ext>
           </a:extLst>
         </p:spPr>
@@ -9948,7 +9948,7 @@
           </a:effectLst>
           <a:extLst>
             <a:ext uri="{C572A759-6A51-4108-AA02-DFA0A04FC94B}">
-              <ma14:wrappingTextBoxFlag xmlns="" xmlns:m="http://schemas.openxmlformats.org/officeDocument/2006/math" xmlns:a14="http://schemas.microsoft.com/office/drawing/2010/main" xmlns:ma14="http://schemas.microsoft.com/office/mac/drawingml/2011/main" val="1"/>
+              <ma14:wrappingTextBoxFlag xmlns:ma14="http://schemas.microsoft.com/office/mac/drawingml/2011/main" xmlns:a14="http://schemas.microsoft.com/office/drawing/2010/main" xmlns:m="http://schemas.openxmlformats.org/officeDocument/2006/math" xmlns="" val="1"/>
             </a:ext>
           </a:extLst>
         </p:spPr>
@@ -10016,7 +10016,7 @@
           </a:effectLst>
           <a:extLst>
             <a:ext uri="{C572A759-6A51-4108-AA02-DFA0A04FC94B}">
-              <ma14:wrappingTextBoxFlag xmlns="" xmlns:m="http://schemas.openxmlformats.org/officeDocument/2006/math" xmlns:a14="http://schemas.microsoft.com/office/drawing/2010/main" xmlns:ma14="http://schemas.microsoft.com/office/mac/drawingml/2011/main" val="1"/>
+              <ma14:wrappingTextBoxFlag xmlns:ma14="http://schemas.microsoft.com/office/mac/drawingml/2011/main" xmlns:a14="http://schemas.microsoft.com/office/drawing/2010/main" xmlns:m="http://schemas.openxmlformats.org/officeDocument/2006/math" xmlns="" val="1"/>
             </a:ext>
           </a:extLst>
         </p:spPr>
@@ -10083,7 +10083,7 @@
           </a:effectLst>
           <a:extLst>
             <a:ext uri="{C572A759-6A51-4108-AA02-DFA0A04FC94B}">
-              <ma14:wrappingTextBoxFlag xmlns="" xmlns:m="http://schemas.openxmlformats.org/officeDocument/2006/math" xmlns:a14="http://schemas.microsoft.com/office/drawing/2010/main" xmlns:ma14="http://schemas.microsoft.com/office/mac/drawingml/2011/main" val="1"/>
+              <ma14:wrappingTextBoxFlag xmlns:ma14="http://schemas.microsoft.com/office/mac/drawingml/2011/main" xmlns:a14="http://schemas.microsoft.com/office/drawing/2010/main" xmlns:m="http://schemas.openxmlformats.org/officeDocument/2006/math" xmlns="" val="1"/>
             </a:ext>
           </a:extLst>
         </p:spPr>
@@ -10151,7 +10151,7 @@
           </a:effectLst>
           <a:extLst>
             <a:ext uri="{C572A759-6A51-4108-AA02-DFA0A04FC94B}">
-              <ma14:wrappingTextBoxFlag xmlns="" xmlns:m="http://schemas.openxmlformats.org/officeDocument/2006/math" xmlns:a14="http://schemas.microsoft.com/office/drawing/2010/main" xmlns:ma14="http://schemas.microsoft.com/office/mac/drawingml/2011/main" val="1"/>
+              <ma14:wrappingTextBoxFlag xmlns:ma14="http://schemas.microsoft.com/office/mac/drawingml/2011/main" xmlns:a14="http://schemas.microsoft.com/office/drawing/2010/main" xmlns:m="http://schemas.openxmlformats.org/officeDocument/2006/math" xmlns="" val="1"/>
             </a:ext>
           </a:extLst>
         </p:spPr>
@@ -10218,7 +10218,7 @@
           </a:effectLst>
           <a:extLst>
             <a:ext uri="{C572A759-6A51-4108-AA02-DFA0A04FC94B}">
-              <ma14:wrappingTextBoxFlag xmlns="" xmlns:m="http://schemas.openxmlformats.org/officeDocument/2006/math" xmlns:a14="http://schemas.microsoft.com/office/drawing/2010/main" xmlns:ma14="http://schemas.microsoft.com/office/mac/drawingml/2011/main" val="1"/>
+              <ma14:wrappingTextBoxFlag xmlns:ma14="http://schemas.microsoft.com/office/mac/drawingml/2011/main" xmlns:a14="http://schemas.microsoft.com/office/drawing/2010/main" xmlns:m="http://schemas.openxmlformats.org/officeDocument/2006/math" xmlns="" val="1"/>
             </a:ext>
           </a:extLst>
         </p:spPr>
@@ -10282,7 +10282,7 @@
           </a:effectLst>
           <a:extLst>
             <a:ext uri="{C572A759-6A51-4108-AA02-DFA0A04FC94B}">
-              <ma14:wrappingTextBoxFlag xmlns="" xmlns:m="http://schemas.openxmlformats.org/officeDocument/2006/math" xmlns:a14="http://schemas.microsoft.com/office/drawing/2010/main" xmlns:ma14="http://schemas.microsoft.com/office/mac/drawingml/2011/main" val="1"/>
+              <ma14:wrappingTextBoxFlag xmlns:ma14="http://schemas.microsoft.com/office/mac/drawingml/2011/main" xmlns:a14="http://schemas.microsoft.com/office/drawing/2010/main" xmlns:m="http://schemas.openxmlformats.org/officeDocument/2006/math" xmlns="" val="1"/>
             </a:ext>
           </a:extLst>
         </p:spPr>
@@ -10336,7 +10336,7 @@
           </a:effectLst>
           <a:extLst>
             <a:ext uri="{C572A759-6A51-4108-AA02-DFA0A04FC94B}">
-              <ma14:wrappingTextBoxFlag xmlns="" xmlns:m="http://schemas.openxmlformats.org/officeDocument/2006/math" xmlns:a14="http://schemas.microsoft.com/office/drawing/2010/main" xmlns:ma14="http://schemas.microsoft.com/office/mac/drawingml/2011/main" val="1"/>
+              <ma14:wrappingTextBoxFlag xmlns:ma14="http://schemas.microsoft.com/office/mac/drawingml/2011/main" xmlns:a14="http://schemas.microsoft.com/office/drawing/2010/main" xmlns:m="http://schemas.openxmlformats.org/officeDocument/2006/math" xmlns="" val="1"/>
             </a:ext>
           </a:extLst>
         </p:spPr>
@@ -10400,7 +10400,7 @@
           </a:effectLst>
           <a:extLst>
             <a:ext uri="{C572A759-6A51-4108-AA02-DFA0A04FC94B}">
-              <ma14:wrappingTextBoxFlag xmlns="" xmlns:m="http://schemas.openxmlformats.org/officeDocument/2006/math" xmlns:a14="http://schemas.microsoft.com/office/drawing/2010/main" xmlns:ma14="http://schemas.microsoft.com/office/mac/drawingml/2011/main" val="1"/>
+              <ma14:wrappingTextBoxFlag xmlns:ma14="http://schemas.microsoft.com/office/mac/drawingml/2011/main" xmlns:a14="http://schemas.microsoft.com/office/drawing/2010/main" xmlns:m="http://schemas.openxmlformats.org/officeDocument/2006/math" xmlns="" val="1"/>
             </a:ext>
           </a:extLst>
         </p:spPr>
@@ -10455,7 +10455,7 @@
           </a:ln>
           <a:extLst>
             <a:ext uri="{C572A759-6A51-4108-AA02-DFA0A04FC94B}">
-              <ma14:wrappingTextBoxFlag xmlns="" xmlns:m="http://schemas.openxmlformats.org/officeDocument/2006/math" xmlns:a14="http://schemas.microsoft.com/office/drawing/2010/main" xmlns:ma14="http://schemas.microsoft.com/office/mac/drawingml/2011/main" val="1"/>
+              <ma14:wrappingTextBoxFlag xmlns:ma14="http://schemas.microsoft.com/office/mac/drawingml/2011/main" xmlns:a14="http://schemas.microsoft.com/office/drawing/2010/main" xmlns:m="http://schemas.openxmlformats.org/officeDocument/2006/math" xmlns="" val="1"/>
             </a:ext>
           </a:extLst>
         </p:spPr>
@@ -10504,7 +10504,7 @@
           </a:ln>
           <a:extLst>
             <a:ext uri="{C572A759-6A51-4108-AA02-DFA0A04FC94B}">
-              <ma14:wrappingTextBoxFlag xmlns="" xmlns:m="http://schemas.openxmlformats.org/officeDocument/2006/math" xmlns:a14="http://schemas.microsoft.com/office/drawing/2010/main" xmlns:ma14="http://schemas.microsoft.com/office/mac/drawingml/2011/main" val="1"/>
+              <ma14:wrappingTextBoxFlag xmlns:ma14="http://schemas.microsoft.com/office/mac/drawingml/2011/main" xmlns:a14="http://schemas.microsoft.com/office/drawing/2010/main" xmlns:m="http://schemas.openxmlformats.org/officeDocument/2006/math" xmlns="" val="1"/>
             </a:ext>
           </a:extLst>
         </p:spPr>
@@ -10617,7 +10617,7 @@
           <a:effectLst/>
           <a:extLst>
             <a:ext uri="{C572A759-6A51-4108-AA02-DFA0A04FC94B}">
-              <ma14:wrappingTextBoxFlag xmlns="" xmlns:m="http://schemas.openxmlformats.org/officeDocument/2006/math" xmlns:a14="http://schemas.microsoft.com/office/drawing/2010/main" xmlns:ma14="http://schemas.microsoft.com/office/mac/drawingml/2011/main" val="1"/>
+              <ma14:wrappingTextBoxFlag xmlns:ma14="http://schemas.microsoft.com/office/mac/drawingml/2011/main" xmlns:a14="http://schemas.microsoft.com/office/drawing/2010/main" xmlns:m="http://schemas.openxmlformats.org/officeDocument/2006/math" xmlns="" val="1"/>
             </a:ext>
           </a:extLst>
         </p:spPr>
@@ -10671,7 +10671,7 @@
           <a:effectLst/>
           <a:extLst>
             <a:ext uri="{C572A759-6A51-4108-AA02-DFA0A04FC94B}">
-              <ma14:wrappingTextBoxFlag xmlns="" xmlns:m="http://schemas.openxmlformats.org/officeDocument/2006/math" xmlns:a14="http://schemas.microsoft.com/office/drawing/2010/main" xmlns:ma14="http://schemas.microsoft.com/office/mac/drawingml/2011/main" val="1"/>
+              <ma14:wrappingTextBoxFlag xmlns:ma14="http://schemas.microsoft.com/office/mac/drawingml/2011/main" xmlns:a14="http://schemas.microsoft.com/office/drawing/2010/main" xmlns:m="http://schemas.openxmlformats.org/officeDocument/2006/math" xmlns="" val="1"/>
             </a:ext>
           </a:extLst>
         </p:spPr>
@@ -10722,7 +10722,7 @@
           </a:ln>
           <a:extLst>
             <a:ext uri="{C572A759-6A51-4108-AA02-DFA0A04FC94B}">
-              <ma14:wrappingTextBoxFlag xmlns="" xmlns:m="http://schemas.openxmlformats.org/officeDocument/2006/math" xmlns:a14="http://schemas.microsoft.com/office/drawing/2010/main" xmlns:ma14="http://schemas.microsoft.com/office/mac/drawingml/2011/main" val="1"/>
+              <ma14:wrappingTextBoxFlag xmlns:ma14="http://schemas.microsoft.com/office/mac/drawingml/2011/main" xmlns:a14="http://schemas.microsoft.com/office/drawing/2010/main" xmlns:m="http://schemas.openxmlformats.org/officeDocument/2006/math" xmlns="" val="1"/>
             </a:ext>
           </a:extLst>
         </p:spPr>
@@ -10897,7 +10897,7 @@
           </a:effectLst>
           <a:extLst>
             <a:ext uri="{C572A759-6A51-4108-AA02-DFA0A04FC94B}">
-              <ma14:wrappingTextBoxFlag xmlns="" xmlns:m="http://schemas.openxmlformats.org/officeDocument/2006/math" xmlns:a14="http://schemas.microsoft.com/office/drawing/2010/main" xmlns:ma14="http://schemas.microsoft.com/office/mac/drawingml/2011/main" val="1"/>
+              <ma14:wrappingTextBoxFlag xmlns:ma14="http://schemas.microsoft.com/office/mac/drawingml/2011/main" xmlns:a14="http://schemas.microsoft.com/office/drawing/2010/main" xmlns:m="http://schemas.openxmlformats.org/officeDocument/2006/math" xmlns="" val="1"/>
             </a:ext>
           </a:extLst>
         </p:spPr>
@@ -10956,7 +10956,7 @@
           </a:effectLst>
           <a:extLst>
             <a:ext uri="{C572A759-6A51-4108-AA02-DFA0A04FC94B}">
-              <ma14:wrappingTextBoxFlag xmlns="" xmlns:m="http://schemas.openxmlformats.org/officeDocument/2006/math" xmlns:a14="http://schemas.microsoft.com/office/drawing/2010/main" xmlns:ma14="http://schemas.microsoft.com/office/mac/drawingml/2011/main" val="1"/>
+              <ma14:wrappingTextBoxFlag xmlns:ma14="http://schemas.microsoft.com/office/mac/drawingml/2011/main" xmlns:a14="http://schemas.microsoft.com/office/drawing/2010/main" xmlns:m="http://schemas.openxmlformats.org/officeDocument/2006/math" xmlns="" val="1"/>
             </a:ext>
           </a:extLst>
         </p:spPr>
@@ -11021,7 +11021,7 @@
           </a:effectLst>
           <a:extLst>
             <a:ext uri="{C572A759-6A51-4108-AA02-DFA0A04FC94B}">
-              <ma14:wrappingTextBoxFlag xmlns="" xmlns:m="http://schemas.openxmlformats.org/officeDocument/2006/math" xmlns:a14="http://schemas.microsoft.com/office/drawing/2010/main" xmlns:ma14="http://schemas.microsoft.com/office/mac/drawingml/2011/main" val="1"/>
+              <ma14:wrappingTextBoxFlag xmlns:ma14="http://schemas.microsoft.com/office/mac/drawingml/2011/main" xmlns:a14="http://schemas.microsoft.com/office/drawing/2010/main" xmlns:m="http://schemas.openxmlformats.org/officeDocument/2006/math" xmlns="" val="1"/>
             </a:ext>
           </a:extLst>
         </p:spPr>
@@ -11086,7 +11086,7 @@
           </a:effectLst>
           <a:extLst>
             <a:ext uri="{C572A759-6A51-4108-AA02-DFA0A04FC94B}">
-              <ma14:wrappingTextBoxFlag xmlns="" xmlns:m="http://schemas.openxmlformats.org/officeDocument/2006/math" xmlns:a14="http://schemas.microsoft.com/office/drawing/2010/main" xmlns:ma14="http://schemas.microsoft.com/office/mac/drawingml/2011/main" val="1"/>
+              <ma14:wrappingTextBoxFlag xmlns:ma14="http://schemas.microsoft.com/office/mac/drawingml/2011/main" xmlns:a14="http://schemas.microsoft.com/office/drawing/2010/main" xmlns:m="http://schemas.openxmlformats.org/officeDocument/2006/math" xmlns="" val="1"/>
             </a:ext>
           </a:extLst>
         </p:spPr>
@@ -11151,7 +11151,7 @@
           </a:effectLst>
           <a:extLst>
             <a:ext uri="{C572A759-6A51-4108-AA02-DFA0A04FC94B}">
-              <ma14:wrappingTextBoxFlag xmlns="" xmlns:m="http://schemas.openxmlformats.org/officeDocument/2006/math" xmlns:a14="http://schemas.microsoft.com/office/drawing/2010/main" xmlns:ma14="http://schemas.microsoft.com/office/mac/drawingml/2011/main" val="1"/>
+              <ma14:wrappingTextBoxFlag xmlns:ma14="http://schemas.microsoft.com/office/mac/drawingml/2011/main" xmlns:a14="http://schemas.microsoft.com/office/drawing/2010/main" xmlns:m="http://schemas.openxmlformats.org/officeDocument/2006/math" xmlns="" val="1"/>
             </a:ext>
           </a:extLst>
         </p:spPr>
@@ -11270,7 +11270,7 @@
           </a:effectLst>
           <a:extLst>
             <a:ext uri="{C572A759-6A51-4108-AA02-DFA0A04FC94B}">
-              <ma14:wrappingTextBoxFlag xmlns="" xmlns:m="http://schemas.openxmlformats.org/officeDocument/2006/math" xmlns:a14="http://schemas.microsoft.com/office/drawing/2010/main" xmlns:ma14="http://schemas.microsoft.com/office/mac/drawingml/2011/main" val="1"/>
+              <ma14:wrappingTextBoxFlag xmlns:ma14="http://schemas.microsoft.com/office/mac/drawingml/2011/main" xmlns:a14="http://schemas.microsoft.com/office/drawing/2010/main" xmlns:m="http://schemas.openxmlformats.org/officeDocument/2006/math" xmlns="" val="1"/>
             </a:ext>
           </a:extLst>
         </p:spPr>
@@ -11334,7 +11334,7 @@
           </a:effectLst>
           <a:extLst>
             <a:ext uri="{C572A759-6A51-4108-AA02-DFA0A04FC94B}">
-              <ma14:wrappingTextBoxFlag xmlns="" xmlns:m="http://schemas.openxmlformats.org/officeDocument/2006/math" xmlns:a14="http://schemas.microsoft.com/office/drawing/2010/main" xmlns:ma14="http://schemas.microsoft.com/office/mac/drawingml/2011/main" val="1"/>
+              <ma14:wrappingTextBoxFlag xmlns:ma14="http://schemas.microsoft.com/office/mac/drawingml/2011/main" xmlns:a14="http://schemas.microsoft.com/office/drawing/2010/main" xmlns:m="http://schemas.openxmlformats.org/officeDocument/2006/math" xmlns="" val="1"/>
             </a:ext>
           </a:extLst>
         </p:spPr>
@@ -11401,7 +11401,7 @@
           </a:effectLst>
           <a:extLst>
             <a:ext uri="{C572A759-6A51-4108-AA02-DFA0A04FC94B}">
-              <ma14:wrappingTextBoxFlag xmlns="" xmlns:m="http://schemas.openxmlformats.org/officeDocument/2006/math" xmlns:a14="http://schemas.microsoft.com/office/drawing/2010/main" xmlns:ma14="http://schemas.microsoft.com/office/mac/drawingml/2011/main" val="1"/>
+              <ma14:wrappingTextBoxFlag xmlns:ma14="http://schemas.microsoft.com/office/mac/drawingml/2011/main" xmlns:a14="http://schemas.microsoft.com/office/drawing/2010/main" xmlns:m="http://schemas.openxmlformats.org/officeDocument/2006/math" xmlns="" val="1"/>
             </a:ext>
           </a:extLst>
         </p:spPr>
@@ -11454,7 +11454,7 @@
           </a:effectLst>
           <a:extLst>
             <a:ext uri="{C572A759-6A51-4108-AA02-DFA0A04FC94B}">
-              <ma14:wrappingTextBoxFlag xmlns="" xmlns:m="http://schemas.openxmlformats.org/officeDocument/2006/math" xmlns:a14="http://schemas.microsoft.com/office/drawing/2010/main" xmlns:ma14="http://schemas.microsoft.com/office/mac/drawingml/2011/main" val="1"/>
+              <ma14:wrappingTextBoxFlag xmlns:ma14="http://schemas.microsoft.com/office/mac/drawingml/2011/main" xmlns:a14="http://schemas.microsoft.com/office/drawing/2010/main" xmlns:m="http://schemas.openxmlformats.org/officeDocument/2006/math" xmlns="" val="1"/>
             </a:ext>
           </a:extLst>
         </p:spPr>
@@ -11510,7 +11510,7 @@
           </a:effectLst>
           <a:extLst>
             <a:ext uri="{C572A759-6A51-4108-AA02-DFA0A04FC94B}">
-              <ma14:wrappingTextBoxFlag xmlns="" xmlns:m="http://schemas.openxmlformats.org/officeDocument/2006/math" xmlns:a14="http://schemas.microsoft.com/office/drawing/2010/main" xmlns:ma14="http://schemas.microsoft.com/office/mac/drawingml/2011/main" val="1"/>
+              <ma14:wrappingTextBoxFlag xmlns:ma14="http://schemas.microsoft.com/office/mac/drawingml/2011/main" xmlns:a14="http://schemas.microsoft.com/office/drawing/2010/main" xmlns:m="http://schemas.openxmlformats.org/officeDocument/2006/math" xmlns="" val="1"/>
             </a:ext>
           </a:extLst>
         </p:spPr>
@@ -11626,7 +11626,7 @@
           </a:effectLst>
           <a:extLst>
             <a:ext uri="{C572A759-6A51-4108-AA02-DFA0A04FC94B}">
-              <ma14:wrappingTextBoxFlag xmlns="" xmlns:m="http://schemas.openxmlformats.org/officeDocument/2006/math" xmlns:a14="http://schemas.microsoft.com/office/drawing/2010/main" xmlns:ma14="http://schemas.microsoft.com/office/mac/drawingml/2011/main" val="1"/>
+              <ma14:wrappingTextBoxFlag xmlns:ma14="http://schemas.microsoft.com/office/mac/drawingml/2011/main" xmlns:a14="http://schemas.microsoft.com/office/drawing/2010/main" xmlns:m="http://schemas.openxmlformats.org/officeDocument/2006/math" xmlns="" val="1"/>
             </a:ext>
           </a:extLst>
         </p:spPr>
@@ -11679,7 +11679,7 @@
           </a:effectLst>
           <a:extLst>
             <a:ext uri="{C572A759-6A51-4108-AA02-DFA0A04FC94B}">
-              <ma14:wrappingTextBoxFlag xmlns="" xmlns:m="http://schemas.openxmlformats.org/officeDocument/2006/math" xmlns:a14="http://schemas.microsoft.com/office/drawing/2010/main" xmlns:ma14="http://schemas.microsoft.com/office/mac/drawingml/2011/main" val="1"/>
+              <ma14:wrappingTextBoxFlag xmlns:ma14="http://schemas.microsoft.com/office/mac/drawingml/2011/main" xmlns:a14="http://schemas.microsoft.com/office/drawing/2010/main" xmlns:m="http://schemas.openxmlformats.org/officeDocument/2006/math" xmlns="" val="1"/>
             </a:ext>
           </a:extLst>
         </p:spPr>
@@ -11746,7 +11746,7 @@
           </a:effectLst>
           <a:extLst>
             <a:ext uri="{C572A759-6A51-4108-AA02-DFA0A04FC94B}">
-              <ma14:wrappingTextBoxFlag xmlns="" xmlns:m="http://schemas.openxmlformats.org/officeDocument/2006/math" xmlns:a14="http://schemas.microsoft.com/office/drawing/2010/main" xmlns:ma14="http://schemas.microsoft.com/office/mac/drawingml/2011/main" val="1"/>
+              <ma14:wrappingTextBoxFlag xmlns:ma14="http://schemas.microsoft.com/office/mac/drawingml/2011/main" xmlns:a14="http://schemas.microsoft.com/office/drawing/2010/main" xmlns:m="http://schemas.openxmlformats.org/officeDocument/2006/math" xmlns="" val="1"/>
             </a:ext>
           </a:extLst>
         </p:spPr>
@@ -11811,7 +11811,7 @@
           </a:effectLst>
           <a:extLst>
             <a:ext uri="{C572A759-6A51-4108-AA02-DFA0A04FC94B}">
-              <ma14:wrappingTextBoxFlag xmlns="" xmlns:m="http://schemas.openxmlformats.org/officeDocument/2006/math" xmlns:a14="http://schemas.microsoft.com/office/drawing/2010/main" xmlns:ma14="http://schemas.microsoft.com/office/mac/drawingml/2011/main" val="1"/>
+              <ma14:wrappingTextBoxFlag xmlns:ma14="http://schemas.microsoft.com/office/mac/drawingml/2011/main" xmlns:a14="http://schemas.microsoft.com/office/drawing/2010/main" xmlns:m="http://schemas.openxmlformats.org/officeDocument/2006/math" xmlns="" val="1"/>
             </a:ext>
           </a:extLst>
         </p:spPr>
@@ -11978,7 +11978,7 @@
           </a:effectLst>
           <a:extLst>
             <a:ext uri="{C572A759-6A51-4108-AA02-DFA0A04FC94B}">
-              <ma14:wrappingTextBoxFlag xmlns="" xmlns:m="http://schemas.openxmlformats.org/officeDocument/2006/math" xmlns:a14="http://schemas.microsoft.com/office/drawing/2010/main" xmlns:ma14="http://schemas.microsoft.com/office/mac/drawingml/2011/main" val="1"/>
+              <ma14:wrappingTextBoxFlag xmlns:ma14="http://schemas.microsoft.com/office/mac/drawingml/2011/main" xmlns:a14="http://schemas.microsoft.com/office/drawing/2010/main" xmlns:m="http://schemas.openxmlformats.org/officeDocument/2006/math" xmlns="" val="1"/>
             </a:ext>
           </a:extLst>
         </p:spPr>
@@ -12031,7 +12031,7 @@
           </a:effectLst>
           <a:extLst>
             <a:ext uri="{C572A759-6A51-4108-AA02-DFA0A04FC94B}">
-              <ma14:wrappingTextBoxFlag xmlns="" xmlns:m="http://schemas.openxmlformats.org/officeDocument/2006/math" xmlns:a14="http://schemas.microsoft.com/office/drawing/2010/main" xmlns:ma14="http://schemas.microsoft.com/office/mac/drawingml/2011/main" val="1"/>
+              <ma14:wrappingTextBoxFlag xmlns:ma14="http://schemas.microsoft.com/office/mac/drawingml/2011/main" xmlns:a14="http://schemas.microsoft.com/office/drawing/2010/main" xmlns:m="http://schemas.openxmlformats.org/officeDocument/2006/math" xmlns="" val="1"/>
             </a:ext>
           </a:extLst>
         </p:spPr>
@@ -12095,7 +12095,7 @@
           </a:effectLst>
           <a:extLst>
             <a:ext uri="{C572A759-6A51-4108-AA02-DFA0A04FC94B}">
-              <ma14:wrappingTextBoxFlag xmlns="" xmlns:m="http://schemas.openxmlformats.org/officeDocument/2006/math" xmlns:a14="http://schemas.microsoft.com/office/drawing/2010/main" xmlns:ma14="http://schemas.microsoft.com/office/mac/drawingml/2011/main" val="1"/>
+              <ma14:wrappingTextBoxFlag xmlns:ma14="http://schemas.microsoft.com/office/mac/drawingml/2011/main" xmlns:a14="http://schemas.microsoft.com/office/drawing/2010/main" xmlns:m="http://schemas.openxmlformats.org/officeDocument/2006/math" xmlns="" val="1"/>
             </a:ext>
           </a:extLst>
         </p:spPr>
@@ -12216,7 +12216,7 @@
           </a:effectLst>
           <a:extLst>
             <a:ext uri="{C572A759-6A51-4108-AA02-DFA0A04FC94B}">
-              <ma14:wrappingTextBoxFlag xmlns="" xmlns:m="http://schemas.openxmlformats.org/officeDocument/2006/math" xmlns:a14="http://schemas.microsoft.com/office/drawing/2010/main" xmlns:ma14="http://schemas.microsoft.com/office/mac/drawingml/2011/main" val="1"/>
+              <ma14:wrappingTextBoxFlag xmlns:ma14="http://schemas.microsoft.com/office/mac/drawingml/2011/main" xmlns:a14="http://schemas.microsoft.com/office/drawing/2010/main" xmlns:m="http://schemas.openxmlformats.org/officeDocument/2006/math" xmlns="" val="1"/>
             </a:ext>
           </a:extLst>
         </p:spPr>
@@ -12275,7 +12275,7 @@
           </a:effectLst>
           <a:extLst>
             <a:ext uri="{C572A759-6A51-4108-AA02-DFA0A04FC94B}">
-              <ma14:wrappingTextBoxFlag xmlns="" xmlns:m="http://schemas.openxmlformats.org/officeDocument/2006/math" xmlns:a14="http://schemas.microsoft.com/office/drawing/2010/main" xmlns:ma14="http://schemas.microsoft.com/office/mac/drawingml/2011/main" val="1"/>
+              <ma14:wrappingTextBoxFlag xmlns:ma14="http://schemas.microsoft.com/office/mac/drawingml/2011/main" xmlns:a14="http://schemas.microsoft.com/office/drawing/2010/main" xmlns:m="http://schemas.openxmlformats.org/officeDocument/2006/math" xmlns="" val="1"/>
             </a:ext>
           </a:extLst>
         </p:spPr>
@@ -12340,7 +12340,7 @@
           </a:effectLst>
           <a:extLst>
             <a:ext uri="{C572A759-6A51-4108-AA02-DFA0A04FC94B}">
-              <ma14:wrappingTextBoxFlag xmlns="" xmlns:m="http://schemas.openxmlformats.org/officeDocument/2006/math" xmlns:a14="http://schemas.microsoft.com/office/drawing/2010/main" xmlns:ma14="http://schemas.microsoft.com/office/mac/drawingml/2011/main" val="1"/>
+              <ma14:wrappingTextBoxFlag xmlns:ma14="http://schemas.microsoft.com/office/mac/drawingml/2011/main" xmlns:a14="http://schemas.microsoft.com/office/drawing/2010/main" xmlns:m="http://schemas.openxmlformats.org/officeDocument/2006/math" xmlns="" val="1"/>
             </a:ext>
           </a:extLst>
         </p:spPr>
@@ -12405,7 +12405,7 @@
           </a:effectLst>
           <a:extLst>
             <a:ext uri="{C572A759-6A51-4108-AA02-DFA0A04FC94B}">
-              <ma14:wrappingTextBoxFlag xmlns="" xmlns:m="http://schemas.openxmlformats.org/officeDocument/2006/math" xmlns:a14="http://schemas.microsoft.com/office/drawing/2010/main" xmlns:ma14="http://schemas.microsoft.com/office/mac/drawingml/2011/main" val="1"/>
+              <ma14:wrappingTextBoxFlag xmlns:ma14="http://schemas.microsoft.com/office/mac/drawingml/2011/main" xmlns:a14="http://schemas.microsoft.com/office/drawing/2010/main" xmlns:m="http://schemas.openxmlformats.org/officeDocument/2006/math" xmlns="" val="1"/>
             </a:ext>
           </a:extLst>
         </p:spPr>
@@ -12470,7 +12470,7 @@
           </a:effectLst>
           <a:extLst>
             <a:ext uri="{C572A759-6A51-4108-AA02-DFA0A04FC94B}">
-              <ma14:wrappingTextBoxFlag xmlns="" xmlns:m="http://schemas.openxmlformats.org/officeDocument/2006/math" xmlns:a14="http://schemas.microsoft.com/office/drawing/2010/main" xmlns:ma14="http://schemas.microsoft.com/office/mac/drawingml/2011/main" val="1"/>
+              <ma14:wrappingTextBoxFlag xmlns:ma14="http://schemas.microsoft.com/office/mac/drawingml/2011/main" xmlns:a14="http://schemas.microsoft.com/office/drawing/2010/main" xmlns:m="http://schemas.openxmlformats.org/officeDocument/2006/math" xmlns="" val="1"/>
             </a:ext>
           </a:extLst>
         </p:spPr>
